--- a/processzor + memoria.pptx
+++ b/processzor + memoria.pptx
@@ -6,6 +6,14 @@
   </p:sldMasterIdLst>
   <p:sldIdLst>
     <p:sldId id="256" r:id="rId2"/>
+    <p:sldId id="258" r:id="rId3"/>
+    <p:sldId id="259" r:id="rId4"/>
+    <p:sldId id="262" r:id="rId5"/>
+    <p:sldId id="260" r:id="rId6"/>
+    <p:sldId id="263" r:id="rId7"/>
+    <p:sldId id="264" r:id="rId8"/>
+    <p:sldId id="265" r:id="rId9"/>
+    <p:sldId id="266" r:id="rId10"/>
   </p:sldIdLst>
   <p:sldSz cx="12192000" cy="6858000"/>
   <p:notesSz cx="6858000" cy="9144000"/>
@@ -104,6 +112,11 @@
       </a:defRPr>
     </a:lvl9pPr>
   </p:defaultTextStyle>
+  <p:extLst>
+    <p:ext uri="{EFAFB233-063F-42B5-8137-9DF3F51BA10A}">
+      <p15:sldGuideLst xmlns:p15="http://schemas.microsoft.com/office/powerpoint/2012/main"/>
+    </p:ext>
+  </p:extLst>
 </p:presentation>
 </file>
 
@@ -238,7 +251,7 @@
           <a:p>
             <a:fld id="{397604E0-0D2C-4780-BF54-3C57F83D7B51}" type="datetimeFigureOut">
               <a:rPr lang="hu-HU" smtClean="0"/>
-              <a:t>2023.10.03.</a:t>
+              <a:t>2023.10.04.</a:t>
             </a:fld>
             <a:endParaRPr lang="hu-HU"/>
           </a:p>
@@ -408,7 +421,7 @@
           <a:p>
             <a:fld id="{397604E0-0D2C-4780-BF54-3C57F83D7B51}" type="datetimeFigureOut">
               <a:rPr lang="hu-HU" smtClean="0"/>
-              <a:t>2023.10.03.</a:t>
+              <a:t>2023.10.04.</a:t>
             </a:fld>
             <a:endParaRPr lang="hu-HU"/>
           </a:p>
@@ -588,7 +601,7 @@
           <a:p>
             <a:fld id="{397604E0-0D2C-4780-BF54-3C57F83D7B51}" type="datetimeFigureOut">
               <a:rPr lang="hu-HU" smtClean="0"/>
-              <a:t>2023.10.03.</a:t>
+              <a:t>2023.10.04.</a:t>
             </a:fld>
             <a:endParaRPr lang="hu-HU"/>
           </a:p>
@@ -758,7 +771,7 @@
           <a:p>
             <a:fld id="{397604E0-0D2C-4780-BF54-3C57F83D7B51}" type="datetimeFigureOut">
               <a:rPr lang="hu-HU" smtClean="0"/>
-              <a:t>2023.10.03.</a:t>
+              <a:t>2023.10.04.</a:t>
             </a:fld>
             <a:endParaRPr lang="hu-HU"/>
           </a:p>
@@ -1004,7 +1017,7 @@
           <a:p>
             <a:fld id="{397604E0-0D2C-4780-BF54-3C57F83D7B51}" type="datetimeFigureOut">
               <a:rPr lang="hu-HU" smtClean="0"/>
-              <a:t>2023.10.03.</a:t>
+              <a:t>2023.10.04.</a:t>
             </a:fld>
             <a:endParaRPr lang="hu-HU"/>
           </a:p>
@@ -1236,7 +1249,7 @@
           <a:p>
             <a:fld id="{397604E0-0D2C-4780-BF54-3C57F83D7B51}" type="datetimeFigureOut">
               <a:rPr lang="hu-HU" smtClean="0"/>
-              <a:t>2023.10.03.</a:t>
+              <a:t>2023.10.04.</a:t>
             </a:fld>
             <a:endParaRPr lang="hu-HU"/>
           </a:p>
@@ -1603,7 +1616,7 @@
           <a:p>
             <a:fld id="{397604E0-0D2C-4780-BF54-3C57F83D7B51}" type="datetimeFigureOut">
               <a:rPr lang="hu-HU" smtClean="0"/>
-              <a:t>2023.10.03.</a:t>
+              <a:t>2023.10.04.</a:t>
             </a:fld>
             <a:endParaRPr lang="hu-HU"/>
           </a:p>
@@ -1721,7 +1734,7 @@
           <a:p>
             <a:fld id="{397604E0-0D2C-4780-BF54-3C57F83D7B51}" type="datetimeFigureOut">
               <a:rPr lang="hu-HU" smtClean="0"/>
-              <a:t>2023.10.03.</a:t>
+              <a:t>2023.10.04.</a:t>
             </a:fld>
             <a:endParaRPr lang="hu-HU"/>
           </a:p>
@@ -1816,7 +1829,7 @@
           <a:p>
             <a:fld id="{397604E0-0D2C-4780-BF54-3C57F83D7B51}" type="datetimeFigureOut">
               <a:rPr lang="hu-HU" smtClean="0"/>
-              <a:t>2023.10.03.</a:t>
+              <a:t>2023.10.04.</a:t>
             </a:fld>
             <a:endParaRPr lang="hu-HU"/>
           </a:p>
@@ -2093,7 +2106,7 @@
           <a:p>
             <a:fld id="{397604E0-0D2C-4780-BF54-3C57F83D7B51}" type="datetimeFigureOut">
               <a:rPr lang="hu-HU" smtClean="0"/>
-              <a:t>2023.10.03.</a:t>
+              <a:t>2023.10.04.</a:t>
             </a:fld>
             <a:endParaRPr lang="hu-HU"/>
           </a:p>
@@ -2346,7 +2359,7 @@
           <a:p>
             <a:fld id="{397604E0-0D2C-4780-BF54-3C57F83D7B51}" type="datetimeFigureOut">
               <a:rPr lang="hu-HU" smtClean="0"/>
-              <a:t>2023.10.03.</a:t>
+              <a:t>2023.10.04.</a:t>
             </a:fld>
             <a:endParaRPr lang="hu-HU"/>
           </a:p>
@@ -2411,9 +2424,18 @@
 <p:sldMaster xmlns:a="http://schemas.openxmlformats.org/drawingml/2006/main" xmlns:r="http://schemas.openxmlformats.org/officeDocument/2006/relationships" xmlns:p="http://schemas.openxmlformats.org/presentationml/2006/main">
   <p:cSld>
     <p:bg>
-      <p:bgRef idx="1001">
-        <a:schemeClr val="bg1"/>
-      </p:bgRef>
+      <p:bgPr>
+        <a:blipFill dpi="0" rotWithShape="1">
+          <a:blip r:embed="rId13">
+            <a:lum/>
+          </a:blip>
+          <a:srcRect/>
+          <a:stretch>
+            <a:fillRect/>
+          </a:stretch>
+        </a:blipFill>
+        <a:effectLst/>
+      </p:bgPr>
     </p:bg>
     <p:spTree>
       <p:nvGrpSpPr>
@@ -2559,7 +2581,7 @@
           <a:p>
             <a:fld id="{397604E0-0D2C-4780-BF54-3C57F83D7B51}" type="datetimeFigureOut">
               <a:rPr lang="hu-HU" smtClean="0"/>
-              <a:t>2023.10.03.</a:t>
+              <a:t>2023.10.04.</a:t>
             </a:fld>
             <a:endParaRPr lang="hu-HU"/>
           </a:p>
@@ -3185,6 +3207,18 @@
   <p:clrMapOvr>
     <a:masterClrMapping/>
   </p:clrMapOvr>
+  <mc:AlternateContent xmlns:mc="http://schemas.openxmlformats.org/markup-compatibility/2006">
+    <mc:Choice xmlns:p14="http://schemas.microsoft.com/office/powerpoint/2010/main" Requires="p14">
+      <p:transition spd="med" p14:dur="700">
+        <p:fade/>
+      </p:transition>
+    </mc:Choice>
+    <mc:Fallback>
+      <p:transition spd="med">
+        <p:fade/>
+      </p:transition>
+    </mc:Fallback>
+  </mc:AlternateContent>
   <p:timing>
     <p:tnLst>
       <p:par>
@@ -3755,6 +3789,4798 @@
       <p:bldP spid="2" grpId="0"/>
       <p:bldP spid="3" grpId="0" build="p"/>
     </p:bldLst>
+  </p:timing>
+</p:sld>
+</file>
+
+<file path=ppt/slides/slide2.xml><?xml version="1.0" encoding="utf-8"?>
+<p:sld xmlns:a="http://schemas.openxmlformats.org/drawingml/2006/main" xmlns:r="http://schemas.openxmlformats.org/officeDocument/2006/relationships" xmlns:p="http://schemas.openxmlformats.org/presentationml/2006/main">
+  <p:cSld>
+    <p:spTree>
+      <p:nvGrpSpPr>
+        <p:cNvPr id="1" name=""/>
+        <p:cNvGrpSpPr/>
+        <p:nvPr/>
+      </p:nvGrpSpPr>
+      <p:grpSpPr>
+        <a:xfrm>
+          <a:off x="0" y="0"/>
+          <a:ext cx="0" cy="0"/>
+          <a:chOff x="0" y="0"/>
+          <a:chExt cx="0" cy="0"/>
+        </a:xfrm>
+      </p:grpSpPr>
+      <p:sp>
+        <p:nvSpPr>
+          <p:cNvPr id="2" name="Cím 1"/>
+          <p:cNvSpPr>
+            <a:spLocks noGrp="1"/>
+          </p:cNvSpPr>
+          <p:nvPr>
+            <p:ph type="title"/>
+          </p:nvPr>
+        </p:nvSpPr>
+        <p:spPr>
+          <a:xfrm>
+            <a:off x="838200" y="283238"/>
+            <a:ext cx="10515600" cy="1325563"/>
+          </a:xfrm>
+        </p:spPr>
+        <p:txBody>
+          <a:bodyPr/>
+          <a:lstStyle/>
+          <a:p>
+            <a:r>
+              <a:rPr lang="hu-HU" dirty="0" smtClean="0">
+                <a:solidFill>
+                  <a:schemeClr val="bg1"/>
+                </a:solidFill>
+                <a:latin typeface="Algerian" panose="04020705040A02060702" pitchFamily="82" charset="0"/>
+              </a:rPr>
+              <a:t>Mi a RAM?</a:t>
+            </a:r>
+            <a:endParaRPr lang="hu-HU" dirty="0">
+              <a:solidFill>
+                <a:schemeClr val="bg1"/>
+              </a:solidFill>
+              <a:latin typeface="Algerian" panose="04020705040A02060702" pitchFamily="82" charset="0"/>
+            </a:endParaRPr>
+          </a:p>
+        </p:txBody>
+      </p:sp>
+      <p:sp>
+        <p:nvSpPr>
+          <p:cNvPr id="3" name="Tartalom helye 2"/>
+          <p:cNvSpPr>
+            <a:spLocks noGrp="1"/>
+          </p:cNvSpPr>
+          <p:nvPr>
+            <p:ph idx="1"/>
+          </p:nvPr>
+        </p:nvSpPr>
+        <p:spPr>
+          <a:xfrm>
+            <a:off x="838200" y="2030341"/>
+            <a:ext cx="10515600" cy="3851844"/>
+          </a:xfrm>
+        </p:spPr>
+        <p:txBody>
+          <a:bodyPr/>
+          <a:lstStyle/>
+          <a:p>
+            <a:pPr>
+              <a:lnSpc>
+                <a:spcPct val="100000"/>
+              </a:lnSpc>
+            </a:pPr>
+            <a:r>
+              <a:rPr lang="hu-HU" dirty="0">
+                <a:solidFill>
+                  <a:schemeClr val="bg1"/>
+                </a:solidFill>
+              </a:rPr>
+              <a:t>A RAM (Random Access </a:t>
+            </a:r>
+            <a:r>
+              <a:rPr lang="hu-HU" dirty="0" err="1">
+                <a:solidFill>
+                  <a:schemeClr val="bg1"/>
+                </a:solidFill>
+              </a:rPr>
+              <a:t>Memory</a:t>
+            </a:r>
+            <a:r>
+              <a:rPr lang="hu-HU" dirty="0">
+                <a:solidFill>
+                  <a:schemeClr val="bg1"/>
+                </a:solidFill>
+              </a:rPr>
+              <a:t>) egy olyan típusú számítógépes memória, amely gyors és véletlenszerű hozzáférést biztosít az adatokhoz.</a:t>
+            </a:r>
+          </a:p>
+          <a:p>
+            <a:pPr>
+              <a:lnSpc>
+                <a:spcPct val="100000"/>
+              </a:lnSpc>
+            </a:pPr>
+            <a:r>
+              <a:rPr lang="hu-HU" dirty="0">
+                <a:solidFill>
+                  <a:schemeClr val="bg1"/>
+                </a:solidFill>
+              </a:rPr>
+              <a:t>Ez a memória típus ideiglenes </a:t>
+            </a:r>
+            <a:r>
+              <a:rPr lang="hu-HU" dirty="0" err="1">
+                <a:solidFill>
+                  <a:schemeClr val="bg1"/>
+                </a:solidFill>
+              </a:rPr>
+              <a:t>tárolóhelyet</a:t>
+            </a:r>
+            <a:r>
+              <a:rPr lang="hu-HU" dirty="0">
+                <a:solidFill>
+                  <a:schemeClr val="bg1"/>
+                </a:solidFill>
+              </a:rPr>
+              <a:t> biztosít a futó alkalmazások számára.</a:t>
+            </a:r>
+          </a:p>
+          <a:p>
+            <a:pPr>
+              <a:lnSpc>
+                <a:spcPct val="100000"/>
+              </a:lnSpc>
+            </a:pPr>
+            <a:r>
+              <a:rPr lang="hu-HU" dirty="0">
+                <a:solidFill>
+                  <a:schemeClr val="bg1"/>
+                </a:solidFill>
+              </a:rPr>
+              <a:t>A RAM kapacitása nagyban befolyásolja a számítógép teljesítményét, mivel a nagyobb RAM kapacitás lehetővé teszi több program futtatását és azok gyorsabb működését.</a:t>
+            </a:r>
+          </a:p>
+          <a:p>
+            <a:pPr marL="0" indent="0">
+              <a:buNone/>
+            </a:pPr>
+            <a:endParaRPr lang="hu-HU" dirty="0"/>
+          </a:p>
+        </p:txBody>
+      </p:sp>
+    </p:spTree>
+    <p:extLst>
+      <p:ext uri="{BB962C8B-B14F-4D97-AF65-F5344CB8AC3E}">
+        <p14:creationId xmlns:p14="http://schemas.microsoft.com/office/powerpoint/2010/main" val="699268622"/>
+      </p:ext>
+    </p:extLst>
+  </p:cSld>
+  <p:clrMapOvr>
+    <a:masterClrMapping/>
+  </p:clrMapOvr>
+  <mc:AlternateContent xmlns:mc="http://schemas.openxmlformats.org/markup-compatibility/2006">
+    <mc:Choice xmlns:p14="http://schemas.microsoft.com/office/powerpoint/2010/main" Requires="p14">
+      <p:transition spd="slow" p14:dur="3400">
+        <p14:reveal/>
+      </p:transition>
+    </mc:Choice>
+    <mc:Fallback>
+      <p:transition spd="slow">
+        <p:fade/>
+      </p:transition>
+    </mc:Fallback>
+  </mc:AlternateContent>
+  <p:timing>
+    <p:tnLst>
+      <p:par>
+        <p:cTn id="1" dur="indefinite" restart="never" nodeType="tmRoot">
+          <p:childTnLst>
+            <p:seq concurrent="1" nextAc="seek">
+              <p:cTn id="2" dur="indefinite" nodeType="mainSeq">
+                <p:childTnLst>
+                  <p:par>
+                    <p:cTn id="3" fill="hold">
+                      <p:stCondLst>
+                        <p:cond delay="indefinite"/>
+                      </p:stCondLst>
+                      <p:childTnLst>
+                        <p:par>
+                          <p:cTn id="4" fill="hold">
+                            <p:stCondLst>
+                              <p:cond delay="0"/>
+                            </p:stCondLst>
+                            <p:childTnLst>
+                              <p:par>
+                                <p:cTn id="5" presetID="42" presetClass="entr" presetSubtype="0" fill="hold" nodeType="clickEffect">
+                                  <p:stCondLst>
+                                    <p:cond delay="0"/>
+                                  </p:stCondLst>
+                                  <p:childTnLst>
+                                    <p:set>
+                                      <p:cBhvr>
+                                        <p:cTn id="6" dur="1" fill="hold">
+                                          <p:stCondLst>
+                                            <p:cond delay="0"/>
+                                          </p:stCondLst>
+                                        </p:cTn>
+                                        <p:tgtEl>
+                                          <p:spTgt spid="3">
+                                            <p:txEl>
+                                              <p:pRg st="0" end="0"/>
+                                            </p:txEl>
+                                          </p:spTgt>
+                                        </p:tgtEl>
+                                        <p:attrNameLst>
+                                          <p:attrName>style.visibility</p:attrName>
+                                        </p:attrNameLst>
+                                      </p:cBhvr>
+                                      <p:to>
+                                        <p:strVal val="visible"/>
+                                      </p:to>
+                                    </p:set>
+                                    <p:animEffect transition="in" filter="fade">
+                                      <p:cBhvr>
+                                        <p:cTn id="7" dur="1000"/>
+                                        <p:tgtEl>
+                                          <p:spTgt spid="3">
+                                            <p:txEl>
+                                              <p:pRg st="0" end="0"/>
+                                            </p:txEl>
+                                          </p:spTgt>
+                                        </p:tgtEl>
+                                      </p:cBhvr>
+                                    </p:animEffect>
+                                    <p:anim calcmode="lin" valueType="num">
+                                      <p:cBhvr>
+                                        <p:cTn id="8" dur="1000" fill="hold"/>
+                                        <p:tgtEl>
+                                          <p:spTgt spid="3">
+                                            <p:txEl>
+                                              <p:pRg st="0" end="0"/>
+                                            </p:txEl>
+                                          </p:spTgt>
+                                        </p:tgtEl>
+                                        <p:attrNameLst>
+                                          <p:attrName>ppt_x</p:attrName>
+                                        </p:attrNameLst>
+                                      </p:cBhvr>
+                                      <p:tavLst>
+                                        <p:tav tm="0">
+                                          <p:val>
+                                            <p:strVal val="#ppt_x"/>
+                                          </p:val>
+                                        </p:tav>
+                                        <p:tav tm="100000">
+                                          <p:val>
+                                            <p:strVal val="#ppt_x"/>
+                                          </p:val>
+                                        </p:tav>
+                                      </p:tavLst>
+                                    </p:anim>
+                                    <p:anim calcmode="lin" valueType="num">
+                                      <p:cBhvr>
+                                        <p:cTn id="9" dur="1000" fill="hold"/>
+                                        <p:tgtEl>
+                                          <p:spTgt spid="3">
+                                            <p:txEl>
+                                              <p:pRg st="0" end="0"/>
+                                            </p:txEl>
+                                          </p:spTgt>
+                                        </p:tgtEl>
+                                        <p:attrNameLst>
+                                          <p:attrName>ppt_y</p:attrName>
+                                        </p:attrNameLst>
+                                      </p:cBhvr>
+                                      <p:tavLst>
+                                        <p:tav tm="0">
+                                          <p:val>
+                                            <p:strVal val="#ppt_y+.1"/>
+                                          </p:val>
+                                        </p:tav>
+                                        <p:tav tm="100000">
+                                          <p:val>
+                                            <p:strVal val="#ppt_y"/>
+                                          </p:val>
+                                        </p:tav>
+                                      </p:tavLst>
+                                    </p:anim>
+                                  </p:childTnLst>
+                                </p:cTn>
+                              </p:par>
+                            </p:childTnLst>
+                          </p:cTn>
+                        </p:par>
+                        <p:par>
+                          <p:cTn id="10" fill="hold">
+                            <p:stCondLst>
+                              <p:cond delay="1000"/>
+                            </p:stCondLst>
+                            <p:childTnLst>
+                              <p:par>
+                                <p:cTn id="11" presetID="42" presetClass="entr" presetSubtype="0" fill="hold" nodeType="afterEffect">
+                                  <p:stCondLst>
+                                    <p:cond delay="0"/>
+                                  </p:stCondLst>
+                                  <p:childTnLst>
+                                    <p:set>
+                                      <p:cBhvr>
+                                        <p:cTn id="12" dur="1" fill="hold">
+                                          <p:stCondLst>
+                                            <p:cond delay="0"/>
+                                          </p:stCondLst>
+                                        </p:cTn>
+                                        <p:tgtEl>
+                                          <p:spTgt spid="3">
+                                            <p:txEl>
+                                              <p:pRg st="1" end="1"/>
+                                            </p:txEl>
+                                          </p:spTgt>
+                                        </p:tgtEl>
+                                        <p:attrNameLst>
+                                          <p:attrName>style.visibility</p:attrName>
+                                        </p:attrNameLst>
+                                      </p:cBhvr>
+                                      <p:to>
+                                        <p:strVal val="visible"/>
+                                      </p:to>
+                                    </p:set>
+                                    <p:animEffect transition="in" filter="fade">
+                                      <p:cBhvr>
+                                        <p:cTn id="13" dur="1000"/>
+                                        <p:tgtEl>
+                                          <p:spTgt spid="3">
+                                            <p:txEl>
+                                              <p:pRg st="1" end="1"/>
+                                            </p:txEl>
+                                          </p:spTgt>
+                                        </p:tgtEl>
+                                      </p:cBhvr>
+                                    </p:animEffect>
+                                    <p:anim calcmode="lin" valueType="num">
+                                      <p:cBhvr>
+                                        <p:cTn id="14" dur="1000" fill="hold"/>
+                                        <p:tgtEl>
+                                          <p:spTgt spid="3">
+                                            <p:txEl>
+                                              <p:pRg st="1" end="1"/>
+                                            </p:txEl>
+                                          </p:spTgt>
+                                        </p:tgtEl>
+                                        <p:attrNameLst>
+                                          <p:attrName>ppt_x</p:attrName>
+                                        </p:attrNameLst>
+                                      </p:cBhvr>
+                                      <p:tavLst>
+                                        <p:tav tm="0">
+                                          <p:val>
+                                            <p:strVal val="#ppt_x"/>
+                                          </p:val>
+                                        </p:tav>
+                                        <p:tav tm="100000">
+                                          <p:val>
+                                            <p:strVal val="#ppt_x"/>
+                                          </p:val>
+                                        </p:tav>
+                                      </p:tavLst>
+                                    </p:anim>
+                                    <p:anim calcmode="lin" valueType="num">
+                                      <p:cBhvr>
+                                        <p:cTn id="15" dur="1000" fill="hold"/>
+                                        <p:tgtEl>
+                                          <p:spTgt spid="3">
+                                            <p:txEl>
+                                              <p:pRg st="1" end="1"/>
+                                            </p:txEl>
+                                          </p:spTgt>
+                                        </p:tgtEl>
+                                        <p:attrNameLst>
+                                          <p:attrName>ppt_y</p:attrName>
+                                        </p:attrNameLst>
+                                      </p:cBhvr>
+                                      <p:tavLst>
+                                        <p:tav tm="0">
+                                          <p:val>
+                                            <p:strVal val="#ppt_y+.1"/>
+                                          </p:val>
+                                        </p:tav>
+                                        <p:tav tm="100000">
+                                          <p:val>
+                                            <p:strVal val="#ppt_y"/>
+                                          </p:val>
+                                        </p:tav>
+                                      </p:tavLst>
+                                    </p:anim>
+                                  </p:childTnLst>
+                                </p:cTn>
+                              </p:par>
+                            </p:childTnLst>
+                          </p:cTn>
+                        </p:par>
+                        <p:par>
+                          <p:cTn id="16" fill="hold">
+                            <p:stCondLst>
+                              <p:cond delay="2000"/>
+                            </p:stCondLst>
+                            <p:childTnLst>
+                              <p:par>
+                                <p:cTn id="17" presetID="42" presetClass="entr" presetSubtype="0" fill="hold" nodeType="afterEffect">
+                                  <p:stCondLst>
+                                    <p:cond delay="0"/>
+                                  </p:stCondLst>
+                                  <p:childTnLst>
+                                    <p:set>
+                                      <p:cBhvr>
+                                        <p:cTn id="18" dur="1" fill="hold">
+                                          <p:stCondLst>
+                                            <p:cond delay="0"/>
+                                          </p:stCondLst>
+                                        </p:cTn>
+                                        <p:tgtEl>
+                                          <p:spTgt spid="3">
+                                            <p:txEl>
+                                              <p:pRg st="2" end="2"/>
+                                            </p:txEl>
+                                          </p:spTgt>
+                                        </p:tgtEl>
+                                        <p:attrNameLst>
+                                          <p:attrName>style.visibility</p:attrName>
+                                        </p:attrNameLst>
+                                      </p:cBhvr>
+                                      <p:to>
+                                        <p:strVal val="visible"/>
+                                      </p:to>
+                                    </p:set>
+                                    <p:animEffect transition="in" filter="fade">
+                                      <p:cBhvr>
+                                        <p:cTn id="19" dur="1000"/>
+                                        <p:tgtEl>
+                                          <p:spTgt spid="3">
+                                            <p:txEl>
+                                              <p:pRg st="2" end="2"/>
+                                            </p:txEl>
+                                          </p:spTgt>
+                                        </p:tgtEl>
+                                      </p:cBhvr>
+                                    </p:animEffect>
+                                    <p:anim calcmode="lin" valueType="num">
+                                      <p:cBhvr>
+                                        <p:cTn id="20" dur="1000" fill="hold"/>
+                                        <p:tgtEl>
+                                          <p:spTgt spid="3">
+                                            <p:txEl>
+                                              <p:pRg st="2" end="2"/>
+                                            </p:txEl>
+                                          </p:spTgt>
+                                        </p:tgtEl>
+                                        <p:attrNameLst>
+                                          <p:attrName>ppt_x</p:attrName>
+                                        </p:attrNameLst>
+                                      </p:cBhvr>
+                                      <p:tavLst>
+                                        <p:tav tm="0">
+                                          <p:val>
+                                            <p:strVal val="#ppt_x"/>
+                                          </p:val>
+                                        </p:tav>
+                                        <p:tav tm="100000">
+                                          <p:val>
+                                            <p:strVal val="#ppt_x"/>
+                                          </p:val>
+                                        </p:tav>
+                                      </p:tavLst>
+                                    </p:anim>
+                                    <p:anim calcmode="lin" valueType="num">
+                                      <p:cBhvr>
+                                        <p:cTn id="21" dur="1000" fill="hold"/>
+                                        <p:tgtEl>
+                                          <p:spTgt spid="3">
+                                            <p:txEl>
+                                              <p:pRg st="2" end="2"/>
+                                            </p:txEl>
+                                          </p:spTgt>
+                                        </p:tgtEl>
+                                        <p:attrNameLst>
+                                          <p:attrName>ppt_y</p:attrName>
+                                        </p:attrNameLst>
+                                      </p:cBhvr>
+                                      <p:tavLst>
+                                        <p:tav tm="0">
+                                          <p:val>
+                                            <p:strVal val="#ppt_y+.1"/>
+                                          </p:val>
+                                        </p:tav>
+                                        <p:tav tm="100000">
+                                          <p:val>
+                                            <p:strVal val="#ppt_y"/>
+                                          </p:val>
+                                        </p:tav>
+                                      </p:tavLst>
+                                    </p:anim>
+                                  </p:childTnLst>
+                                </p:cTn>
+                              </p:par>
+                            </p:childTnLst>
+                          </p:cTn>
+                        </p:par>
+                      </p:childTnLst>
+                    </p:cTn>
+                  </p:par>
+                </p:childTnLst>
+              </p:cTn>
+              <p:prevCondLst>
+                <p:cond evt="onPrev" delay="0">
+                  <p:tgtEl>
+                    <p:sldTgt/>
+                  </p:tgtEl>
+                </p:cond>
+              </p:prevCondLst>
+              <p:nextCondLst>
+                <p:cond evt="onNext" delay="0">
+                  <p:tgtEl>
+                    <p:sldTgt/>
+                  </p:tgtEl>
+                </p:cond>
+              </p:nextCondLst>
+            </p:seq>
+          </p:childTnLst>
+        </p:cTn>
+      </p:par>
+    </p:tnLst>
+  </p:timing>
+</p:sld>
+</file>
+
+<file path=ppt/slides/slide3.xml><?xml version="1.0" encoding="utf-8"?>
+<p:sld xmlns:a="http://schemas.openxmlformats.org/drawingml/2006/main" xmlns:r="http://schemas.openxmlformats.org/officeDocument/2006/relationships" xmlns:p="http://schemas.openxmlformats.org/presentationml/2006/main">
+  <p:cSld>
+    <p:spTree>
+      <p:nvGrpSpPr>
+        <p:cNvPr id="1" name=""/>
+        <p:cNvGrpSpPr/>
+        <p:nvPr/>
+      </p:nvGrpSpPr>
+      <p:grpSpPr>
+        <a:xfrm>
+          <a:off x="0" y="0"/>
+          <a:ext cx="0" cy="0"/>
+          <a:chOff x="0" y="0"/>
+          <a:chExt cx="0" cy="0"/>
+        </a:xfrm>
+      </p:grpSpPr>
+      <p:sp>
+        <p:nvSpPr>
+          <p:cNvPr id="2" name="Cím 1"/>
+          <p:cNvSpPr>
+            <a:spLocks noGrp="1"/>
+          </p:cNvSpPr>
+          <p:nvPr>
+            <p:ph type="title"/>
+          </p:nvPr>
+        </p:nvSpPr>
+        <p:spPr>
+          <a:xfrm>
+            <a:off x="291721" y="474306"/>
+            <a:ext cx="11608558" cy="1325563"/>
+          </a:xfrm>
+        </p:spPr>
+        <p:txBody>
+          <a:bodyPr/>
+          <a:lstStyle/>
+          <a:p>
+            <a:r>
+              <a:rPr lang="hu-HU" dirty="0">
+                <a:solidFill>
+                  <a:schemeClr val="bg1"/>
+                </a:solidFill>
+                <a:latin typeface="Algerian" panose="04020705040A02060702" pitchFamily="82" charset="0"/>
+              </a:rPr>
+              <a:t>Fontosabb félvezető </a:t>
+            </a:r>
+            <a:r>
+              <a:rPr lang="hu-HU" dirty="0" smtClean="0">
+                <a:solidFill>
+                  <a:schemeClr val="bg1"/>
+                </a:solidFill>
+                <a:latin typeface="Algerian" panose="04020705040A02060702" pitchFamily="82" charset="0"/>
+              </a:rPr>
+              <a:t>memóriatípusok</a:t>
+            </a:r>
+            <a:endParaRPr lang="hu-HU" dirty="0">
+              <a:solidFill>
+                <a:schemeClr val="bg1"/>
+              </a:solidFill>
+              <a:latin typeface="Algerian" panose="04020705040A02060702" pitchFamily="82" charset="0"/>
+            </a:endParaRPr>
+          </a:p>
+        </p:txBody>
+      </p:sp>
+      <p:sp>
+        <p:nvSpPr>
+          <p:cNvPr id="3" name="Tartalom helye 2"/>
+          <p:cNvSpPr>
+            <a:spLocks noGrp="1"/>
+          </p:cNvSpPr>
+          <p:nvPr>
+            <p:ph idx="1"/>
+          </p:nvPr>
+        </p:nvSpPr>
+        <p:spPr>
+          <a:xfrm>
+            <a:off x="838200" y="2084933"/>
+            <a:ext cx="10515600" cy="3524298"/>
+          </a:xfrm>
+        </p:spPr>
+        <p:txBody>
+          <a:bodyPr>
+            <a:normAutofit/>
+          </a:bodyPr>
+          <a:lstStyle/>
+          <a:p>
+            <a:pPr>
+              <a:lnSpc>
+                <a:spcPct val="100000"/>
+              </a:lnSpc>
+            </a:pPr>
+            <a:r>
+              <a:rPr lang="hu-HU" b="1" dirty="0">
+                <a:solidFill>
+                  <a:schemeClr val="bg1"/>
+                </a:solidFill>
+              </a:rPr>
+              <a:t>ROM </a:t>
+            </a:r>
+            <a:r>
+              <a:rPr lang="hu-HU" dirty="0">
+                <a:solidFill>
+                  <a:schemeClr val="bg1"/>
+                </a:solidFill>
+              </a:rPr>
+              <a:t>(csak olvasható memória): Gyártó által beégetett adatot tartalmaz, amely nem módosítható.</a:t>
+            </a:r>
+          </a:p>
+          <a:p>
+            <a:pPr>
+              <a:lnSpc>
+                <a:spcPct val="100000"/>
+              </a:lnSpc>
+            </a:pPr>
+            <a:r>
+              <a:rPr lang="hu-HU" b="1" dirty="0">
+                <a:solidFill>
+                  <a:schemeClr val="bg1"/>
+                </a:solidFill>
+              </a:rPr>
+              <a:t>PROM</a:t>
+            </a:r>
+            <a:r>
+              <a:rPr lang="hu-HU" dirty="0">
+                <a:solidFill>
+                  <a:schemeClr val="bg1"/>
+                </a:solidFill>
+              </a:rPr>
+              <a:t> (programozható ROM): Olyan memória, amely egyszer írható, de később nem módosítható.</a:t>
+            </a:r>
+          </a:p>
+          <a:p>
+            <a:pPr>
+              <a:lnSpc>
+                <a:spcPct val="100000"/>
+              </a:lnSpc>
+            </a:pPr>
+            <a:r>
+              <a:rPr lang="hu-HU" b="1" dirty="0">
+                <a:solidFill>
+                  <a:schemeClr val="bg1"/>
+                </a:solidFill>
+              </a:rPr>
+              <a:t>EPROM</a:t>
+            </a:r>
+            <a:r>
+              <a:rPr lang="hu-HU" dirty="0">
+                <a:solidFill>
+                  <a:schemeClr val="bg1"/>
+                </a:solidFill>
+              </a:rPr>
+              <a:t> (törölhető PROM): Törölhető és többször újraírható</a:t>
+            </a:r>
+            <a:r>
+              <a:rPr lang="hu-HU" dirty="0" smtClean="0">
+                <a:solidFill>
+                  <a:schemeClr val="bg1"/>
+                </a:solidFill>
+              </a:rPr>
+              <a:t>;</a:t>
+            </a:r>
+          </a:p>
+          <a:p>
+            <a:pPr>
+              <a:lnSpc>
+                <a:spcPct val="100000"/>
+              </a:lnSpc>
+            </a:pPr>
+            <a:r>
+              <a:rPr lang="hu-HU" dirty="0" smtClean="0">
+                <a:solidFill>
+                  <a:schemeClr val="bg1"/>
+                </a:solidFill>
+              </a:rPr>
+              <a:t> </a:t>
+            </a:r>
+            <a:r>
+              <a:rPr lang="hu-HU" b="1" dirty="0" smtClean="0">
+                <a:solidFill>
+                  <a:schemeClr val="bg1"/>
+                </a:solidFill>
+              </a:rPr>
+              <a:t>EEPROM</a:t>
+            </a:r>
+            <a:r>
+              <a:rPr lang="hu-HU" dirty="0" smtClean="0">
+                <a:solidFill>
+                  <a:schemeClr val="bg1"/>
+                </a:solidFill>
+              </a:rPr>
+              <a:t> </a:t>
+            </a:r>
+            <a:r>
+              <a:rPr lang="hu-HU" dirty="0">
+                <a:solidFill>
+                  <a:schemeClr val="bg1"/>
+                </a:solidFill>
+              </a:rPr>
+              <a:t>(elektronikusan törölhető PROM): Elektromos feszültséggel törölhető és újraírható. Ilyenek például a </a:t>
+            </a:r>
+            <a:r>
+              <a:rPr lang="hu-HU" dirty="0" err="1">
+                <a:solidFill>
+                  <a:schemeClr val="bg1"/>
+                </a:solidFill>
+              </a:rPr>
+              <a:t>Flash</a:t>
+            </a:r>
+            <a:r>
+              <a:rPr lang="hu-HU" dirty="0">
+                <a:solidFill>
+                  <a:schemeClr val="bg1"/>
+                </a:solidFill>
+              </a:rPr>
+              <a:t> memóriák is</a:t>
+            </a:r>
+            <a:r>
+              <a:rPr lang="hu-HU" dirty="0" smtClean="0">
+                <a:solidFill>
+                  <a:schemeClr val="bg1"/>
+                </a:solidFill>
+              </a:rPr>
+              <a:t>.</a:t>
+            </a:r>
+            <a:endParaRPr lang="hu-HU" dirty="0">
+              <a:solidFill>
+                <a:schemeClr val="bg1"/>
+              </a:solidFill>
+            </a:endParaRPr>
+          </a:p>
+        </p:txBody>
+      </p:sp>
+    </p:spTree>
+    <p:extLst>
+      <p:ext uri="{BB962C8B-B14F-4D97-AF65-F5344CB8AC3E}">
+        <p14:creationId xmlns:p14="http://schemas.microsoft.com/office/powerpoint/2010/main" val="1084063932"/>
+      </p:ext>
+    </p:extLst>
+  </p:cSld>
+  <p:clrMapOvr>
+    <a:masterClrMapping/>
+  </p:clrMapOvr>
+  <mc:AlternateContent xmlns:mc="http://schemas.openxmlformats.org/markup-compatibility/2006">
+    <mc:Choice xmlns:p14="http://schemas.microsoft.com/office/powerpoint/2010/main" Requires="p14">
+      <p:transition spd="slow" p14:dur="3400">
+        <p14:reveal/>
+      </p:transition>
+    </mc:Choice>
+    <mc:Fallback>
+      <p:transition spd="slow">
+        <p:fade/>
+      </p:transition>
+    </mc:Fallback>
+  </mc:AlternateContent>
+  <p:timing>
+    <p:tnLst>
+      <p:par>
+        <p:cTn id="1" dur="indefinite" restart="never" nodeType="tmRoot">
+          <p:childTnLst>
+            <p:seq concurrent="1" nextAc="seek">
+              <p:cTn id="2" dur="indefinite" nodeType="mainSeq">
+                <p:childTnLst>
+                  <p:par>
+                    <p:cTn id="3" fill="hold">
+                      <p:stCondLst>
+                        <p:cond delay="indefinite"/>
+                        <p:cond evt="onBegin" delay="0">
+                          <p:tn val="2"/>
+                        </p:cond>
+                      </p:stCondLst>
+                      <p:childTnLst>
+                        <p:par>
+                          <p:cTn id="4" fill="hold">
+                            <p:stCondLst>
+                              <p:cond delay="0"/>
+                            </p:stCondLst>
+                            <p:childTnLst>
+                              <p:par>
+                                <p:cTn id="5" presetID="2" presetClass="entr" presetSubtype="4" fill="hold" nodeType="afterEffect">
+                                  <p:stCondLst>
+                                    <p:cond delay="0"/>
+                                  </p:stCondLst>
+                                  <p:childTnLst>
+                                    <p:set>
+                                      <p:cBhvr>
+                                        <p:cTn id="6" dur="1" fill="hold">
+                                          <p:stCondLst>
+                                            <p:cond delay="0"/>
+                                          </p:stCondLst>
+                                        </p:cTn>
+                                        <p:tgtEl>
+                                          <p:spTgt spid="3">
+                                            <p:txEl>
+                                              <p:pRg st="0" end="0"/>
+                                            </p:txEl>
+                                          </p:spTgt>
+                                        </p:tgtEl>
+                                        <p:attrNameLst>
+                                          <p:attrName>style.visibility</p:attrName>
+                                        </p:attrNameLst>
+                                      </p:cBhvr>
+                                      <p:to>
+                                        <p:strVal val="visible"/>
+                                      </p:to>
+                                    </p:set>
+                                    <p:anim calcmode="lin" valueType="num">
+                                      <p:cBhvr additive="base">
+                                        <p:cTn id="7" dur="500" fill="hold"/>
+                                        <p:tgtEl>
+                                          <p:spTgt spid="3">
+                                            <p:txEl>
+                                              <p:pRg st="0" end="0"/>
+                                            </p:txEl>
+                                          </p:spTgt>
+                                        </p:tgtEl>
+                                        <p:attrNameLst>
+                                          <p:attrName>ppt_x</p:attrName>
+                                        </p:attrNameLst>
+                                      </p:cBhvr>
+                                      <p:tavLst>
+                                        <p:tav tm="0">
+                                          <p:val>
+                                            <p:strVal val="#ppt_x"/>
+                                          </p:val>
+                                        </p:tav>
+                                        <p:tav tm="100000">
+                                          <p:val>
+                                            <p:strVal val="#ppt_x"/>
+                                          </p:val>
+                                        </p:tav>
+                                      </p:tavLst>
+                                    </p:anim>
+                                    <p:anim calcmode="lin" valueType="num">
+                                      <p:cBhvr additive="base">
+                                        <p:cTn id="8" dur="500" fill="hold"/>
+                                        <p:tgtEl>
+                                          <p:spTgt spid="3">
+                                            <p:txEl>
+                                              <p:pRg st="0" end="0"/>
+                                            </p:txEl>
+                                          </p:spTgt>
+                                        </p:tgtEl>
+                                        <p:attrNameLst>
+                                          <p:attrName>ppt_y</p:attrName>
+                                        </p:attrNameLst>
+                                      </p:cBhvr>
+                                      <p:tavLst>
+                                        <p:tav tm="0">
+                                          <p:val>
+                                            <p:strVal val="1+#ppt_h/2"/>
+                                          </p:val>
+                                        </p:tav>
+                                        <p:tav tm="100000">
+                                          <p:val>
+                                            <p:strVal val="#ppt_y"/>
+                                          </p:val>
+                                        </p:tav>
+                                      </p:tavLst>
+                                    </p:anim>
+                                  </p:childTnLst>
+                                </p:cTn>
+                              </p:par>
+                            </p:childTnLst>
+                          </p:cTn>
+                        </p:par>
+                        <p:par>
+                          <p:cTn id="9" fill="hold">
+                            <p:stCondLst>
+                              <p:cond delay="500"/>
+                            </p:stCondLst>
+                            <p:childTnLst>
+                              <p:par>
+                                <p:cTn id="10" presetID="2" presetClass="entr" presetSubtype="4" fill="hold" nodeType="afterEffect">
+                                  <p:stCondLst>
+                                    <p:cond delay="0"/>
+                                  </p:stCondLst>
+                                  <p:childTnLst>
+                                    <p:set>
+                                      <p:cBhvr>
+                                        <p:cTn id="11" dur="1" fill="hold">
+                                          <p:stCondLst>
+                                            <p:cond delay="0"/>
+                                          </p:stCondLst>
+                                        </p:cTn>
+                                        <p:tgtEl>
+                                          <p:spTgt spid="3">
+                                            <p:txEl>
+                                              <p:pRg st="1" end="1"/>
+                                            </p:txEl>
+                                          </p:spTgt>
+                                        </p:tgtEl>
+                                        <p:attrNameLst>
+                                          <p:attrName>style.visibility</p:attrName>
+                                        </p:attrNameLst>
+                                      </p:cBhvr>
+                                      <p:to>
+                                        <p:strVal val="visible"/>
+                                      </p:to>
+                                    </p:set>
+                                    <p:anim calcmode="lin" valueType="num">
+                                      <p:cBhvr additive="base">
+                                        <p:cTn id="12" dur="500" fill="hold"/>
+                                        <p:tgtEl>
+                                          <p:spTgt spid="3">
+                                            <p:txEl>
+                                              <p:pRg st="1" end="1"/>
+                                            </p:txEl>
+                                          </p:spTgt>
+                                        </p:tgtEl>
+                                        <p:attrNameLst>
+                                          <p:attrName>ppt_x</p:attrName>
+                                        </p:attrNameLst>
+                                      </p:cBhvr>
+                                      <p:tavLst>
+                                        <p:tav tm="0">
+                                          <p:val>
+                                            <p:strVal val="#ppt_x"/>
+                                          </p:val>
+                                        </p:tav>
+                                        <p:tav tm="100000">
+                                          <p:val>
+                                            <p:strVal val="#ppt_x"/>
+                                          </p:val>
+                                        </p:tav>
+                                      </p:tavLst>
+                                    </p:anim>
+                                    <p:anim calcmode="lin" valueType="num">
+                                      <p:cBhvr additive="base">
+                                        <p:cTn id="13" dur="500" fill="hold"/>
+                                        <p:tgtEl>
+                                          <p:spTgt spid="3">
+                                            <p:txEl>
+                                              <p:pRg st="1" end="1"/>
+                                            </p:txEl>
+                                          </p:spTgt>
+                                        </p:tgtEl>
+                                        <p:attrNameLst>
+                                          <p:attrName>ppt_y</p:attrName>
+                                        </p:attrNameLst>
+                                      </p:cBhvr>
+                                      <p:tavLst>
+                                        <p:tav tm="0">
+                                          <p:val>
+                                            <p:strVal val="1+#ppt_h/2"/>
+                                          </p:val>
+                                        </p:tav>
+                                        <p:tav tm="100000">
+                                          <p:val>
+                                            <p:strVal val="#ppt_y"/>
+                                          </p:val>
+                                        </p:tav>
+                                      </p:tavLst>
+                                    </p:anim>
+                                  </p:childTnLst>
+                                </p:cTn>
+                              </p:par>
+                            </p:childTnLst>
+                          </p:cTn>
+                        </p:par>
+                        <p:par>
+                          <p:cTn id="14" fill="hold">
+                            <p:stCondLst>
+                              <p:cond delay="1000"/>
+                            </p:stCondLst>
+                            <p:childTnLst>
+                              <p:par>
+                                <p:cTn id="15" presetID="2" presetClass="entr" presetSubtype="4" fill="hold" nodeType="afterEffect">
+                                  <p:stCondLst>
+                                    <p:cond delay="0"/>
+                                  </p:stCondLst>
+                                  <p:childTnLst>
+                                    <p:set>
+                                      <p:cBhvr>
+                                        <p:cTn id="16" dur="1" fill="hold">
+                                          <p:stCondLst>
+                                            <p:cond delay="0"/>
+                                          </p:stCondLst>
+                                        </p:cTn>
+                                        <p:tgtEl>
+                                          <p:spTgt spid="3">
+                                            <p:txEl>
+                                              <p:pRg st="2" end="2"/>
+                                            </p:txEl>
+                                          </p:spTgt>
+                                        </p:tgtEl>
+                                        <p:attrNameLst>
+                                          <p:attrName>style.visibility</p:attrName>
+                                        </p:attrNameLst>
+                                      </p:cBhvr>
+                                      <p:to>
+                                        <p:strVal val="visible"/>
+                                      </p:to>
+                                    </p:set>
+                                    <p:anim calcmode="lin" valueType="num">
+                                      <p:cBhvr additive="base">
+                                        <p:cTn id="17" dur="500" fill="hold"/>
+                                        <p:tgtEl>
+                                          <p:spTgt spid="3">
+                                            <p:txEl>
+                                              <p:pRg st="2" end="2"/>
+                                            </p:txEl>
+                                          </p:spTgt>
+                                        </p:tgtEl>
+                                        <p:attrNameLst>
+                                          <p:attrName>ppt_x</p:attrName>
+                                        </p:attrNameLst>
+                                      </p:cBhvr>
+                                      <p:tavLst>
+                                        <p:tav tm="0">
+                                          <p:val>
+                                            <p:strVal val="#ppt_x"/>
+                                          </p:val>
+                                        </p:tav>
+                                        <p:tav tm="100000">
+                                          <p:val>
+                                            <p:strVal val="#ppt_x"/>
+                                          </p:val>
+                                        </p:tav>
+                                      </p:tavLst>
+                                    </p:anim>
+                                    <p:anim calcmode="lin" valueType="num">
+                                      <p:cBhvr additive="base">
+                                        <p:cTn id="18" dur="500" fill="hold"/>
+                                        <p:tgtEl>
+                                          <p:spTgt spid="3">
+                                            <p:txEl>
+                                              <p:pRg st="2" end="2"/>
+                                            </p:txEl>
+                                          </p:spTgt>
+                                        </p:tgtEl>
+                                        <p:attrNameLst>
+                                          <p:attrName>ppt_y</p:attrName>
+                                        </p:attrNameLst>
+                                      </p:cBhvr>
+                                      <p:tavLst>
+                                        <p:tav tm="0">
+                                          <p:val>
+                                            <p:strVal val="1+#ppt_h/2"/>
+                                          </p:val>
+                                        </p:tav>
+                                        <p:tav tm="100000">
+                                          <p:val>
+                                            <p:strVal val="#ppt_y"/>
+                                          </p:val>
+                                        </p:tav>
+                                      </p:tavLst>
+                                    </p:anim>
+                                  </p:childTnLst>
+                                </p:cTn>
+                              </p:par>
+                            </p:childTnLst>
+                          </p:cTn>
+                        </p:par>
+                        <p:par>
+                          <p:cTn id="19" fill="hold">
+                            <p:stCondLst>
+                              <p:cond delay="1500"/>
+                            </p:stCondLst>
+                            <p:childTnLst>
+                              <p:par>
+                                <p:cTn id="20" presetID="2" presetClass="entr" presetSubtype="4" fill="hold" nodeType="afterEffect">
+                                  <p:stCondLst>
+                                    <p:cond delay="0"/>
+                                  </p:stCondLst>
+                                  <p:childTnLst>
+                                    <p:set>
+                                      <p:cBhvr>
+                                        <p:cTn id="21" dur="1" fill="hold">
+                                          <p:stCondLst>
+                                            <p:cond delay="0"/>
+                                          </p:stCondLst>
+                                        </p:cTn>
+                                        <p:tgtEl>
+                                          <p:spTgt spid="3">
+                                            <p:txEl>
+                                              <p:pRg st="3" end="3"/>
+                                            </p:txEl>
+                                          </p:spTgt>
+                                        </p:tgtEl>
+                                        <p:attrNameLst>
+                                          <p:attrName>style.visibility</p:attrName>
+                                        </p:attrNameLst>
+                                      </p:cBhvr>
+                                      <p:to>
+                                        <p:strVal val="visible"/>
+                                      </p:to>
+                                    </p:set>
+                                    <p:anim calcmode="lin" valueType="num">
+                                      <p:cBhvr additive="base">
+                                        <p:cTn id="22" dur="500" fill="hold"/>
+                                        <p:tgtEl>
+                                          <p:spTgt spid="3">
+                                            <p:txEl>
+                                              <p:pRg st="3" end="3"/>
+                                            </p:txEl>
+                                          </p:spTgt>
+                                        </p:tgtEl>
+                                        <p:attrNameLst>
+                                          <p:attrName>ppt_x</p:attrName>
+                                        </p:attrNameLst>
+                                      </p:cBhvr>
+                                      <p:tavLst>
+                                        <p:tav tm="0">
+                                          <p:val>
+                                            <p:strVal val="#ppt_x"/>
+                                          </p:val>
+                                        </p:tav>
+                                        <p:tav tm="100000">
+                                          <p:val>
+                                            <p:strVal val="#ppt_x"/>
+                                          </p:val>
+                                        </p:tav>
+                                      </p:tavLst>
+                                    </p:anim>
+                                    <p:anim calcmode="lin" valueType="num">
+                                      <p:cBhvr additive="base">
+                                        <p:cTn id="23" dur="500" fill="hold"/>
+                                        <p:tgtEl>
+                                          <p:spTgt spid="3">
+                                            <p:txEl>
+                                              <p:pRg st="3" end="3"/>
+                                            </p:txEl>
+                                          </p:spTgt>
+                                        </p:tgtEl>
+                                        <p:attrNameLst>
+                                          <p:attrName>ppt_y</p:attrName>
+                                        </p:attrNameLst>
+                                      </p:cBhvr>
+                                      <p:tavLst>
+                                        <p:tav tm="0">
+                                          <p:val>
+                                            <p:strVal val="1+#ppt_h/2"/>
+                                          </p:val>
+                                        </p:tav>
+                                        <p:tav tm="100000">
+                                          <p:val>
+                                            <p:strVal val="#ppt_y"/>
+                                          </p:val>
+                                        </p:tav>
+                                      </p:tavLst>
+                                    </p:anim>
+                                  </p:childTnLst>
+                                </p:cTn>
+                              </p:par>
+                            </p:childTnLst>
+                          </p:cTn>
+                        </p:par>
+                      </p:childTnLst>
+                    </p:cTn>
+                  </p:par>
+                </p:childTnLst>
+              </p:cTn>
+              <p:prevCondLst>
+                <p:cond evt="onPrev" delay="0">
+                  <p:tgtEl>
+                    <p:sldTgt/>
+                  </p:tgtEl>
+                </p:cond>
+              </p:prevCondLst>
+              <p:nextCondLst>
+                <p:cond evt="onNext" delay="0">
+                  <p:tgtEl>
+                    <p:sldTgt/>
+                  </p:tgtEl>
+                </p:cond>
+              </p:nextCondLst>
+            </p:seq>
+          </p:childTnLst>
+        </p:cTn>
+      </p:par>
+    </p:tnLst>
+  </p:timing>
+</p:sld>
+</file>
+
+<file path=ppt/slides/slide4.xml><?xml version="1.0" encoding="utf-8"?>
+<p:sld xmlns:a="http://schemas.openxmlformats.org/drawingml/2006/main" xmlns:r="http://schemas.openxmlformats.org/officeDocument/2006/relationships" xmlns:p="http://schemas.openxmlformats.org/presentationml/2006/main">
+  <p:cSld>
+    <p:spTree>
+      <p:nvGrpSpPr>
+        <p:cNvPr id="1" name=""/>
+        <p:cNvGrpSpPr/>
+        <p:nvPr/>
+      </p:nvGrpSpPr>
+      <p:grpSpPr>
+        <a:xfrm>
+          <a:off x="0" y="0"/>
+          <a:ext cx="0" cy="0"/>
+          <a:chOff x="0" y="0"/>
+          <a:chExt cx="0" cy="0"/>
+        </a:xfrm>
+      </p:grpSpPr>
+      <p:sp>
+        <p:nvSpPr>
+          <p:cNvPr id="2" name="Cím 1"/>
+          <p:cNvSpPr>
+            <a:spLocks noGrp="1"/>
+          </p:cNvSpPr>
+          <p:nvPr>
+            <p:ph type="title"/>
+          </p:nvPr>
+        </p:nvSpPr>
+        <p:spPr/>
+        <p:txBody>
+          <a:bodyPr/>
+          <a:lstStyle/>
+          <a:p>
+            <a:r>
+              <a:rPr lang="hu-HU" dirty="0" smtClean="0">
+                <a:solidFill>
+                  <a:schemeClr val="bg1"/>
+                </a:solidFill>
+                <a:latin typeface="Algerian" panose="04020705040A02060702" pitchFamily="82" charset="0"/>
+              </a:rPr>
+              <a:t>Memória típusok</a:t>
+            </a:r>
+            <a:endParaRPr lang="hu-HU" dirty="0">
+              <a:solidFill>
+                <a:schemeClr val="bg1"/>
+              </a:solidFill>
+              <a:latin typeface="Algerian" panose="04020705040A02060702" pitchFamily="82" charset="0"/>
+            </a:endParaRPr>
+          </a:p>
+        </p:txBody>
+      </p:sp>
+      <p:sp>
+        <p:nvSpPr>
+          <p:cNvPr id="3" name="Tartalom helye 2"/>
+          <p:cNvSpPr>
+            <a:spLocks noGrp="1"/>
+          </p:cNvSpPr>
+          <p:nvPr>
+            <p:ph idx="1"/>
+          </p:nvPr>
+        </p:nvSpPr>
+        <p:spPr>
+          <a:xfrm>
+            <a:off x="838200" y="3494934"/>
+            <a:ext cx="10515600" cy="1910034"/>
+          </a:xfrm>
+        </p:spPr>
+        <p:txBody>
+          <a:bodyPr/>
+          <a:lstStyle/>
+          <a:p>
+            <a:r>
+              <a:rPr lang="hu-HU" dirty="0">
+                <a:solidFill>
+                  <a:schemeClr val="bg1"/>
+                </a:solidFill>
+              </a:rPr>
+              <a:t>Ez egy további régebbi RAM típus, amelyet a </a:t>
+            </a:r>
+            <a:r>
+              <a:rPr lang="hu-HU" dirty="0" err="1">
+                <a:solidFill>
+                  <a:schemeClr val="bg1"/>
+                </a:solidFill>
+              </a:rPr>
+              <a:t>Rambus</a:t>
+            </a:r>
+            <a:r>
+              <a:rPr lang="hu-HU" dirty="0">
+                <a:solidFill>
+                  <a:schemeClr val="bg1"/>
+                </a:solidFill>
+              </a:rPr>
+              <a:t> Inc. fejlesztett ki. </a:t>
+            </a:r>
+          </a:p>
+          <a:p>
+            <a:r>
+              <a:rPr lang="hu-HU" dirty="0">
+                <a:solidFill>
+                  <a:schemeClr val="bg1"/>
+                </a:solidFill>
+              </a:rPr>
+              <a:t>M</a:t>
+            </a:r>
+            <a:r>
+              <a:rPr lang="hu-HU" dirty="0" smtClean="0">
+                <a:solidFill>
+                  <a:schemeClr val="bg1"/>
+                </a:solidFill>
+              </a:rPr>
+              <a:t>agasabb </a:t>
+            </a:r>
+            <a:r>
+              <a:rPr lang="hu-HU" dirty="0">
+                <a:solidFill>
+                  <a:schemeClr val="bg1"/>
+                </a:solidFill>
+              </a:rPr>
+              <a:t>adatátviteli sebességet kínál, de kevésbé elterjedt és korlátozottan kompatibilis más rendszerekkel</a:t>
+            </a:r>
+          </a:p>
+          <a:p>
+            <a:endParaRPr lang="hu-HU" dirty="0"/>
+          </a:p>
+        </p:txBody>
+      </p:sp>
+      <p:sp>
+        <p:nvSpPr>
+          <p:cNvPr id="4" name="Szövegdoboz 3"/>
+          <p:cNvSpPr txBox="1"/>
+          <p:nvPr/>
+        </p:nvSpPr>
+        <p:spPr>
+          <a:xfrm>
+            <a:off x="1915222" y="2608877"/>
+            <a:ext cx="8361556" cy="800219"/>
+          </a:xfrm>
+          <a:prstGeom prst="rect">
+            <a:avLst/>
+          </a:prstGeom>
+          <a:noFill/>
+        </p:spPr>
+        <p:txBody>
+          <a:bodyPr wrap="square" rtlCol="0">
+            <a:spAutoFit/>
+          </a:bodyPr>
+          <a:lstStyle/>
+          <a:p>
+            <a:pPr algn="ctr"/>
+            <a:r>
+              <a:rPr lang="hu-HU" sz="2800" b="1" u="sng" dirty="0">
+                <a:solidFill>
+                  <a:schemeClr val="bg1"/>
+                </a:solidFill>
+              </a:rPr>
+              <a:t>RDRAM (</a:t>
+            </a:r>
+            <a:r>
+              <a:rPr lang="hu-HU" sz="2800" b="1" u="sng" dirty="0" err="1">
+                <a:solidFill>
+                  <a:schemeClr val="bg1"/>
+                </a:solidFill>
+              </a:rPr>
+              <a:t>Rambus</a:t>
+            </a:r>
+            <a:r>
+              <a:rPr lang="hu-HU" sz="2800" b="1" u="sng" dirty="0">
+                <a:solidFill>
+                  <a:schemeClr val="bg1"/>
+                </a:solidFill>
+              </a:rPr>
+              <a:t> </a:t>
+            </a:r>
+            <a:r>
+              <a:rPr lang="hu-HU" sz="2800" b="1" u="sng" dirty="0" err="1">
+                <a:solidFill>
+                  <a:schemeClr val="bg1"/>
+                </a:solidFill>
+              </a:rPr>
+              <a:t>Dynamic</a:t>
+            </a:r>
+            <a:r>
+              <a:rPr lang="hu-HU" sz="2800" b="1" u="sng" dirty="0">
+                <a:solidFill>
+                  <a:schemeClr val="bg1"/>
+                </a:solidFill>
+              </a:rPr>
+              <a:t> Random Access </a:t>
+            </a:r>
+            <a:r>
+              <a:rPr lang="hu-HU" sz="2800" b="1" u="sng" dirty="0" err="1">
+                <a:solidFill>
+                  <a:schemeClr val="bg1"/>
+                </a:solidFill>
+              </a:rPr>
+              <a:t>Memory</a:t>
+            </a:r>
+            <a:r>
+              <a:rPr lang="hu-HU" sz="2800" b="1" u="sng" dirty="0" smtClean="0">
+                <a:solidFill>
+                  <a:schemeClr val="bg1"/>
+                </a:solidFill>
+              </a:rPr>
+              <a:t>)</a:t>
+            </a:r>
+            <a:r>
+              <a:rPr lang="hu-HU" sz="2800" u="sng" dirty="0" smtClean="0">
+                <a:solidFill>
+                  <a:schemeClr val="bg1"/>
+                </a:solidFill>
+              </a:rPr>
+              <a:t> </a:t>
+            </a:r>
+            <a:endParaRPr lang="hu-HU" sz="2800" u="sng" dirty="0">
+              <a:solidFill>
+                <a:schemeClr val="bg1"/>
+              </a:solidFill>
+            </a:endParaRPr>
+          </a:p>
+          <a:p>
+            <a:pPr algn="ctr"/>
+            <a:endParaRPr lang="hu-HU" dirty="0">
+              <a:solidFill>
+                <a:schemeClr val="bg1"/>
+              </a:solidFill>
+            </a:endParaRPr>
+          </a:p>
+        </p:txBody>
+      </p:sp>
+    </p:spTree>
+    <p:extLst>
+      <p:ext uri="{BB962C8B-B14F-4D97-AF65-F5344CB8AC3E}">
+        <p14:creationId xmlns:p14="http://schemas.microsoft.com/office/powerpoint/2010/main" val="2562855163"/>
+      </p:ext>
+    </p:extLst>
+  </p:cSld>
+  <p:clrMapOvr>
+    <a:masterClrMapping/>
+  </p:clrMapOvr>
+  <mc:AlternateContent xmlns:mc="http://schemas.openxmlformats.org/markup-compatibility/2006">
+    <mc:Choice xmlns:p14="http://schemas.microsoft.com/office/powerpoint/2010/main" Requires="p14">
+      <p:transition spd="slow" p14:dur="3400">
+        <p14:reveal/>
+      </p:transition>
+    </mc:Choice>
+    <mc:Fallback>
+      <p:transition spd="slow">
+        <p:fade/>
+      </p:transition>
+    </mc:Fallback>
+  </mc:AlternateContent>
+  <p:timing>
+    <p:tnLst>
+      <p:par>
+        <p:cTn id="1" dur="indefinite" restart="never" nodeType="tmRoot">
+          <p:childTnLst>
+            <p:seq concurrent="1" nextAc="seek">
+              <p:cTn id="2" dur="indefinite" nodeType="mainSeq">
+                <p:childTnLst>
+                  <p:par>
+                    <p:cTn id="3" fill="hold">
+                      <p:stCondLst>
+                        <p:cond delay="indefinite"/>
+                        <p:cond evt="onBegin" delay="0">
+                          <p:tn val="2"/>
+                        </p:cond>
+                      </p:stCondLst>
+                      <p:childTnLst>
+                        <p:par>
+                          <p:cTn id="4" fill="hold">
+                            <p:stCondLst>
+                              <p:cond delay="0"/>
+                            </p:stCondLst>
+                            <p:childTnLst>
+                              <p:par>
+                                <p:cTn id="5" presetID="2" presetClass="entr" presetSubtype="8" fill="hold" nodeType="afterEffect">
+                                  <p:stCondLst>
+                                    <p:cond delay="0"/>
+                                  </p:stCondLst>
+                                  <p:childTnLst>
+                                    <p:set>
+                                      <p:cBhvr>
+                                        <p:cTn id="6" dur="1" fill="hold">
+                                          <p:stCondLst>
+                                            <p:cond delay="0"/>
+                                          </p:stCondLst>
+                                        </p:cTn>
+                                        <p:tgtEl>
+                                          <p:spTgt spid="4">
+                                            <p:txEl>
+                                              <p:pRg st="0" end="0"/>
+                                            </p:txEl>
+                                          </p:spTgt>
+                                        </p:tgtEl>
+                                        <p:attrNameLst>
+                                          <p:attrName>style.visibility</p:attrName>
+                                        </p:attrNameLst>
+                                      </p:cBhvr>
+                                      <p:to>
+                                        <p:strVal val="visible"/>
+                                      </p:to>
+                                    </p:set>
+                                    <p:anim calcmode="lin" valueType="num">
+                                      <p:cBhvr additive="base">
+                                        <p:cTn id="7" dur="500" fill="hold"/>
+                                        <p:tgtEl>
+                                          <p:spTgt spid="4">
+                                            <p:txEl>
+                                              <p:pRg st="0" end="0"/>
+                                            </p:txEl>
+                                          </p:spTgt>
+                                        </p:tgtEl>
+                                        <p:attrNameLst>
+                                          <p:attrName>ppt_x</p:attrName>
+                                        </p:attrNameLst>
+                                      </p:cBhvr>
+                                      <p:tavLst>
+                                        <p:tav tm="0">
+                                          <p:val>
+                                            <p:strVal val="0-#ppt_w/2"/>
+                                          </p:val>
+                                        </p:tav>
+                                        <p:tav tm="100000">
+                                          <p:val>
+                                            <p:strVal val="#ppt_x"/>
+                                          </p:val>
+                                        </p:tav>
+                                      </p:tavLst>
+                                    </p:anim>
+                                    <p:anim calcmode="lin" valueType="num">
+                                      <p:cBhvr additive="base">
+                                        <p:cTn id="8" dur="500" fill="hold"/>
+                                        <p:tgtEl>
+                                          <p:spTgt spid="4">
+                                            <p:txEl>
+                                              <p:pRg st="0" end="0"/>
+                                            </p:txEl>
+                                          </p:spTgt>
+                                        </p:tgtEl>
+                                        <p:attrNameLst>
+                                          <p:attrName>ppt_y</p:attrName>
+                                        </p:attrNameLst>
+                                      </p:cBhvr>
+                                      <p:tavLst>
+                                        <p:tav tm="0">
+                                          <p:val>
+                                            <p:strVal val="#ppt_y"/>
+                                          </p:val>
+                                        </p:tav>
+                                        <p:tav tm="100000">
+                                          <p:val>
+                                            <p:strVal val="#ppt_y"/>
+                                          </p:val>
+                                        </p:tav>
+                                      </p:tavLst>
+                                    </p:anim>
+                                  </p:childTnLst>
+                                </p:cTn>
+                              </p:par>
+                            </p:childTnLst>
+                          </p:cTn>
+                        </p:par>
+                        <p:par>
+                          <p:cTn id="9" fill="hold">
+                            <p:stCondLst>
+                              <p:cond delay="500"/>
+                            </p:stCondLst>
+                            <p:childTnLst>
+                              <p:par>
+                                <p:cTn id="10" presetID="2" presetClass="entr" presetSubtype="8" fill="hold" nodeType="afterEffect">
+                                  <p:stCondLst>
+                                    <p:cond delay="0"/>
+                                  </p:stCondLst>
+                                  <p:childTnLst>
+                                    <p:set>
+                                      <p:cBhvr>
+                                        <p:cTn id="11" dur="1" fill="hold">
+                                          <p:stCondLst>
+                                            <p:cond delay="0"/>
+                                          </p:stCondLst>
+                                        </p:cTn>
+                                        <p:tgtEl>
+                                          <p:spTgt spid="3">
+                                            <p:txEl>
+                                              <p:pRg st="0" end="0"/>
+                                            </p:txEl>
+                                          </p:spTgt>
+                                        </p:tgtEl>
+                                        <p:attrNameLst>
+                                          <p:attrName>style.visibility</p:attrName>
+                                        </p:attrNameLst>
+                                      </p:cBhvr>
+                                      <p:to>
+                                        <p:strVal val="visible"/>
+                                      </p:to>
+                                    </p:set>
+                                    <p:anim calcmode="lin" valueType="num">
+                                      <p:cBhvr additive="base">
+                                        <p:cTn id="12" dur="500" fill="hold"/>
+                                        <p:tgtEl>
+                                          <p:spTgt spid="3">
+                                            <p:txEl>
+                                              <p:pRg st="0" end="0"/>
+                                            </p:txEl>
+                                          </p:spTgt>
+                                        </p:tgtEl>
+                                        <p:attrNameLst>
+                                          <p:attrName>ppt_x</p:attrName>
+                                        </p:attrNameLst>
+                                      </p:cBhvr>
+                                      <p:tavLst>
+                                        <p:tav tm="0">
+                                          <p:val>
+                                            <p:strVal val="0-#ppt_w/2"/>
+                                          </p:val>
+                                        </p:tav>
+                                        <p:tav tm="100000">
+                                          <p:val>
+                                            <p:strVal val="#ppt_x"/>
+                                          </p:val>
+                                        </p:tav>
+                                      </p:tavLst>
+                                    </p:anim>
+                                    <p:anim calcmode="lin" valueType="num">
+                                      <p:cBhvr additive="base">
+                                        <p:cTn id="13" dur="500" fill="hold"/>
+                                        <p:tgtEl>
+                                          <p:spTgt spid="3">
+                                            <p:txEl>
+                                              <p:pRg st="0" end="0"/>
+                                            </p:txEl>
+                                          </p:spTgt>
+                                        </p:tgtEl>
+                                        <p:attrNameLst>
+                                          <p:attrName>ppt_y</p:attrName>
+                                        </p:attrNameLst>
+                                      </p:cBhvr>
+                                      <p:tavLst>
+                                        <p:tav tm="0">
+                                          <p:val>
+                                            <p:strVal val="#ppt_y"/>
+                                          </p:val>
+                                        </p:tav>
+                                        <p:tav tm="100000">
+                                          <p:val>
+                                            <p:strVal val="#ppt_y"/>
+                                          </p:val>
+                                        </p:tav>
+                                      </p:tavLst>
+                                    </p:anim>
+                                  </p:childTnLst>
+                                </p:cTn>
+                              </p:par>
+                            </p:childTnLst>
+                          </p:cTn>
+                        </p:par>
+                        <p:par>
+                          <p:cTn id="14" fill="hold">
+                            <p:stCondLst>
+                              <p:cond delay="1000"/>
+                            </p:stCondLst>
+                            <p:childTnLst>
+                              <p:par>
+                                <p:cTn id="15" presetID="2" presetClass="entr" presetSubtype="8" fill="hold" nodeType="afterEffect">
+                                  <p:stCondLst>
+                                    <p:cond delay="0"/>
+                                  </p:stCondLst>
+                                  <p:childTnLst>
+                                    <p:set>
+                                      <p:cBhvr>
+                                        <p:cTn id="16" dur="1" fill="hold">
+                                          <p:stCondLst>
+                                            <p:cond delay="0"/>
+                                          </p:stCondLst>
+                                        </p:cTn>
+                                        <p:tgtEl>
+                                          <p:spTgt spid="3">
+                                            <p:txEl>
+                                              <p:pRg st="1" end="1"/>
+                                            </p:txEl>
+                                          </p:spTgt>
+                                        </p:tgtEl>
+                                        <p:attrNameLst>
+                                          <p:attrName>style.visibility</p:attrName>
+                                        </p:attrNameLst>
+                                      </p:cBhvr>
+                                      <p:to>
+                                        <p:strVal val="visible"/>
+                                      </p:to>
+                                    </p:set>
+                                    <p:anim calcmode="lin" valueType="num">
+                                      <p:cBhvr additive="base">
+                                        <p:cTn id="17" dur="500" fill="hold"/>
+                                        <p:tgtEl>
+                                          <p:spTgt spid="3">
+                                            <p:txEl>
+                                              <p:pRg st="1" end="1"/>
+                                            </p:txEl>
+                                          </p:spTgt>
+                                        </p:tgtEl>
+                                        <p:attrNameLst>
+                                          <p:attrName>ppt_x</p:attrName>
+                                        </p:attrNameLst>
+                                      </p:cBhvr>
+                                      <p:tavLst>
+                                        <p:tav tm="0">
+                                          <p:val>
+                                            <p:strVal val="0-#ppt_w/2"/>
+                                          </p:val>
+                                        </p:tav>
+                                        <p:tav tm="100000">
+                                          <p:val>
+                                            <p:strVal val="#ppt_x"/>
+                                          </p:val>
+                                        </p:tav>
+                                      </p:tavLst>
+                                    </p:anim>
+                                    <p:anim calcmode="lin" valueType="num">
+                                      <p:cBhvr additive="base">
+                                        <p:cTn id="18" dur="500" fill="hold"/>
+                                        <p:tgtEl>
+                                          <p:spTgt spid="3">
+                                            <p:txEl>
+                                              <p:pRg st="1" end="1"/>
+                                            </p:txEl>
+                                          </p:spTgt>
+                                        </p:tgtEl>
+                                        <p:attrNameLst>
+                                          <p:attrName>ppt_y</p:attrName>
+                                        </p:attrNameLst>
+                                      </p:cBhvr>
+                                      <p:tavLst>
+                                        <p:tav tm="0">
+                                          <p:val>
+                                            <p:strVal val="#ppt_y"/>
+                                          </p:val>
+                                        </p:tav>
+                                        <p:tav tm="100000">
+                                          <p:val>
+                                            <p:strVal val="#ppt_y"/>
+                                          </p:val>
+                                        </p:tav>
+                                      </p:tavLst>
+                                    </p:anim>
+                                  </p:childTnLst>
+                                </p:cTn>
+                              </p:par>
+                            </p:childTnLst>
+                          </p:cTn>
+                        </p:par>
+                      </p:childTnLst>
+                    </p:cTn>
+                  </p:par>
+                </p:childTnLst>
+              </p:cTn>
+              <p:prevCondLst>
+                <p:cond evt="onPrev" delay="0">
+                  <p:tgtEl>
+                    <p:sldTgt/>
+                  </p:tgtEl>
+                </p:cond>
+              </p:prevCondLst>
+              <p:nextCondLst>
+                <p:cond evt="onNext" delay="0">
+                  <p:tgtEl>
+                    <p:sldTgt/>
+                  </p:tgtEl>
+                </p:cond>
+              </p:nextCondLst>
+            </p:seq>
+          </p:childTnLst>
+        </p:cTn>
+      </p:par>
+    </p:tnLst>
+  </p:timing>
+</p:sld>
+</file>
+
+<file path=ppt/slides/slide5.xml><?xml version="1.0" encoding="utf-8"?>
+<p:sld xmlns:a="http://schemas.openxmlformats.org/drawingml/2006/main" xmlns:r="http://schemas.openxmlformats.org/officeDocument/2006/relationships" xmlns:p="http://schemas.openxmlformats.org/presentationml/2006/main">
+  <p:cSld>
+    <p:spTree>
+      <p:nvGrpSpPr>
+        <p:cNvPr id="1" name=""/>
+        <p:cNvGrpSpPr/>
+        <p:nvPr/>
+      </p:nvGrpSpPr>
+      <p:grpSpPr>
+        <a:xfrm>
+          <a:off x="0" y="0"/>
+          <a:ext cx="0" cy="0"/>
+          <a:chOff x="0" y="0"/>
+          <a:chExt cx="0" cy="0"/>
+        </a:xfrm>
+      </p:grpSpPr>
+      <p:sp>
+        <p:nvSpPr>
+          <p:cNvPr id="2" name="Cím 1"/>
+          <p:cNvSpPr>
+            <a:spLocks noGrp="1"/>
+          </p:cNvSpPr>
+          <p:nvPr>
+            <p:ph type="title"/>
+          </p:nvPr>
+        </p:nvSpPr>
+        <p:spPr/>
+        <p:txBody>
+          <a:bodyPr/>
+          <a:lstStyle/>
+          <a:p>
+            <a:r>
+              <a:rPr lang="hu-HU" dirty="0" smtClean="0">
+                <a:solidFill>
+                  <a:schemeClr val="bg1"/>
+                </a:solidFill>
+                <a:latin typeface="Algerian" panose="04020705040A02060702" pitchFamily="82" charset="0"/>
+              </a:rPr>
+              <a:t>Memória típusok</a:t>
+            </a:r>
+            <a:endParaRPr lang="hu-HU" dirty="0">
+              <a:solidFill>
+                <a:schemeClr val="bg1"/>
+              </a:solidFill>
+              <a:latin typeface="Algerian" panose="04020705040A02060702" pitchFamily="82" charset="0"/>
+            </a:endParaRPr>
+          </a:p>
+        </p:txBody>
+      </p:sp>
+      <p:sp>
+        <p:nvSpPr>
+          <p:cNvPr id="3" name="Tartalom helye 2"/>
+          <p:cNvSpPr>
+            <a:spLocks noGrp="1"/>
+          </p:cNvSpPr>
+          <p:nvPr>
+            <p:ph idx="1"/>
+          </p:nvPr>
+        </p:nvSpPr>
+        <p:spPr>
+          <a:xfrm>
+            <a:off x="838200" y="3494934"/>
+            <a:ext cx="10515600" cy="1640737"/>
+          </a:xfrm>
+        </p:spPr>
+        <p:txBody>
+          <a:bodyPr/>
+          <a:lstStyle/>
+          <a:p>
+            <a:r>
+              <a:rPr lang="hu-HU" dirty="0">
+                <a:solidFill>
+                  <a:schemeClr val="bg1"/>
+                </a:solidFill>
+              </a:rPr>
+              <a:t>R</a:t>
+            </a:r>
+            <a:r>
+              <a:rPr lang="hu-HU" dirty="0" smtClean="0">
+                <a:solidFill>
+                  <a:schemeClr val="bg1"/>
+                </a:solidFill>
+              </a:rPr>
+              <a:t>égebbi </a:t>
+            </a:r>
+            <a:r>
+              <a:rPr lang="hu-HU" dirty="0">
+                <a:solidFill>
+                  <a:schemeClr val="bg1"/>
+                </a:solidFill>
+              </a:rPr>
+              <a:t>típusú RAM, amelyet a DDR generációk váltottak fel</a:t>
+            </a:r>
+          </a:p>
+          <a:p>
+            <a:r>
+              <a:rPr lang="hu-HU" dirty="0">
+                <a:solidFill>
+                  <a:schemeClr val="bg1"/>
+                </a:solidFill>
+              </a:rPr>
+              <a:t>Kisebb sebesség és adatátvitel</a:t>
+            </a:r>
+          </a:p>
+          <a:p>
+            <a:r>
+              <a:rPr lang="hu-HU" dirty="0">
+                <a:solidFill>
+                  <a:schemeClr val="bg1"/>
+                </a:solidFill>
+              </a:rPr>
+              <a:t>Á</a:t>
+            </a:r>
+            <a:r>
+              <a:rPr lang="hu-HU" dirty="0" smtClean="0">
+                <a:solidFill>
+                  <a:schemeClr val="bg1"/>
+                </a:solidFill>
+              </a:rPr>
+              <a:t>ltalában régebbi (nagyon régi) </a:t>
+            </a:r>
+            <a:r>
+              <a:rPr lang="hu-HU" dirty="0">
+                <a:solidFill>
+                  <a:schemeClr val="bg1"/>
+                </a:solidFill>
+              </a:rPr>
+              <a:t>számítógépekben </a:t>
+            </a:r>
+          </a:p>
+          <a:p>
+            <a:endParaRPr lang="hu-HU" dirty="0"/>
+          </a:p>
+        </p:txBody>
+      </p:sp>
+      <p:sp>
+        <p:nvSpPr>
+          <p:cNvPr id="5" name="Szövegdoboz 4"/>
+          <p:cNvSpPr txBox="1"/>
+          <p:nvPr/>
+        </p:nvSpPr>
+        <p:spPr>
+          <a:xfrm>
+            <a:off x="1698734" y="2694715"/>
+            <a:ext cx="8794531" cy="800219"/>
+          </a:xfrm>
+          <a:prstGeom prst="rect">
+            <a:avLst/>
+          </a:prstGeom>
+          <a:noFill/>
+        </p:spPr>
+        <p:txBody>
+          <a:bodyPr wrap="square" rtlCol="0">
+            <a:spAutoFit/>
+          </a:bodyPr>
+          <a:lstStyle/>
+          <a:p>
+            <a:pPr algn="ctr"/>
+            <a:r>
+              <a:rPr lang="hu-HU" sz="2800" b="1" u="sng" dirty="0" smtClean="0">
+                <a:solidFill>
+                  <a:schemeClr val="bg1"/>
+                </a:solidFill>
+              </a:rPr>
+              <a:t>SDRAM (</a:t>
+            </a:r>
+            <a:r>
+              <a:rPr lang="hu-HU" sz="2800" b="1" u="sng" dirty="0" err="1">
+                <a:solidFill>
+                  <a:schemeClr val="bg1"/>
+                </a:solidFill>
+              </a:rPr>
+              <a:t>Synchronous</a:t>
+            </a:r>
+            <a:r>
+              <a:rPr lang="hu-HU" sz="2800" b="1" u="sng" dirty="0">
+                <a:solidFill>
+                  <a:schemeClr val="bg1"/>
+                </a:solidFill>
+              </a:rPr>
+              <a:t> </a:t>
+            </a:r>
+            <a:r>
+              <a:rPr lang="hu-HU" sz="2800" b="1" u="sng" dirty="0" err="1">
+                <a:solidFill>
+                  <a:schemeClr val="bg1"/>
+                </a:solidFill>
+              </a:rPr>
+              <a:t>Dynamic</a:t>
+            </a:r>
+            <a:r>
+              <a:rPr lang="hu-HU" sz="2800" b="1" u="sng" dirty="0">
+                <a:solidFill>
+                  <a:schemeClr val="bg1"/>
+                </a:solidFill>
+              </a:rPr>
+              <a:t> Random Access </a:t>
+            </a:r>
+            <a:r>
+              <a:rPr lang="hu-HU" sz="2800" b="1" u="sng" dirty="0" err="1">
+                <a:solidFill>
+                  <a:schemeClr val="bg1"/>
+                </a:solidFill>
+              </a:rPr>
+              <a:t>Memory</a:t>
+            </a:r>
+            <a:r>
+              <a:rPr lang="hu-HU" sz="2800" b="1" u="sng" dirty="0" smtClean="0">
+                <a:solidFill>
+                  <a:schemeClr val="bg1"/>
+                </a:solidFill>
+              </a:rPr>
+              <a:t>)</a:t>
+            </a:r>
+            <a:r>
+              <a:rPr lang="hu-HU" sz="2800" u="sng" dirty="0" smtClean="0">
+                <a:solidFill>
+                  <a:schemeClr val="bg1"/>
+                </a:solidFill>
+              </a:rPr>
+              <a:t> </a:t>
+            </a:r>
+            <a:endParaRPr lang="hu-HU" sz="2800" u="sng" dirty="0">
+              <a:solidFill>
+                <a:schemeClr val="bg1"/>
+              </a:solidFill>
+            </a:endParaRPr>
+          </a:p>
+          <a:p>
+            <a:pPr algn="ctr"/>
+            <a:endParaRPr lang="hu-HU" dirty="0">
+              <a:solidFill>
+                <a:schemeClr val="bg1"/>
+              </a:solidFill>
+            </a:endParaRPr>
+          </a:p>
+        </p:txBody>
+      </p:sp>
+    </p:spTree>
+    <p:extLst>
+      <p:ext uri="{BB962C8B-B14F-4D97-AF65-F5344CB8AC3E}">
+        <p14:creationId xmlns:p14="http://schemas.microsoft.com/office/powerpoint/2010/main" val="474864359"/>
+      </p:ext>
+    </p:extLst>
+  </p:cSld>
+  <p:clrMapOvr>
+    <a:masterClrMapping/>
+  </p:clrMapOvr>
+  <mc:AlternateContent xmlns:mc="http://schemas.openxmlformats.org/markup-compatibility/2006">
+    <mc:Choice xmlns:p14="http://schemas.microsoft.com/office/powerpoint/2010/main" Requires="p14">
+      <p:transition spd="med" p14:dur="700">
+        <p:fade/>
+      </p:transition>
+    </mc:Choice>
+    <mc:Fallback>
+      <p:transition spd="med">
+        <p:fade/>
+      </p:transition>
+    </mc:Fallback>
+  </mc:AlternateContent>
+  <p:timing>
+    <p:tnLst>
+      <p:par>
+        <p:cTn id="1" dur="indefinite" restart="never" nodeType="tmRoot">
+          <p:childTnLst>
+            <p:seq concurrent="1" nextAc="seek">
+              <p:cTn id="2" dur="indefinite" nodeType="mainSeq">
+                <p:childTnLst>
+                  <p:par>
+                    <p:cTn id="3" fill="hold">
+                      <p:stCondLst>
+                        <p:cond delay="indefinite"/>
+                        <p:cond evt="onBegin" delay="0">
+                          <p:tn val="2"/>
+                        </p:cond>
+                      </p:stCondLst>
+                      <p:childTnLst>
+                        <p:par>
+                          <p:cTn id="4" fill="hold">
+                            <p:stCondLst>
+                              <p:cond delay="0"/>
+                            </p:stCondLst>
+                            <p:childTnLst>
+                              <p:par>
+                                <p:cTn id="5" presetID="2" presetClass="entr" presetSubtype="8" fill="hold" nodeType="afterEffect">
+                                  <p:stCondLst>
+                                    <p:cond delay="0"/>
+                                  </p:stCondLst>
+                                  <p:childTnLst>
+                                    <p:set>
+                                      <p:cBhvr>
+                                        <p:cTn id="6" dur="1" fill="hold">
+                                          <p:stCondLst>
+                                            <p:cond delay="0"/>
+                                          </p:stCondLst>
+                                        </p:cTn>
+                                        <p:tgtEl>
+                                          <p:spTgt spid="5">
+                                            <p:txEl>
+                                              <p:pRg st="0" end="0"/>
+                                            </p:txEl>
+                                          </p:spTgt>
+                                        </p:tgtEl>
+                                        <p:attrNameLst>
+                                          <p:attrName>style.visibility</p:attrName>
+                                        </p:attrNameLst>
+                                      </p:cBhvr>
+                                      <p:to>
+                                        <p:strVal val="visible"/>
+                                      </p:to>
+                                    </p:set>
+                                    <p:anim calcmode="lin" valueType="num">
+                                      <p:cBhvr additive="base">
+                                        <p:cTn id="7" dur="500" fill="hold"/>
+                                        <p:tgtEl>
+                                          <p:spTgt spid="5">
+                                            <p:txEl>
+                                              <p:pRg st="0" end="0"/>
+                                            </p:txEl>
+                                          </p:spTgt>
+                                        </p:tgtEl>
+                                        <p:attrNameLst>
+                                          <p:attrName>ppt_x</p:attrName>
+                                        </p:attrNameLst>
+                                      </p:cBhvr>
+                                      <p:tavLst>
+                                        <p:tav tm="0">
+                                          <p:val>
+                                            <p:strVal val="0-#ppt_w/2"/>
+                                          </p:val>
+                                        </p:tav>
+                                        <p:tav tm="100000">
+                                          <p:val>
+                                            <p:strVal val="#ppt_x"/>
+                                          </p:val>
+                                        </p:tav>
+                                      </p:tavLst>
+                                    </p:anim>
+                                    <p:anim calcmode="lin" valueType="num">
+                                      <p:cBhvr additive="base">
+                                        <p:cTn id="8" dur="500" fill="hold"/>
+                                        <p:tgtEl>
+                                          <p:spTgt spid="5">
+                                            <p:txEl>
+                                              <p:pRg st="0" end="0"/>
+                                            </p:txEl>
+                                          </p:spTgt>
+                                        </p:tgtEl>
+                                        <p:attrNameLst>
+                                          <p:attrName>ppt_y</p:attrName>
+                                        </p:attrNameLst>
+                                      </p:cBhvr>
+                                      <p:tavLst>
+                                        <p:tav tm="0">
+                                          <p:val>
+                                            <p:strVal val="#ppt_y"/>
+                                          </p:val>
+                                        </p:tav>
+                                        <p:tav tm="100000">
+                                          <p:val>
+                                            <p:strVal val="#ppt_y"/>
+                                          </p:val>
+                                        </p:tav>
+                                      </p:tavLst>
+                                    </p:anim>
+                                  </p:childTnLst>
+                                </p:cTn>
+                              </p:par>
+                            </p:childTnLst>
+                          </p:cTn>
+                        </p:par>
+                        <p:par>
+                          <p:cTn id="9" fill="hold">
+                            <p:stCondLst>
+                              <p:cond delay="500"/>
+                            </p:stCondLst>
+                            <p:childTnLst>
+                              <p:par>
+                                <p:cTn id="10" presetID="2" presetClass="entr" presetSubtype="6" fill="hold" nodeType="afterEffect">
+                                  <p:stCondLst>
+                                    <p:cond delay="0"/>
+                                  </p:stCondLst>
+                                  <p:childTnLst>
+                                    <p:set>
+                                      <p:cBhvr>
+                                        <p:cTn id="11" dur="1" fill="hold">
+                                          <p:stCondLst>
+                                            <p:cond delay="0"/>
+                                          </p:stCondLst>
+                                        </p:cTn>
+                                        <p:tgtEl>
+                                          <p:spTgt spid="3">
+                                            <p:txEl>
+                                              <p:pRg st="0" end="0"/>
+                                            </p:txEl>
+                                          </p:spTgt>
+                                        </p:tgtEl>
+                                        <p:attrNameLst>
+                                          <p:attrName>style.visibility</p:attrName>
+                                        </p:attrNameLst>
+                                      </p:cBhvr>
+                                      <p:to>
+                                        <p:strVal val="visible"/>
+                                      </p:to>
+                                    </p:set>
+                                    <p:anim calcmode="lin" valueType="num">
+                                      <p:cBhvr additive="base">
+                                        <p:cTn id="12" dur="500" fill="hold"/>
+                                        <p:tgtEl>
+                                          <p:spTgt spid="3">
+                                            <p:txEl>
+                                              <p:pRg st="0" end="0"/>
+                                            </p:txEl>
+                                          </p:spTgt>
+                                        </p:tgtEl>
+                                        <p:attrNameLst>
+                                          <p:attrName>ppt_x</p:attrName>
+                                        </p:attrNameLst>
+                                      </p:cBhvr>
+                                      <p:tavLst>
+                                        <p:tav tm="0">
+                                          <p:val>
+                                            <p:strVal val="1+#ppt_w/2"/>
+                                          </p:val>
+                                        </p:tav>
+                                        <p:tav tm="100000">
+                                          <p:val>
+                                            <p:strVal val="#ppt_x"/>
+                                          </p:val>
+                                        </p:tav>
+                                      </p:tavLst>
+                                    </p:anim>
+                                    <p:anim calcmode="lin" valueType="num">
+                                      <p:cBhvr additive="base">
+                                        <p:cTn id="13" dur="500" fill="hold"/>
+                                        <p:tgtEl>
+                                          <p:spTgt spid="3">
+                                            <p:txEl>
+                                              <p:pRg st="0" end="0"/>
+                                            </p:txEl>
+                                          </p:spTgt>
+                                        </p:tgtEl>
+                                        <p:attrNameLst>
+                                          <p:attrName>ppt_y</p:attrName>
+                                        </p:attrNameLst>
+                                      </p:cBhvr>
+                                      <p:tavLst>
+                                        <p:tav tm="0">
+                                          <p:val>
+                                            <p:strVal val="1+#ppt_h/2"/>
+                                          </p:val>
+                                        </p:tav>
+                                        <p:tav tm="100000">
+                                          <p:val>
+                                            <p:strVal val="#ppt_y"/>
+                                          </p:val>
+                                        </p:tav>
+                                      </p:tavLst>
+                                    </p:anim>
+                                  </p:childTnLst>
+                                </p:cTn>
+                              </p:par>
+                            </p:childTnLst>
+                          </p:cTn>
+                        </p:par>
+                        <p:par>
+                          <p:cTn id="14" fill="hold">
+                            <p:stCondLst>
+                              <p:cond delay="1000"/>
+                            </p:stCondLst>
+                            <p:childTnLst>
+                              <p:par>
+                                <p:cTn id="15" presetID="2" presetClass="entr" presetSubtype="6" fill="hold" nodeType="afterEffect">
+                                  <p:stCondLst>
+                                    <p:cond delay="0"/>
+                                  </p:stCondLst>
+                                  <p:childTnLst>
+                                    <p:set>
+                                      <p:cBhvr>
+                                        <p:cTn id="16" dur="1" fill="hold">
+                                          <p:stCondLst>
+                                            <p:cond delay="0"/>
+                                          </p:stCondLst>
+                                        </p:cTn>
+                                        <p:tgtEl>
+                                          <p:spTgt spid="3">
+                                            <p:txEl>
+                                              <p:pRg st="1" end="1"/>
+                                            </p:txEl>
+                                          </p:spTgt>
+                                        </p:tgtEl>
+                                        <p:attrNameLst>
+                                          <p:attrName>style.visibility</p:attrName>
+                                        </p:attrNameLst>
+                                      </p:cBhvr>
+                                      <p:to>
+                                        <p:strVal val="visible"/>
+                                      </p:to>
+                                    </p:set>
+                                    <p:anim calcmode="lin" valueType="num">
+                                      <p:cBhvr additive="base">
+                                        <p:cTn id="17" dur="500" fill="hold"/>
+                                        <p:tgtEl>
+                                          <p:spTgt spid="3">
+                                            <p:txEl>
+                                              <p:pRg st="1" end="1"/>
+                                            </p:txEl>
+                                          </p:spTgt>
+                                        </p:tgtEl>
+                                        <p:attrNameLst>
+                                          <p:attrName>ppt_x</p:attrName>
+                                        </p:attrNameLst>
+                                      </p:cBhvr>
+                                      <p:tavLst>
+                                        <p:tav tm="0">
+                                          <p:val>
+                                            <p:strVal val="1+#ppt_w/2"/>
+                                          </p:val>
+                                        </p:tav>
+                                        <p:tav tm="100000">
+                                          <p:val>
+                                            <p:strVal val="#ppt_x"/>
+                                          </p:val>
+                                        </p:tav>
+                                      </p:tavLst>
+                                    </p:anim>
+                                    <p:anim calcmode="lin" valueType="num">
+                                      <p:cBhvr additive="base">
+                                        <p:cTn id="18" dur="500" fill="hold"/>
+                                        <p:tgtEl>
+                                          <p:spTgt spid="3">
+                                            <p:txEl>
+                                              <p:pRg st="1" end="1"/>
+                                            </p:txEl>
+                                          </p:spTgt>
+                                        </p:tgtEl>
+                                        <p:attrNameLst>
+                                          <p:attrName>ppt_y</p:attrName>
+                                        </p:attrNameLst>
+                                      </p:cBhvr>
+                                      <p:tavLst>
+                                        <p:tav tm="0">
+                                          <p:val>
+                                            <p:strVal val="1+#ppt_h/2"/>
+                                          </p:val>
+                                        </p:tav>
+                                        <p:tav tm="100000">
+                                          <p:val>
+                                            <p:strVal val="#ppt_y"/>
+                                          </p:val>
+                                        </p:tav>
+                                      </p:tavLst>
+                                    </p:anim>
+                                  </p:childTnLst>
+                                </p:cTn>
+                              </p:par>
+                            </p:childTnLst>
+                          </p:cTn>
+                        </p:par>
+                        <p:par>
+                          <p:cTn id="19" fill="hold">
+                            <p:stCondLst>
+                              <p:cond delay="1500"/>
+                            </p:stCondLst>
+                            <p:childTnLst>
+                              <p:par>
+                                <p:cTn id="20" presetID="2" presetClass="entr" presetSubtype="6" fill="hold" nodeType="afterEffect">
+                                  <p:stCondLst>
+                                    <p:cond delay="0"/>
+                                  </p:stCondLst>
+                                  <p:childTnLst>
+                                    <p:set>
+                                      <p:cBhvr>
+                                        <p:cTn id="21" dur="1" fill="hold">
+                                          <p:stCondLst>
+                                            <p:cond delay="0"/>
+                                          </p:stCondLst>
+                                        </p:cTn>
+                                        <p:tgtEl>
+                                          <p:spTgt spid="3">
+                                            <p:txEl>
+                                              <p:pRg st="2" end="2"/>
+                                            </p:txEl>
+                                          </p:spTgt>
+                                        </p:tgtEl>
+                                        <p:attrNameLst>
+                                          <p:attrName>style.visibility</p:attrName>
+                                        </p:attrNameLst>
+                                      </p:cBhvr>
+                                      <p:to>
+                                        <p:strVal val="visible"/>
+                                      </p:to>
+                                    </p:set>
+                                    <p:anim calcmode="lin" valueType="num">
+                                      <p:cBhvr additive="base">
+                                        <p:cTn id="22" dur="500" fill="hold"/>
+                                        <p:tgtEl>
+                                          <p:spTgt spid="3">
+                                            <p:txEl>
+                                              <p:pRg st="2" end="2"/>
+                                            </p:txEl>
+                                          </p:spTgt>
+                                        </p:tgtEl>
+                                        <p:attrNameLst>
+                                          <p:attrName>ppt_x</p:attrName>
+                                        </p:attrNameLst>
+                                      </p:cBhvr>
+                                      <p:tavLst>
+                                        <p:tav tm="0">
+                                          <p:val>
+                                            <p:strVal val="1+#ppt_w/2"/>
+                                          </p:val>
+                                        </p:tav>
+                                        <p:tav tm="100000">
+                                          <p:val>
+                                            <p:strVal val="#ppt_x"/>
+                                          </p:val>
+                                        </p:tav>
+                                      </p:tavLst>
+                                    </p:anim>
+                                    <p:anim calcmode="lin" valueType="num">
+                                      <p:cBhvr additive="base">
+                                        <p:cTn id="23" dur="500" fill="hold"/>
+                                        <p:tgtEl>
+                                          <p:spTgt spid="3">
+                                            <p:txEl>
+                                              <p:pRg st="2" end="2"/>
+                                            </p:txEl>
+                                          </p:spTgt>
+                                        </p:tgtEl>
+                                        <p:attrNameLst>
+                                          <p:attrName>ppt_y</p:attrName>
+                                        </p:attrNameLst>
+                                      </p:cBhvr>
+                                      <p:tavLst>
+                                        <p:tav tm="0">
+                                          <p:val>
+                                            <p:strVal val="1+#ppt_h/2"/>
+                                          </p:val>
+                                        </p:tav>
+                                        <p:tav tm="100000">
+                                          <p:val>
+                                            <p:strVal val="#ppt_y"/>
+                                          </p:val>
+                                        </p:tav>
+                                      </p:tavLst>
+                                    </p:anim>
+                                  </p:childTnLst>
+                                </p:cTn>
+                              </p:par>
+                            </p:childTnLst>
+                          </p:cTn>
+                        </p:par>
+                      </p:childTnLst>
+                    </p:cTn>
+                  </p:par>
+                </p:childTnLst>
+              </p:cTn>
+              <p:prevCondLst>
+                <p:cond evt="onPrev" delay="0">
+                  <p:tgtEl>
+                    <p:sldTgt/>
+                  </p:tgtEl>
+                </p:cond>
+              </p:prevCondLst>
+              <p:nextCondLst>
+                <p:cond evt="onNext" delay="0">
+                  <p:tgtEl>
+                    <p:sldTgt/>
+                  </p:tgtEl>
+                </p:cond>
+              </p:nextCondLst>
+            </p:seq>
+          </p:childTnLst>
+        </p:cTn>
+      </p:par>
+    </p:tnLst>
+  </p:timing>
+</p:sld>
+</file>
+
+<file path=ppt/slides/slide6.xml><?xml version="1.0" encoding="utf-8"?>
+<p:sld xmlns:a="http://schemas.openxmlformats.org/drawingml/2006/main" xmlns:r="http://schemas.openxmlformats.org/officeDocument/2006/relationships" xmlns:p="http://schemas.openxmlformats.org/presentationml/2006/main">
+  <p:cSld>
+    <p:spTree>
+      <p:nvGrpSpPr>
+        <p:cNvPr id="1" name=""/>
+        <p:cNvGrpSpPr/>
+        <p:nvPr/>
+      </p:nvGrpSpPr>
+      <p:grpSpPr>
+        <a:xfrm>
+          <a:off x="0" y="0"/>
+          <a:ext cx="0" cy="0"/>
+          <a:chOff x="0" y="0"/>
+          <a:chExt cx="0" cy="0"/>
+        </a:xfrm>
+      </p:grpSpPr>
+      <p:sp>
+        <p:nvSpPr>
+          <p:cNvPr id="2" name="Cím 1"/>
+          <p:cNvSpPr>
+            <a:spLocks noGrp="1"/>
+          </p:cNvSpPr>
+          <p:nvPr>
+            <p:ph type="title"/>
+          </p:nvPr>
+        </p:nvSpPr>
+        <p:spPr/>
+        <p:txBody>
+          <a:bodyPr/>
+          <a:lstStyle/>
+          <a:p>
+            <a:r>
+              <a:rPr lang="hu-HU" dirty="0" smtClean="0">
+                <a:solidFill>
+                  <a:schemeClr val="bg1"/>
+                </a:solidFill>
+                <a:latin typeface="Algerian" panose="04020705040A02060702" pitchFamily="82" charset="0"/>
+              </a:rPr>
+              <a:t>Memória típusok</a:t>
+            </a:r>
+            <a:endParaRPr lang="hu-HU" dirty="0">
+              <a:solidFill>
+                <a:schemeClr val="bg1"/>
+              </a:solidFill>
+              <a:latin typeface="Algerian" panose="04020705040A02060702" pitchFamily="82" charset="0"/>
+            </a:endParaRPr>
+          </a:p>
+        </p:txBody>
+      </p:sp>
+      <p:sp>
+        <p:nvSpPr>
+          <p:cNvPr id="3" name="Tartalom helye 2"/>
+          <p:cNvSpPr>
+            <a:spLocks noGrp="1"/>
+          </p:cNvSpPr>
+          <p:nvPr>
+            <p:ph idx="1"/>
+          </p:nvPr>
+        </p:nvSpPr>
+        <p:spPr>
+          <a:xfrm>
+            <a:off x="838200" y="3494934"/>
+            <a:ext cx="10515600" cy="1640737"/>
+          </a:xfrm>
+        </p:spPr>
+        <p:txBody>
+          <a:bodyPr/>
+          <a:lstStyle/>
+          <a:p>
+            <a:r>
+              <a:rPr lang="hu-HU" dirty="0">
+                <a:solidFill>
+                  <a:schemeClr val="bg1"/>
+                </a:solidFill>
+              </a:rPr>
+              <a:t>Az eredeti DDR memória típus, amelyet a DDR2 követett </a:t>
+            </a:r>
+          </a:p>
+          <a:p>
+            <a:r>
+              <a:rPr lang="hu-HU" dirty="0">
+                <a:solidFill>
+                  <a:schemeClr val="bg1"/>
+                </a:solidFill>
+              </a:rPr>
+              <a:t>elsők között alkalmazta a kettős adatátviteli sebességet --&gt; nagyobb adatátvitel </a:t>
+            </a:r>
+            <a:r>
+              <a:rPr lang="hu-HU" dirty="0" smtClean="0">
+                <a:solidFill>
+                  <a:schemeClr val="bg1"/>
+                </a:solidFill>
+              </a:rPr>
+              <a:t>(</a:t>
+            </a:r>
+            <a:r>
+              <a:rPr lang="hu-HU" dirty="0" err="1" smtClean="0">
+                <a:solidFill>
+                  <a:schemeClr val="bg1"/>
+                </a:solidFill>
+              </a:rPr>
+              <a:t>max</a:t>
+            </a:r>
+            <a:r>
+              <a:rPr lang="hu-HU" dirty="0" smtClean="0">
+                <a:solidFill>
+                  <a:schemeClr val="bg1"/>
+                </a:solidFill>
+              </a:rPr>
+              <a:t> </a:t>
+            </a:r>
+            <a:r>
+              <a:rPr lang="hu-HU" b="1" dirty="0">
+                <a:solidFill>
+                  <a:schemeClr val="bg1"/>
+                </a:solidFill>
+              </a:rPr>
+              <a:t>400 MHz</a:t>
+            </a:r>
+            <a:r>
+              <a:rPr lang="hu-HU" dirty="0" smtClean="0">
+                <a:solidFill>
+                  <a:schemeClr val="bg1"/>
+                </a:solidFill>
+              </a:rPr>
+              <a:t>)</a:t>
+            </a:r>
+            <a:endParaRPr lang="hu-HU" dirty="0">
+              <a:solidFill>
+                <a:schemeClr val="bg1"/>
+              </a:solidFill>
+            </a:endParaRPr>
+          </a:p>
+          <a:p>
+            <a:endParaRPr lang="hu-HU" dirty="0"/>
+          </a:p>
+        </p:txBody>
+      </p:sp>
+      <p:sp>
+        <p:nvSpPr>
+          <p:cNvPr id="5" name="Szövegdoboz 4"/>
+          <p:cNvSpPr txBox="1"/>
+          <p:nvPr/>
+        </p:nvSpPr>
+        <p:spPr>
+          <a:xfrm>
+            <a:off x="1698734" y="2694715"/>
+            <a:ext cx="8794531" cy="800219"/>
+          </a:xfrm>
+          <a:prstGeom prst="rect">
+            <a:avLst/>
+          </a:prstGeom>
+          <a:noFill/>
+        </p:spPr>
+        <p:txBody>
+          <a:bodyPr wrap="square" rtlCol="0">
+            <a:spAutoFit/>
+          </a:bodyPr>
+          <a:lstStyle/>
+          <a:p>
+            <a:pPr algn="ctr"/>
+            <a:r>
+              <a:rPr lang="hu-HU" sz="2800" b="1" u="sng" dirty="0" smtClean="0">
+                <a:solidFill>
+                  <a:schemeClr val="bg1"/>
+                </a:solidFill>
+              </a:rPr>
+              <a:t>DDR (DOUBLE DATA RATE)</a:t>
+            </a:r>
+            <a:endParaRPr lang="hu-HU" sz="2800" u="sng" dirty="0">
+              <a:solidFill>
+                <a:schemeClr val="bg1"/>
+              </a:solidFill>
+            </a:endParaRPr>
+          </a:p>
+          <a:p>
+            <a:pPr algn="ctr"/>
+            <a:endParaRPr lang="hu-HU" dirty="0">
+              <a:solidFill>
+                <a:schemeClr val="bg1"/>
+              </a:solidFill>
+            </a:endParaRPr>
+          </a:p>
+        </p:txBody>
+      </p:sp>
+    </p:spTree>
+    <p:extLst>
+      <p:ext uri="{BB962C8B-B14F-4D97-AF65-F5344CB8AC3E}">
+        <p14:creationId xmlns:p14="http://schemas.microsoft.com/office/powerpoint/2010/main" val="253826506"/>
+      </p:ext>
+    </p:extLst>
+  </p:cSld>
+  <p:clrMapOvr>
+    <a:masterClrMapping/>
+  </p:clrMapOvr>
+  <mc:AlternateContent xmlns:mc="http://schemas.openxmlformats.org/markup-compatibility/2006">
+    <mc:Choice xmlns:p14="http://schemas.microsoft.com/office/powerpoint/2010/main" Requires="p14">
+      <p:transition spd="med" p14:dur="700">
+        <p:fade/>
+      </p:transition>
+    </mc:Choice>
+    <mc:Fallback>
+      <p:transition spd="med">
+        <p:fade/>
+      </p:transition>
+    </mc:Fallback>
+  </mc:AlternateContent>
+  <p:timing>
+    <p:tnLst>
+      <p:par>
+        <p:cTn id="1" dur="indefinite" restart="never" nodeType="tmRoot">
+          <p:childTnLst>
+            <p:seq concurrent="1" nextAc="seek">
+              <p:cTn id="2" dur="indefinite" nodeType="mainSeq">
+                <p:childTnLst>
+                  <p:par>
+                    <p:cTn id="3" fill="hold">
+                      <p:stCondLst>
+                        <p:cond delay="indefinite"/>
+                        <p:cond evt="onBegin" delay="0">
+                          <p:tn val="2"/>
+                        </p:cond>
+                      </p:stCondLst>
+                      <p:childTnLst>
+                        <p:par>
+                          <p:cTn id="4" fill="hold">
+                            <p:stCondLst>
+                              <p:cond delay="0"/>
+                            </p:stCondLst>
+                            <p:childTnLst>
+                              <p:par>
+                                <p:cTn id="5" presetID="2" presetClass="entr" presetSubtype="8" fill="hold" nodeType="afterEffect">
+                                  <p:stCondLst>
+                                    <p:cond delay="0"/>
+                                  </p:stCondLst>
+                                  <p:childTnLst>
+                                    <p:set>
+                                      <p:cBhvr>
+                                        <p:cTn id="6" dur="1" fill="hold">
+                                          <p:stCondLst>
+                                            <p:cond delay="0"/>
+                                          </p:stCondLst>
+                                        </p:cTn>
+                                        <p:tgtEl>
+                                          <p:spTgt spid="5">
+                                            <p:txEl>
+                                              <p:pRg st="0" end="0"/>
+                                            </p:txEl>
+                                          </p:spTgt>
+                                        </p:tgtEl>
+                                        <p:attrNameLst>
+                                          <p:attrName>style.visibility</p:attrName>
+                                        </p:attrNameLst>
+                                      </p:cBhvr>
+                                      <p:to>
+                                        <p:strVal val="visible"/>
+                                      </p:to>
+                                    </p:set>
+                                    <p:anim calcmode="lin" valueType="num">
+                                      <p:cBhvr additive="base">
+                                        <p:cTn id="7" dur="500" fill="hold"/>
+                                        <p:tgtEl>
+                                          <p:spTgt spid="5">
+                                            <p:txEl>
+                                              <p:pRg st="0" end="0"/>
+                                            </p:txEl>
+                                          </p:spTgt>
+                                        </p:tgtEl>
+                                        <p:attrNameLst>
+                                          <p:attrName>ppt_x</p:attrName>
+                                        </p:attrNameLst>
+                                      </p:cBhvr>
+                                      <p:tavLst>
+                                        <p:tav tm="0">
+                                          <p:val>
+                                            <p:strVal val="0-#ppt_w/2"/>
+                                          </p:val>
+                                        </p:tav>
+                                        <p:tav tm="100000">
+                                          <p:val>
+                                            <p:strVal val="#ppt_x"/>
+                                          </p:val>
+                                        </p:tav>
+                                      </p:tavLst>
+                                    </p:anim>
+                                    <p:anim calcmode="lin" valueType="num">
+                                      <p:cBhvr additive="base">
+                                        <p:cTn id="8" dur="500" fill="hold"/>
+                                        <p:tgtEl>
+                                          <p:spTgt spid="5">
+                                            <p:txEl>
+                                              <p:pRg st="0" end="0"/>
+                                            </p:txEl>
+                                          </p:spTgt>
+                                        </p:tgtEl>
+                                        <p:attrNameLst>
+                                          <p:attrName>ppt_y</p:attrName>
+                                        </p:attrNameLst>
+                                      </p:cBhvr>
+                                      <p:tavLst>
+                                        <p:tav tm="0">
+                                          <p:val>
+                                            <p:strVal val="#ppt_y"/>
+                                          </p:val>
+                                        </p:tav>
+                                        <p:tav tm="100000">
+                                          <p:val>
+                                            <p:strVal val="#ppt_y"/>
+                                          </p:val>
+                                        </p:tav>
+                                      </p:tavLst>
+                                    </p:anim>
+                                  </p:childTnLst>
+                                </p:cTn>
+                              </p:par>
+                            </p:childTnLst>
+                          </p:cTn>
+                        </p:par>
+                        <p:par>
+                          <p:cTn id="9" fill="hold">
+                            <p:stCondLst>
+                              <p:cond delay="500"/>
+                            </p:stCondLst>
+                            <p:childTnLst>
+                              <p:par>
+                                <p:cTn id="10" presetID="2" presetClass="entr" presetSubtype="6" fill="hold" nodeType="afterEffect">
+                                  <p:stCondLst>
+                                    <p:cond delay="0"/>
+                                  </p:stCondLst>
+                                  <p:childTnLst>
+                                    <p:set>
+                                      <p:cBhvr>
+                                        <p:cTn id="11" dur="1" fill="hold">
+                                          <p:stCondLst>
+                                            <p:cond delay="0"/>
+                                          </p:stCondLst>
+                                        </p:cTn>
+                                        <p:tgtEl>
+                                          <p:spTgt spid="3">
+                                            <p:txEl>
+                                              <p:pRg st="0" end="0"/>
+                                            </p:txEl>
+                                          </p:spTgt>
+                                        </p:tgtEl>
+                                        <p:attrNameLst>
+                                          <p:attrName>style.visibility</p:attrName>
+                                        </p:attrNameLst>
+                                      </p:cBhvr>
+                                      <p:to>
+                                        <p:strVal val="visible"/>
+                                      </p:to>
+                                    </p:set>
+                                    <p:anim calcmode="lin" valueType="num">
+                                      <p:cBhvr additive="base">
+                                        <p:cTn id="12" dur="500" fill="hold"/>
+                                        <p:tgtEl>
+                                          <p:spTgt spid="3">
+                                            <p:txEl>
+                                              <p:pRg st="0" end="0"/>
+                                            </p:txEl>
+                                          </p:spTgt>
+                                        </p:tgtEl>
+                                        <p:attrNameLst>
+                                          <p:attrName>ppt_x</p:attrName>
+                                        </p:attrNameLst>
+                                      </p:cBhvr>
+                                      <p:tavLst>
+                                        <p:tav tm="0">
+                                          <p:val>
+                                            <p:strVal val="1+#ppt_w/2"/>
+                                          </p:val>
+                                        </p:tav>
+                                        <p:tav tm="100000">
+                                          <p:val>
+                                            <p:strVal val="#ppt_x"/>
+                                          </p:val>
+                                        </p:tav>
+                                      </p:tavLst>
+                                    </p:anim>
+                                    <p:anim calcmode="lin" valueType="num">
+                                      <p:cBhvr additive="base">
+                                        <p:cTn id="13" dur="500" fill="hold"/>
+                                        <p:tgtEl>
+                                          <p:spTgt spid="3">
+                                            <p:txEl>
+                                              <p:pRg st="0" end="0"/>
+                                            </p:txEl>
+                                          </p:spTgt>
+                                        </p:tgtEl>
+                                        <p:attrNameLst>
+                                          <p:attrName>ppt_y</p:attrName>
+                                        </p:attrNameLst>
+                                      </p:cBhvr>
+                                      <p:tavLst>
+                                        <p:tav tm="0">
+                                          <p:val>
+                                            <p:strVal val="1+#ppt_h/2"/>
+                                          </p:val>
+                                        </p:tav>
+                                        <p:tav tm="100000">
+                                          <p:val>
+                                            <p:strVal val="#ppt_y"/>
+                                          </p:val>
+                                        </p:tav>
+                                      </p:tavLst>
+                                    </p:anim>
+                                  </p:childTnLst>
+                                </p:cTn>
+                              </p:par>
+                            </p:childTnLst>
+                          </p:cTn>
+                        </p:par>
+                        <p:par>
+                          <p:cTn id="14" fill="hold">
+                            <p:stCondLst>
+                              <p:cond delay="1000"/>
+                            </p:stCondLst>
+                            <p:childTnLst>
+                              <p:par>
+                                <p:cTn id="15" presetID="2" presetClass="entr" presetSubtype="6" fill="hold" nodeType="afterEffect">
+                                  <p:stCondLst>
+                                    <p:cond delay="0"/>
+                                  </p:stCondLst>
+                                  <p:childTnLst>
+                                    <p:set>
+                                      <p:cBhvr>
+                                        <p:cTn id="16" dur="1" fill="hold">
+                                          <p:stCondLst>
+                                            <p:cond delay="0"/>
+                                          </p:stCondLst>
+                                        </p:cTn>
+                                        <p:tgtEl>
+                                          <p:spTgt spid="3">
+                                            <p:txEl>
+                                              <p:pRg st="1" end="1"/>
+                                            </p:txEl>
+                                          </p:spTgt>
+                                        </p:tgtEl>
+                                        <p:attrNameLst>
+                                          <p:attrName>style.visibility</p:attrName>
+                                        </p:attrNameLst>
+                                      </p:cBhvr>
+                                      <p:to>
+                                        <p:strVal val="visible"/>
+                                      </p:to>
+                                    </p:set>
+                                    <p:anim calcmode="lin" valueType="num">
+                                      <p:cBhvr additive="base">
+                                        <p:cTn id="17" dur="500" fill="hold"/>
+                                        <p:tgtEl>
+                                          <p:spTgt spid="3">
+                                            <p:txEl>
+                                              <p:pRg st="1" end="1"/>
+                                            </p:txEl>
+                                          </p:spTgt>
+                                        </p:tgtEl>
+                                        <p:attrNameLst>
+                                          <p:attrName>ppt_x</p:attrName>
+                                        </p:attrNameLst>
+                                      </p:cBhvr>
+                                      <p:tavLst>
+                                        <p:tav tm="0">
+                                          <p:val>
+                                            <p:strVal val="1+#ppt_w/2"/>
+                                          </p:val>
+                                        </p:tav>
+                                        <p:tav tm="100000">
+                                          <p:val>
+                                            <p:strVal val="#ppt_x"/>
+                                          </p:val>
+                                        </p:tav>
+                                      </p:tavLst>
+                                    </p:anim>
+                                    <p:anim calcmode="lin" valueType="num">
+                                      <p:cBhvr additive="base">
+                                        <p:cTn id="18" dur="500" fill="hold"/>
+                                        <p:tgtEl>
+                                          <p:spTgt spid="3">
+                                            <p:txEl>
+                                              <p:pRg st="1" end="1"/>
+                                            </p:txEl>
+                                          </p:spTgt>
+                                        </p:tgtEl>
+                                        <p:attrNameLst>
+                                          <p:attrName>ppt_y</p:attrName>
+                                        </p:attrNameLst>
+                                      </p:cBhvr>
+                                      <p:tavLst>
+                                        <p:tav tm="0">
+                                          <p:val>
+                                            <p:strVal val="1+#ppt_h/2"/>
+                                          </p:val>
+                                        </p:tav>
+                                        <p:tav tm="100000">
+                                          <p:val>
+                                            <p:strVal val="#ppt_y"/>
+                                          </p:val>
+                                        </p:tav>
+                                      </p:tavLst>
+                                    </p:anim>
+                                  </p:childTnLst>
+                                </p:cTn>
+                              </p:par>
+                            </p:childTnLst>
+                          </p:cTn>
+                        </p:par>
+                      </p:childTnLst>
+                    </p:cTn>
+                  </p:par>
+                </p:childTnLst>
+              </p:cTn>
+              <p:prevCondLst>
+                <p:cond evt="onPrev" delay="0">
+                  <p:tgtEl>
+                    <p:sldTgt/>
+                  </p:tgtEl>
+                </p:cond>
+              </p:prevCondLst>
+              <p:nextCondLst>
+                <p:cond evt="onNext" delay="0">
+                  <p:tgtEl>
+                    <p:sldTgt/>
+                  </p:tgtEl>
+                </p:cond>
+              </p:nextCondLst>
+            </p:seq>
+          </p:childTnLst>
+        </p:cTn>
+      </p:par>
+    </p:tnLst>
+  </p:timing>
+</p:sld>
+</file>
+
+<file path=ppt/slides/slide7.xml><?xml version="1.0" encoding="utf-8"?>
+<p:sld xmlns:a="http://schemas.openxmlformats.org/drawingml/2006/main" xmlns:r="http://schemas.openxmlformats.org/officeDocument/2006/relationships" xmlns:p="http://schemas.openxmlformats.org/presentationml/2006/main">
+  <p:cSld>
+    <p:spTree>
+      <p:nvGrpSpPr>
+        <p:cNvPr id="1" name=""/>
+        <p:cNvGrpSpPr/>
+        <p:nvPr/>
+      </p:nvGrpSpPr>
+      <p:grpSpPr>
+        <a:xfrm>
+          <a:off x="0" y="0"/>
+          <a:ext cx="0" cy="0"/>
+          <a:chOff x="0" y="0"/>
+          <a:chExt cx="0" cy="0"/>
+        </a:xfrm>
+      </p:grpSpPr>
+      <p:sp>
+        <p:nvSpPr>
+          <p:cNvPr id="2" name="Cím 1"/>
+          <p:cNvSpPr>
+            <a:spLocks noGrp="1"/>
+          </p:cNvSpPr>
+          <p:nvPr>
+            <p:ph type="title"/>
+          </p:nvPr>
+        </p:nvSpPr>
+        <p:spPr/>
+        <p:txBody>
+          <a:bodyPr/>
+          <a:lstStyle/>
+          <a:p>
+            <a:r>
+              <a:rPr lang="hu-HU" dirty="0" smtClean="0">
+                <a:solidFill>
+                  <a:schemeClr val="bg1"/>
+                </a:solidFill>
+                <a:latin typeface="Algerian" panose="04020705040A02060702" pitchFamily="82" charset="0"/>
+              </a:rPr>
+              <a:t>Memória típusok</a:t>
+            </a:r>
+            <a:endParaRPr lang="hu-HU" dirty="0">
+              <a:solidFill>
+                <a:schemeClr val="bg1"/>
+              </a:solidFill>
+              <a:latin typeface="Algerian" panose="04020705040A02060702" pitchFamily="82" charset="0"/>
+            </a:endParaRPr>
+          </a:p>
+        </p:txBody>
+      </p:sp>
+      <p:sp>
+        <p:nvSpPr>
+          <p:cNvPr id="3" name="Tartalom helye 2"/>
+          <p:cNvSpPr>
+            <a:spLocks noGrp="1"/>
+          </p:cNvSpPr>
+          <p:nvPr>
+            <p:ph idx="1"/>
+          </p:nvPr>
+        </p:nvSpPr>
+        <p:spPr>
+          <a:xfrm>
+            <a:off x="838200" y="3494934"/>
+            <a:ext cx="10515600" cy="1640737"/>
+          </a:xfrm>
+        </p:spPr>
+        <p:txBody>
+          <a:bodyPr>
+            <a:normAutofit fontScale="92500" lnSpcReduction="10000"/>
+          </a:bodyPr>
+          <a:lstStyle/>
+          <a:p>
+            <a:r>
+              <a:rPr lang="hu-HU" dirty="0">
+                <a:solidFill>
+                  <a:schemeClr val="bg1"/>
+                </a:solidFill>
+              </a:rPr>
+              <a:t>K</a:t>
+            </a:r>
+            <a:r>
+              <a:rPr lang="hu-HU" dirty="0" smtClean="0">
+                <a:solidFill>
+                  <a:schemeClr val="bg1"/>
+                </a:solidFill>
+              </a:rPr>
+              <a:t>evésbé </a:t>
+            </a:r>
+            <a:r>
+              <a:rPr lang="hu-HU" dirty="0">
+                <a:solidFill>
+                  <a:schemeClr val="bg1"/>
+                </a:solidFill>
+              </a:rPr>
+              <a:t>elterjedt és kevésbé használatos</a:t>
+            </a:r>
+          </a:p>
+          <a:p>
+            <a:r>
+              <a:rPr lang="hu-HU" dirty="0">
+                <a:solidFill>
+                  <a:schemeClr val="bg1"/>
+                </a:solidFill>
+              </a:rPr>
+              <a:t>Alacsonyabb sebesség és adatátviteli sebesség mint a DDR3 és a DDR4 </a:t>
+            </a:r>
+            <a:r>
+              <a:rPr lang="hu-HU" dirty="0" smtClean="0">
+                <a:solidFill>
+                  <a:schemeClr val="bg1"/>
+                </a:solidFill>
+              </a:rPr>
+              <a:t>esetében (133~200MHz)</a:t>
+            </a:r>
+            <a:endParaRPr lang="hu-HU" dirty="0">
+              <a:solidFill>
+                <a:schemeClr val="bg1"/>
+              </a:solidFill>
+            </a:endParaRPr>
+          </a:p>
+          <a:p>
+            <a:r>
+              <a:rPr lang="hu-HU" dirty="0">
+                <a:solidFill>
+                  <a:schemeClr val="bg1"/>
+                </a:solidFill>
+              </a:rPr>
+              <a:t>K</a:t>
+            </a:r>
+            <a:r>
+              <a:rPr lang="hu-HU" dirty="0" smtClean="0">
+                <a:solidFill>
+                  <a:schemeClr val="bg1"/>
+                </a:solidFill>
+              </a:rPr>
+              <a:t>evésbé </a:t>
+            </a:r>
+            <a:r>
+              <a:rPr lang="hu-HU" dirty="0">
+                <a:solidFill>
+                  <a:schemeClr val="bg1"/>
+                </a:solidFill>
+              </a:rPr>
+              <a:t>kompatibilis az újabb alaplapokkal</a:t>
+            </a:r>
+          </a:p>
+          <a:p>
+            <a:endParaRPr lang="hu-HU" dirty="0"/>
+          </a:p>
+        </p:txBody>
+      </p:sp>
+      <p:sp>
+        <p:nvSpPr>
+          <p:cNvPr id="5" name="Szövegdoboz 4"/>
+          <p:cNvSpPr txBox="1"/>
+          <p:nvPr/>
+        </p:nvSpPr>
+        <p:spPr>
+          <a:xfrm>
+            <a:off x="1698734" y="2694715"/>
+            <a:ext cx="8794531" cy="800219"/>
+          </a:xfrm>
+          <a:prstGeom prst="rect">
+            <a:avLst/>
+          </a:prstGeom>
+          <a:noFill/>
+        </p:spPr>
+        <p:txBody>
+          <a:bodyPr wrap="square" rtlCol="0">
+            <a:spAutoFit/>
+          </a:bodyPr>
+          <a:lstStyle/>
+          <a:p>
+            <a:pPr algn="ctr"/>
+            <a:r>
+              <a:rPr lang="hu-HU" sz="2800" b="1" u="sng" dirty="0" smtClean="0">
+                <a:solidFill>
+                  <a:schemeClr val="bg1"/>
+                </a:solidFill>
+              </a:rPr>
+              <a:t>DDR 2 (DOUBLE DATA RATE 2)</a:t>
+            </a:r>
+            <a:endParaRPr lang="hu-HU" sz="2800" u="sng" dirty="0">
+              <a:solidFill>
+                <a:schemeClr val="bg1"/>
+              </a:solidFill>
+            </a:endParaRPr>
+          </a:p>
+          <a:p>
+            <a:pPr algn="ctr"/>
+            <a:endParaRPr lang="hu-HU" dirty="0">
+              <a:solidFill>
+                <a:schemeClr val="bg1"/>
+              </a:solidFill>
+            </a:endParaRPr>
+          </a:p>
+        </p:txBody>
+      </p:sp>
+    </p:spTree>
+    <p:extLst>
+      <p:ext uri="{BB962C8B-B14F-4D97-AF65-F5344CB8AC3E}">
+        <p14:creationId xmlns:p14="http://schemas.microsoft.com/office/powerpoint/2010/main" val="1730912628"/>
+      </p:ext>
+    </p:extLst>
+  </p:cSld>
+  <p:clrMapOvr>
+    <a:masterClrMapping/>
+  </p:clrMapOvr>
+  <mc:AlternateContent xmlns:mc="http://schemas.openxmlformats.org/markup-compatibility/2006">
+    <mc:Choice xmlns:p14="http://schemas.microsoft.com/office/powerpoint/2010/main" Requires="p14">
+      <p:transition spd="med" p14:dur="700">
+        <p:fade/>
+      </p:transition>
+    </mc:Choice>
+    <mc:Fallback>
+      <p:transition spd="med">
+        <p:fade/>
+      </p:transition>
+    </mc:Fallback>
+  </mc:AlternateContent>
+  <p:timing>
+    <p:tnLst>
+      <p:par>
+        <p:cTn id="1" dur="indefinite" restart="never" nodeType="tmRoot">
+          <p:childTnLst>
+            <p:seq concurrent="1" nextAc="seek">
+              <p:cTn id="2" dur="indefinite" nodeType="mainSeq">
+                <p:childTnLst>
+                  <p:par>
+                    <p:cTn id="3" fill="hold">
+                      <p:stCondLst>
+                        <p:cond delay="indefinite"/>
+                        <p:cond evt="onBegin" delay="0">
+                          <p:tn val="2"/>
+                        </p:cond>
+                      </p:stCondLst>
+                      <p:childTnLst>
+                        <p:par>
+                          <p:cTn id="4" fill="hold">
+                            <p:stCondLst>
+                              <p:cond delay="0"/>
+                            </p:stCondLst>
+                            <p:childTnLst>
+                              <p:par>
+                                <p:cTn id="5" presetID="2" presetClass="entr" presetSubtype="8" fill="hold" nodeType="afterEffect">
+                                  <p:stCondLst>
+                                    <p:cond delay="0"/>
+                                  </p:stCondLst>
+                                  <p:childTnLst>
+                                    <p:set>
+                                      <p:cBhvr>
+                                        <p:cTn id="6" dur="1" fill="hold">
+                                          <p:stCondLst>
+                                            <p:cond delay="0"/>
+                                          </p:stCondLst>
+                                        </p:cTn>
+                                        <p:tgtEl>
+                                          <p:spTgt spid="5">
+                                            <p:txEl>
+                                              <p:pRg st="0" end="0"/>
+                                            </p:txEl>
+                                          </p:spTgt>
+                                        </p:tgtEl>
+                                        <p:attrNameLst>
+                                          <p:attrName>style.visibility</p:attrName>
+                                        </p:attrNameLst>
+                                      </p:cBhvr>
+                                      <p:to>
+                                        <p:strVal val="visible"/>
+                                      </p:to>
+                                    </p:set>
+                                    <p:anim calcmode="lin" valueType="num">
+                                      <p:cBhvr additive="base">
+                                        <p:cTn id="7" dur="500" fill="hold"/>
+                                        <p:tgtEl>
+                                          <p:spTgt spid="5">
+                                            <p:txEl>
+                                              <p:pRg st="0" end="0"/>
+                                            </p:txEl>
+                                          </p:spTgt>
+                                        </p:tgtEl>
+                                        <p:attrNameLst>
+                                          <p:attrName>ppt_x</p:attrName>
+                                        </p:attrNameLst>
+                                      </p:cBhvr>
+                                      <p:tavLst>
+                                        <p:tav tm="0">
+                                          <p:val>
+                                            <p:strVal val="0-#ppt_w/2"/>
+                                          </p:val>
+                                        </p:tav>
+                                        <p:tav tm="100000">
+                                          <p:val>
+                                            <p:strVal val="#ppt_x"/>
+                                          </p:val>
+                                        </p:tav>
+                                      </p:tavLst>
+                                    </p:anim>
+                                    <p:anim calcmode="lin" valueType="num">
+                                      <p:cBhvr additive="base">
+                                        <p:cTn id="8" dur="500" fill="hold"/>
+                                        <p:tgtEl>
+                                          <p:spTgt spid="5">
+                                            <p:txEl>
+                                              <p:pRg st="0" end="0"/>
+                                            </p:txEl>
+                                          </p:spTgt>
+                                        </p:tgtEl>
+                                        <p:attrNameLst>
+                                          <p:attrName>ppt_y</p:attrName>
+                                        </p:attrNameLst>
+                                      </p:cBhvr>
+                                      <p:tavLst>
+                                        <p:tav tm="0">
+                                          <p:val>
+                                            <p:strVal val="#ppt_y"/>
+                                          </p:val>
+                                        </p:tav>
+                                        <p:tav tm="100000">
+                                          <p:val>
+                                            <p:strVal val="#ppt_y"/>
+                                          </p:val>
+                                        </p:tav>
+                                      </p:tavLst>
+                                    </p:anim>
+                                  </p:childTnLst>
+                                </p:cTn>
+                              </p:par>
+                            </p:childTnLst>
+                          </p:cTn>
+                        </p:par>
+                        <p:par>
+                          <p:cTn id="9" fill="hold">
+                            <p:stCondLst>
+                              <p:cond delay="500"/>
+                            </p:stCondLst>
+                            <p:childTnLst>
+                              <p:par>
+                                <p:cTn id="10" presetID="2" presetClass="entr" presetSubtype="6" fill="hold" nodeType="afterEffect">
+                                  <p:stCondLst>
+                                    <p:cond delay="0"/>
+                                  </p:stCondLst>
+                                  <p:childTnLst>
+                                    <p:set>
+                                      <p:cBhvr>
+                                        <p:cTn id="11" dur="1" fill="hold">
+                                          <p:stCondLst>
+                                            <p:cond delay="0"/>
+                                          </p:stCondLst>
+                                        </p:cTn>
+                                        <p:tgtEl>
+                                          <p:spTgt spid="3">
+                                            <p:txEl>
+                                              <p:pRg st="0" end="0"/>
+                                            </p:txEl>
+                                          </p:spTgt>
+                                        </p:tgtEl>
+                                        <p:attrNameLst>
+                                          <p:attrName>style.visibility</p:attrName>
+                                        </p:attrNameLst>
+                                      </p:cBhvr>
+                                      <p:to>
+                                        <p:strVal val="visible"/>
+                                      </p:to>
+                                    </p:set>
+                                    <p:anim calcmode="lin" valueType="num">
+                                      <p:cBhvr additive="base">
+                                        <p:cTn id="12" dur="500" fill="hold"/>
+                                        <p:tgtEl>
+                                          <p:spTgt spid="3">
+                                            <p:txEl>
+                                              <p:pRg st="0" end="0"/>
+                                            </p:txEl>
+                                          </p:spTgt>
+                                        </p:tgtEl>
+                                        <p:attrNameLst>
+                                          <p:attrName>ppt_x</p:attrName>
+                                        </p:attrNameLst>
+                                      </p:cBhvr>
+                                      <p:tavLst>
+                                        <p:tav tm="0">
+                                          <p:val>
+                                            <p:strVal val="1+#ppt_w/2"/>
+                                          </p:val>
+                                        </p:tav>
+                                        <p:tav tm="100000">
+                                          <p:val>
+                                            <p:strVal val="#ppt_x"/>
+                                          </p:val>
+                                        </p:tav>
+                                      </p:tavLst>
+                                    </p:anim>
+                                    <p:anim calcmode="lin" valueType="num">
+                                      <p:cBhvr additive="base">
+                                        <p:cTn id="13" dur="500" fill="hold"/>
+                                        <p:tgtEl>
+                                          <p:spTgt spid="3">
+                                            <p:txEl>
+                                              <p:pRg st="0" end="0"/>
+                                            </p:txEl>
+                                          </p:spTgt>
+                                        </p:tgtEl>
+                                        <p:attrNameLst>
+                                          <p:attrName>ppt_y</p:attrName>
+                                        </p:attrNameLst>
+                                      </p:cBhvr>
+                                      <p:tavLst>
+                                        <p:tav tm="0">
+                                          <p:val>
+                                            <p:strVal val="1+#ppt_h/2"/>
+                                          </p:val>
+                                        </p:tav>
+                                        <p:tav tm="100000">
+                                          <p:val>
+                                            <p:strVal val="#ppt_y"/>
+                                          </p:val>
+                                        </p:tav>
+                                      </p:tavLst>
+                                    </p:anim>
+                                  </p:childTnLst>
+                                </p:cTn>
+                              </p:par>
+                            </p:childTnLst>
+                          </p:cTn>
+                        </p:par>
+                        <p:par>
+                          <p:cTn id="14" fill="hold">
+                            <p:stCondLst>
+                              <p:cond delay="1000"/>
+                            </p:stCondLst>
+                            <p:childTnLst>
+                              <p:par>
+                                <p:cTn id="15" presetID="2" presetClass="entr" presetSubtype="6" fill="hold" nodeType="afterEffect">
+                                  <p:stCondLst>
+                                    <p:cond delay="0"/>
+                                  </p:stCondLst>
+                                  <p:childTnLst>
+                                    <p:set>
+                                      <p:cBhvr>
+                                        <p:cTn id="16" dur="1" fill="hold">
+                                          <p:stCondLst>
+                                            <p:cond delay="0"/>
+                                          </p:stCondLst>
+                                        </p:cTn>
+                                        <p:tgtEl>
+                                          <p:spTgt spid="3">
+                                            <p:txEl>
+                                              <p:pRg st="1" end="1"/>
+                                            </p:txEl>
+                                          </p:spTgt>
+                                        </p:tgtEl>
+                                        <p:attrNameLst>
+                                          <p:attrName>style.visibility</p:attrName>
+                                        </p:attrNameLst>
+                                      </p:cBhvr>
+                                      <p:to>
+                                        <p:strVal val="visible"/>
+                                      </p:to>
+                                    </p:set>
+                                    <p:anim calcmode="lin" valueType="num">
+                                      <p:cBhvr additive="base">
+                                        <p:cTn id="17" dur="500" fill="hold"/>
+                                        <p:tgtEl>
+                                          <p:spTgt spid="3">
+                                            <p:txEl>
+                                              <p:pRg st="1" end="1"/>
+                                            </p:txEl>
+                                          </p:spTgt>
+                                        </p:tgtEl>
+                                        <p:attrNameLst>
+                                          <p:attrName>ppt_x</p:attrName>
+                                        </p:attrNameLst>
+                                      </p:cBhvr>
+                                      <p:tavLst>
+                                        <p:tav tm="0">
+                                          <p:val>
+                                            <p:strVal val="1+#ppt_w/2"/>
+                                          </p:val>
+                                        </p:tav>
+                                        <p:tav tm="100000">
+                                          <p:val>
+                                            <p:strVal val="#ppt_x"/>
+                                          </p:val>
+                                        </p:tav>
+                                      </p:tavLst>
+                                    </p:anim>
+                                    <p:anim calcmode="lin" valueType="num">
+                                      <p:cBhvr additive="base">
+                                        <p:cTn id="18" dur="500" fill="hold"/>
+                                        <p:tgtEl>
+                                          <p:spTgt spid="3">
+                                            <p:txEl>
+                                              <p:pRg st="1" end="1"/>
+                                            </p:txEl>
+                                          </p:spTgt>
+                                        </p:tgtEl>
+                                        <p:attrNameLst>
+                                          <p:attrName>ppt_y</p:attrName>
+                                        </p:attrNameLst>
+                                      </p:cBhvr>
+                                      <p:tavLst>
+                                        <p:tav tm="0">
+                                          <p:val>
+                                            <p:strVal val="1+#ppt_h/2"/>
+                                          </p:val>
+                                        </p:tav>
+                                        <p:tav tm="100000">
+                                          <p:val>
+                                            <p:strVal val="#ppt_y"/>
+                                          </p:val>
+                                        </p:tav>
+                                      </p:tavLst>
+                                    </p:anim>
+                                  </p:childTnLst>
+                                </p:cTn>
+                              </p:par>
+                            </p:childTnLst>
+                          </p:cTn>
+                        </p:par>
+                        <p:par>
+                          <p:cTn id="19" fill="hold">
+                            <p:stCondLst>
+                              <p:cond delay="1500"/>
+                            </p:stCondLst>
+                            <p:childTnLst>
+                              <p:par>
+                                <p:cTn id="20" presetID="2" presetClass="entr" presetSubtype="6" fill="hold" nodeType="afterEffect">
+                                  <p:stCondLst>
+                                    <p:cond delay="0"/>
+                                  </p:stCondLst>
+                                  <p:childTnLst>
+                                    <p:set>
+                                      <p:cBhvr>
+                                        <p:cTn id="21" dur="1" fill="hold">
+                                          <p:stCondLst>
+                                            <p:cond delay="0"/>
+                                          </p:stCondLst>
+                                        </p:cTn>
+                                        <p:tgtEl>
+                                          <p:spTgt spid="3">
+                                            <p:txEl>
+                                              <p:pRg st="2" end="2"/>
+                                            </p:txEl>
+                                          </p:spTgt>
+                                        </p:tgtEl>
+                                        <p:attrNameLst>
+                                          <p:attrName>style.visibility</p:attrName>
+                                        </p:attrNameLst>
+                                      </p:cBhvr>
+                                      <p:to>
+                                        <p:strVal val="visible"/>
+                                      </p:to>
+                                    </p:set>
+                                    <p:anim calcmode="lin" valueType="num">
+                                      <p:cBhvr additive="base">
+                                        <p:cTn id="22" dur="500" fill="hold"/>
+                                        <p:tgtEl>
+                                          <p:spTgt spid="3">
+                                            <p:txEl>
+                                              <p:pRg st="2" end="2"/>
+                                            </p:txEl>
+                                          </p:spTgt>
+                                        </p:tgtEl>
+                                        <p:attrNameLst>
+                                          <p:attrName>ppt_x</p:attrName>
+                                        </p:attrNameLst>
+                                      </p:cBhvr>
+                                      <p:tavLst>
+                                        <p:tav tm="0">
+                                          <p:val>
+                                            <p:strVal val="1+#ppt_w/2"/>
+                                          </p:val>
+                                        </p:tav>
+                                        <p:tav tm="100000">
+                                          <p:val>
+                                            <p:strVal val="#ppt_x"/>
+                                          </p:val>
+                                        </p:tav>
+                                      </p:tavLst>
+                                    </p:anim>
+                                    <p:anim calcmode="lin" valueType="num">
+                                      <p:cBhvr additive="base">
+                                        <p:cTn id="23" dur="500" fill="hold"/>
+                                        <p:tgtEl>
+                                          <p:spTgt spid="3">
+                                            <p:txEl>
+                                              <p:pRg st="2" end="2"/>
+                                            </p:txEl>
+                                          </p:spTgt>
+                                        </p:tgtEl>
+                                        <p:attrNameLst>
+                                          <p:attrName>ppt_y</p:attrName>
+                                        </p:attrNameLst>
+                                      </p:cBhvr>
+                                      <p:tavLst>
+                                        <p:tav tm="0">
+                                          <p:val>
+                                            <p:strVal val="1+#ppt_h/2"/>
+                                          </p:val>
+                                        </p:tav>
+                                        <p:tav tm="100000">
+                                          <p:val>
+                                            <p:strVal val="#ppt_y"/>
+                                          </p:val>
+                                        </p:tav>
+                                      </p:tavLst>
+                                    </p:anim>
+                                  </p:childTnLst>
+                                </p:cTn>
+                              </p:par>
+                            </p:childTnLst>
+                          </p:cTn>
+                        </p:par>
+                      </p:childTnLst>
+                    </p:cTn>
+                  </p:par>
+                </p:childTnLst>
+              </p:cTn>
+              <p:prevCondLst>
+                <p:cond evt="onPrev" delay="0">
+                  <p:tgtEl>
+                    <p:sldTgt/>
+                  </p:tgtEl>
+                </p:cond>
+              </p:prevCondLst>
+              <p:nextCondLst>
+                <p:cond evt="onNext" delay="0">
+                  <p:tgtEl>
+                    <p:sldTgt/>
+                  </p:tgtEl>
+                </p:cond>
+              </p:nextCondLst>
+            </p:seq>
+          </p:childTnLst>
+        </p:cTn>
+      </p:par>
+    </p:tnLst>
+  </p:timing>
+</p:sld>
+</file>
+
+<file path=ppt/slides/slide8.xml><?xml version="1.0" encoding="utf-8"?>
+<p:sld xmlns:a="http://schemas.openxmlformats.org/drawingml/2006/main" xmlns:r="http://schemas.openxmlformats.org/officeDocument/2006/relationships" xmlns:p="http://schemas.openxmlformats.org/presentationml/2006/main">
+  <p:cSld>
+    <p:spTree>
+      <p:nvGrpSpPr>
+        <p:cNvPr id="1" name=""/>
+        <p:cNvGrpSpPr/>
+        <p:nvPr/>
+      </p:nvGrpSpPr>
+      <p:grpSpPr>
+        <a:xfrm>
+          <a:off x="0" y="0"/>
+          <a:ext cx="0" cy="0"/>
+          <a:chOff x="0" y="0"/>
+          <a:chExt cx="0" cy="0"/>
+        </a:xfrm>
+      </p:grpSpPr>
+      <p:sp>
+        <p:nvSpPr>
+          <p:cNvPr id="2" name="Cím 1"/>
+          <p:cNvSpPr>
+            <a:spLocks noGrp="1"/>
+          </p:cNvSpPr>
+          <p:nvPr>
+            <p:ph type="title"/>
+          </p:nvPr>
+        </p:nvSpPr>
+        <p:spPr/>
+        <p:txBody>
+          <a:bodyPr/>
+          <a:lstStyle/>
+          <a:p>
+            <a:r>
+              <a:rPr lang="hu-HU" dirty="0" smtClean="0">
+                <a:solidFill>
+                  <a:schemeClr val="bg1"/>
+                </a:solidFill>
+                <a:latin typeface="Algerian" panose="04020705040A02060702" pitchFamily="82" charset="0"/>
+              </a:rPr>
+              <a:t>Memória típusok</a:t>
+            </a:r>
+            <a:endParaRPr lang="hu-HU" dirty="0">
+              <a:solidFill>
+                <a:schemeClr val="bg1"/>
+              </a:solidFill>
+              <a:latin typeface="Algerian" panose="04020705040A02060702" pitchFamily="82" charset="0"/>
+            </a:endParaRPr>
+          </a:p>
+        </p:txBody>
+      </p:sp>
+      <p:sp>
+        <p:nvSpPr>
+          <p:cNvPr id="3" name="Tartalom helye 2"/>
+          <p:cNvSpPr>
+            <a:spLocks noGrp="1"/>
+          </p:cNvSpPr>
+          <p:nvPr>
+            <p:ph idx="1"/>
+          </p:nvPr>
+        </p:nvSpPr>
+        <p:spPr>
+          <a:xfrm>
+            <a:off x="838200" y="3494934"/>
+            <a:ext cx="10515600" cy="1640737"/>
+          </a:xfrm>
+        </p:spPr>
+        <p:txBody>
+          <a:bodyPr>
+            <a:normAutofit/>
+          </a:bodyPr>
+          <a:lstStyle/>
+          <a:p>
+            <a:r>
+              <a:rPr lang="hu-HU" dirty="0" smtClean="0">
+                <a:solidFill>
+                  <a:schemeClr val="bg1"/>
+                </a:solidFill>
+              </a:rPr>
+              <a:t>Sok régebbi számítógépben jelenleg is DDR3-as </a:t>
+            </a:r>
+            <a:r>
+              <a:rPr lang="hu-HU" dirty="0" err="1" smtClean="0">
+                <a:solidFill>
+                  <a:schemeClr val="bg1"/>
+                </a:solidFill>
+              </a:rPr>
+              <a:t>ramok</a:t>
+            </a:r>
+            <a:r>
+              <a:rPr lang="hu-HU" dirty="0" smtClean="0">
+                <a:solidFill>
+                  <a:schemeClr val="bg1"/>
+                </a:solidFill>
+              </a:rPr>
+              <a:t> vannak</a:t>
+            </a:r>
+            <a:endParaRPr lang="hu-HU" dirty="0">
+              <a:solidFill>
+                <a:schemeClr val="bg1"/>
+              </a:solidFill>
+            </a:endParaRPr>
+          </a:p>
+          <a:p>
+            <a:r>
+              <a:rPr lang="hu-HU" dirty="0" smtClean="0">
+                <a:solidFill>
+                  <a:schemeClr val="bg1"/>
+                </a:solidFill>
+              </a:rPr>
+              <a:t>Sebessége: </a:t>
+            </a:r>
+            <a:r>
+              <a:rPr lang="hu-HU" dirty="0">
+                <a:solidFill>
+                  <a:schemeClr val="bg1"/>
+                </a:solidFill>
+              </a:rPr>
+              <a:t>400–1066 MHz</a:t>
+            </a:r>
+          </a:p>
+          <a:p>
+            <a:endParaRPr lang="hu-HU" dirty="0"/>
+          </a:p>
+        </p:txBody>
+      </p:sp>
+      <p:sp>
+        <p:nvSpPr>
+          <p:cNvPr id="5" name="Szövegdoboz 4"/>
+          <p:cNvSpPr txBox="1"/>
+          <p:nvPr/>
+        </p:nvSpPr>
+        <p:spPr>
+          <a:xfrm>
+            <a:off x="1698734" y="2694715"/>
+            <a:ext cx="8794531" cy="800219"/>
+          </a:xfrm>
+          <a:prstGeom prst="rect">
+            <a:avLst/>
+          </a:prstGeom>
+          <a:noFill/>
+        </p:spPr>
+        <p:txBody>
+          <a:bodyPr wrap="square" rtlCol="0">
+            <a:spAutoFit/>
+          </a:bodyPr>
+          <a:lstStyle/>
+          <a:p>
+            <a:pPr algn="ctr"/>
+            <a:r>
+              <a:rPr lang="hu-HU" sz="2800" b="1" u="sng" dirty="0" smtClean="0">
+                <a:solidFill>
+                  <a:schemeClr val="bg1"/>
+                </a:solidFill>
+              </a:rPr>
+              <a:t>DDR 3 (DOUBLE DATA RATE 3)</a:t>
+            </a:r>
+            <a:endParaRPr lang="hu-HU" sz="2800" u="sng" dirty="0">
+              <a:solidFill>
+                <a:schemeClr val="bg1"/>
+              </a:solidFill>
+            </a:endParaRPr>
+          </a:p>
+          <a:p>
+            <a:pPr algn="ctr"/>
+            <a:endParaRPr lang="hu-HU" dirty="0">
+              <a:solidFill>
+                <a:schemeClr val="bg1"/>
+              </a:solidFill>
+            </a:endParaRPr>
+          </a:p>
+        </p:txBody>
+      </p:sp>
+    </p:spTree>
+    <p:extLst>
+      <p:ext uri="{BB962C8B-B14F-4D97-AF65-F5344CB8AC3E}">
+        <p14:creationId xmlns:p14="http://schemas.microsoft.com/office/powerpoint/2010/main" val="1507068301"/>
+      </p:ext>
+    </p:extLst>
+  </p:cSld>
+  <p:clrMapOvr>
+    <a:masterClrMapping/>
+  </p:clrMapOvr>
+  <mc:AlternateContent xmlns:mc="http://schemas.openxmlformats.org/markup-compatibility/2006">
+    <mc:Choice xmlns:p14="http://schemas.microsoft.com/office/powerpoint/2010/main" Requires="p14">
+      <p:transition spd="med" p14:dur="700">
+        <p:fade/>
+      </p:transition>
+    </mc:Choice>
+    <mc:Fallback>
+      <p:transition spd="med">
+        <p:fade/>
+      </p:transition>
+    </mc:Fallback>
+  </mc:AlternateContent>
+  <p:timing>
+    <p:tnLst>
+      <p:par>
+        <p:cTn id="1" dur="indefinite" restart="never" nodeType="tmRoot">
+          <p:childTnLst>
+            <p:seq concurrent="1" nextAc="seek">
+              <p:cTn id="2" dur="indefinite" nodeType="mainSeq">
+                <p:childTnLst>
+                  <p:par>
+                    <p:cTn id="3" fill="hold">
+                      <p:stCondLst>
+                        <p:cond delay="indefinite"/>
+                        <p:cond evt="onBegin" delay="0">
+                          <p:tn val="2"/>
+                        </p:cond>
+                      </p:stCondLst>
+                      <p:childTnLst>
+                        <p:par>
+                          <p:cTn id="4" fill="hold">
+                            <p:stCondLst>
+                              <p:cond delay="0"/>
+                            </p:stCondLst>
+                            <p:childTnLst>
+                              <p:par>
+                                <p:cTn id="5" presetID="2" presetClass="entr" presetSubtype="8" fill="hold" nodeType="afterEffect">
+                                  <p:stCondLst>
+                                    <p:cond delay="0"/>
+                                  </p:stCondLst>
+                                  <p:childTnLst>
+                                    <p:set>
+                                      <p:cBhvr>
+                                        <p:cTn id="6" dur="1" fill="hold">
+                                          <p:stCondLst>
+                                            <p:cond delay="0"/>
+                                          </p:stCondLst>
+                                        </p:cTn>
+                                        <p:tgtEl>
+                                          <p:spTgt spid="5">
+                                            <p:txEl>
+                                              <p:pRg st="0" end="0"/>
+                                            </p:txEl>
+                                          </p:spTgt>
+                                        </p:tgtEl>
+                                        <p:attrNameLst>
+                                          <p:attrName>style.visibility</p:attrName>
+                                        </p:attrNameLst>
+                                      </p:cBhvr>
+                                      <p:to>
+                                        <p:strVal val="visible"/>
+                                      </p:to>
+                                    </p:set>
+                                    <p:anim calcmode="lin" valueType="num">
+                                      <p:cBhvr additive="base">
+                                        <p:cTn id="7" dur="500" fill="hold"/>
+                                        <p:tgtEl>
+                                          <p:spTgt spid="5">
+                                            <p:txEl>
+                                              <p:pRg st="0" end="0"/>
+                                            </p:txEl>
+                                          </p:spTgt>
+                                        </p:tgtEl>
+                                        <p:attrNameLst>
+                                          <p:attrName>ppt_x</p:attrName>
+                                        </p:attrNameLst>
+                                      </p:cBhvr>
+                                      <p:tavLst>
+                                        <p:tav tm="0">
+                                          <p:val>
+                                            <p:strVal val="0-#ppt_w/2"/>
+                                          </p:val>
+                                        </p:tav>
+                                        <p:tav tm="100000">
+                                          <p:val>
+                                            <p:strVal val="#ppt_x"/>
+                                          </p:val>
+                                        </p:tav>
+                                      </p:tavLst>
+                                    </p:anim>
+                                    <p:anim calcmode="lin" valueType="num">
+                                      <p:cBhvr additive="base">
+                                        <p:cTn id="8" dur="500" fill="hold"/>
+                                        <p:tgtEl>
+                                          <p:spTgt spid="5">
+                                            <p:txEl>
+                                              <p:pRg st="0" end="0"/>
+                                            </p:txEl>
+                                          </p:spTgt>
+                                        </p:tgtEl>
+                                        <p:attrNameLst>
+                                          <p:attrName>ppt_y</p:attrName>
+                                        </p:attrNameLst>
+                                      </p:cBhvr>
+                                      <p:tavLst>
+                                        <p:tav tm="0">
+                                          <p:val>
+                                            <p:strVal val="#ppt_y"/>
+                                          </p:val>
+                                        </p:tav>
+                                        <p:tav tm="100000">
+                                          <p:val>
+                                            <p:strVal val="#ppt_y"/>
+                                          </p:val>
+                                        </p:tav>
+                                      </p:tavLst>
+                                    </p:anim>
+                                  </p:childTnLst>
+                                </p:cTn>
+                              </p:par>
+                            </p:childTnLst>
+                          </p:cTn>
+                        </p:par>
+                        <p:par>
+                          <p:cTn id="9" fill="hold">
+                            <p:stCondLst>
+                              <p:cond delay="500"/>
+                            </p:stCondLst>
+                            <p:childTnLst>
+                              <p:par>
+                                <p:cTn id="10" presetID="2" presetClass="entr" presetSubtype="6" fill="hold" nodeType="afterEffect">
+                                  <p:stCondLst>
+                                    <p:cond delay="0"/>
+                                  </p:stCondLst>
+                                  <p:childTnLst>
+                                    <p:set>
+                                      <p:cBhvr>
+                                        <p:cTn id="11" dur="1" fill="hold">
+                                          <p:stCondLst>
+                                            <p:cond delay="0"/>
+                                          </p:stCondLst>
+                                        </p:cTn>
+                                        <p:tgtEl>
+                                          <p:spTgt spid="3">
+                                            <p:txEl>
+                                              <p:pRg st="0" end="0"/>
+                                            </p:txEl>
+                                          </p:spTgt>
+                                        </p:tgtEl>
+                                        <p:attrNameLst>
+                                          <p:attrName>style.visibility</p:attrName>
+                                        </p:attrNameLst>
+                                      </p:cBhvr>
+                                      <p:to>
+                                        <p:strVal val="visible"/>
+                                      </p:to>
+                                    </p:set>
+                                    <p:anim calcmode="lin" valueType="num">
+                                      <p:cBhvr additive="base">
+                                        <p:cTn id="12" dur="500" fill="hold"/>
+                                        <p:tgtEl>
+                                          <p:spTgt spid="3">
+                                            <p:txEl>
+                                              <p:pRg st="0" end="0"/>
+                                            </p:txEl>
+                                          </p:spTgt>
+                                        </p:tgtEl>
+                                        <p:attrNameLst>
+                                          <p:attrName>ppt_x</p:attrName>
+                                        </p:attrNameLst>
+                                      </p:cBhvr>
+                                      <p:tavLst>
+                                        <p:tav tm="0">
+                                          <p:val>
+                                            <p:strVal val="1+#ppt_w/2"/>
+                                          </p:val>
+                                        </p:tav>
+                                        <p:tav tm="100000">
+                                          <p:val>
+                                            <p:strVal val="#ppt_x"/>
+                                          </p:val>
+                                        </p:tav>
+                                      </p:tavLst>
+                                    </p:anim>
+                                    <p:anim calcmode="lin" valueType="num">
+                                      <p:cBhvr additive="base">
+                                        <p:cTn id="13" dur="500" fill="hold"/>
+                                        <p:tgtEl>
+                                          <p:spTgt spid="3">
+                                            <p:txEl>
+                                              <p:pRg st="0" end="0"/>
+                                            </p:txEl>
+                                          </p:spTgt>
+                                        </p:tgtEl>
+                                        <p:attrNameLst>
+                                          <p:attrName>ppt_y</p:attrName>
+                                        </p:attrNameLst>
+                                      </p:cBhvr>
+                                      <p:tavLst>
+                                        <p:tav tm="0">
+                                          <p:val>
+                                            <p:strVal val="1+#ppt_h/2"/>
+                                          </p:val>
+                                        </p:tav>
+                                        <p:tav tm="100000">
+                                          <p:val>
+                                            <p:strVal val="#ppt_y"/>
+                                          </p:val>
+                                        </p:tav>
+                                      </p:tavLst>
+                                    </p:anim>
+                                  </p:childTnLst>
+                                </p:cTn>
+                              </p:par>
+                            </p:childTnLst>
+                          </p:cTn>
+                        </p:par>
+                        <p:par>
+                          <p:cTn id="14" fill="hold">
+                            <p:stCondLst>
+                              <p:cond delay="1000"/>
+                            </p:stCondLst>
+                            <p:childTnLst>
+                              <p:par>
+                                <p:cTn id="15" presetID="2" presetClass="entr" presetSubtype="6" fill="hold" nodeType="afterEffect">
+                                  <p:stCondLst>
+                                    <p:cond delay="0"/>
+                                  </p:stCondLst>
+                                  <p:childTnLst>
+                                    <p:set>
+                                      <p:cBhvr>
+                                        <p:cTn id="16" dur="1" fill="hold">
+                                          <p:stCondLst>
+                                            <p:cond delay="0"/>
+                                          </p:stCondLst>
+                                        </p:cTn>
+                                        <p:tgtEl>
+                                          <p:spTgt spid="3">
+                                            <p:txEl>
+                                              <p:pRg st="1" end="1"/>
+                                            </p:txEl>
+                                          </p:spTgt>
+                                        </p:tgtEl>
+                                        <p:attrNameLst>
+                                          <p:attrName>style.visibility</p:attrName>
+                                        </p:attrNameLst>
+                                      </p:cBhvr>
+                                      <p:to>
+                                        <p:strVal val="visible"/>
+                                      </p:to>
+                                    </p:set>
+                                    <p:anim calcmode="lin" valueType="num">
+                                      <p:cBhvr additive="base">
+                                        <p:cTn id="17" dur="500" fill="hold"/>
+                                        <p:tgtEl>
+                                          <p:spTgt spid="3">
+                                            <p:txEl>
+                                              <p:pRg st="1" end="1"/>
+                                            </p:txEl>
+                                          </p:spTgt>
+                                        </p:tgtEl>
+                                        <p:attrNameLst>
+                                          <p:attrName>ppt_x</p:attrName>
+                                        </p:attrNameLst>
+                                      </p:cBhvr>
+                                      <p:tavLst>
+                                        <p:tav tm="0">
+                                          <p:val>
+                                            <p:strVal val="1+#ppt_w/2"/>
+                                          </p:val>
+                                        </p:tav>
+                                        <p:tav tm="100000">
+                                          <p:val>
+                                            <p:strVal val="#ppt_x"/>
+                                          </p:val>
+                                        </p:tav>
+                                      </p:tavLst>
+                                    </p:anim>
+                                    <p:anim calcmode="lin" valueType="num">
+                                      <p:cBhvr additive="base">
+                                        <p:cTn id="18" dur="500" fill="hold"/>
+                                        <p:tgtEl>
+                                          <p:spTgt spid="3">
+                                            <p:txEl>
+                                              <p:pRg st="1" end="1"/>
+                                            </p:txEl>
+                                          </p:spTgt>
+                                        </p:tgtEl>
+                                        <p:attrNameLst>
+                                          <p:attrName>ppt_y</p:attrName>
+                                        </p:attrNameLst>
+                                      </p:cBhvr>
+                                      <p:tavLst>
+                                        <p:tav tm="0">
+                                          <p:val>
+                                            <p:strVal val="1+#ppt_h/2"/>
+                                          </p:val>
+                                        </p:tav>
+                                        <p:tav tm="100000">
+                                          <p:val>
+                                            <p:strVal val="#ppt_y"/>
+                                          </p:val>
+                                        </p:tav>
+                                      </p:tavLst>
+                                    </p:anim>
+                                  </p:childTnLst>
+                                </p:cTn>
+                              </p:par>
+                            </p:childTnLst>
+                          </p:cTn>
+                        </p:par>
+                      </p:childTnLst>
+                    </p:cTn>
+                  </p:par>
+                </p:childTnLst>
+              </p:cTn>
+              <p:prevCondLst>
+                <p:cond evt="onPrev" delay="0">
+                  <p:tgtEl>
+                    <p:sldTgt/>
+                  </p:tgtEl>
+                </p:cond>
+              </p:prevCondLst>
+              <p:nextCondLst>
+                <p:cond evt="onNext" delay="0">
+                  <p:tgtEl>
+                    <p:sldTgt/>
+                  </p:tgtEl>
+                </p:cond>
+              </p:nextCondLst>
+            </p:seq>
+          </p:childTnLst>
+        </p:cTn>
+      </p:par>
+    </p:tnLst>
+  </p:timing>
+</p:sld>
+</file>
+
+<file path=ppt/slides/slide9.xml><?xml version="1.0" encoding="utf-8"?>
+<p:sld xmlns:a="http://schemas.openxmlformats.org/drawingml/2006/main" xmlns:r="http://schemas.openxmlformats.org/officeDocument/2006/relationships" xmlns:p="http://schemas.openxmlformats.org/presentationml/2006/main">
+  <p:cSld>
+    <p:spTree>
+      <p:nvGrpSpPr>
+        <p:cNvPr id="1" name=""/>
+        <p:cNvGrpSpPr/>
+        <p:nvPr/>
+      </p:nvGrpSpPr>
+      <p:grpSpPr>
+        <a:xfrm>
+          <a:off x="0" y="0"/>
+          <a:ext cx="0" cy="0"/>
+          <a:chOff x="0" y="0"/>
+          <a:chExt cx="0" cy="0"/>
+        </a:xfrm>
+      </p:grpSpPr>
+      <p:sp>
+        <p:nvSpPr>
+          <p:cNvPr id="2" name="Cím 1"/>
+          <p:cNvSpPr>
+            <a:spLocks noGrp="1"/>
+          </p:cNvSpPr>
+          <p:nvPr>
+            <p:ph type="title"/>
+          </p:nvPr>
+        </p:nvSpPr>
+        <p:spPr/>
+        <p:txBody>
+          <a:bodyPr/>
+          <a:lstStyle/>
+          <a:p>
+            <a:r>
+              <a:rPr lang="hu-HU" dirty="0" smtClean="0">
+                <a:solidFill>
+                  <a:schemeClr val="bg1"/>
+                </a:solidFill>
+                <a:latin typeface="Algerian" panose="04020705040A02060702" pitchFamily="82" charset="0"/>
+              </a:rPr>
+              <a:t>Memória típusok</a:t>
+            </a:r>
+            <a:endParaRPr lang="hu-HU" dirty="0">
+              <a:solidFill>
+                <a:schemeClr val="bg1"/>
+              </a:solidFill>
+              <a:latin typeface="Algerian" panose="04020705040A02060702" pitchFamily="82" charset="0"/>
+            </a:endParaRPr>
+          </a:p>
+        </p:txBody>
+      </p:sp>
+      <p:sp>
+        <p:nvSpPr>
+          <p:cNvPr id="3" name="Tartalom helye 2"/>
+          <p:cNvSpPr>
+            <a:spLocks noGrp="1"/>
+          </p:cNvSpPr>
+          <p:nvPr>
+            <p:ph idx="1"/>
+          </p:nvPr>
+        </p:nvSpPr>
+        <p:spPr>
+          <a:xfrm>
+            <a:off x="838200" y="3494934"/>
+            <a:ext cx="10515600" cy="1640737"/>
+          </a:xfrm>
+        </p:spPr>
+        <p:txBody>
+          <a:bodyPr>
+            <a:normAutofit/>
+          </a:bodyPr>
+          <a:lstStyle/>
+          <a:p>
+            <a:r>
+              <a:rPr lang="hu-HU" dirty="0" smtClean="0">
+                <a:solidFill>
+                  <a:schemeClr val="bg1"/>
+                </a:solidFill>
+              </a:rPr>
+              <a:t>Jelenleg a legelterjedtebb RAM típus</a:t>
+            </a:r>
+            <a:endParaRPr lang="hu-HU" dirty="0">
+              <a:solidFill>
+                <a:schemeClr val="bg1"/>
+              </a:solidFill>
+            </a:endParaRPr>
+          </a:p>
+          <a:p>
+            <a:r>
+              <a:rPr lang="hu-HU" dirty="0" smtClean="0">
+                <a:solidFill>
+                  <a:schemeClr val="bg1"/>
+                </a:solidFill>
+              </a:rPr>
+              <a:t>Sebessége: 2133MHz – 3000+Mhz (</a:t>
+            </a:r>
+            <a:r>
+              <a:rPr lang="hu-HU" dirty="0" err="1" smtClean="0">
+                <a:solidFill>
+                  <a:schemeClr val="bg1"/>
+                </a:solidFill>
+              </a:rPr>
+              <a:t>pl</a:t>
+            </a:r>
+            <a:r>
+              <a:rPr lang="hu-HU" dirty="0" smtClean="0">
+                <a:solidFill>
+                  <a:schemeClr val="bg1"/>
+                </a:solidFill>
+              </a:rPr>
+              <a:t>: 3200, 3400)</a:t>
+            </a:r>
+          </a:p>
+          <a:p>
+            <a:r>
+              <a:rPr lang="hu-HU" dirty="0" smtClean="0">
+                <a:solidFill>
+                  <a:schemeClr val="bg1"/>
+                </a:solidFill>
+              </a:rPr>
+              <a:t>Nem olyan drágák</a:t>
+            </a:r>
+            <a:endParaRPr lang="hu-HU" dirty="0">
+              <a:solidFill>
+                <a:schemeClr val="bg1"/>
+              </a:solidFill>
+            </a:endParaRPr>
+          </a:p>
+        </p:txBody>
+      </p:sp>
+      <p:sp>
+        <p:nvSpPr>
+          <p:cNvPr id="5" name="Szövegdoboz 4"/>
+          <p:cNvSpPr txBox="1"/>
+          <p:nvPr/>
+        </p:nvSpPr>
+        <p:spPr>
+          <a:xfrm>
+            <a:off x="1698734" y="2694715"/>
+            <a:ext cx="8794531" cy="800219"/>
+          </a:xfrm>
+          <a:prstGeom prst="rect">
+            <a:avLst/>
+          </a:prstGeom>
+          <a:noFill/>
+        </p:spPr>
+        <p:txBody>
+          <a:bodyPr wrap="square" rtlCol="0">
+            <a:spAutoFit/>
+          </a:bodyPr>
+          <a:lstStyle/>
+          <a:p>
+            <a:pPr algn="ctr"/>
+            <a:r>
+              <a:rPr lang="hu-HU" sz="2800" b="1" u="sng" dirty="0" smtClean="0">
+                <a:solidFill>
+                  <a:schemeClr val="bg1"/>
+                </a:solidFill>
+              </a:rPr>
+              <a:t>DDR 4 (DOUBLE DATA RATE 4)</a:t>
+            </a:r>
+            <a:endParaRPr lang="hu-HU" sz="2800" u="sng" dirty="0">
+              <a:solidFill>
+                <a:schemeClr val="bg1"/>
+              </a:solidFill>
+            </a:endParaRPr>
+          </a:p>
+          <a:p>
+            <a:pPr algn="ctr"/>
+            <a:endParaRPr lang="hu-HU" dirty="0">
+              <a:solidFill>
+                <a:schemeClr val="bg1"/>
+              </a:solidFill>
+            </a:endParaRPr>
+          </a:p>
+        </p:txBody>
+      </p:sp>
+    </p:spTree>
+    <p:extLst>
+      <p:ext uri="{BB962C8B-B14F-4D97-AF65-F5344CB8AC3E}">
+        <p14:creationId xmlns:p14="http://schemas.microsoft.com/office/powerpoint/2010/main" val="666382491"/>
+      </p:ext>
+    </p:extLst>
+  </p:cSld>
+  <p:clrMapOvr>
+    <a:masterClrMapping/>
+  </p:clrMapOvr>
+  <mc:AlternateContent xmlns:mc="http://schemas.openxmlformats.org/markup-compatibility/2006">
+    <mc:Choice xmlns:p14="http://schemas.microsoft.com/office/powerpoint/2010/main" Requires="p14">
+      <p:transition spd="med" p14:dur="700">
+        <p:fade/>
+      </p:transition>
+    </mc:Choice>
+    <mc:Fallback>
+      <p:transition spd="med">
+        <p:fade/>
+      </p:transition>
+    </mc:Fallback>
+  </mc:AlternateContent>
+  <p:timing>
+    <p:tnLst>
+      <p:par>
+        <p:cTn id="1" dur="indefinite" restart="never" nodeType="tmRoot">
+          <p:childTnLst>
+            <p:seq concurrent="1" nextAc="seek">
+              <p:cTn id="2" dur="indefinite" nodeType="mainSeq">
+                <p:childTnLst>
+                  <p:par>
+                    <p:cTn id="3" fill="hold">
+                      <p:stCondLst>
+                        <p:cond delay="indefinite"/>
+                        <p:cond evt="onBegin" delay="0">
+                          <p:tn val="2"/>
+                        </p:cond>
+                      </p:stCondLst>
+                      <p:childTnLst>
+                        <p:par>
+                          <p:cTn id="4" fill="hold">
+                            <p:stCondLst>
+                              <p:cond delay="0"/>
+                            </p:stCondLst>
+                            <p:childTnLst>
+                              <p:par>
+                                <p:cTn id="5" presetID="2" presetClass="entr" presetSubtype="8" fill="hold" nodeType="afterEffect">
+                                  <p:stCondLst>
+                                    <p:cond delay="0"/>
+                                  </p:stCondLst>
+                                  <p:childTnLst>
+                                    <p:set>
+                                      <p:cBhvr>
+                                        <p:cTn id="6" dur="1" fill="hold">
+                                          <p:stCondLst>
+                                            <p:cond delay="0"/>
+                                          </p:stCondLst>
+                                        </p:cTn>
+                                        <p:tgtEl>
+                                          <p:spTgt spid="5">
+                                            <p:txEl>
+                                              <p:pRg st="0" end="0"/>
+                                            </p:txEl>
+                                          </p:spTgt>
+                                        </p:tgtEl>
+                                        <p:attrNameLst>
+                                          <p:attrName>style.visibility</p:attrName>
+                                        </p:attrNameLst>
+                                      </p:cBhvr>
+                                      <p:to>
+                                        <p:strVal val="visible"/>
+                                      </p:to>
+                                    </p:set>
+                                    <p:anim calcmode="lin" valueType="num">
+                                      <p:cBhvr additive="base">
+                                        <p:cTn id="7" dur="500" fill="hold"/>
+                                        <p:tgtEl>
+                                          <p:spTgt spid="5">
+                                            <p:txEl>
+                                              <p:pRg st="0" end="0"/>
+                                            </p:txEl>
+                                          </p:spTgt>
+                                        </p:tgtEl>
+                                        <p:attrNameLst>
+                                          <p:attrName>ppt_x</p:attrName>
+                                        </p:attrNameLst>
+                                      </p:cBhvr>
+                                      <p:tavLst>
+                                        <p:tav tm="0">
+                                          <p:val>
+                                            <p:strVal val="0-#ppt_w/2"/>
+                                          </p:val>
+                                        </p:tav>
+                                        <p:tav tm="100000">
+                                          <p:val>
+                                            <p:strVal val="#ppt_x"/>
+                                          </p:val>
+                                        </p:tav>
+                                      </p:tavLst>
+                                    </p:anim>
+                                    <p:anim calcmode="lin" valueType="num">
+                                      <p:cBhvr additive="base">
+                                        <p:cTn id="8" dur="500" fill="hold"/>
+                                        <p:tgtEl>
+                                          <p:spTgt spid="5">
+                                            <p:txEl>
+                                              <p:pRg st="0" end="0"/>
+                                            </p:txEl>
+                                          </p:spTgt>
+                                        </p:tgtEl>
+                                        <p:attrNameLst>
+                                          <p:attrName>ppt_y</p:attrName>
+                                        </p:attrNameLst>
+                                      </p:cBhvr>
+                                      <p:tavLst>
+                                        <p:tav tm="0">
+                                          <p:val>
+                                            <p:strVal val="#ppt_y"/>
+                                          </p:val>
+                                        </p:tav>
+                                        <p:tav tm="100000">
+                                          <p:val>
+                                            <p:strVal val="#ppt_y"/>
+                                          </p:val>
+                                        </p:tav>
+                                      </p:tavLst>
+                                    </p:anim>
+                                  </p:childTnLst>
+                                </p:cTn>
+                              </p:par>
+                            </p:childTnLst>
+                          </p:cTn>
+                        </p:par>
+                        <p:par>
+                          <p:cTn id="9" fill="hold">
+                            <p:stCondLst>
+                              <p:cond delay="500"/>
+                            </p:stCondLst>
+                            <p:childTnLst>
+                              <p:par>
+                                <p:cTn id="10" presetID="2" presetClass="entr" presetSubtype="6" fill="hold" nodeType="afterEffect">
+                                  <p:stCondLst>
+                                    <p:cond delay="0"/>
+                                  </p:stCondLst>
+                                  <p:childTnLst>
+                                    <p:set>
+                                      <p:cBhvr>
+                                        <p:cTn id="11" dur="1" fill="hold">
+                                          <p:stCondLst>
+                                            <p:cond delay="0"/>
+                                          </p:stCondLst>
+                                        </p:cTn>
+                                        <p:tgtEl>
+                                          <p:spTgt spid="3">
+                                            <p:txEl>
+                                              <p:pRg st="0" end="0"/>
+                                            </p:txEl>
+                                          </p:spTgt>
+                                        </p:tgtEl>
+                                        <p:attrNameLst>
+                                          <p:attrName>style.visibility</p:attrName>
+                                        </p:attrNameLst>
+                                      </p:cBhvr>
+                                      <p:to>
+                                        <p:strVal val="visible"/>
+                                      </p:to>
+                                    </p:set>
+                                    <p:anim calcmode="lin" valueType="num">
+                                      <p:cBhvr additive="base">
+                                        <p:cTn id="12" dur="500" fill="hold"/>
+                                        <p:tgtEl>
+                                          <p:spTgt spid="3">
+                                            <p:txEl>
+                                              <p:pRg st="0" end="0"/>
+                                            </p:txEl>
+                                          </p:spTgt>
+                                        </p:tgtEl>
+                                        <p:attrNameLst>
+                                          <p:attrName>ppt_x</p:attrName>
+                                        </p:attrNameLst>
+                                      </p:cBhvr>
+                                      <p:tavLst>
+                                        <p:tav tm="0">
+                                          <p:val>
+                                            <p:strVal val="1+#ppt_w/2"/>
+                                          </p:val>
+                                        </p:tav>
+                                        <p:tav tm="100000">
+                                          <p:val>
+                                            <p:strVal val="#ppt_x"/>
+                                          </p:val>
+                                        </p:tav>
+                                      </p:tavLst>
+                                    </p:anim>
+                                    <p:anim calcmode="lin" valueType="num">
+                                      <p:cBhvr additive="base">
+                                        <p:cTn id="13" dur="500" fill="hold"/>
+                                        <p:tgtEl>
+                                          <p:spTgt spid="3">
+                                            <p:txEl>
+                                              <p:pRg st="0" end="0"/>
+                                            </p:txEl>
+                                          </p:spTgt>
+                                        </p:tgtEl>
+                                        <p:attrNameLst>
+                                          <p:attrName>ppt_y</p:attrName>
+                                        </p:attrNameLst>
+                                      </p:cBhvr>
+                                      <p:tavLst>
+                                        <p:tav tm="0">
+                                          <p:val>
+                                            <p:strVal val="1+#ppt_h/2"/>
+                                          </p:val>
+                                        </p:tav>
+                                        <p:tav tm="100000">
+                                          <p:val>
+                                            <p:strVal val="#ppt_y"/>
+                                          </p:val>
+                                        </p:tav>
+                                      </p:tavLst>
+                                    </p:anim>
+                                  </p:childTnLst>
+                                </p:cTn>
+                              </p:par>
+                            </p:childTnLst>
+                          </p:cTn>
+                        </p:par>
+                        <p:par>
+                          <p:cTn id="14" fill="hold">
+                            <p:stCondLst>
+                              <p:cond delay="1000"/>
+                            </p:stCondLst>
+                            <p:childTnLst>
+                              <p:par>
+                                <p:cTn id="15" presetID="2" presetClass="entr" presetSubtype="6" fill="hold" nodeType="afterEffect">
+                                  <p:stCondLst>
+                                    <p:cond delay="0"/>
+                                  </p:stCondLst>
+                                  <p:childTnLst>
+                                    <p:set>
+                                      <p:cBhvr>
+                                        <p:cTn id="16" dur="1" fill="hold">
+                                          <p:stCondLst>
+                                            <p:cond delay="0"/>
+                                          </p:stCondLst>
+                                        </p:cTn>
+                                        <p:tgtEl>
+                                          <p:spTgt spid="3">
+                                            <p:txEl>
+                                              <p:pRg st="1" end="1"/>
+                                            </p:txEl>
+                                          </p:spTgt>
+                                        </p:tgtEl>
+                                        <p:attrNameLst>
+                                          <p:attrName>style.visibility</p:attrName>
+                                        </p:attrNameLst>
+                                      </p:cBhvr>
+                                      <p:to>
+                                        <p:strVal val="visible"/>
+                                      </p:to>
+                                    </p:set>
+                                    <p:anim calcmode="lin" valueType="num">
+                                      <p:cBhvr additive="base">
+                                        <p:cTn id="17" dur="500" fill="hold"/>
+                                        <p:tgtEl>
+                                          <p:spTgt spid="3">
+                                            <p:txEl>
+                                              <p:pRg st="1" end="1"/>
+                                            </p:txEl>
+                                          </p:spTgt>
+                                        </p:tgtEl>
+                                        <p:attrNameLst>
+                                          <p:attrName>ppt_x</p:attrName>
+                                        </p:attrNameLst>
+                                      </p:cBhvr>
+                                      <p:tavLst>
+                                        <p:tav tm="0">
+                                          <p:val>
+                                            <p:strVal val="1+#ppt_w/2"/>
+                                          </p:val>
+                                        </p:tav>
+                                        <p:tav tm="100000">
+                                          <p:val>
+                                            <p:strVal val="#ppt_x"/>
+                                          </p:val>
+                                        </p:tav>
+                                      </p:tavLst>
+                                    </p:anim>
+                                    <p:anim calcmode="lin" valueType="num">
+                                      <p:cBhvr additive="base">
+                                        <p:cTn id="18" dur="500" fill="hold"/>
+                                        <p:tgtEl>
+                                          <p:spTgt spid="3">
+                                            <p:txEl>
+                                              <p:pRg st="1" end="1"/>
+                                            </p:txEl>
+                                          </p:spTgt>
+                                        </p:tgtEl>
+                                        <p:attrNameLst>
+                                          <p:attrName>ppt_y</p:attrName>
+                                        </p:attrNameLst>
+                                      </p:cBhvr>
+                                      <p:tavLst>
+                                        <p:tav tm="0">
+                                          <p:val>
+                                            <p:strVal val="1+#ppt_h/2"/>
+                                          </p:val>
+                                        </p:tav>
+                                        <p:tav tm="100000">
+                                          <p:val>
+                                            <p:strVal val="#ppt_y"/>
+                                          </p:val>
+                                        </p:tav>
+                                      </p:tavLst>
+                                    </p:anim>
+                                  </p:childTnLst>
+                                </p:cTn>
+                              </p:par>
+                            </p:childTnLst>
+                          </p:cTn>
+                        </p:par>
+                        <p:par>
+                          <p:cTn id="19" fill="hold">
+                            <p:stCondLst>
+                              <p:cond delay="1500"/>
+                            </p:stCondLst>
+                            <p:childTnLst>
+                              <p:par>
+                                <p:cTn id="20" presetID="2" presetClass="entr" presetSubtype="6" fill="hold" nodeType="afterEffect">
+                                  <p:stCondLst>
+                                    <p:cond delay="0"/>
+                                  </p:stCondLst>
+                                  <p:childTnLst>
+                                    <p:set>
+                                      <p:cBhvr>
+                                        <p:cTn id="21" dur="1" fill="hold">
+                                          <p:stCondLst>
+                                            <p:cond delay="0"/>
+                                          </p:stCondLst>
+                                        </p:cTn>
+                                        <p:tgtEl>
+                                          <p:spTgt spid="3">
+                                            <p:txEl>
+                                              <p:pRg st="2" end="2"/>
+                                            </p:txEl>
+                                          </p:spTgt>
+                                        </p:tgtEl>
+                                        <p:attrNameLst>
+                                          <p:attrName>style.visibility</p:attrName>
+                                        </p:attrNameLst>
+                                      </p:cBhvr>
+                                      <p:to>
+                                        <p:strVal val="visible"/>
+                                      </p:to>
+                                    </p:set>
+                                    <p:anim calcmode="lin" valueType="num">
+                                      <p:cBhvr additive="base">
+                                        <p:cTn id="22" dur="500" fill="hold"/>
+                                        <p:tgtEl>
+                                          <p:spTgt spid="3">
+                                            <p:txEl>
+                                              <p:pRg st="2" end="2"/>
+                                            </p:txEl>
+                                          </p:spTgt>
+                                        </p:tgtEl>
+                                        <p:attrNameLst>
+                                          <p:attrName>ppt_x</p:attrName>
+                                        </p:attrNameLst>
+                                      </p:cBhvr>
+                                      <p:tavLst>
+                                        <p:tav tm="0">
+                                          <p:val>
+                                            <p:strVal val="1+#ppt_w/2"/>
+                                          </p:val>
+                                        </p:tav>
+                                        <p:tav tm="100000">
+                                          <p:val>
+                                            <p:strVal val="#ppt_x"/>
+                                          </p:val>
+                                        </p:tav>
+                                      </p:tavLst>
+                                    </p:anim>
+                                    <p:anim calcmode="lin" valueType="num">
+                                      <p:cBhvr additive="base">
+                                        <p:cTn id="23" dur="500" fill="hold"/>
+                                        <p:tgtEl>
+                                          <p:spTgt spid="3">
+                                            <p:txEl>
+                                              <p:pRg st="2" end="2"/>
+                                            </p:txEl>
+                                          </p:spTgt>
+                                        </p:tgtEl>
+                                        <p:attrNameLst>
+                                          <p:attrName>ppt_y</p:attrName>
+                                        </p:attrNameLst>
+                                      </p:cBhvr>
+                                      <p:tavLst>
+                                        <p:tav tm="0">
+                                          <p:val>
+                                            <p:strVal val="1+#ppt_h/2"/>
+                                          </p:val>
+                                        </p:tav>
+                                        <p:tav tm="100000">
+                                          <p:val>
+                                            <p:strVal val="#ppt_y"/>
+                                          </p:val>
+                                        </p:tav>
+                                      </p:tavLst>
+                                    </p:anim>
+                                  </p:childTnLst>
+                                </p:cTn>
+                              </p:par>
+                            </p:childTnLst>
+                          </p:cTn>
+                        </p:par>
+                      </p:childTnLst>
+                    </p:cTn>
+                  </p:par>
+                </p:childTnLst>
+              </p:cTn>
+              <p:prevCondLst>
+                <p:cond evt="onPrev" delay="0">
+                  <p:tgtEl>
+                    <p:sldTgt/>
+                  </p:tgtEl>
+                </p:cond>
+              </p:prevCondLst>
+              <p:nextCondLst>
+                <p:cond evt="onNext" delay="0">
+                  <p:tgtEl>
+                    <p:sldTgt/>
+                  </p:tgtEl>
+                </p:cond>
+              </p:nextCondLst>
+            </p:seq>
+          </p:childTnLst>
+        </p:cTn>
+      </p:par>
+    </p:tnLst>
   </p:timing>
 </p:sld>
 </file>

--- a/processzor + memoria.pptx
+++ b/processzor + memoria.pptx
@@ -4,16 +4,27 @@
   <p:sldMasterIdLst>
     <p:sldMasterId id="2147483648" r:id="rId1"/>
   </p:sldMasterIdLst>
+  <p:notesMasterIdLst>
+    <p:notesMasterId r:id="rId19"/>
+  </p:notesMasterIdLst>
   <p:sldIdLst>
     <p:sldId id="256" r:id="rId2"/>
-    <p:sldId id="258" r:id="rId3"/>
-    <p:sldId id="259" r:id="rId4"/>
-    <p:sldId id="262" r:id="rId5"/>
-    <p:sldId id="260" r:id="rId6"/>
-    <p:sldId id="263" r:id="rId7"/>
-    <p:sldId id="264" r:id="rId8"/>
-    <p:sldId id="265" r:id="rId9"/>
-    <p:sldId id="266" r:id="rId10"/>
+    <p:sldId id="272" r:id="rId3"/>
+    <p:sldId id="258" r:id="rId4"/>
+    <p:sldId id="269" r:id="rId5"/>
+    <p:sldId id="259" r:id="rId6"/>
+    <p:sldId id="262" r:id="rId7"/>
+    <p:sldId id="260" r:id="rId8"/>
+    <p:sldId id="263" r:id="rId9"/>
+    <p:sldId id="264" r:id="rId10"/>
+    <p:sldId id="265" r:id="rId11"/>
+    <p:sldId id="266" r:id="rId12"/>
+    <p:sldId id="267" r:id="rId13"/>
+    <p:sldId id="270" r:id="rId14"/>
+    <p:sldId id="271" r:id="rId15"/>
+    <p:sldId id="273" r:id="rId16"/>
+    <p:sldId id="274" r:id="rId17"/>
+    <p:sldId id="275" r:id="rId18"/>
   </p:sldIdLst>
   <p:sldSz cx="12192000" cy="6858000"/>
   <p:notesSz cx="6858000" cy="9144000"/>
@@ -120,6 +131,524 @@
 </p:presentation>
 </file>
 
+<file path=ppt/notesMasters/notesMaster1.xml><?xml version="1.0" encoding="utf-8"?>
+<p:notesMaster xmlns:a="http://schemas.openxmlformats.org/drawingml/2006/main" xmlns:r="http://schemas.openxmlformats.org/officeDocument/2006/relationships" xmlns:p="http://schemas.openxmlformats.org/presentationml/2006/main">
+  <p:cSld>
+    <p:bg>
+      <p:bgRef idx="1001">
+        <a:schemeClr val="bg1"/>
+      </p:bgRef>
+    </p:bg>
+    <p:spTree>
+      <p:nvGrpSpPr>
+        <p:cNvPr id="1" name=""/>
+        <p:cNvGrpSpPr/>
+        <p:nvPr/>
+      </p:nvGrpSpPr>
+      <p:grpSpPr>
+        <a:xfrm>
+          <a:off x="0" y="0"/>
+          <a:ext cx="0" cy="0"/>
+          <a:chOff x="0" y="0"/>
+          <a:chExt cx="0" cy="0"/>
+        </a:xfrm>
+      </p:grpSpPr>
+      <p:sp>
+        <p:nvSpPr>
+          <p:cNvPr id="2" name="Élőfej helye 1"/>
+          <p:cNvSpPr>
+            <a:spLocks noGrp="1"/>
+          </p:cNvSpPr>
+          <p:nvPr>
+            <p:ph type="hdr" sz="quarter"/>
+          </p:nvPr>
+        </p:nvSpPr>
+        <p:spPr>
+          <a:xfrm>
+            <a:off x="0" y="0"/>
+            <a:ext cx="2971800" cy="458788"/>
+          </a:xfrm>
+          <a:prstGeom prst="rect">
+            <a:avLst/>
+          </a:prstGeom>
+        </p:spPr>
+        <p:txBody>
+          <a:bodyPr vert="horz" lIns="91440" tIns="45720" rIns="91440" bIns="45720" rtlCol="0"/>
+          <a:lstStyle>
+            <a:lvl1pPr algn="l">
+              <a:defRPr sz="1200"/>
+            </a:lvl1pPr>
+          </a:lstStyle>
+          <a:p>
+            <a:endParaRPr lang="hu-HU"/>
+          </a:p>
+        </p:txBody>
+      </p:sp>
+      <p:sp>
+        <p:nvSpPr>
+          <p:cNvPr id="3" name="Dátum helye 2"/>
+          <p:cNvSpPr>
+            <a:spLocks noGrp="1"/>
+          </p:cNvSpPr>
+          <p:nvPr>
+            <p:ph type="dt" idx="1"/>
+          </p:nvPr>
+        </p:nvSpPr>
+        <p:spPr>
+          <a:xfrm>
+            <a:off x="3884613" y="0"/>
+            <a:ext cx="2971800" cy="458788"/>
+          </a:xfrm>
+          <a:prstGeom prst="rect">
+            <a:avLst/>
+          </a:prstGeom>
+        </p:spPr>
+        <p:txBody>
+          <a:bodyPr vert="horz" lIns="91440" tIns="45720" rIns="91440" bIns="45720" rtlCol="0"/>
+          <a:lstStyle>
+            <a:lvl1pPr algn="r">
+              <a:defRPr sz="1200"/>
+            </a:lvl1pPr>
+          </a:lstStyle>
+          <a:p>
+            <a:fld id="{DD3D37D4-9C9F-4041-B555-73D2DBC35CFF}" type="datetimeFigureOut">
+              <a:rPr lang="hu-HU" smtClean="0"/>
+              <a:t>2023.10.11.</a:t>
+            </a:fld>
+            <a:endParaRPr lang="hu-HU"/>
+          </a:p>
+        </p:txBody>
+      </p:sp>
+      <p:sp>
+        <p:nvSpPr>
+          <p:cNvPr id="4" name="Diakép helye 3"/>
+          <p:cNvSpPr>
+            <a:spLocks noGrp="1" noRot="1" noChangeAspect="1"/>
+          </p:cNvSpPr>
+          <p:nvPr>
+            <p:ph type="sldImg" idx="2"/>
+          </p:nvPr>
+        </p:nvSpPr>
+        <p:spPr>
+          <a:xfrm>
+            <a:off x="685800" y="1143000"/>
+            <a:ext cx="5486400" cy="3086100"/>
+          </a:xfrm>
+          <a:prstGeom prst="rect">
+            <a:avLst/>
+          </a:prstGeom>
+          <a:noFill/>
+          <a:ln w="12700">
+            <a:solidFill>
+              <a:prstClr val="black"/>
+            </a:solidFill>
+          </a:ln>
+        </p:spPr>
+        <p:txBody>
+          <a:bodyPr vert="horz" lIns="91440" tIns="45720" rIns="91440" bIns="45720" rtlCol="0" anchor="ctr"/>
+          <a:lstStyle/>
+          <a:p>
+            <a:endParaRPr lang="hu-HU"/>
+          </a:p>
+        </p:txBody>
+      </p:sp>
+      <p:sp>
+        <p:nvSpPr>
+          <p:cNvPr id="5" name="Jegyzetek helye 4"/>
+          <p:cNvSpPr>
+            <a:spLocks noGrp="1"/>
+          </p:cNvSpPr>
+          <p:nvPr>
+            <p:ph type="body" sz="quarter" idx="3"/>
+          </p:nvPr>
+        </p:nvSpPr>
+        <p:spPr>
+          <a:xfrm>
+            <a:off x="685800" y="4400550"/>
+            <a:ext cx="5486400" cy="3600450"/>
+          </a:xfrm>
+          <a:prstGeom prst="rect">
+            <a:avLst/>
+          </a:prstGeom>
+        </p:spPr>
+        <p:txBody>
+          <a:bodyPr vert="horz" lIns="91440" tIns="45720" rIns="91440" bIns="45720" rtlCol="0"/>
+          <a:lstStyle/>
+          <a:p>
+            <a:pPr lvl="0"/>
+            <a:r>
+              <a:rPr lang="hu-HU" smtClean="0"/>
+              <a:t>Mintaszöveg szerkesztése</a:t>
+            </a:r>
+          </a:p>
+          <a:p>
+            <a:pPr lvl="1"/>
+            <a:r>
+              <a:rPr lang="hu-HU" smtClean="0"/>
+              <a:t>Második szint</a:t>
+            </a:r>
+          </a:p>
+          <a:p>
+            <a:pPr lvl="2"/>
+            <a:r>
+              <a:rPr lang="hu-HU" smtClean="0"/>
+              <a:t>Harmadik szint</a:t>
+            </a:r>
+          </a:p>
+          <a:p>
+            <a:pPr lvl="3"/>
+            <a:r>
+              <a:rPr lang="hu-HU" smtClean="0"/>
+              <a:t>Negyedik szint</a:t>
+            </a:r>
+          </a:p>
+          <a:p>
+            <a:pPr lvl="4"/>
+            <a:r>
+              <a:rPr lang="hu-HU" smtClean="0"/>
+              <a:t>Ötödik szint</a:t>
+            </a:r>
+            <a:endParaRPr lang="hu-HU"/>
+          </a:p>
+        </p:txBody>
+      </p:sp>
+      <p:sp>
+        <p:nvSpPr>
+          <p:cNvPr id="6" name="Élőláb helye 5"/>
+          <p:cNvSpPr>
+            <a:spLocks noGrp="1"/>
+          </p:cNvSpPr>
+          <p:nvPr>
+            <p:ph type="ftr" sz="quarter" idx="4"/>
+          </p:nvPr>
+        </p:nvSpPr>
+        <p:spPr>
+          <a:xfrm>
+            <a:off x="0" y="8685213"/>
+            <a:ext cx="2971800" cy="458787"/>
+          </a:xfrm>
+          <a:prstGeom prst="rect">
+            <a:avLst/>
+          </a:prstGeom>
+        </p:spPr>
+        <p:txBody>
+          <a:bodyPr vert="horz" lIns="91440" tIns="45720" rIns="91440" bIns="45720" rtlCol="0" anchor="b"/>
+          <a:lstStyle>
+            <a:lvl1pPr algn="l">
+              <a:defRPr sz="1200"/>
+            </a:lvl1pPr>
+          </a:lstStyle>
+          <a:p>
+            <a:endParaRPr lang="hu-HU"/>
+          </a:p>
+        </p:txBody>
+      </p:sp>
+      <p:sp>
+        <p:nvSpPr>
+          <p:cNvPr id="7" name="Dia számának helye 6"/>
+          <p:cNvSpPr>
+            <a:spLocks noGrp="1"/>
+          </p:cNvSpPr>
+          <p:nvPr>
+            <p:ph type="sldNum" sz="quarter" idx="5"/>
+          </p:nvPr>
+        </p:nvSpPr>
+        <p:spPr>
+          <a:xfrm>
+            <a:off x="3884613" y="8685213"/>
+            <a:ext cx="2971800" cy="458787"/>
+          </a:xfrm>
+          <a:prstGeom prst="rect">
+            <a:avLst/>
+          </a:prstGeom>
+        </p:spPr>
+        <p:txBody>
+          <a:bodyPr vert="horz" lIns="91440" tIns="45720" rIns="91440" bIns="45720" rtlCol="0" anchor="b"/>
+          <a:lstStyle>
+            <a:lvl1pPr algn="r">
+              <a:defRPr sz="1200"/>
+            </a:lvl1pPr>
+          </a:lstStyle>
+          <a:p>
+            <a:fld id="{55495282-9C2C-4D3D-AA14-4FF4E8FB3ADC}" type="slidenum">
+              <a:rPr lang="hu-HU" smtClean="0"/>
+              <a:t>‹#›</a:t>
+            </a:fld>
+            <a:endParaRPr lang="hu-HU"/>
+          </a:p>
+        </p:txBody>
+      </p:sp>
+    </p:spTree>
+    <p:extLst>
+      <p:ext uri="{BB962C8B-B14F-4D97-AF65-F5344CB8AC3E}">
+        <p14:creationId xmlns:p14="http://schemas.microsoft.com/office/powerpoint/2010/main" val="1029269373"/>
+      </p:ext>
+    </p:extLst>
+  </p:cSld>
+  <p:clrMap bg1="lt1" tx1="dk1" bg2="lt2" tx2="dk2" accent1="accent1" accent2="accent2" accent3="accent3" accent4="accent4" accent5="accent5" accent6="accent6" hlink="hlink" folHlink="folHlink"/>
+  <p:notesStyle>
+    <a:lvl1pPr marL="0" algn="l" defTabSz="914400" rtl="0" eaLnBrk="1" latinLnBrk="0" hangingPunct="1">
+      <a:defRPr sz="1200" kern="1200">
+        <a:solidFill>
+          <a:schemeClr val="tx1"/>
+        </a:solidFill>
+        <a:latin typeface="+mn-lt"/>
+        <a:ea typeface="+mn-ea"/>
+        <a:cs typeface="+mn-cs"/>
+      </a:defRPr>
+    </a:lvl1pPr>
+    <a:lvl2pPr marL="457200" algn="l" defTabSz="914400" rtl="0" eaLnBrk="1" latinLnBrk="0" hangingPunct="1">
+      <a:defRPr sz="1200" kern="1200">
+        <a:solidFill>
+          <a:schemeClr val="tx1"/>
+        </a:solidFill>
+        <a:latin typeface="+mn-lt"/>
+        <a:ea typeface="+mn-ea"/>
+        <a:cs typeface="+mn-cs"/>
+      </a:defRPr>
+    </a:lvl2pPr>
+    <a:lvl3pPr marL="914400" algn="l" defTabSz="914400" rtl="0" eaLnBrk="1" latinLnBrk="0" hangingPunct="1">
+      <a:defRPr sz="1200" kern="1200">
+        <a:solidFill>
+          <a:schemeClr val="tx1"/>
+        </a:solidFill>
+        <a:latin typeface="+mn-lt"/>
+        <a:ea typeface="+mn-ea"/>
+        <a:cs typeface="+mn-cs"/>
+      </a:defRPr>
+    </a:lvl3pPr>
+    <a:lvl4pPr marL="1371600" algn="l" defTabSz="914400" rtl="0" eaLnBrk="1" latinLnBrk="0" hangingPunct="1">
+      <a:defRPr sz="1200" kern="1200">
+        <a:solidFill>
+          <a:schemeClr val="tx1"/>
+        </a:solidFill>
+        <a:latin typeface="+mn-lt"/>
+        <a:ea typeface="+mn-ea"/>
+        <a:cs typeface="+mn-cs"/>
+      </a:defRPr>
+    </a:lvl4pPr>
+    <a:lvl5pPr marL="1828800" algn="l" defTabSz="914400" rtl="0" eaLnBrk="1" latinLnBrk="0" hangingPunct="1">
+      <a:defRPr sz="1200" kern="1200">
+        <a:solidFill>
+          <a:schemeClr val="tx1"/>
+        </a:solidFill>
+        <a:latin typeface="+mn-lt"/>
+        <a:ea typeface="+mn-ea"/>
+        <a:cs typeface="+mn-cs"/>
+      </a:defRPr>
+    </a:lvl5pPr>
+    <a:lvl6pPr marL="2286000" algn="l" defTabSz="914400" rtl="0" eaLnBrk="1" latinLnBrk="0" hangingPunct="1">
+      <a:defRPr sz="1200" kern="1200">
+        <a:solidFill>
+          <a:schemeClr val="tx1"/>
+        </a:solidFill>
+        <a:latin typeface="+mn-lt"/>
+        <a:ea typeface="+mn-ea"/>
+        <a:cs typeface="+mn-cs"/>
+      </a:defRPr>
+    </a:lvl6pPr>
+    <a:lvl7pPr marL="2743200" algn="l" defTabSz="914400" rtl="0" eaLnBrk="1" latinLnBrk="0" hangingPunct="1">
+      <a:defRPr sz="1200" kern="1200">
+        <a:solidFill>
+          <a:schemeClr val="tx1"/>
+        </a:solidFill>
+        <a:latin typeface="+mn-lt"/>
+        <a:ea typeface="+mn-ea"/>
+        <a:cs typeface="+mn-cs"/>
+      </a:defRPr>
+    </a:lvl7pPr>
+    <a:lvl8pPr marL="3200400" algn="l" defTabSz="914400" rtl="0" eaLnBrk="1" latinLnBrk="0" hangingPunct="1">
+      <a:defRPr sz="1200" kern="1200">
+        <a:solidFill>
+          <a:schemeClr val="tx1"/>
+        </a:solidFill>
+        <a:latin typeface="+mn-lt"/>
+        <a:ea typeface="+mn-ea"/>
+        <a:cs typeface="+mn-cs"/>
+      </a:defRPr>
+    </a:lvl8pPr>
+    <a:lvl9pPr marL="3657600" algn="l" defTabSz="914400" rtl="0" eaLnBrk="1" latinLnBrk="0" hangingPunct="1">
+      <a:defRPr sz="1200" kern="1200">
+        <a:solidFill>
+          <a:schemeClr val="tx1"/>
+        </a:solidFill>
+        <a:latin typeface="+mn-lt"/>
+        <a:ea typeface="+mn-ea"/>
+        <a:cs typeface="+mn-cs"/>
+      </a:defRPr>
+    </a:lvl9pPr>
+  </p:notesStyle>
+</p:notesMaster>
+</file>
+
+<file path=ppt/notesSlides/notesSlide1.xml><?xml version="1.0" encoding="utf-8"?>
+<p:notes xmlns:a="http://schemas.openxmlformats.org/drawingml/2006/main" xmlns:r="http://schemas.openxmlformats.org/officeDocument/2006/relationships" xmlns:p="http://schemas.openxmlformats.org/presentationml/2006/main">
+  <p:cSld>
+    <p:spTree>
+      <p:nvGrpSpPr>
+        <p:cNvPr id="1" name=""/>
+        <p:cNvGrpSpPr/>
+        <p:nvPr/>
+      </p:nvGrpSpPr>
+      <p:grpSpPr>
+        <a:xfrm>
+          <a:off x="0" y="0"/>
+          <a:ext cx="0" cy="0"/>
+          <a:chOff x="0" y="0"/>
+          <a:chExt cx="0" cy="0"/>
+        </a:xfrm>
+      </p:grpSpPr>
+      <p:sp>
+        <p:nvSpPr>
+          <p:cNvPr id="2" name="Diakép helye 1"/>
+          <p:cNvSpPr>
+            <a:spLocks noGrp="1" noRot="1" noChangeAspect="1"/>
+          </p:cNvSpPr>
+          <p:nvPr>
+            <p:ph type="sldImg"/>
+          </p:nvPr>
+        </p:nvSpPr>
+        <p:spPr/>
+      </p:sp>
+      <p:sp>
+        <p:nvSpPr>
+          <p:cNvPr id="3" name="Jegyzetek helye 2"/>
+          <p:cNvSpPr>
+            <a:spLocks noGrp="1"/>
+          </p:cNvSpPr>
+          <p:nvPr>
+            <p:ph type="body" idx="1"/>
+          </p:nvPr>
+        </p:nvSpPr>
+        <p:spPr/>
+        <p:txBody>
+          <a:bodyPr/>
+          <a:lstStyle/>
+          <a:p>
+            <a:endParaRPr lang="hu-HU" dirty="0"/>
+          </a:p>
+        </p:txBody>
+      </p:sp>
+      <p:sp>
+        <p:nvSpPr>
+          <p:cNvPr id="4" name="Dia számának helye 3"/>
+          <p:cNvSpPr>
+            <a:spLocks noGrp="1"/>
+          </p:cNvSpPr>
+          <p:nvPr>
+            <p:ph type="sldNum" sz="quarter" idx="10"/>
+          </p:nvPr>
+        </p:nvSpPr>
+        <p:spPr/>
+        <p:txBody>
+          <a:bodyPr/>
+          <a:lstStyle/>
+          <a:p>
+            <a:fld id="{55495282-9C2C-4D3D-AA14-4FF4E8FB3ADC}" type="slidenum">
+              <a:rPr lang="hu-HU" smtClean="0"/>
+              <a:t>12</a:t>
+            </a:fld>
+            <a:endParaRPr lang="hu-HU"/>
+          </a:p>
+        </p:txBody>
+      </p:sp>
+    </p:spTree>
+    <p:extLst>
+      <p:ext uri="{BB962C8B-B14F-4D97-AF65-F5344CB8AC3E}">
+        <p14:creationId xmlns:p14="http://schemas.microsoft.com/office/powerpoint/2010/main" val="1084594846"/>
+      </p:ext>
+    </p:extLst>
+  </p:cSld>
+  <p:clrMapOvr>
+    <a:masterClrMapping/>
+  </p:clrMapOvr>
+</p:notes>
+</file>
+
+<file path=ppt/notesSlides/notesSlide2.xml><?xml version="1.0" encoding="utf-8"?>
+<p:notes xmlns:a="http://schemas.openxmlformats.org/drawingml/2006/main" xmlns:r="http://schemas.openxmlformats.org/officeDocument/2006/relationships" xmlns:p="http://schemas.openxmlformats.org/presentationml/2006/main">
+  <p:cSld>
+    <p:spTree>
+      <p:nvGrpSpPr>
+        <p:cNvPr id="1" name=""/>
+        <p:cNvGrpSpPr/>
+        <p:nvPr/>
+      </p:nvGrpSpPr>
+      <p:grpSpPr>
+        <a:xfrm>
+          <a:off x="0" y="0"/>
+          <a:ext cx="0" cy="0"/>
+          <a:chOff x="0" y="0"/>
+          <a:chExt cx="0" cy="0"/>
+        </a:xfrm>
+      </p:grpSpPr>
+      <p:sp>
+        <p:nvSpPr>
+          <p:cNvPr id="2" name="Diakép helye 1"/>
+          <p:cNvSpPr>
+            <a:spLocks noGrp="1" noRot="1" noChangeAspect="1"/>
+          </p:cNvSpPr>
+          <p:nvPr>
+            <p:ph type="sldImg"/>
+          </p:nvPr>
+        </p:nvSpPr>
+        <p:spPr/>
+      </p:sp>
+      <p:sp>
+        <p:nvSpPr>
+          <p:cNvPr id="3" name="Jegyzetek helye 2"/>
+          <p:cNvSpPr>
+            <a:spLocks noGrp="1"/>
+          </p:cNvSpPr>
+          <p:nvPr>
+            <p:ph type="body" idx="1"/>
+          </p:nvPr>
+        </p:nvSpPr>
+        <p:spPr/>
+        <p:txBody>
+          <a:bodyPr/>
+          <a:lstStyle/>
+          <a:p>
+            <a:endParaRPr lang="hu-HU" dirty="0"/>
+          </a:p>
+        </p:txBody>
+      </p:sp>
+      <p:sp>
+        <p:nvSpPr>
+          <p:cNvPr id="4" name="Dia számának helye 3"/>
+          <p:cNvSpPr>
+            <a:spLocks noGrp="1"/>
+          </p:cNvSpPr>
+          <p:nvPr>
+            <p:ph type="sldNum" sz="quarter" idx="10"/>
+          </p:nvPr>
+        </p:nvSpPr>
+        <p:spPr/>
+        <p:txBody>
+          <a:bodyPr/>
+          <a:lstStyle/>
+          <a:p>
+            <a:fld id="{55495282-9C2C-4D3D-AA14-4FF4E8FB3ADC}" type="slidenum">
+              <a:rPr lang="hu-HU" smtClean="0"/>
+              <a:t>13</a:t>
+            </a:fld>
+            <a:endParaRPr lang="hu-HU"/>
+          </a:p>
+        </p:txBody>
+      </p:sp>
+    </p:spTree>
+    <p:extLst>
+      <p:ext uri="{BB962C8B-B14F-4D97-AF65-F5344CB8AC3E}">
+        <p14:creationId xmlns:p14="http://schemas.microsoft.com/office/powerpoint/2010/main" val="2549931529"/>
+      </p:ext>
+    </p:extLst>
+  </p:cSld>
+  <p:clrMapOvr>
+    <a:masterClrMapping/>
+  </p:clrMapOvr>
+</p:notes>
+</file>
+
 <file path=ppt/slideLayouts/slideLayout1.xml><?xml version="1.0" encoding="utf-8"?>
 <p:sldLayout xmlns:a="http://schemas.openxmlformats.org/drawingml/2006/main" xmlns:r="http://schemas.openxmlformats.org/officeDocument/2006/relationships" xmlns:p="http://schemas.openxmlformats.org/presentationml/2006/main" type="title" preserve="1">
   <p:cSld name="Címdia">
@@ -251,7 +780,7 @@
           <a:p>
             <a:fld id="{397604E0-0D2C-4780-BF54-3C57F83D7B51}" type="datetimeFigureOut">
               <a:rPr lang="hu-HU" smtClean="0"/>
-              <a:t>2023.10.04.</a:t>
+              <a:t>2023.10.11.</a:t>
             </a:fld>
             <a:endParaRPr lang="hu-HU"/>
           </a:p>
@@ -421,7 +950,7 @@
           <a:p>
             <a:fld id="{397604E0-0D2C-4780-BF54-3C57F83D7B51}" type="datetimeFigureOut">
               <a:rPr lang="hu-HU" smtClean="0"/>
-              <a:t>2023.10.04.</a:t>
+              <a:t>2023.10.11.</a:t>
             </a:fld>
             <a:endParaRPr lang="hu-HU"/>
           </a:p>
@@ -601,7 +1130,7 @@
           <a:p>
             <a:fld id="{397604E0-0D2C-4780-BF54-3C57F83D7B51}" type="datetimeFigureOut">
               <a:rPr lang="hu-HU" smtClean="0"/>
-              <a:t>2023.10.04.</a:t>
+              <a:t>2023.10.11.</a:t>
             </a:fld>
             <a:endParaRPr lang="hu-HU"/>
           </a:p>
@@ -771,7 +1300,7 @@
           <a:p>
             <a:fld id="{397604E0-0D2C-4780-BF54-3C57F83D7B51}" type="datetimeFigureOut">
               <a:rPr lang="hu-HU" smtClean="0"/>
-              <a:t>2023.10.04.</a:t>
+              <a:t>2023.10.11.</a:t>
             </a:fld>
             <a:endParaRPr lang="hu-HU"/>
           </a:p>
@@ -1017,7 +1546,7 @@
           <a:p>
             <a:fld id="{397604E0-0D2C-4780-BF54-3C57F83D7B51}" type="datetimeFigureOut">
               <a:rPr lang="hu-HU" smtClean="0"/>
-              <a:t>2023.10.04.</a:t>
+              <a:t>2023.10.11.</a:t>
             </a:fld>
             <a:endParaRPr lang="hu-HU"/>
           </a:p>
@@ -1249,7 +1778,7 @@
           <a:p>
             <a:fld id="{397604E0-0D2C-4780-BF54-3C57F83D7B51}" type="datetimeFigureOut">
               <a:rPr lang="hu-HU" smtClean="0"/>
-              <a:t>2023.10.04.</a:t>
+              <a:t>2023.10.11.</a:t>
             </a:fld>
             <a:endParaRPr lang="hu-HU"/>
           </a:p>
@@ -1616,7 +2145,7 @@
           <a:p>
             <a:fld id="{397604E0-0D2C-4780-BF54-3C57F83D7B51}" type="datetimeFigureOut">
               <a:rPr lang="hu-HU" smtClean="0"/>
-              <a:t>2023.10.04.</a:t>
+              <a:t>2023.10.11.</a:t>
             </a:fld>
             <a:endParaRPr lang="hu-HU"/>
           </a:p>
@@ -1734,7 +2263,7 @@
           <a:p>
             <a:fld id="{397604E0-0D2C-4780-BF54-3C57F83D7B51}" type="datetimeFigureOut">
               <a:rPr lang="hu-HU" smtClean="0"/>
-              <a:t>2023.10.04.</a:t>
+              <a:t>2023.10.11.</a:t>
             </a:fld>
             <a:endParaRPr lang="hu-HU"/>
           </a:p>
@@ -1829,7 +2358,7 @@
           <a:p>
             <a:fld id="{397604E0-0D2C-4780-BF54-3C57F83D7B51}" type="datetimeFigureOut">
               <a:rPr lang="hu-HU" smtClean="0"/>
-              <a:t>2023.10.04.</a:t>
+              <a:t>2023.10.11.</a:t>
             </a:fld>
             <a:endParaRPr lang="hu-HU"/>
           </a:p>
@@ -2106,7 +2635,7 @@
           <a:p>
             <a:fld id="{397604E0-0D2C-4780-BF54-3C57F83D7B51}" type="datetimeFigureOut">
               <a:rPr lang="hu-HU" smtClean="0"/>
-              <a:t>2023.10.04.</a:t>
+              <a:t>2023.10.11.</a:t>
             </a:fld>
             <a:endParaRPr lang="hu-HU"/>
           </a:p>
@@ -2359,7 +2888,7 @@
           <a:p>
             <a:fld id="{397604E0-0D2C-4780-BF54-3C57F83D7B51}" type="datetimeFigureOut">
               <a:rPr lang="hu-HU" smtClean="0"/>
-              <a:t>2023.10.04.</a:t>
+              <a:t>2023.10.11.</a:t>
             </a:fld>
             <a:endParaRPr lang="hu-HU"/>
           </a:p>
@@ -2581,7 +3110,7 @@
           <a:p>
             <a:fld id="{397604E0-0D2C-4780-BF54-3C57F83D7B51}" type="datetimeFigureOut">
               <a:rPr lang="hu-HU" smtClean="0"/>
-              <a:t>2023.10.04.</a:t>
+              <a:t>2023.10.11.</a:t>
             </a:fld>
             <a:endParaRPr lang="hu-HU"/>
           </a:p>
@@ -3207,13 +3736,13 @@
   <p:clrMapOvr>
     <a:masterClrMapping/>
   </p:clrMapOvr>
-  <mc:AlternateContent xmlns:mc="http://schemas.openxmlformats.org/markup-compatibility/2006">
-    <mc:Choice xmlns:p14="http://schemas.microsoft.com/office/powerpoint/2010/main" Requires="p14">
+  <mc:AlternateContent xmlns:mc="http://schemas.openxmlformats.org/markup-compatibility/2006" xmlns:p14="http://schemas.microsoft.com/office/powerpoint/2010/main">
+    <mc:Choice Requires="p14">
       <p:transition spd="med" p14:dur="700">
         <p:fade/>
       </p:transition>
     </mc:Choice>
-    <mc:Fallback>
+    <mc:Fallback xmlns="">
       <p:transition spd="med">
         <p:fade/>
       </p:transition>
@@ -3793,7 +4322,2802 @@
 </p:sld>
 </file>
 
-<file path=ppt/slides/slide2.xml><?xml version="1.0" encoding="utf-8"?>
+<file path=ppt/slides/slide10.xml><?xml version="1.0" encoding="utf-8"?>
+<p:sld xmlns:a="http://schemas.openxmlformats.org/drawingml/2006/main" xmlns:r="http://schemas.openxmlformats.org/officeDocument/2006/relationships" xmlns:p="http://schemas.openxmlformats.org/presentationml/2006/main">
+  <p:cSld>
+    <p:spTree>
+      <p:nvGrpSpPr>
+        <p:cNvPr id="1" name=""/>
+        <p:cNvGrpSpPr/>
+        <p:nvPr/>
+      </p:nvGrpSpPr>
+      <p:grpSpPr>
+        <a:xfrm>
+          <a:off x="0" y="0"/>
+          <a:ext cx="0" cy="0"/>
+          <a:chOff x="0" y="0"/>
+          <a:chExt cx="0" cy="0"/>
+        </a:xfrm>
+      </p:grpSpPr>
+      <p:sp>
+        <p:nvSpPr>
+          <p:cNvPr id="2" name="Cím 1"/>
+          <p:cNvSpPr>
+            <a:spLocks noGrp="1"/>
+          </p:cNvSpPr>
+          <p:nvPr>
+            <p:ph type="title"/>
+          </p:nvPr>
+        </p:nvSpPr>
+        <p:spPr/>
+        <p:txBody>
+          <a:bodyPr/>
+          <a:lstStyle/>
+          <a:p>
+            <a:r>
+              <a:rPr lang="hu-HU" dirty="0" smtClean="0">
+                <a:solidFill>
+                  <a:schemeClr val="bg1"/>
+                </a:solidFill>
+                <a:latin typeface="Algerian" panose="04020705040A02060702" pitchFamily="82" charset="0"/>
+              </a:rPr>
+              <a:t>Memória típusok</a:t>
+            </a:r>
+            <a:endParaRPr lang="hu-HU" dirty="0">
+              <a:solidFill>
+                <a:schemeClr val="bg1"/>
+              </a:solidFill>
+              <a:latin typeface="Algerian" panose="04020705040A02060702" pitchFamily="82" charset="0"/>
+            </a:endParaRPr>
+          </a:p>
+        </p:txBody>
+      </p:sp>
+      <p:sp>
+        <p:nvSpPr>
+          <p:cNvPr id="3" name="Tartalom helye 2"/>
+          <p:cNvSpPr>
+            <a:spLocks noGrp="1"/>
+          </p:cNvSpPr>
+          <p:nvPr>
+            <p:ph idx="1"/>
+          </p:nvPr>
+        </p:nvSpPr>
+        <p:spPr>
+          <a:xfrm>
+            <a:off x="838200" y="3494934"/>
+            <a:ext cx="10515600" cy="1640737"/>
+          </a:xfrm>
+        </p:spPr>
+        <p:txBody>
+          <a:bodyPr>
+            <a:normAutofit/>
+          </a:bodyPr>
+          <a:lstStyle/>
+          <a:p>
+            <a:r>
+              <a:rPr lang="hu-HU" dirty="0" smtClean="0">
+                <a:solidFill>
+                  <a:schemeClr val="bg1"/>
+                </a:solidFill>
+              </a:rPr>
+              <a:t>Sok régebbi számítógépben jelenleg is DDR3-as </a:t>
+            </a:r>
+            <a:r>
+              <a:rPr lang="hu-HU" dirty="0" err="1" smtClean="0">
+                <a:solidFill>
+                  <a:schemeClr val="bg1"/>
+                </a:solidFill>
+              </a:rPr>
+              <a:t>ramok</a:t>
+            </a:r>
+            <a:r>
+              <a:rPr lang="hu-HU" dirty="0" smtClean="0">
+                <a:solidFill>
+                  <a:schemeClr val="bg1"/>
+                </a:solidFill>
+              </a:rPr>
+              <a:t> vannak</a:t>
+            </a:r>
+            <a:endParaRPr lang="hu-HU" dirty="0">
+              <a:solidFill>
+                <a:schemeClr val="bg1"/>
+              </a:solidFill>
+            </a:endParaRPr>
+          </a:p>
+          <a:p>
+            <a:r>
+              <a:rPr lang="hu-HU" dirty="0" smtClean="0">
+                <a:solidFill>
+                  <a:schemeClr val="bg1"/>
+                </a:solidFill>
+              </a:rPr>
+              <a:t>Sebessége: </a:t>
+            </a:r>
+            <a:r>
+              <a:rPr lang="hu-HU" dirty="0">
+                <a:solidFill>
+                  <a:schemeClr val="bg1"/>
+                </a:solidFill>
+              </a:rPr>
+              <a:t>400–1066 MHz</a:t>
+            </a:r>
+          </a:p>
+          <a:p>
+            <a:endParaRPr lang="hu-HU" dirty="0"/>
+          </a:p>
+        </p:txBody>
+      </p:sp>
+      <p:sp>
+        <p:nvSpPr>
+          <p:cNvPr id="5" name="Szövegdoboz 4"/>
+          <p:cNvSpPr txBox="1"/>
+          <p:nvPr/>
+        </p:nvSpPr>
+        <p:spPr>
+          <a:xfrm>
+            <a:off x="1698734" y="2694715"/>
+            <a:ext cx="8794531" cy="800219"/>
+          </a:xfrm>
+          <a:prstGeom prst="rect">
+            <a:avLst/>
+          </a:prstGeom>
+          <a:noFill/>
+        </p:spPr>
+        <p:txBody>
+          <a:bodyPr wrap="square" rtlCol="0">
+            <a:spAutoFit/>
+          </a:bodyPr>
+          <a:lstStyle/>
+          <a:p>
+            <a:pPr algn="ctr"/>
+            <a:r>
+              <a:rPr lang="hu-HU" sz="2800" b="1" u="sng" dirty="0" smtClean="0">
+                <a:solidFill>
+                  <a:schemeClr val="bg1"/>
+                </a:solidFill>
+              </a:rPr>
+              <a:t>DDR 3 (DOUBLE DATA RATE 3)</a:t>
+            </a:r>
+            <a:endParaRPr lang="hu-HU" sz="2800" u="sng" dirty="0">
+              <a:solidFill>
+                <a:schemeClr val="bg1"/>
+              </a:solidFill>
+            </a:endParaRPr>
+          </a:p>
+          <a:p>
+            <a:pPr algn="ctr"/>
+            <a:endParaRPr lang="hu-HU" dirty="0">
+              <a:solidFill>
+                <a:schemeClr val="bg1"/>
+              </a:solidFill>
+            </a:endParaRPr>
+          </a:p>
+        </p:txBody>
+      </p:sp>
+    </p:spTree>
+    <p:extLst>
+      <p:ext uri="{BB962C8B-B14F-4D97-AF65-F5344CB8AC3E}">
+        <p14:creationId xmlns:p14="http://schemas.microsoft.com/office/powerpoint/2010/main" val="1507068301"/>
+      </p:ext>
+    </p:extLst>
+  </p:cSld>
+  <p:clrMapOvr>
+    <a:masterClrMapping/>
+  </p:clrMapOvr>
+  <mc:AlternateContent xmlns:mc="http://schemas.openxmlformats.org/markup-compatibility/2006" xmlns:p14="http://schemas.microsoft.com/office/powerpoint/2010/main">
+    <mc:Choice Requires="p14">
+      <p:transition spd="med" p14:dur="700">
+        <p:fade/>
+      </p:transition>
+    </mc:Choice>
+    <mc:Fallback xmlns="">
+      <p:transition spd="med">
+        <p:fade/>
+      </p:transition>
+    </mc:Fallback>
+  </mc:AlternateContent>
+  <p:timing>
+    <p:tnLst>
+      <p:par>
+        <p:cTn id="1" dur="indefinite" restart="never" nodeType="tmRoot">
+          <p:childTnLst>
+            <p:seq concurrent="1" nextAc="seek">
+              <p:cTn id="2" dur="indefinite" nodeType="mainSeq">
+                <p:childTnLst>
+                  <p:par>
+                    <p:cTn id="3" fill="hold">
+                      <p:stCondLst>
+                        <p:cond delay="indefinite"/>
+                        <p:cond evt="onBegin" delay="0">
+                          <p:tn val="2"/>
+                        </p:cond>
+                      </p:stCondLst>
+                      <p:childTnLst>
+                        <p:par>
+                          <p:cTn id="4" fill="hold">
+                            <p:stCondLst>
+                              <p:cond delay="0"/>
+                            </p:stCondLst>
+                            <p:childTnLst>
+                              <p:par>
+                                <p:cTn id="5" presetID="2" presetClass="entr" presetSubtype="8" fill="hold" nodeType="afterEffect">
+                                  <p:stCondLst>
+                                    <p:cond delay="0"/>
+                                  </p:stCondLst>
+                                  <p:childTnLst>
+                                    <p:set>
+                                      <p:cBhvr>
+                                        <p:cTn id="6" dur="1" fill="hold">
+                                          <p:stCondLst>
+                                            <p:cond delay="0"/>
+                                          </p:stCondLst>
+                                        </p:cTn>
+                                        <p:tgtEl>
+                                          <p:spTgt spid="5">
+                                            <p:txEl>
+                                              <p:pRg st="0" end="0"/>
+                                            </p:txEl>
+                                          </p:spTgt>
+                                        </p:tgtEl>
+                                        <p:attrNameLst>
+                                          <p:attrName>style.visibility</p:attrName>
+                                        </p:attrNameLst>
+                                      </p:cBhvr>
+                                      <p:to>
+                                        <p:strVal val="visible"/>
+                                      </p:to>
+                                    </p:set>
+                                    <p:anim calcmode="lin" valueType="num">
+                                      <p:cBhvr additive="base">
+                                        <p:cTn id="7" dur="500" fill="hold"/>
+                                        <p:tgtEl>
+                                          <p:spTgt spid="5">
+                                            <p:txEl>
+                                              <p:pRg st="0" end="0"/>
+                                            </p:txEl>
+                                          </p:spTgt>
+                                        </p:tgtEl>
+                                        <p:attrNameLst>
+                                          <p:attrName>ppt_x</p:attrName>
+                                        </p:attrNameLst>
+                                      </p:cBhvr>
+                                      <p:tavLst>
+                                        <p:tav tm="0">
+                                          <p:val>
+                                            <p:strVal val="0-#ppt_w/2"/>
+                                          </p:val>
+                                        </p:tav>
+                                        <p:tav tm="100000">
+                                          <p:val>
+                                            <p:strVal val="#ppt_x"/>
+                                          </p:val>
+                                        </p:tav>
+                                      </p:tavLst>
+                                    </p:anim>
+                                    <p:anim calcmode="lin" valueType="num">
+                                      <p:cBhvr additive="base">
+                                        <p:cTn id="8" dur="500" fill="hold"/>
+                                        <p:tgtEl>
+                                          <p:spTgt spid="5">
+                                            <p:txEl>
+                                              <p:pRg st="0" end="0"/>
+                                            </p:txEl>
+                                          </p:spTgt>
+                                        </p:tgtEl>
+                                        <p:attrNameLst>
+                                          <p:attrName>ppt_y</p:attrName>
+                                        </p:attrNameLst>
+                                      </p:cBhvr>
+                                      <p:tavLst>
+                                        <p:tav tm="0">
+                                          <p:val>
+                                            <p:strVal val="#ppt_y"/>
+                                          </p:val>
+                                        </p:tav>
+                                        <p:tav tm="100000">
+                                          <p:val>
+                                            <p:strVal val="#ppt_y"/>
+                                          </p:val>
+                                        </p:tav>
+                                      </p:tavLst>
+                                    </p:anim>
+                                  </p:childTnLst>
+                                </p:cTn>
+                              </p:par>
+                            </p:childTnLst>
+                          </p:cTn>
+                        </p:par>
+                        <p:par>
+                          <p:cTn id="9" fill="hold">
+                            <p:stCondLst>
+                              <p:cond delay="500"/>
+                            </p:stCondLst>
+                            <p:childTnLst>
+                              <p:par>
+                                <p:cTn id="10" presetID="2" presetClass="entr" presetSubtype="6" fill="hold" nodeType="afterEffect">
+                                  <p:stCondLst>
+                                    <p:cond delay="0"/>
+                                  </p:stCondLst>
+                                  <p:childTnLst>
+                                    <p:set>
+                                      <p:cBhvr>
+                                        <p:cTn id="11" dur="1" fill="hold">
+                                          <p:stCondLst>
+                                            <p:cond delay="0"/>
+                                          </p:stCondLst>
+                                        </p:cTn>
+                                        <p:tgtEl>
+                                          <p:spTgt spid="3">
+                                            <p:txEl>
+                                              <p:pRg st="0" end="0"/>
+                                            </p:txEl>
+                                          </p:spTgt>
+                                        </p:tgtEl>
+                                        <p:attrNameLst>
+                                          <p:attrName>style.visibility</p:attrName>
+                                        </p:attrNameLst>
+                                      </p:cBhvr>
+                                      <p:to>
+                                        <p:strVal val="visible"/>
+                                      </p:to>
+                                    </p:set>
+                                    <p:anim calcmode="lin" valueType="num">
+                                      <p:cBhvr additive="base">
+                                        <p:cTn id="12" dur="500" fill="hold"/>
+                                        <p:tgtEl>
+                                          <p:spTgt spid="3">
+                                            <p:txEl>
+                                              <p:pRg st="0" end="0"/>
+                                            </p:txEl>
+                                          </p:spTgt>
+                                        </p:tgtEl>
+                                        <p:attrNameLst>
+                                          <p:attrName>ppt_x</p:attrName>
+                                        </p:attrNameLst>
+                                      </p:cBhvr>
+                                      <p:tavLst>
+                                        <p:tav tm="0">
+                                          <p:val>
+                                            <p:strVal val="1+#ppt_w/2"/>
+                                          </p:val>
+                                        </p:tav>
+                                        <p:tav tm="100000">
+                                          <p:val>
+                                            <p:strVal val="#ppt_x"/>
+                                          </p:val>
+                                        </p:tav>
+                                      </p:tavLst>
+                                    </p:anim>
+                                    <p:anim calcmode="lin" valueType="num">
+                                      <p:cBhvr additive="base">
+                                        <p:cTn id="13" dur="500" fill="hold"/>
+                                        <p:tgtEl>
+                                          <p:spTgt spid="3">
+                                            <p:txEl>
+                                              <p:pRg st="0" end="0"/>
+                                            </p:txEl>
+                                          </p:spTgt>
+                                        </p:tgtEl>
+                                        <p:attrNameLst>
+                                          <p:attrName>ppt_y</p:attrName>
+                                        </p:attrNameLst>
+                                      </p:cBhvr>
+                                      <p:tavLst>
+                                        <p:tav tm="0">
+                                          <p:val>
+                                            <p:strVal val="1+#ppt_h/2"/>
+                                          </p:val>
+                                        </p:tav>
+                                        <p:tav tm="100000">
+                                          <p:val>
+                                            <p:strVal val="#ppt_y"/>
+                                          </p:val>
+                                        </p:tav>
+                                      </p:tavLst>
+                                    </p:anim>
+                                  </p:childTnLst>
+                                </p:cTn>
+                              </p:par>
+                            </p:childTnLst>
+                          </p:cTn>
+                        </p:par>
+                        <p:par>
+                          <p:cTn id="14" fill="hold">
+                            <p:stCondLst>
+                              <p:cond delay="1000"/>
+                            </p:stCondLst>
+                            <p:childTnLst>
+                              <p:par>
+                                <p:cTn id="15" presetID="2" presetClass="entr" presetSubtype="6" fill="hold" nodeType="afterEffect">
+                                  <p:stCondLst>
+                                    <p:cond delay="0"/>
+                                  </p:stCondLst>
+                                  <p:childTnLst>
+                                    <p:set>
+                                      <p:cBhvr>
+                                        <p:cTn id="16" dur="1" fill="hold">
+                                          <p:stCondLst>
+                                            <p:cond delay="0"/>
+                                          </p:stCondLst>
+                                        </p:cTn>
+                                        <p:tgtEl>
+                                          <p:spTgt spid="3">
+                                            <p:txEl>
+                                              <p:pRg st="1" end="1"/>
+                                            </p:txEl>
+                                          </p:spTgt>
+                                        </p:tgtEl>
+                                        <p:attrNameLst>
+                                          <p:attrName>style.visibility</p:attrName>
+                                        </p:attrNameLst>
+                                      </p:cBhvr>
+                                      <p:to>
+                                        <p:strVal val="visible"/>
+                                      </p:to>
+                                    </p:set>
+                                    <p:anim calcmode="lin" valueType="num">
+                                      <p:cBhvr additive="base">
+                                        <p:cTn id="17" dur="500" fill="hold"/>
+                                        <p:tgtEl>
+                                          <p:spTgt spid="3">
+                                            <p:txEl>
+                                              <p:pRg st="1" end="1"/>
+                                            </p:txEl>
+                                          </p:spTgt>
+                                        </p:tgtEl>
+                                        <p:attrNameLst>
+                                          <p:attrName>ppt_x</p:attrName>
+                                        </p:attrNameLst>
+                                      </p:cBhvr>
+                                      <p:tavLst>
+                                        <p:tav tm="0">
+                                          <p:val>
+                                            <p:strVal val="1+#ppt_w/2"/>
+                                          </p:val>
+                                        </p:tav>
+                                        <p:tav tm="100000">
+                                          <p:val>
+                                            <p:strVal val="#ppt_x"/>
+                                          </p:val>
+                                        </p:tav>
+                                      </p:tavLst>
+                                    </p:anim>
+                                    <p:anim calcmode="lin" valueType="num">
+                                      <p:cBhvr additive="base">
+                                        <p:cTn id="18" dur="500" fill="hold"/>
+                                        <p:tgtEl>
+                                          <p:spTgt spid="3">
+                                            <p:txEl>
+                                              <p:pRg st="1" end="1"/>
+                                            </p:txEl>
+                                          </p:spTgt>
+                                        </p:tgtEl>
+                                        <p:attrNameLst>
+                                          <p:attrName>ppt_y</p:attrName>
+                                        </p:attrNameLst>
+                                      </p:cBhvr>
+                                      <p:tavLst>
+                                        <p:tav tm="0">
+                                          <p:val>
+                                            <p:strVal val="1+#ppt_h/2"/>
+                                          </p:val>
+                                        </p:tav>
+                                        <p:tav tm="100000">
+                                          <p:val>
+                                            <p:strVal val="#ppt_y"/>
+                                          </p:val>
+                                        </p:tav>
+                                      </p:tavLst>
+                                    </p:anim>
+                                  </p:childTnLst>
+                                </p:cTn>
+                              </p:par>
+                            </p:childTnLst>
+                          </p:cTn>
+                        </p:par>
+                      </p:childTnLst>
+                    </p:cTn>
+                  </p:par>
+                </p:childTnLst>
+              </p:cTn>
+              <p:prevCondLst>
+                <p:cond evt="onPrev" delay="0">
+                  <p:tgtEl>
+                    <p:sldTgt/>
+                  </p:tgtEl>
+                </p:cond>
+              </p:prevCondLst>
+              <p:nextCondLst>
+                <p:cond evt="onNext" delay="0">
+                  <p:tgtEl>
+                    <p:sldTgt/>
+                  </p:tgtEl>
+                </p:cond>
+              </p:nextCondLst>
+            </p:seq>
+          </p:childTnLst>
+        </p:cTn>
+      </p:par>
+    </p:tnLst>
+  </p:timing>
+</p:sld>
+</file>
+
+<file path=ppt/slides/slide11.xml><?xml version="1.0" encoding="utf-8"?>
+<p:sld xmlns:a="http://schemas.openxmlformats.org/drawingml/2006/main" xmlns:r="http://schemas.openxmlformats.org/officeDocument/2006/relationships" xmlns:p="http://schemas.openxmlformats.org/presentationml/2006/main">
+  <p:cSld>
+    <p:spTree>
+      <p:nvGrpSpPr>
+        <p:cNvPr id="1" name=""/>
+        <p:cNvGrpSpPr/>
+        <p:nvPr/>
+      </p:nvGrpSpPr>
+      <p:grpSpPr>
+        <a:xfrm>
+          <a:off x="0" y="0"/>
+          <a:ext cx="0" cy="0"/>
+          <a:chOff x="0" y="0"/>
+          <a:chExt cx="0" cy="0"/>
+        </a:xfrm>
+      </p:grpSpPr>
+      <p:sp>
+        <p:nvSpPr>
+          <p:cNvPr id="2" name="Cím 1"/>
+          <p:cNvSpPr>
+            <a:spLocks noGrp="1"/>
+          </p:cNvSpPr>
+          <p:nvPr>
+            <p:ph type="title"/>
+          </p:nvPr>
+        </p:nvSpPr>
+        <p:spPr/>
+        <p:txBody>
+          <a:bodyPr/>
+          <a:lstStyle/>
+          <a:p>
+            <a:r>
+              <a:rPr lang="hu-HU" dirty="0" smtClean="0">
+                <a:solidFill>
+                  <a:schemeClr val="bg1"/>
+                </a:solidFill>
+                <a:latin typeface="Algerian" panose="04020705040A02060702" pitchFamily="82" charset="0"/>
+              </a:rPr>
+              <a:t>Memória típusok</a:t>
+            </a:r>
+            <a:endParaRPr lang="hu-HU" dirty="0">
+              <a:solidFill>
+                <a:schemeClr val="bg1"/>
+              </a:solidFill>
+              <a:latin typeface="Algerian" panose="04020705040A02060702" pitchFamily="82" charset="0"/>
+            </a:endParaRPr>
+          </a:p>
+        </p:txBody>
+      </p:sp>
+      <p:sp>
+        <p:nvSpPr>
+          <p:cNvPr id="3" name="Tartalom helye 2"/>
+          <p:cNvSpPr>
+            <a:spLocks noGrp="1"/>
+          </p:cNvSpPr>
+          <p:nvPr>
+            <p:ph idx="1"/>
+          </p:nvPr>
+        </p:nvSpPr>
+        <p:spPr>
+          <a:xfrm>
+            <a:off x="838200" y="3494934"/>
+            <a:ext cx="10515600" cy="1640737"/>
+          </a:xfrm>
+        </p:spPr>
+        <p:txBody>
+          <a:bodyPr>
+            <a:normAutofit/>
+          </a:bodyPr>
+          <a:lstStyle/>
+          <a:p>
+            <a:r>
+              <a:rPr lang="hu-HU" dirty="0" smtClean="0">
+                <a:solidFill>
+                  <a:schemeClr val="bg1"/>
+                </a:solidFill>
+              </a:rPr>
+              <a:t>Jelenleg a legelterjedtebb RAM típus</a:t>
+            </a:r>
+            <a:endParaRPr lang="hu-HU" dirty="0">
+              <a:solidFill>
+                <a:schemeClr val="bg1"/>
+              </a:solidFill>
+            </a:endParaRPr>
+          </a:p>
+          <a:p>
+            <a:r>
+              <a:rPr lang="hu-HU" dirty="0" smtClean="0">
+                <a:solidFill>
+                  <a:schemeClr val="bg1"/>
+                </a:solidFill>
+              </a:rPr>
+              <a:t>Sebessége: 2133MHz – 3000+Mhz (</a:t>
+            </a:r>
+            <a:r>
+              <a:rPr lang="hu-HU" dirty="0" err="1" smtClean="0">
+                <a:solidFill>
+                  <a:schemeClr val="bg1"/>
+                </a:solidFill>
+              </a:rPr>
+              <a:t>pl</a:t>
+            </a:r>
+            <a:r>
+              <a:rPr lang="hu-HU" dirty="0" smtClean="0">
+                <a:solidFill>
+                  <a:schemeClr val="bg1"/>
+                </a:solidFill>
+              </a:rPr>
+              <a:t>: 3200, 3400)</a:t>
+            </a:r>
+          </a:p>
+          <a:p>
+            <a:r>
+              <a:rPr lang="hu-HU" dirty="0" smtClean="0">
+                <a:solidFill>
+                  <a:schemeClr val="bg1"/>
+                </a:solidFill>
+              </a:rPr>
+              <a:t>Nem olyan drágák</a:t>
+            </a:r>
+            <a:endParaRPr lang="hu-HU" dirty="0">
+              <a:solidFill>
+                <a:schemeClr val="bg1"/>
+              </a:solidFill>
+            </a:endParaRPr>
+          </a:p>
+        </p:txBody>
+      </p:sp>
+      <p:sp>
+        <p:nvSpPr>
+          <p:cNvPr id="5" name="Szövegdoboz 4"/>
+          <p:cNvSpPr txBox="1"/>
+          <p:nvPr/>
+        </p:nvSpPr>
+        <p:spPr>
+          <a:xfrm>
+            <a:off x="1698734" y="2694715"/>
+            <a:ext cx="8794531" cy="800219"/>
+          </a:xfrm>
+          <a:prstGeom prst="rect">
+            <a:avLst/>
+          </a:prstGeom>
+          <a:noFill/>
+        </p:spPr>
+        <p:txBody>
+          <a:bodyPr wrap="square" rtlCol="0">
+            <a:spAutoFit/>
+          </a:bodyPr>
+          <a:lstStyle/>
+          <a:p>
+            <a:pPr algn="ctr"/>
+            <a:r>
+              <a:rPr lang="hu-HU" sz="2800" b="1" u="sng" dirty="0" smtClean="0">
+                <a:solidFill>
+                  <a:schemeClr val="bg1"/>
+                </a:solidFill>
+              </a:rPr>
+              <a:t>DDR 4 (DOUBLE DATA RATE 4)</a:t>
+            </a:r>
+            <a:endParaRPr lang="hu-HU" sz="2800" u="sng" dirty="0">
+              <a:solidFill>
+                <a:schemeClr val="bg1"/>
+              </a:solidFill>
+            </a:endParaRPr>
+          </a:p>
+          <a:p>
+            <a:pPr algn="ctr"/>
+            <a:endParaRPr lang="hu-HU" dirty="0">
+              <a:solidFill>
+                <a:schemeClr val="bg1"/>
+              </a:solidFill>
+            </a:endParaRPr>
+          </a:p>
+        </p:txBody>
+      </p:sp>
+    </p:spTree>
+    <p:extLst>
+      <p:ext uri="{BB962C8B-B14F-4D97-AF65-F5344CB8AC3E}">
+        <p14:creationId xmlns:p14="http://schemas.microsoft.com/office/powerpoint/2010/main" val="666382491"/>
+      </p:ext>
+    </p:extLst>
+  </p:cSld>
+  <p:clrMapOvr>
+    <a:masterClrMapping/>
+  </p:clrMapOvr>
+  <mc:AlternateContent xmlns:mc="http://schemas.openxmlformats.org/markup-compatibility/2006" xmlns:p14="http://schemas.microsoft.com/office/powerpoint/2010/main">
+    <mc:Choice Requires="p14">
+      <p:transition spd="med" p14:dur="700">
+        <p:fade/>
+      </p:transition>
+    </mc:Choice>
+    <mc:Fallback xmlns="">
+      <p:transition spd="med">
+        <p:fade/>
+      </p:transition>
+    </mc:Fallback>
+  </mc:AlternateContent>
+  <p:timing>
+    <p:tnLst>
+      <p:par>
+        <p:cTn id="1" dur="indefinite" restart="never" nodeType="tmRoot">
+          <p:childTnLst>
+            <p:seq concurrent="1" nextAc="seek">
+              <p:cTn id="2" dur="indefinite" nodeType="mainSeq">
+                <p:childTnLst>
+                  <p:par>
+                    <p:cTn id="3" fill="hold">
+                      <p:stCondLst>
+                        <p:cond delay="indefinite"/>
+                        <p:cond evt="onBegin" delay="0">
+                          <p:tn val="2"/>
+                        </p:cond>
+                      </p:stCondLst>
+                      <p:childTnLst>
+                        <p:par>
+                          <p:cTn id="4" fill="hold">
+                            <p:stCondLst>
+                              <p:cond delay="0"/>
+                            </p:stCondLst>
+                            <p:childTnLst>
+                              <p:par>
+                                <p:cTn id="5" presetID="2" presetClass="entr" presetSubtype="8" fill="hold" nodeType="afterEffect">
+                                  <p:stCondLst>
+                                    <p:cond delay="0"/>
+                                  </p:stCondLst>
+                                  <p:childTnLst>
+                                    <p:set>
+                                      <p:cBhvr>
+                                        <p:cTn id="6" dur="1" fill="hold">
+                                          <p:stCondLst>
+                                            <p:cond delay="0"/>
+                                          </p:stCondLst>
+                                        </p:cTn>
+                                        <p:tgtEl>
+                                          <p:spTgt spid="5">
+                                            <p:txEl>
+                                              <p:pRg st="0" end="0"/>
+                                            </p:txEl>
+                                          </p:spTgt>
+                                        </p:tgtEl>
+                                        <p:attrNameLst>
+                                          <p:attrName>style.visibility</p:attrName>
+                                        </p:attrNameLst>
+                                      </p:cBhvr>
+                                      <p:to>
+                                        <p:strVal val="visible"/>
+                                      </p:to>
+                                    </p:set>
+                                    <p:anim calcmode="lin" valueType="num">
+                                      <p:cBhvr additive="base">
+                                        <p:cTn id="7" dur="500" fill="hold"/>
+                                        <p:tgtEl>
+                                          <p:spTgt spid="5">
+                                            <p:txEl>
+                                              <p:pRg st="0" end="0"/>
+                                            </p:txEl>
+                                          </p:spTgt>
+                                        </p:tgtEl>
+                                        <p:attrNameLst>
+                                          <p:attrName>ppt_x</p:attrName>
+                                        </p:attrNameLst>
+                                      </p:cBhvr>
+                                      <p:tavLst>
+                                        <p:tav tm="0">
+                                          <p:val>
+                                            <p:strVal val="0-#ppt_w/2"/>
+                                          </p:val>
+                                        </p:tav>
+                                        <p:tav tm="100000">
+                                          <p:val>
+                                            <p:strVal val="#ppt_x"/>
+                                          </p:val>
+                                        </p:tav>
+                                      </p:tavLst>
+                                    </p:anim>
+                                    <p:anim calcmode="lin" valueType="num">
+                                      <p:cBhvr additive="base">
+                                        <p:cTn id="8" dur="500" fill="hold"/>
+                                        <p:tgtEl>
+                                          <p:spTgt spid="5">
+                                            <p:txEl>
+                                              <p:pRg st="0" end="0"/>
+                                            </p:txEl>
+                                          </p:spTgt>
+                                        </p:tgtEl>
+                                        <p:attrNameLst>
+                                          <p:attrName>ppt_y</p:attrName>
+                                        </p:attrNameLst>
+                                      </p:cBhvr>
+                                      <p:tavLst>
+                                        <p:tav tm="0">
+                                          <p:val>
+                                            <p:strVal val="#ppt_y"/>
+                                          </p:val>
+                                        </p:tav>
+                                        <p:tav tm="100000">
+                                          <p:val>
+                                            <p:strVal val="#ppt_y"/>
+                                          </p:val>
+                                        </p:tav>
+                                      </p:tavLst>
+                                    </p:anim>
+                                  </p:childTnLst>
+                                </p:cTn>
+                              </p:par>
+                            </p:childTnLst>
+                          </p:cTn>
+                        </p:par>
+                        <p:par>
+                          <p:cTn id="9" fill="hold">
+                            <p:stCondLst>
+                              <p:cond delay="500"/>
+                            </p:stCondLst>
+                            <p:childTnLst>
+                              <p:par>
+                                <p:cTn id="10" presetID="2" presetClass="entr" presetSubtype="6" fill="hold" nodeType="afterEffect">
+                                  <p:stCondLst>
+                                    <p:cond delay="0"/>
+                                  </p:stCondLst>
+                                  <p:childTnLst>
+                                    <p:set>
+                                      <p:cBhvr>
+                                        <p:cTn id="11" dur="1" fill="hold">
+                                          <p:stCondLst>
+                                            <p:cond delay="0"/>
+                                          </p:stCondLst>
+                                        </p:cTn>
+                                        <p:tgtEl>
+                                          <p:spTgt spid="3">
+                                            <p:txEl>
+                                              <p:pRg st="0" end="0"/>
+                                            </p:txEl>
+                                          </p:spTgt>
+                                        </p:tgtEl>
+                                        <p:attrNameLst>
+                                          <p:attrName>style.visibility</p:attrName>
+                                        </p:attrNameLst>
+                                      </p:cBhvr>
+                                      <p:to>
+                                        <p:strVal val="visible"/>
+                                      </p:to>
+                                    </p:set>
+                                    <p:anim calcmode="lin" valueType="num">
+                                      <p:cBhvr additive="base">
+                                        <p:cTn id="12" dur="500" fill="hold"/>
+                                        <p:tgtEl>
+                                          <p:spTgt spid="3">
+                                            <p:txEl>
+                                              <p:pRg st="0" end="0"/>
+                                            </p:txEl>
+                                          </p:spTgt>
+                                        </p:tgtEl>
+                                        <p:attrNameLst>
+                                          <p:attrName>ppt_x</p:attrName>
+                                        </p:attrNameLst>
+                                      </p:cBhvr>
+                                      <p:tavLst>
+                                        <p:tav tm="0">
+                                          <p:val>
+                                            <p:strVal val="1+#ppt_w/2"/>
+                                          </p:val>
+                                        </p:tav>
+                                        <p:tav tm="100000">
+                                          <p:val>
+                                            <p:strVal val="#ppt_x"/>
+                                          </p:val>
+                                        </p:tav>
+                                      </p:tavLst>
+                                    </p:anim>
+                                    <p:anim calcmode="lin" valueType="num">
+                                      <p:cBhvr additive="base">
+                                        <p:cTn id="13" dur="500" fill="hold"/>
+                                        <p:tgtEl>
+                                          <p:spTgt spid="3">
+                                            <p:txEl>
+                                              <p:pRg st="0" end="0"/>
+                                            </p:txEl>
+                                          </p:spTgt>
+                                        </p:tgtEl>
+                                        <p:attrNameLst>
+                                          <p:attrName>ppt_y</p:attrName>
+                                        </p:attrNameLst>
+                                      </p:cBhvr>
+                                      <p:tavLst>
+                                        <p:tav tm="0">
+                                          <p:val>
+                                            <p:strVal val="1+#ppt_h/2"/>
+                                          </p:val>
+                                        </p:tav>
+                                        <p:tav tm="100000">
+                                          <p:val>
+                                            <p:strVal val="#ppt_y"/>
+                                          </p:val>
+                                        </p:tav>
+                                      </p:tavLst>
+                                    </p:anim>
+                                  </p:childTnLst>
+                                </p:cTn>
+                              </p:par>
+                            </p:childTnLst>
+                          </p:cTn>
+                        </p:par>
+                        <p:par>
+                          <p:cTn id="14" fill="hold">
+                            <p:stCondLst>
+                              <p:cond delay="1000"/>
+                            </p:stCondLst>
+                            <p:childTnLst>
+                              <p:par>
+                                <p:cTn id="15" presetID="2" presetClass="entr" presetSubtype="6" fill="hold" nodeType="afterEffect">
+                                  <p:stCondLst>
+                                    <p:cond delay="0"/>
+                                  </p:stCondLst>
+                                  <p:childTnLst>
+                                    <p:set>
+                                      <p:cBhvr>
+                                        <p:cTn id="16" dur="1" fill="hold">
+                                          <p:stCondLst>
+                                            <p:cond delay="0"/>
+                                          </p:stCondLst>
+                                        </p:cTn>
+                                        <p:tgtEl>
+                                          <p:spTgt spid="3">
+                                            <p:txEl>
+                                              <p:pRg st="1" end="1"/>
+                                            </p:txEl>
+                                          </p:spTgt>
+                                        </p:tgtEl>
+                                        <p:attrNameLst>
+                                          <p:attrName>style.visibility</p:attrName>
+                                        </p:attrNameLst>
+                                      </p:cBhvr>
+                                      <p:to>
+                                        <p:strVal val="visible"/>
+                                      </p:to>
+                                    </p:set>
+                                    <p:anim calcmode="lin" valueType="num">
+                                      <p:cBhvr additive="base">
+                                        <p:cTn id="17" dur="500" fill="hold"/>
+                                        <p:tgtEl>
+                                          <p:spTgt spid="3">
+                                            <p:txEl>
+                                              <p:pRg st="1" end="1"/>
+                                            </p:txEl>
+                                          </p:spTgt>
+                                        </p:tgtEl>
+                                        <p:attrNameLst>
+                                          <p:attrName>ppt_x</p:attrName>
+                                        </p:attrNameLst>
+                                      </p:cBhvr>
+                                      <p:tavLst>
+                                        <p:tav tm="0">
+                                          <p:val>
+                                            <p:strVal val="1+#ppt_w/2"/>
+                                          </p:val>
+                                        </p:tav>
+                                        <p:tav tm="100000">
+                                          <p:val>
+                                            <p:strVal val="#ppt_x"/>
+                                          </p:val>
+                                        </p:tav>
+                                      </p:tavLst>
+                                    </p:anim>
+                                    <p:anim calcmode="lin" valueType="num">
+                                      <p:cBhvr additive="base">
+                                        <p:cTn id="18" dur="500" fill="hold"/>
+                                        <p:tgtEl>
+                                          <p:spTgt spid="3">
+                                            <p:txEl>
+                                              <p:pRg st="1" end="1"/>
+                                            </p:txEl>
+                                          </p:spTgt>
+                                        </p:tgtEl>
+                                        <p:attrNameLst>
+                                          <p:attrName>ppt_y</p:attrName>
+                                        </p:attrNameLst>
+                                      </p:cBhvr>
+                                      <p:tavLst>
+                                        <p:tav tm="0">
+                                          <p:val>
+                                            <p:strVal val="1+#ppt_h/2"/>
+                                          </p:val>
+                                        </p:tav>
+                                        <p:tav tm="100000">
+                                          <p:val>
+                                            <p:strVal val="#ppt_y"/>
+                                          </p:val>
+                                        </p:tav>
+                                      </p:tavLst>
+                                    </p:anim>
+                                  </p:childTnLst>
+                                </p:cTn>
+                              </p:par>
+                            </p:childTnLst>
+                          </p:cTn>
+                        </p:par>
+                        <p:par>
+                          <p:cTn id="19" fill="hold">
+                            <p:stCondLst>
+                              <p:cond delay="1500"/>
+                            </p:stCondLst>
+                            <p:childTnLst>
+                              <p:par>
+                                <p:cTn id="20" presetID="2" presetClass="entr" presetSubtype="6" fill="hold" nodeType="afterEffect">
+                                  <p:stCondLst>
+                                    <p:cond delay="0"/>
+                                  </p:stCondLst>
+                                  <p:childTnLst>
+                                    <p:set>
+                                      <p:cBhvr>
+                                        <p:cTn id="21" dur="1" fill="hold">
+                                          <p:stCondLst>
+                                            <p:cond delay="0"/>
+                                          </p:stCondLst>
+                                        </p:cTn>
+                                        <p:tgtEl>
+                                          <p:spTgt spid="3">
+                                            <p:txEl>
+                                              <p:pRg st="2" end="2"/>
+                                            </p:txEl>
+                                          </p:spTgt>
+                                        </p:tgtEl>
+                                        <p:attrNameLst>
+                                          <p:attrName>style.visibility</p:attrName>
+                                        </p:attrNameLst>
+                                      </p:cBhvr>
+                                      <p:to>
+                                        <p:strVal val="visible"/>
+                                      </p:to>
+                                    </p:set>
+                                    <p:anim calcmode="lin" valueType="num">
+                                      <p:cBhvr additive="base">
+                                        <p:cTn id="22" dur="500" fill="hold"/>
+                                        <p:tgtEl>
+                                          <p:spTgt spid="3">
+                                            <p:txEl>
+                                              <p:pRg st="2" end="2"/>
+                                            </p:txEl>
+                                          </p:spTgt>
+                                        </p:tgtEl>
+                                        <p:attrNameLst>
+                                          <p:attrName>ppt_x</p:attrName>
+                                        </p:attrNameLst>
+                                      </p:cBhvr>
+                                      <p:tavLst>
+                                        <p:tav tm="0">
+                                          <p:val>
+                                            <p:strVal val="1+#ppt_w/2"/>
+                                          </p:val>
+                                        </p:tav>
+                                        <p:tav tm="100000">
+                                          <p:val>
+                                            <p:strVal val="#ppt_x"/>
+                                          </p:val>
+                                        </p:tav>
+                                      </p:tavLst>
+                                    </p:anim>
+                                    <p:anim calcmode="lin" valueType="num">
+                                      <p:cBhvr additive="base">
+                                        <p:cTn id="23" dur="500" fill="hold"/>
+                                        <p:tgtEl>
+                                          <p:spTgt spid="3">
+                                            <p:txEl>
+                                              <p:pRg st="2" end="2"/>
+                                            </p:txEl>
+                                          </p:spTgt>
+                                        </p:tgtEl>
+                                        <p:attrNameLst>
+                                          <p:attrName>ppt_y</p:attrName>
+                                        </p:attrNameLst>
+                                      </p:cBhvr>
+                                      <p:tavLst>
+                                        <p:tav tm="0">
+                                          <p:val>
+                                            <p:strVal val="1+#ppt_h/2"/>
+                                          </p:val>
+                                        </p:tav>
+                                        <p:tav tm="100000">
+                                          <p:val>
+                                            <p:strVal val="#ppt_y"/>
+                                          </p:val>
+                                        </p:tav>
+                                      </p:tavLst>
+                                    </p:anim>
+                                  </p:childTnLst>
+                                </p:cTn>
+                              </p:par>
+                            </p:childTnLst>
+                          </p:cTn>
+                        </p:par>
+                      </p:childTnLst>
+                    </p:cTn>
+                  </p:par>
+                </p:childTnLst>
+              </p:cTn>
+              <p:prevCondLst>
+                <p:cond evt="onPrev" delay="0">
+                  <p:tgtEl>
+                    <p:sldTgt/>
+                  </p:tgtEl>
+                </p:cond>
+              </p:prevCondLst>
+              <p:nextCondLst>
+                <p:cond evt="onNext" delay="0">
+                  <p:tgtEl>
+                    <p:sldTgt/>
+                  </p:tgtEl>
+                </p:cond>
+              </p:nextCondLst>
+            </p:seq>
+          </p:childTnLst>
+        </p:cTn>
+      </p:par>
+    </p:tnLst>
+  </p:timing>
+</p:sld>
+</file>
+
+<file path=ppt/slides/slide12.xml><?xml version="1.0" encoding="utf-8"?>
+<p:sld xmlns:a="http://schemas.openxmlformats.org/drawingml/2006/main" xmlns:r="http://schemas.openxmlformats.org/officeDocument/2006/relationships" xmlns:p="http://schemas.openxmlformats.org/presentationml/2006/main">
+  <p:cSld>
+    <p:spTree>
+      <p:nvGrpSpPr>
+        <p:cNvPr id="1" name=""/>
+        <p:cNvGrpSpPr/>
+        <p:nvPr/>
+      </p:nvGrpSpPr>
+      <p:grpSpPr>
+        <a:xfrm>
+          <a:off x="0" y="0"/>
+          <a:ext cx="0" cy="0"/>
+          <a:chOff x="0" y="0"/>
+          <a:chExt cx="0" cy="0"/>
+        </a:xfrm>
+      </p:grpSpPr>
+      <p:sp>
+        <p:nvSpPr>
+          <p:cNvPr id="2" name="Cím 1"/>
+          <p:cNvSpPr>
+            <a:spLocks noGrp="1"/>
+          </p:cNvSpPr>
+          <p:nvPr>
+            <p:ph type="title"/>
+          </p:nvPr>
+        </p:nvSpPr>
+        <p:spPr/>
+        <p:txBody>
+          <a:bodyPr/>
+          <a:lstStyle/>
+          <a:p>
+            <a:r>
+              <a:rPr lang="hu-HU" dirty="0" smtClean="0">
+                <a:solidFill>
+                  <a:schemeClr val="bg1"/>
+                </a:solidFill>
+                <a:latin typeface="Algerian" panose="04020705040A02060702" pitchFamily="82" charset="0"/>
+              </a:rPr>
+              <a:t>Memória típusok</a:t>
+            </a:r>
+            <a:endParaRPr lang="hu-HU" dirty="0">
+              <a:solidFill>
+                <a:schemeClr val="bg1"/>
+              </a:solidFill>
+              <a:latin typeface="Algerian" panose="04020705040A02060702" pitchFamily="82" charset="0"/>
+            </a:endParaRPr>
+          </a:p>
+        </p:txBody>
+      </p:sp>
+      <p:sp>
+        <p:nvSpPr>
+          <p:cNvPr id="3" name="Tartalom helye 2"/>
+          <p:cNvSpPr>
+            <a:spLocks noGrp="1"/>
+          </p:cNvSpPr>
+          <p:nvPr>
+            <p:ph idx="1"/>
+          </p:nvPr>
+        </p:nvSpPr>
+        <p:spPr>
+          <a:xfrm>
+            <a:off x="838200" y="3494934"/>
+            <a:ext cx="10515600" cy="1640737"/>
+          </a:xfrm>
+        </p:spPr>
+        <p:txBody>
+          <a:bodyPr>
+            <a:normAutofit fontScale="92500" lnSpcReduction="20000"/>
+          </a:bodyPr>
+          <a:lstStyle/>
+          <a:p>
+            <a:r>
+              <a:rPr lang="hu-HU" dirty="0" smtClean="0">
+                <a:solidFill>
+                  <a:schemeClr val="bg1"/>
+                </a:solidFill>
+              </a:rPr>
+              <a:t>2021-ben jelent meg</a:t>
+            </a:r>
+            <a:endParaRPr lang="hu-HU" dirty="0">
+              <a:solidFill>
+                <a:schemeClr val="bg1"/>
+              </a:solidFill>
+            </a:endParaRPr>
+          </a:p>
+          <a:p>
+            <a:r>
+              <a:rPr lang="hu-HU" dirty="0" smtClean="0">
+                <a:solidFill>
+                  <a:schemeClr val="bg1"/>
+                </a:solidFill>
+              </a:rPr>
+              <a:t>Sebessége</a:t>
+            </a:r>
+            <a:r>
+              <a:rPr lang="hu-HU" dirty="0" smtClean="0">
+                <a:solidFill>
+                  <a:schemeClr val="bg1"/>
+                </a:solidFill>
+              </a:rPr>
+              <a:t>: 3200 - 6400 MHz (átlagosan: 4800 MHz)</a:t>
+            </a:r>
+            <a:endParaRPr lang="hu-HU" dirty="0" smtClean="0">
+              <a:solidFill>
+                <a:schemeClr val="bg1"/>
+              </a:solidFill>
+            </a:endParaRPr>
+          </a:p>
+          <a:p>
+            <a:r>
+              <a:rPr lang="hu-HU" dirty="0" smtClean="0">
+                <a:solidFill>
+                  <a:schemeClr val="bg1"/>
+                </a:solidFill>
+              </a:rPr>
+              <a:t>Alacsonyabb feszültségen működnek  (energiahatékonyabb)</a:t>
+            </a:r>
+          </a:p>
+          <a:p>
+            <a:r>
+              <a:rPr lang="hu-HU" dirty="0" smtClean="0">
+                <a:solidFill>
+                  <a:schemeClr val="bg1"/>
+                </a:solidFill>
+              </a:rPr>
+              <a:t>Nem annyir</a:t>
+            </a:r>
+            <a:r>
+              <a:rPr lang="hu-HU" dirty="0" smtClean="0">
+                <a:solidFill>
+                  <a:schemeClr val="bg1"/>
+                </a:solidFill>
+              </a:rPr>
+              <a:t>a elterjedt </a:t>
+            </a:r>
+            <a:r>
+              <a:rPr lang="hu-HU" i="1" dirty="0" smtClean="0">
+                <a:solidFill>
+                  <a:schemeClr val="bg1"/>
+                </a:solidFill>
+              </a:rPr>
+              <a:t>(még) (magasabb ár miatt)</a:t>
+            </a:r>
+            <a:endParaRPr lang="hu-HU" i="1" dirty="0">
+              <a:solidFill>
+                <a:schemeClr val="bg1"/>
+              </a:solidFill>
+            </a:endParaRPr>
+          </a:p>
+        </p:txBody>
+      </p:sp>
+      <p:sp>
+        <p:nvSpPr>
+          <p:cNvPr id="5" name="Szövegdoboz 4"/>
+          <p:cNvSpPr txBox="1"/>
+          <p:nvPr/>
+        </p:nvSpPr>
+        <p:spPr>
+          <a:xfrm>
+            <a:off x="1698734" y="2694715"/>
+            <a:ext cx="8794531" cy="800219"/>
+          </a:xfrm>
+          <a:prstGeom prst="rect">
+            <a:avLst/>
+          </a:prstGeom>
+          <a:noFill/>
+        </p:spPr>
+        <p:txBody>
+          <a:bodyPr wrap="square" rtlCol="0">
+            <a:spAutoFit/>
+          </a:bodyPr>
+          <a:lstStyle/>
+          <a:p>
+            <a:pPr algn="ctr"/>
+            <a:r>
+              <a:rPr lang="hu-HU" sz="2800" b="1" u="sng" dirty="0" smtClean="0">
+                <a:solidFill>
+                  <a:schemeClr val="bg1"/>
+                </a:solidFill>
+              </a:rPr>
+              <a:t>DDR </a:t>
+            </a:r>
+            <a:r>
+              <a:rPr lang="hu-HU" sz="2800" b="1" u="sng" dirty="0" smtClean="0">
+                <a:solidFill>
+                  <a:schemeClr val="bg1"/>
+                </a:solidFill>
+              </a:rPr>
+              <a:t>5 </a:t>
+            </a:r>
+            <a:r>
+              <a:rPr lang="hu-HU" sz="2800" b="1" u="sng" dirty="0" smtClean="0">
+                <a:solidFill>
+                  <a:schemeClr val="bg1"/>
+                </a:solidFill>
+              </a:rPr>
+              <a:t>(DOUBLE DATA RATE </a:t>
+            </a:r>
+            <a:r>
+              <a:rPr lang="hu-HU" sz="2800" b="1" u="sng" dirty="0" smtClean="0">
+                <a:solidFill>
+                  <a:schemeClr val="bg1"/>
+                </a:solidFill>
+              </a:rPr>
+              <a:t>5)</a:t>
+            </a:r>
+            <a:endParaRPr lang="hu-HU" sz="2800" u="sng" dirty="0">
+              <a:solidFill>
+                <a:schemeClr val="bg1"/>
+              </a:solidFill>
+            </a:endParaRPr>
+          </a:p>
+          <a:p>
+            <a:pPr algn="ctr"/>
+            <a:endParaRPr lang="hu-HU" dirty="0">
+              <a:solidFill>
+                <a:schemeClr val="bg1"/>
+              </a:solidFill>
+            </a:endParaRPr>
+          </a:p>
+        </p:txBody>
+      </p:sp>
+    </p:spTree>
+    <p:extLst>
+      <p:ext uri="{BB962C8B-B14F-4D97-AF65-F5344CB8AC3E}">
+        <p14:creationId xmlns:p14="http://schemas.microsoft.com/office/powerpoint/2010/main" val="1137901545"/>
+      </p:ext>
+    </p:extLst>
+  </p:cSld>
+  <p:clrMapOvr>
+    <a:masterClrMapping/>
+  </p:clrMapOvr>
+  <mc:AlternateContent xmlns:mc="http://schemas.openxmlformats.org/markup-compatibility/2006" xmlns:p14="http://schemas.microsoft.com/office/powerpoint/2010/main">
+    <mc:Choice Requires="p14">
+      <p:transition spd="med" p14:dur="700">
+        <p:fade/>
+      </p:transition>
+    </mc:Choice>
+    <mc:Fallback xmlns="">
+      <p:transition spd="med">
+        <p:fade/>
+      </p:transition>
+    </mc:Fallback>
+  </mc:AlternateContent>
+  <p:timing>
+    <p:tnLst>
+      <p:par>
+        <p:cTn id="1" dur="indefinite" restart="never" nodeType="tmRoot">
+          <p:childTnLst>
+            <p:seq concurrent="1" nextAc="seek">
+              <p:cTn id="2" dur="indefinite" nodeType="mainSeq">
+                <p:childTnLst>
+                  <p:par>
+                    <p:cTn id="3" fill="hold">
+                      <p:stCondLst>
+                        <p:cond delay="indefinite"/>
+                        <p:cond evt="onBegin" delay="0">
+                          <p:tn val="2"/>
+                        </p:cond>
+                      </p:stCondLst>
+                      <p:childTnLst>
+                        <p:par>
+                          <p:cTn id="4" fill="hold">
+                            <p:stCondLst>
+                              <p:cond delay="0"/>
+                            </p:stCondLst>
+                            <p:childTnLst>
+                              <p:par>
+                                <p:cTn id="5" presetID="2" presetClass="entr" presetSubtype="8" fill="hold" nodeType="afterEffect">
+                                  <p:stCondLst>
+                                    <p:cond delay="0"/>
+                                  </p:stCondLst>
+                                  <p:childTnLst>
+                                    <p:set>
+                                      <p:cBhvr>
+                                        <p:cTn id="6" dur="1" fill="hold">
+                                          <p:stCondLst>
+                                            <p:cond delay="0"/>
+                                          </p:stCondLst>
+                                        </p:cTn>
+                                        <p:tgtEl>
+                                          <p:spTgt spid="5">
+                                            <p:txEl>
+                                              <p:pRg st="0" end="0"/>
+                                            </p:txEl>
+                                          </p:spTgt>
+                                        </p:tgtEl>
+                                        <p:attrNameLst>
+                                          <p:attrName>style.visibility</p:attrName>
+                                        </p:attrNameLst>
+                                      </p:cBhvr>
+                                      <p:to>
+                                        <p:strVal val="visible"/>
+                                      </p:to>
+                                    </p:set>
+                                    <p:anim calcmode="lin" valueType="num">
+                                      <p:cBhvr additive="base">
+                                        <p:cTn id="7" dur="500" fill="hold"/>
+                                        <p:tgtEl>
+                                          <p:spTgt spid="5">
+                                            <p:txEl>
+                                              <p:pRg st="0" end="0"/>
+                                            </p:txEl>
+                                          </p:spTgt>
+                                        </p:tgtEl>
+                                        <p:attrNameLst>
+                                          <p:attrName>ppt_x</p:attrName>
+                                        </p:attrNameLst>
+                                      </p:cBhvr>
+                                      <p:tavLst>
+                                        <p:tav tm="0">
+                                          <p:val>
+                                            <p:strVal val="0-#ppt_w/2"/>
+                                          </p:val>
+                                        </p:tav>
+                                        <p:tav tm="100000">
+                                          <p:val>
+                                            <p:strVal val="#ppt_x"/>
+                                          </p:val>
+                                        </p:tav>
+                                      </p:tavLst>
+                                    </p:anim>
+                                    <p:anim calcmode="lin" valueType="num">
+                                      <p:cBhvr additive="base">
+                                        <p:cTn id="8" dur="500" fill="hold"/>
+                                        <p:tgtEl>
+                                          <p:spTgt spid="5">
+                                            <p:txEl>
+                                              <p:pRg st="0" end="0"/>
+                                            </p:txEl>
+                                          </p:spTgt>
+                                        </p:tgtEl>
+                                        <p:attrNameLst>
+                                          <p:attrName>ppt_y</p:attrName>
+                                        </p:attrNameLst>
+                                      </p:cBhvr>
+                                      <p:tavLst>
+                                        <p:tav tm="0">
+                                          <p:val>
+                                            <p:strVal val="#ppt_y"/>
+                                          </p:val>
+                                        </p:tav>
+                                        <p:tav tm="100000">
+                                          <p:val>
+                                            <p:strVal val="#ppt_y"/>
+                                          </p:val>
+                                        </p:tav>
+                                      </p:tavLst>
+                                    </p:anim>
+                                  </p:childTnLst>
+                                </p:cTn>
+                              </p:par>
+                            </p:childTnLst>
+                          </p:cTn>
+                        </p:par>
+                        <p:par>
+                          <p:cTn id="9" fill="hold">
+                            <p:stCondLst>
+                              <p:cond delay="500"/>
+                            </p:stCondLst>
+                            <p:childTnLst>
+                              <p:par>
+                                <p:cTn id="10" presetID="2" presetClass="entr" presetSubtype="6" fill="hold" nodeType="afterEffect">
+                                  <p:stCondLst>
+                                    <p:cond delay="0"/>
+                                  </p:stCondLst>
+                                  <p:childTnLst>
+                                    <p:set>
+                                      <p:cBhvr>
+                                        <p:cTn id="11" dur="1" fill="hold">
+                                          <p:stCondLst>
+                                            <p:cond delay="0"/>
+                                          </p:stCondLst>
+                                        </p:cTn>
+                                        <p:tgtEl>
+                                          <p:spTgt spid="3">
+                                            <p:txEl>
+                                              <p:pRg st="0" end="0"/>
+                                            </p:txEl>
+                                          </p:spTgt>
+                                        </p:tgtEl>
+                                        <p:attrNameLst>
+                                          <p:attrName>style.visibility</p:attrName>
+                                        </p:attrNameLst>
+                                      </p:cBhvr>
+                                      <p:to>
+                                        <p:strVal val="visible"/>
+                                      </p:to>
+                                    </p:set>
+                                    <p:anim calcmode="lin" valueType="num">
+                                      <p:cBhvr additive="base">
+                                        <p:cTn id="12" dur="500" fill="hold"/>
+                                        <p:tgtEl>
+                                          <p:spTgt spid="3">
+                                            <p:txEl>
+                                              <p:pRg st="0" end="0"/>
+                                            </p:txEl>
+                                          </p:spTgt>
+                                        </p:tgtEl>
+                                        <p:attrNameLst>
+                                          <p:attrName>ppt_x</p:attrName>
+                                        </p:attrNameLst>
+                                      </p:cBhvr>
+                                      <p:tavLst>
+                                        <p:tav tm="0">
+                                          <p:val>
+                                            <p:strVal val="1+#ppt_w/2"/>
+                                          </p:val>
+                                        </p:tav>
+                                        <p:tav tm="100000">
+                                          <p:val>
+                                            <p:strVal val="#ppt_x"/>
+                                          </p:val>
+                                        </p:tav>
+                                      </p:tavLst>
+                                    </p:anim>
+                                    <p:anim calcmode="lin" valueType="num">
+                                      <p:cBhvr additive="base">
+                                        <p:cTn id="13" dur="500" fill="hold"/>
+                                        <p:tgtEl>
+                                          <p:spTgt spid="3">
+                                            <p:txEl>
+                                              <p:pRg st="0" end="0"/>
+                                            </p:txEl>
+                                          </p:spTgt>
+                                        </p:tgtEl>
+                                        <p:attrNameLst>
+                                          <p:attrName>ppt_y</p:attrName>
+                                        </p:attrNameLst>
+                                      </p:cBhvr>
+                                      <p:tavLst>
+                                        <p:tav tm="0">
+                                          <p:val>
+                                            <p:strVal val="1+#ppt_h/2"/>
+                                          </p:val>
+                                        </p:tav>
+                                        <p:tav tm="100000">
+                                          <p:val>
+                                            <p:strVal val="#ppt_y"/>
+                                          </p:val>
+                                        </p:tav>
+                                      </p:tavLst>
+                                    </p:anim>
+                                  </p:childTnLst>
+                                </p:cTn>
+                              </p:par>
+                            </p:childTnLst>
+                          </p:cTn>
+                        </p:par>
+                        <p:par>
+                          <p:cTn id="14" fill="hold">
+                            <p:stCondLst>
+                              <p:cond delay="1000"/>
+                            </p:stCondLst>
+                            <p:childTnLst>
+                              <p:par>
+                                <p:cTn id="15" presetID="2" presetClass="entr" presetSubtype="6" fill="hold" nodeType="afterEffect">
+                                  <p:stCondLst>
+                                    <p:cond delay="0"/>
+                                  </p:stCondLst>
+                                  <p:childTnLst>
+                                    <p:set>
+                                      <p:cBhvr>
+                                        <p:cTn id="16" dur="1" fill="hold">
+                                          <p:stCondLst>
+                                            <p:cond delay="0"/>
+                                          </p:stCondLst>
+                                        </p:cTn>
+                                        <p:tgtEl>
+                                          <p:spTgt spid="3">
+                                            <p:txEl>
+                                              <p:pRg st="1" end="1"/>
+                                            </p:txEl>
+                                          </p:spTgt>
+                                        </p:tgtEl>
+                                        <p:attrNameLst>
+                                          <p:attrName>style.visibility</p:attrName>
+                                        </p:attrNameLst>
+                                      </p:cBhvr>
+                                      <p:to>
+                                        <p:strVal val="visible"/>
+                                      </p:to>
+                                    </p:set>
+                                    <p:anim calcmode="lin" valueType="num">
+                                      <p:cBhvr additive="base">
+                                        <p:cTn id="17" dur="500" fill="hold"/>
+                                        <p:tgtEl>
+                                          <p:spTgt spid="3">
+                                            <p:txEl>
+                                              <p:pRg st="1" end="1"/>
+                                            </p:txEl>
+                                          </p:spTgt>
+                                        </p:tgtEl>
+                                        <p:attrNameLst>
+                                          <p:attrName>ppt_x</p:attrName>
+                                        </p:attrNameLst>
+                                      </p:cBhvr>
+                                      <p:tavLst>
+                                        <p:tav tm="0">
+                                          <p:val>
+                                            <p:strVal val="1+#ppt_w/2"/>
+                                          </p:val>
+                                        </p:tav>
+                                        <p:tav tm="100000">
+                                          <p:val>
+                                            <p:strVal val="#ppt_x"/>
+                                          </p:val>
+                                        </p:tav>
+                                      </p:tavLst>
+                                    </p:anim>
+                                    <p:anim calcmode="lin" valueType="num">
+                                      <p:cBhvr additive="base">
+                                        <p:cTn id="18" dur="500" fill="hold"/>
+                                        <p:tgtEl>
+                                          <p:spTgt spid="3">
+                                            <p:txEl>
+                                              <p:pRg st="1" end="1"/>
+                                            </p:txEl>
+                                          </p:spTgt>
+                                        </p:tgtEl>
+                                        <p:attrNameLst>
+                                          <p:attrName>ppt_y</p:attrName>
+                                        </p:attrNameLst>
+                                      </p:cBhvr>
+                                      <p:tavLst>
+                                        <p:tav tm="0">
+                                          <p:val>
+                                            <p:strVal val="1+#ppt_h/2"/>
+                                          </p:val>
+                                        </p:tav>
+                                        <p:tav tm="100000">
+                                          <p:val>
+                                            <p:strVal val="#ppt_y"/>
+                                          </p:val>
+                                        </p:tav>
+                                      </p:tavLst>
+                                    </p:anim>
+                                  </p:childTnLst>
+                                </p:cTn>
+                              </p:par>
+                            </p:childTnLst>
+                          </p:cTn>
+                        </p:par>
+                        <p:par>
+                          <p:cTn id="19" fill="hold">
+                            <p:stCondLst>
+                              <p:cond delay="1500"/>
+                            </p:stCondLst>
+                            <p:childTnLst>
+                              <p:par>
+                                <p:cTn id="20" presetID="2" presetClass="entr" presetSubtype="6" fill="hold" nodeType="afterEffect">
+                                  <p:stCondLst>
+                                    <p:cond delay="0"/>
+                                  </p:stCondLst>
+                                  <p:childTnLst>
+                                    <p:set>
+                                      <p:cBhvr>
+                                        <p:cTn id="21" dur="1" fill="hold">
+                                          <p:stCondLst>
+                                            <p:cond delay="0"/>
+                                          </p:stCondLst>
+                                        </p:cTn>
+                                        <p:tgtEl>
+                                          <p:spTgt spid="3">
+                                            <p:txEl>
+                                              <p:pRg st="2" end="2"/>
+                                            </p:txEl>
+                                          </p:spTgt>
+                                        </p:tgtEl>
+                                        <p:attrNameLst>
+                                          <p:attrName>style.visibility</p:attrName>
+                                        </p:attrNameLst>
+                                      </p:cBhvr>
+                                      <p:to>
+                                        <p:strVal val="visible"/>
+                                      </p:to>
+                                    </p:set>
+                                    <p:anim calcmode="lin" valueType="num">
+                                      <p:cBhvr additive="base">
+                                        <p:cTn id="22" dur="500" fill="hold"/>
+                                        <p:tgtEl>
+                                          <p:spTgt spid="3">
+                                            <p:txEl>
+                                              <p:pRg st="2" end="2"/>
+                                            </p:txEl>
+                                          </p:spTgt>
+                                        </p:tgtEl>
+                                        <p:attrNameLst>
+                                          <p:attrName>ppt_x</p:attrName>
+                                        </p:attrNameLst>
+                                      </p:cBhvr>
+                                      <p:tavLst>
+                                        <p:tav tm="0">
+                                          <p:val>
+                                            <p:strVal val="1+#ppt_w/2"/>
+                                          </p:val>
+                                        </p:tav>
+                                        <p:tav tm="100000">
+                                          <p:val>
+                                            <p:strVal val="#ppt_x"/>
+                                          </p:val>
+                                        </p:tav>
+                                      </p:tavLst>
+                                    </p:anim>
+                                    <p:anim calcmode="lin" valueType="num">
+                                      <p:cBhvr additive="base">
+                                        <p:cTn id="23" dur="500" fill="hold"/>
+                                        <p:tgtEl>
+                                          <p:spTgt spid="3">
+                                            <p:txEl>
+                                              <p:pRg st="2" end="2"/>
+                                            </p:txEl>
+                                          </p:spTgt>
+                                        </p:tgtEl>
+                                        <p:attrNameLst>
+                                          <p:attrName>ppt_y</p:attrName>
+                                        </p:attrNameLst>
+                                      </p:cBhvr>
+                                      <p:tavLst>
+                                        <p:tav tm="0">
+                                          <p:val>
+                                            <p:strVal val="1+#ppt_h/2"/>
+                                          </p:val>
+                                        </p:tav>
+                                        <p:tav tm="100000">
+                                          <p:val>
+                                            <p:strVal val="#ppt_y"/>
+                                          </p:val>
+                                        </p:tav>
+                                      </p:tavLst>
+                                    </p:anim>
+                                  </p:childTnLst>
+                                </p:cTn>
+                              </p:par>
+                            </p:childTnLst>
+                          </p:cTn>
+                        </p:par>
+                        <p:par>
+                          <p:cTn id="24" fill="hold">
+                            <p:stCondLst>
+                              <p:cond delay="2000"/>
+                            </p:stCondLst>
+                            <p:childTnLst>
+                              <p:par>
+                                <p:cTn id="25" presetID="2" presetClass="entr" presetSubtype="6" fill="hold" nodeType="afterEffect">
+                                  <p:stCondLst>
+                                    <p:cond delay="0"/>
+                                  </p:stCondLst>
+                                  <p:childTnLst>
+                                    <p:set>
+                                      <p:cBhvr>
+                                        <p:cTn id="26" dur="1" fill="hold">
+                                          <p:stCondLst>
+                                            <p:cond delay="0"/>
+                                          </p:stCondLst>
+                                        </p:cTn>
+                                        <p:tgtEl>
+                                          <p:spTgt spid="3">
+                                            <p:txEl>
+                                              <p:pRg st="3" end="3"/>
+                                            </p:txEl>
+                                          </p:spTgt>
+                                        </p:tgtEl>
+                                        <p:attrNameLst>
+                                          <p:attrName>style.visibility</p:attrName>
+                                        </p:attrNameLst>
+                                      </p:cBhvr>
+                                      <p:to>
+                                        <p:strVal val="visible"/>
+                                      </p:to>
+                                    </p:set>
+                                    <p:anim calcmode="lin" valueType="num">
+                                      <p:cBhvr additive="base">
+                                        <p:cTn id="27" dur="500" fill="hold"/>
+                                        <p:tgtEl>
+                                          <p:spTgt spid="3">
+                                            <p:txEl>
+                                              <p:pRg st="3" end="3"/>
+                                            </p:txEl>
+                                          </p:spTgt>
+                                        </p:tgtEl>
+                                        <p:attrNameLst>
+                                          <p:attrName>ppt_x</p:attrName>
+                                        </p:attrNameLst>
+                                      </p:cBhvr>
+                                      <p:tavLst>
+                                        <p:tav tm="0">
+                                          <p:val>
+                                            <p:strVal val="1+#ppt_w/2"/>
+                                          </p:val>
+                                        </p:tav>
+                                        <p:tav tm="100000">
+                                          <p:val>
+                                            <p:strVal val="#ppt_x"/>
+                                          </p:val>
+                                        </p:tav>
+                                      </p:tavLst>
+                                    </p:anim>
+                                    <p:anim calcmode="lin" valueType="num">
+                                      <p:cBhvr additive="base">
+                                        <p:cTn id="28" dur="500" fill="hold"/>
+                                        <p:tgtEl>
+                                          <p:spTgt spid="3">
+                                            <p:txEl>
+                                              <p:pRg st="3" end="3"/>
+                                            </p:txEl>
+                                          </p:spTgt>
+                                        </p:tgtEl>
+                                        <p:attrNameLst>
+                                          <p:attrName>ppt_y</p:attrName>
+                                        </p:attrNameLst>
+                                      </p:cBhvr>
+                                      <p:tavLst>
+                                        <p:tav tm="0">
+                                          <p:val>
+                                            <p:strVal val="1+#ppt_h/2"/>
+                                          </p:val>
+                                        </p:tav>
+                                        <p:tav tm="100000">
+                                          <p:val>
+                                            <p:strVal val="#ppt_y"/>
+                                          </p:val>
+                                        </p:tav>
+                                      </p:tavLst>
+                                    </p:anim>
+                                  </p:childTnLst>
+                                </p:cTn>
+                              </p:par>
+                            </p:childTnLst>
+                          </p:cTn>
+                        </p:par>
+                      </p:childTnLst>
+                    </p:cTn>
+                  </p:par>
+                </p:childTnLst>
+              </p:cTn>
+              <p:prevCondLst>
+                <p:cond evt="onPrev" delay="0">
+                  <p:tgtEl>
+                    <p:sldTgt/>
+                  </p:tgtEl>
+                </p:cond>
+              </p:prevCondLst>
+              <p:nextCondLst>
+                <p:cond evt="onNext" delay="0">
+                  <p:tgtEl>
+                    <p:sldTgt/>
+                  </p:tgtEl>
+                </p:cond>
+              </p:nextCondLst>
+            </p:seq>
+          </p:childTnLst>
+        </p:cTn>
+      </p:par>
+    </p:tnLst>
+  </p:timing>
+</p:sld>
+</file>
+
+<file path=ppt/slides/slide13.xml><?xml version="1.0" encoding="utf-8"?>
+<p:sld xmlns:a="http://schemas.openxmlformats.org/drawingml/2006/main" xmlns:r="http://schemas.openxmlformats.org/officeDocument/2006/relationships" xmlns:p="http://schemas.openxmlformats.org/presentationml/2006/main">
+  <p:cSld>
+    <p:spTree>
+      <p:nvGrpSpPr>
+        <p:cNvPr id="1" name=""/>
+        <p:cNvGrpSpPr/>
+        <p:nvPr/>
+      </p:nvGrpSpPr>
+      <p:grpSpPr>
+        <a:xfrm>
+          <a:off x="0" y="0"/>
+          <a:ext cx="0" cy="0"/>
+          <a:chOff x="0" y="0"/>
+          <a:chExt cx="0" cy="0"/>
+        </a:xfrm>
+      </p:grpSpPr>
+      <p:sp>
+        <p:nvSpPr>
+          <p:cNvPr id="2" name="Cím 1"/>
+          <p:cNvSpPr>
+            <a:spLocks noGrp="1"/>
+          </p:cNvSpPr>
+          <p:nvPr>
+            <p:ph type="title"/>
+          </p:nvPr>
+        </p:nvSpPr>
+        <p:spPr/>
+        <p:txBody>
+          <a:bodyPr/>
+          <a:lstStyle/>
+          <a:p>
+            <a:r>
+              <a:rPr lang="hu-HU" dirty="0" smtClean="0">
+                <a:solidFill>
+                  <a:schemeClr val="bg1"/>
+                </a:solidFill>
+                <a:latin typeface="Algerian" panose="04020705040A02060702" pitchFamily="82" charset="0"/>
+              </a:rPr>
+              <a:t>Memória típusok</a:t>
+            </a:r>
+            <a:endParaRPr lang="hu-HU" dirty="0">
+              <a:solidFill>
+                <a:schemeClr val="bg1"/>
+              </a:solidFill>
+              <a:latin typeface="Algerian" panose="04020705040A02060702" pitchFamily="82" charset="0"/>
+            </a:endParaRPr>
+          </a:p>
+        </p:txBody>
+      </p:sp>
+      <p:sp>
+        <p:nvSpPr>
+          <p:cNvPr id="3" name="Tartalom helye 2"/>
+          <p:cNvSpPr>
+            <a:spLocks noGrp="1"/>
+          </p:cNvSpPr>
+          <p:nvPr>
+            <p:ph idx="1"/>
+          </p:nvPr>
+        </p:nvSpPr>
+        <p:spPr>
+          <a:xfrm>
+            <a:off x="838200" y="3494934"/>
+            <a:ext cx="10515600" cy="3507115"/>
+          </a:xfrm>
+        </p:spPr>
+        <p:txBody>
+          <a:bodyPr>
+            <a:normAutofit/>
+          </a:bodyPr>
+          <a:lstStyle/>
+          <a:p>
+            <a:r>
+              <a:rPr lang="hu-HU" dirty="0" smtClean="0">
+                <a:solidFill>
+                  <a:schemeClr val="bg1"/>
+                </a:solidFill>
+              </a:rPr>
+              <a:t>Hordozható eszközökben van jelen (</a:t>
+            </a:r>
+            <a:r>
+              <a:rPr lang="hu-HU" dirty="0" err="1" smtClean="0">
+                <a:solidFill>
+                  <a:schemeClr val="bg1"/>
+                </a:solidFill>
+              </a:rPr>
+              <a:t>pl</a:t>
+            </a:r>
+            <a:r>
+              <a:rPr lang="hu-HU" dirty="0" smtClean="0">
+                <a:solidFill>
+                  <a:schemeClr val="bg1"/>
+                </a:solidFill>
+              </a:rPr>
+              <a:t>: mobiltelefon)</a:t>
+            </a:r>
+            <a:endParaRPr lang="hu-HU" dirty="0">
+              <a:solidFill>
+                <a:schemeClr val="bg1"/>
+              </a:solidFill>
+            </a:endParaRPr>
+          </a:p>
+          <a:p>
+            <a:r>
+              <a:rPr lang="hu-HU" dirty="0" smtClean="0">
+                <a:solidFill>
+                  <a:schemeClr val="bg1"/>
+                </a:solidFill>
+              </a:rPr>
+              <a:t>Alacsony feszültségen működnek</a:t>
+            </a:r>
+            <a:endParaRPr lang="hu-HU" dirty="0" smtClean="0">
+              <a:solidFill>
+                <a:schemeClr val="bg1"/>
+              </a:solidFill>
+            </a:endParaRPr>
+          </a:p>
+          <a:p>
+            <a:r>
+              <a:rPr lang="hu-HU" dirty="0" smtClean="0">
+                <a:solidFill>
+                  <a:schemeClr val="bg1"/>
+                </a:solidFill>
+              </a:rPr>
+              <a:t>Energiahatékonysága elősegíti a készülék </a:t>
+            </a:r>
+            <a:r>
+              <a:rPr lang="hu-HU" dirty="0" err="1" smtClean="0">
+                <a:solidFill>
+                  <a:schemeClr val="bg1"/>
+                </a:solidFill>
+              </a:rPr>
+              <a:t>üzemidejét</a:t>
+            </a:r>
+            <a:r>
+              <a:rPr lang="hu-HU" dirty="0" smtClean="0">
+                <a:solidFill>
+                  <a:schemeClr val="bg1"/>
+                </a:solidFill>
+              </a:rPr>
+              <a:t> </a:t>
+            </a:r>
+          </a:p>
+          <a:p>
+            <a:r>
+              <a:rPr lang="hu-HU" dirty="0" smtClean="0">
+                <a:solidFill>
+                  <a:schemeClr val="bg1"/>
+                </a:solidFill>
+              </a:rPr>
+              <a:t>Főbb verziók: LPDDR 1,2,3,4,5,5x</a:t>
+            </a:r>
+          </a:p>
+          <a:p>
+            <a:r>
+              <a:rPr lang="hu-HU" dirty="0" smtClean="0">
+                <a:solidFill>
+                  <a:schemeClr val="bg1"/>
+                </a:solidFill>
+              </a:rPr>
+              <a:t>LPDDR 1: </a:t>
+            </a:r>
+            <a:r>
+              <a:rPr lang="hu-HU" i="1" dirty="0" smtClean="0">
+                <a:solidFill>
+                  <a:schemeClr val="bg1"/>
+                </a:solidFill>
+              </a:rPr>
+              <a:t>200MHz</a:t>
+            </a:r>
+            <a:r>
+              <a:rPr lang="hu-HU" dirty="0" smtClean="0">
+                <a:solidFill>
+                  <a:schemeClr val="bg1"/>
+                </a:solidFill>
+              </a:rPr>
+              <a:t> </a:t>
+            </a:r>
+            <a:r>
+              <a:rPr lang="hu-HU" b="1" dirty="0" err="1" smtClean="0">
+                <a:solidFill>
+                  <a:schemeClr val="bg1"/>
+                </a:solidFill>
+              </a:rPr>
+              <a:t>vs</a:t>
+            </a:r>
+            <a:r>
+              <a:rPr lang="hu-HU" dirty="0" smtClean="0">
+                <a:solidFill>
+                  <a:schemeClr val="bg1"/>
+                </a:solidFill>
+              </a:rPr>
+              <a:t> LPDDR 5X: </a:t>
+            </a:r>
+            <a:r>
+              <a:rPr lang="hu-HU" i="1" dirty="0" smtClean="0">
+                <a:solidFill>
+                  <a:schemeClr val="bg1"/>
+                </a:solidFill>
+              </a:rPr>
+              <a:t>553MHz </a:t>
+            </a:r>
+            <a:endParaRPr lang="hu-HU" i="1" dirty="0">
+              <a:solidFill>
+                <a:schemeClr val="bg1"/>
+              </a:solidFill>
+            </a:endParaRPr>
+          </a:p>
+          <a:p>
+            <a:endParaRPr lang="hu-HU" dirty="0" smtClean="0">
+              <a:solidFill>
+                <a:schemeClr val="bg1"/>
+              </a:solidFill>
+            </a:endParaRPr>
+          </a:p>
+        </p:txBody>
+      </p:sp>
+      <p:sp>
+        <p:nvSpPr>
+          <p:cNvPr id="5" name="Szövegdoboz 4"/>
+          <p:cNvSpPr txBox="1"/>
+          <p:nvPr/>
+        </p:nvSpPr>
+        <p:spPr>
+          <a:xfrm>
+            <a:off x="1698734" y="2694715"/>
+            <a:ext cx="8794531" cy="800219"/>
+          </a:xfrm>
+          <a:prstGeom prst="rect">
+            <a:avLst/>
+          </a:prstGeom>
+          <a:noFill/>
+        </p:spPr>
+        <p:txBody>
+          <a:bodyPr wrap="square" rtlCol="0">
+            <a:spAutoFit/>
+          </a:bodyPr>
+          <a:lstStyle/>
+          <a:p>
+            <a:pPr algn="ctr"/>
+            <a:r>
+              <a:rPr lang="hu-HU" sz="2800" b="1" u="sng" dirty="0" smtClean="0">
+                <a:solidFill>
+                  <a:schemeClr val="bg1"/>
+                </a:solidFill>
+              </a:rPr>
+              <a:t>LPDDR (LOW POWER DDR)</a:t>
+            </a:r>
+            <a:endParaRPr lang="hu-HU" sz="2800" u="sng" dirty="0">
+              <a:solidFill>
+                <a:schemeClr val="bg1"/>
+              </a:solidFill>
+            </a:endParaRPr>
+          </a:p>
+          <a:p>
+            <a:pPr algn="ctr"/>
+            <a:endParaRPr lang="hu-HU" dirty="0">
+              <a:solidFill>
+                <a:schemeClr val="bg1"/>
+              </a:solidFill>
+            </a:endParaRPr>
+          </a:p>
+        </p:txBody>
+      </p:sp>
+    </p:spTree>
+    <p:extLst>
+      <p:ext uri="{BB962C8B-B14F-4D97-AF65-F5344CB8AC3E}">
+        <p14:creationId xmlns:p14="http://schemas.microsoft.com/office/powerpoint/2010/main" val="219768181"/>
+      </p:ext>
+    </p:extLst>
+  </p:cSld>
+  <p:clrMapOvr>
+    <a:masterClrMapping/>
+  </p:clrMapOvr>
+  <mc:AlternateContent xmlns:mc="http://schemas.openxmlformats.org/markup-compatibility/2006" xmlns:p14="http://schemas.microsoft.com/office/powerpoint/2010/main">
+    <mc:Choice Requires="p14">
+      <p:transition spd="med" p14:dur="700">
+        <p:fade/>
+      </p:transition>
+    </mc:Choice>
+    <mc:Fallback xmlns="">
+      <p:transition spd="med">
+        <p:fade/>
+      </p:transition>
+    </mc:Fallback>
+  </mc:AlternateContent>
+  <p:timing>
+    <p:tnLst>
+      <p:par>
+        <p:cTn id="1" dur="indefinite" restart="never" nodeType="tmRoot">
+          <p:childTnLst>
+            <p:seq concurrent="1" nextAc="seek">
+              <p:cTn id="2" dur="indefinite" nodeType="mainSeq">
+                <p:childTnLst>
+                  <p:par>
+                    <p:cTn id="3" fill="hold">
+                      <p:stCondLst>
+                        <p:cond delay="indefinite"/>
+                        <p:cond evt="onBegin" delay="0">
+                          <p:tn val="2"/>
+                        </p:cond>
+                      </p:stCondLst>
+                      <p:childTnLst>
+                        <p:par>
+                          <p:cTn id="4" fill="hold">
+                            <p:stCondLst>
+                              <p:cond delay="0"/>
+                            </p:stCondLst>
+                            <p:childTnLst>
+                              <p:par>
+                                <p:cTn id="5" presetID="2" presetClass="entr" presetSubtype="8" fill="hold" nodeType="afterEffect">
+                                  <p:stCondLst>
+                                    <p:cond delay="0"/>
+                                  </p:stCondLst>
+                                  <p:childTnLst>
+                                    <p:set>
+                                      <p:cBhvr>
+                                        <p:cTn id="6" dur="1" fill="hold">
+                                          <p:stCondLst>
+                                            <p:cond delay="0"/>
+                                          </p:stCondLst>
+                                        </p:cTn>
+                                        <p:tgtEl>
+                                          <p:spTgt spid="5">
+                                            <p:txEl>
+                                              <p:pRg st="0" end="0"/>
+                                            </p:txEl>
+                                          </p:spTgt>
+                                        </p:tgtEl>
+                                        <p:attrNameLst>
+                                          <p:attrName>style.visibility</p:attrName>
+                                        </p:attrNameLst>
+                                      </p:cBhvr>
+                                      <p:to>
+                                        <p:strVal val="visible"/>
+                                      </p:to>
+                                    </p:set>
+                                    <p:anim calcmode="lin" valueType="num">
+                                      <p:cBhvr additive="base">
+                                        <p:cTn id="7" dur="500" fill="hold"/>
+                                        <p:tgtEl>
+                                          <p:spTgt spid="5">
+                                            <p:txEl>
+                                              <p:pRg st="0" end="0"/>
+                                            </p:txEl>
+                                          </p:spTgt>
+                                        </p:tgtEl>
+                                        <p:attrNameLst>
+                                          <p:attrName>ppt_x</p:attrName>
+                                        </p:attrNameLst>
+                                      </p:cBhvr>
+                                      <p:tavLst>
+                                        <p:tav tm="0">
+                                          <p:val>
+                                            <p:strVal val="0-#ppt_w/2"/>
+                                          </p:val>
+                                        </p:tav>
+                                        <p:tav tm="100000">
+                                          <p:val>
+                                            <p:strVal val="#ppt_x"/>
+                                          </p:val>
+                                        </p:tav>
+                                      </p:tavLst>
+                                    </p:anim>
+                                    <p:anim calcmode="lin" valueType="num">
+                                      <p:cBhvr additive="base">
+                                        <p:cTn id="8" dur="500" fill="hold"/>
+                                        <p:tgtEl>
+                                          <p:spTgt spid="5">
+                                            <p:txEl>
+                                              <p:pRg st="0" end="0"/>
+                                            </p:txEl>
+                                          </p:spTgt>
+                                        </p:tgtEl>
+                                        <p:attrNameLst>
+                                          <p:attrName>ppt_y</p:attrName>
+                                        </p:attrNameLst>
+                                      </p:cBhvr>
+                                      <p:tavLst>
+                                        <p:tav tm="0">
+                                          <p:val>
+                                            <p:strVal val="#ppt_y"/>
+                                          </p:val>
+                                        </p:tav>
+                                        <p:tav tm="100000">
+                                          <p:val>
+                                            <p:strVal val="#ppt_y"/>
+                                          </p:val>
+                                        </p:tav>
+                                      </p:tavLst>
+                                    </p:anim>
+                                  </p:childTnLst>
+                                </p:cTn>
+                              </p:par>
+                            </p:childTnLst>
+                          </p:cTn>
+                        </p:par>
+                        <p:par>
+                          <p:cTn id="9" fill="hold">
+                            <p:stCondLst>
+                              <p:cond delay="500"/>
+                            </p:stCondLst>
+                            <p:childTnLst>
+                              <p:par>
+                                <p:cTn id="10" presetID="2" presetClass="entr" presetSubtype="6" fill="hold" nodeType="afterEffect">
+                                  <p:stCondLst>
+                                    <p:cond delay="0"/>
+                                  </p:stCondLst>
+                                  <p:childTnLst>
+                                    <p:set>
+                                      <p:cBhvr>
+                                        <p:cTn id="11" dur="1" fill="hold">
+                                          <p:stCondLst>
+                                            <p:cond delay="0"/>
+                                          </p:stCondLst>
+                                        </p:cTn>
+                                        <p:tgtEl>
+                                          <p:spTgt spid="3">
+                                            <p:txEl>
+                                              <p:pRg st="0" end="0"/>
+                                            </p:txEl>
+                                          </p:spTgt>
+                                        </p:tgtEl>
+                                        <p:attrNameLst>
+                                          <p:attrName>style.visibility</p:attrName>
+                                        </p:attrNameLst>
+                                      </p:cBhvr>
+                                      <p:to>
+                                        <p:strVal val="visible"/>
+                                      </p:to>
+                                    </p:set>
+                                    <p:anim calcmode="lin" valueType="num">
+                                      <p:cBhvr additive="base">
+                                        <p:cTn id="12" dur="500" fill="hold"/>
+                                        <p:tgtEl>
+                                          <p:spTgt spid="3">
+                                            <p:txEl>
+                                              <p:pRg st="0" end="0"/>
+                                            </p:txEl>
+                                          </p:spTgt>
+                                        </p:tgtEl>
+                                        <p:attrNameLst>
+                                          <p:attrName>ppt_x</p:attrName>
+                                        </p:attrNameLst>
+                                      </p:cBhvr>
+                                      <p:tavLst>
+                                        <p:tav tm="0">
+                                          <p:val>
+                                            <p:strVal val="1+#ppt_w/2"/>
+                                          </p:val>
+                                        </p:tav>
+                                        <p:tav tm="100000">
+                                          <p:val>
+                                            <p:strVal val="#ppt_x"/>
+                                          </p:val>
+                                        </p:tav>
+                                      </p:tavLst>
+                                    </p:anim>
+                                    <p:anim calcmode="lin" valueType="num">
+                                      <p:cBhvr additive="base">
+                                        <p:cTn id="13" dur="500" fill="hold"/>
+                                        <p:tgtEl>
+                                          <p:spTgt spid="3">
+                                            <p:txEl>
+                                              <p:pRg st="0" end="0"/>
+                                            </p:txEl>
+                                          </p:spTgt>
+                                        </p:tgtEl>
+                                        <p:attrNameLst>
+                                          <p:attrName>ppt_y</p:attrName>
+                                        </p:attrNameLst>
+                                      </p:cBhvr>
+                                      <p:tavLst>
+                                        <p:tav tm="0">
+                                          <p:val>
+                                            <p:strVal val="1+#ppt_h/2"/>
+                                          </p:val>
+                                        </p:tav>
+                                        <p:tav tm="100000">
+                                          <p:val>
+                                            <p:strVal val="#ppt_y"/>
+                                          </p:val>
+                                        </p:tav>
+                                      </p:tavLst>
+                                    </p:anim>
+                                  </p:childTnLst>
+                                </p:cTn>
+                              </p:par>
+                            </p:childTnLst>
+                          </p:cTn>
+                        </p:par>
+                        <p:par>
+                          <p:cTn id="14" fill="hold">
+                            <p:stCondLst>
+                              <p:cond delay="1000"/>
+                            </p:stCondLst>
+                            <p:childTnLst>
+                              <p:par>
+                                <p:cTn id="15" presetID="2" presetClass="entr" presetSubtype="6" fill="hold" nodeType="afterEffect">
+                                  <p:stCondLst>
+                                    <p:cond delay="0"/>
+                                  </p:stCondLst>
+                                  <p:childTnLst>
+                                    <p:set>
+                                      <p:cBhvr>
+                                        <p:cTn id="16" dur="1" fill="hold">
+                                          <p:stCondLst>
+                                            <p:cond delay="0"/>
+                                          </p:stCondLst>
+                                        </p:cTn>
+                                        <p:tgtEl>
+                                          <p:spTgt spid="3">
+                                            <p:txEl>
+                                              <p:pRg st="1" end="1"/>
+                                            </p:txEl>
+                                          </p:spTgt>
+                                        </p:tgtEl>
+                                        <p:attrNameLst>
+                                          <p:attrName>style.visibility</p:attrName>
+                                        </p:attrNameLst>
+                                      </p:cBhvr>
+                                      <p:to>
+                                        <p:strVal val="visible"/>
+                                      </p:to>
+                                    </p:set>
+                                    <p:anim calcmode="lin" valueType="num">
+                                      <p:cBhvr additive="base">
+                                        <p:cTn id="17" dur="500" fill="hold"/>
+                                        <p:tgtEl>
+                                          <p:spTgt spid="3">
+                                            <p:txEl>
+                                              <p:pRg st="1" end="1"/>
+                                            </p:txEl>
+                                          </p:spTgt>
+                                        </p:tgtEl>
+                                        <p:attrNameLst>
+                                          <p:attrName>ppt_x</p:attrName>
+                                        </p:attrNameLst>
+                                      </p:cBhvr>
+                                      <p:tavLst>
+                                        <p:tav tm="0">
+                                          <p:val>
+                                            <p:strVal val="1+#ppt_w/2"/>
+                                          </p:val>
+                                        </p:tav>
+                                        <p:tav tm="100000">
+                                          <p:val>
+                                            <p:strVal val="#ppt_x"/>
+                                          </p:val>
+                                        </p:tav>
+                                      </p:tavLst>
+                                    </p:anim>
+                                    <p:anim calcmode="lin" valueType="num">
+                                      <p:cBhvr additive="base">
+                                        <p:cTn id="18" dur="500" fill="hold"/>
+                                        <p:tgtEl>
+                                          <p:spTgt spid="3">
+                                            <p:txEl>
+                                              <p:pRg st="1" end="1"/>
+                                            </p:txEl>
+                                          </p:spTgt>
+                                        </p:tgtEl>
+                                        <p:attrNameLst>
+                                          <p:attrName>ppt_y</p:attrName>
+                                        </p:attrNameLst>
+                                      </p:cBhvr>
+                                      <p:tavLst>
+                                        <p:tav tm="0">
+                                          <p:val>
+                                            <p:strVal val="1+#ppt_h/2"/>
+                                          </p:val>
+                                        </p:tav>
+                                        <p:tav tm="100000">
+                                          <p:val>
+                                            <p:strVal val="#ppt_y"/>
+                                          </p:val>
+                                        </p:tav>
+                                      </p:tavLst>
+                                    </p:anim>
+                                  </p:childTnLst>
+                                </p:cTn>
+                              </p:par>
+                            </p:childTnLst>
+                          </p:cTn>
+                        </p:par>
+                        <p:par>
+                          <p:cTn id="19" fill="hold">
+                            <p:stCondLst>
+                              <p:cond delay="1500"/>
+                            </p:stCondLst>
+                            <p:childTnLst>
+                              <p:par>
+                                <p:cTn id="20" presetID="2" presetClass="entr" presetSubtype="6" fill="hold" nodeType="afterEffect">
+                                  <p:stCondLst>
+                                    <p:cond delay="0"/>
+                                  </p:stCondLst>
+                                  <p:childTnLst>
+                                    <p:set>
+                                      <p:cBhvr>
+                                        <p:cTn id="21" dur="1" fill="hold">
+                                          <p:stCondLst>
+                                            <p:cond delay="0"/>
+                                          </p:stCondLst>
+                                        </p:cTn>
+                                        <p:tgtEl>
+                                          <p:spTgt spid="3">
+                                            <p:txEl>
+                                              <p:pRg st="2" end="2"/>
+                                            </p:txEl>
+                                          </p:spTgt>
+                                        </p:tgtEl>
+                                        <p:attrNameLst>
+                                          <p:attrName>style.visibility</p:attrName>
+                                        </p:attrNameLst>
+                                      </p:cBhvr>
+                                      <p:to>
+                                        <p:strVal val="visible"/>
+                                      </p:to>
+                                    </p:set>
+                                    <p:anim calcmode="lin" valueType="num">
+                                      <p:cBhvr additive="base">
+                                        <p:cTn id="22" dur="500" fill="hold"/>
+                                        <p:tgtEl>
+                                          <p:spTgt spid="3">
+                                            <p:txEl>
+                                              <p:pRg st="2" end="2"/>
+                                            </p:txEl>
+                                          </p:spTgt>
+                                        </p:tgtEl>
+                                        <p:attrNameLst>
+                                          <p:attrName>ppt_x</p:attrName>
+                                        </p:attrNameLst>
+                                      </p:cBhvr>
+                                      <p:tavLst>
+                                        <p:tav tm="0">
+                                          <p:val>
+                                            <p:strVal val="1+#ppt_w/2"/>
+                                          </p:val>
+                                        </p:tav>
+                                        <p:tav tm="100000">
+                                          <p:val>
+                                            <p:strVal val="#ppt_x"/>
+                                          </p:val>
+                                        </p:tav>
+                                      </p:tavLst>
+                                    </p:anim>
+                                    <p:anim calcmode="lin" valueType="num">
+                                      <p:cBhvr additive="base">
+                                        <p:cTn id="23" dur="500" fill="hold"/>
+                                        <p:tgtEl>
+                                          <p:spTgt spid="3">
+                                            <p:txEl>
+                                              <p:pRg st="2" end="2"/>
+                                            </p:txEl>
+                                          </p:spTgt>
+                                        </p:tgtEl>
+                                        <p:attrNameLst>
+                                          <p:attrName>ppt_y</p:attrName>
+                                        </p:attrNameLst>
+                                      </p:cBhvr>
+                                      <p:tavLst>
+                                        <p:tav tm="0">
+                                          <p:val>
+                                            <p:strVal val="1+#ppt_h/2"/>
+                                          </p:val>
+                                        </p:tav>
+                                        <p:tav tm="100000">
+                                          <p:val>
+                                            <p:strVal val="#ppt_y"/>
+                                          </p:val>
+                                        </p:tav>
+                                      </p:tavLst>
+                                    </p:anim>
+                                  </p:childTnLst>
+                                </p:cTn>
+                              </p:par>
+                            </p:childTnLst>
+                          </p:cTn>
+                        </p:par>
+                        <p:par>
+                          <p:cTn id="24" fill="hold">
+                            <p:stCondLst>
+                              <p:cond delay="2000"/>
+                            </p:stCondLst>
+                            <p:childTnLst>
+                              <p:par>
+                                <p:cTn id="25" presetID="2" presetClass="entr" presetSubtype="6" fill="hold" nodeType="afterEffect">
+                                  <p:stCondLst>
+                                    <p:cond delay="0"/>
+                                  </p:stCondLst>
+                                  <p:childTnLst>
+                                    <p:set>
+                                      <p:cBhvr>
+                                        <p:cTn id="26" dur="1" fill="hold">
+                                          <p:stCondLst>
+                                            <p:cond delay="0"/>
+                                          </p:stCondLst>
+                                        </p:cTn>
+                                        <p:tgtEl>
+                                          <p:spTgt spid="3">
+                                            <p:txEl>
+                                              <p:pRg st="3" end="3"/>
+                                            </p:txEl>
+                                          </p:spTgt>
+                                        </p:tgtEl>
+                                        <p:attrNameLst>
+                                          <p:attrName>style.visibility</p:attrName>
+                                        </p:attrNameLst>
+                                      </p:cBhvr>
+                                      <p:to>
+                                        <p:strVal val="visible"/>
+                                      </p:to>
+                                    </p:set>
+                                    <p:anim calcmode="lin" valueType="num">
+                                      <p:cBhvr additive="base">
+                                        <p:cTn id="27" dur="500" fill="hold"/>
+                                        <p:tgtEl>
+                                          <p:spTgt spid="3">
+                                            <p:txEl>
+                                              <p:pRg st="3" end="3"/>
+                                            </p:txEl>
+                                          </p:spTgt>
+                                        </p:tgtEl>
+                                        <p:attrNameLst>
+                                          <p:attrName>ppt_x</p:attrName>
+                                        </p:attrNameLst>
+                                      </p:cBhvr>
+                                      <p:tavLst>
+                                        <p:tav tm="0">
+                                          <p:val>
+                                            <p:strVal val="1+#ppt_w/2"/>
+                                          </p:val>
+                                        </p:tav>
+                                        <p:tav tm="100000">
+                                          <p:val>
+                                            <p:strVal val="#ppt_x"/>
+                                          </p:val>
+                                        </p:tav>
+                                      </p:tavLst>
+                                    </p:anim>
+                                    <p:anim calcmode="lin" valueType="num">
+                                      <p:cBhvr additive="base">
+                                        <p:cTn id="28" dur="500" fill="hold"/>
+                                        <p:tgtEl>
+                                          <p:spTgt spid="3">
+                                            <p:txEl>
+                                              <p:pRg st="3" end="3"/>
+                                            </p:txEl>
+                                          </p:spTgt>
+                                        </p:tgtEl>
+                                        <p:attrNameLst>
+                                          <p:attrName>ppt_y</p:attrName>
+                                        </p:attrNameLst>
+                                      </p:cBhvr>
+                                      <p:tavLst>
+                                        <p:tav tm="0">
+                                          <p:val>
+                                            <p:strVal val="1+#ppt_h/2"/>
+                                          </p:val>
+                                        </p:tav>
+                                        <p:tav tm="100000">
+                                          <p:val>
+                                            <p:strVal val="#ppt_y"/>
+                                          </p:val>
+                                        </p:tav>
+                                      </p:tavLst>
+                                    </p:anim>
+                                  </p:childTnLst>
+                                </p:cTn>
+                              </p:par>
+                            </p:childTnLst>
+                          </p:cTn>
+                        </p:par>
+                        <p:par>
+                          <p:cTn id="29" fill="hold">
+                            <p:stCondLst>
+                              <p:cond delay="2500"/>
+                            </p:stCondLst>
+                            <p:childTnLst>
+                              <p:par>
+                                <p:cTn id="30" presetID="2" presetClass="entr" presetSubtype="6" fill="hold" nodeType="afterEffect">
+                                  <p:stCondLst>
+                                    <p:cond delay="0"/>
+                                  </p:stCondLst>
+                                  <p:childTnLst>
+                                    <p:set>
+                                      <p:cBhvr>
+                                        <p:cTn id="31" dur="1" fill="hold">
+                                          <p:stCondLst>
+                                            <p:cond delay="0"/>
+                                          </p:stCondLst>
+                                        </p:cTn>
+                                        <p:tgtEl>
+                                          <p:spTgt spid="3">
+                                            <p:txEl>
+                                              <p:pRg st="4" end="4"/>
+                                            </p:txEl>
+                                          </p:spTgt>
+                                        </p:tgtEl>
+                                        <p:attrNameLst>
+                                          <p:attrName>style.visibility</p:attrName>
+                                        </p:attrNameLst>
+                                      </p:cBhvr>
+                                      <p:to>
+                                        <p:strVal val="visible"/>
+                                      </p:to>
+                                    </p:set>
+                                    <p:anim calcmode="lin" valueType="num">
+                                      <p:cBhvr additive="base">
+                                        <p:cTn id="32" dur="500" fill="hold"/>
+                                        <p:tgtEl>
+                                          <p:spTgt spid="3">
+                                            <p:txEl>
+                                              <p:pRg st="4" end="4"/>
+                                            </p:txEl>
+                                          </p:spTgt>
+                                        </p:tgtEl>
+                                        <p:attrNameLst>
+                                          <p:attrName>ppt_x</p:attrName>
+                                        </p:attrNameLst>
+                                      </p:cBhvr>
+                                      <p:tavLst>
+                                        <p:tav tm="0">
+                                          <p:val>
+                                            <p:strVal val="1+#ppt_w/2"/>
+                                          </p:val>
+                                        </p:tav>
+                                        <p:tav tm="100000">
+                                          <p:val>
+                                            <p:strVal val="#ppt_x"/>
+                                          </p:val>
+                                        </p:tav>
+                                      </p:tavLst>
+                                    </p:anim>
+                                    <p:anim calcmode="lin" valueType="num">
+                                      <p:cBhvr additive="base">
+                                        <p:cTn id="33" dur="500" fill="hold"/>
+                                        <p:tgtEl>
+                                          <p:spTgt spid="3">
+                                            <p:txEl>
+                                              <p:pRg st="4" end="4"/>
+                                            </p:txEl>
+                                          </p:spTgt>
+                                        </p:tgtEl>
+                                        <p:attrNameLst>
+                                          <p:attrName>ppt_y</p:attrName>
+                                        </p:attrNameLst>
+                                      </p:cBhvr>
+                                      <p:tavLst>
+                                        <p:tav tm="0">
+                                          <p:val>
+                                            <p:strVal val="1+#ppt_h/2"/>
+                                          </p:val>
+                                        </p:tav>
+                                        <p:tav tm="100000">
+                                          <p:val>
+                                            <p:strVal val="#ppt_y"/>
+                                          </p:val>
+                                        </p:tav>
+                                      </p:tavLst>
+                                    </p:anim>
+                                  </p:childTnLst>
+                                </p:cTn>
+                              </p:par>
+                            </p:childTnLst>
+                          </p:cTn>
+                        </p:par>
+                      </p:childTnLst>
+                    </p:cTn>
+                  </p:par>
+                </p:childTnLst>
+              </p:cTn>
+              <p:prevCondLst>
+                <p:cond evt="onPrev" delay="0">
+                  <p:tgtEl>
+                    <p:sldTgt/>
+                  </p:tgtEl>
+                </p:cond>
+              </p:prevCondLst>
+              <p:nextCondLst>
+                <p:cond evt="onNext" delay="0">
+                  <p:tgtEl>
+                    <p:sldTgt/>
+                  </p:tgtEl>
+                </p:cond>
+              </p:nextCondLst>
+            </p:seq>
+          </p:childTnLst>
+        </p:cTn>
+      </p:par>
+    </p:tnLst>
+  </p:timing>
+</p:sld>
+</file>
+
+<file path=ppt/slides/slide14.xml><?xml version="1.0" encoding="utf-8"?>
 <p:sld xmlns:a="http://schemas.openxmlformats.org/drawingml/2006/main" xmlns:r="http://schemas.openxmlformats.org/officeDocument/2006/relationships" xmlns:p="http://schemas.openxmlformats.org/presentationml/2006/main">
   <p:cSld>
     <p:spTree>
@@ -3955,20 +7279,20 @@
     </p:spTree>
     <p:extLst>
       <p:ext uri="{BB962C8B-B14F-4D97-AF65-F5344CB8AC3E}">
-        <p14:creationId xmlns:p14="http://schemas.microsoft.com/office/powerpoint/2010/main" val="699268622"/>
+        <p14:creationId xmlns:p14="http://schemas.microsoft.com/office/powerpoint/2010/main" val="4285640111"/>
       </p:ext>
     </p:extLst>
   </p:cSld>
   <p:clrMapOvr>
     <a:masterClrMapping/>
   </p:clrMapOvr>
-  <mc:AlternateContent xmlns:mc="http://schemas.openxmlformats.org/markup-compatibility/2006">
-    <mc:Choice xmlns:p14="http://schemas.microsoft.com/office/powerpoint/2010/main" Requires="p14">
+  <mc:AlternateContent xmlns:mc="http://schemas.openxmlformats.org/markup-compatibility/2006" xmlns:p14="http://schemas.microsoft.com/office/powerpoint/2010/main">
+    <mc:Choice Requires="p14">
       <p:transition spd="slow" p14:dur="3400">
         <p14:reveal/>
       </p:transition>
     </mc:Choice>
-    <mc:Fallback>
+    <mc:Fallback xmlns="">
       <p:transition spd="slow">
         <p:fade/>
       </p:transition>
@@ -4334,6 +7658,1489 @@
 </p:sld>
 </file>
 
+<file path=ppt/slides/slide15.xml><?xml version="1.0" encoding="utf-8"?>
+<p:sld xmlns:a="http://schemas.openxmlformats.org/drawingml/2006/main" xmlns:r="http://schemas.openxmlformats.org/officeDocument/2006/relationships" xmlns:p="http://schemas.openxmlformats.org/presentationml/2006/main">
+  <p:cSld>
+    <p:spTree>
+      <p:nvGrpSpPr>
+        <p:cNvPr id="1" name=""/>
+        <p:cNvGrpSpPr/>
+        <p:nvPr/>
+      </p:nvGrpSpPr>
+      <p:grpSpPr>
+        <a:xfrm>
+          <a:off x="0" y="0"/>
+          <a:ext cx="0" cy="0"/>
+          <a:chOff x="0" y="0"/>
+          <a:chExt cx="0" cy="0"/>
+        </a:xfrm>
+      </p:grpSpPr>
+      <p:sp>
+        <p:nvSpPr>
+          <p:cNvPr id="2" name="Cím 1"/>
+          <p:cNvSpPr>
+            <a:spLocks noGrp="1"/>
+          </p:cNvSpPr>
+          <p:nvPr>
+            <p:ph type="title"/>
+          </p:nvPr>
+        </p:nvSpPr>
+        <p:spPr>
+          <a:xfrm>
+            <a:off x="0" y="0"/>
+            <a:ext cx="12191999" cy="6857999"/>
+          </a:xfrm>
+        </p:spPr>
+        <p:txBody>
+          <a:bodyPr/>
+          <a:lstStyle/>
+          <a:p>
+            <a:pPr algn="ctr"/>
+            <a:r>
+              <a:rPr lang="hu-HU" dirty="0" smtClean="0">
+                <a:solidFill>
+                  <a:schemeClr val="bg1"/>
+                </a:solidFill>
+                <a:latin typeface="Algerian" panose="04020705040A02060702" pitchFamily="82" charset="0"/>
+              </a:rPr>
+              <a:t>PROCESSZOR</a:t>
+            </a:r>
+            <a:endParaRPr lang="hu-HU" dirty="0">
+              <a:solidFill>
+                <a:schemeClr val="bg1"/>
+              </a:solidFill>
+              <a:latin typeface="Algerian" panose="04020705040A02060702" pitchFamily="82" charset="0"/>
+            </a:endParaRPr>
+          </a:p>
+        </p:txBody>
+      </p:sp>
+    </p:spTree>
+    <p:extLst>
+      <p:ext uri="{BB962C8B-B14F-4D97-AF65-F5344CB8AC3E}">
+        <p14:creationId xmlns:p14="http://schemas.microsoft.com/office/powerpoint/2010/main" val="3254994179"/>
+      </p:ext>
+    </p:extLst>
+  </p:cSld>
+  <p:clrMapOvr>
+    <a:masterClrMapping/>
+  </p:clrMapOvr>
+  <mc:AlternateContent xmlns:mc="http://schemas.openxmlformats.org/markup-compatibility/2006" xmlns:p14="http://schemas.microsoft.com/office/powerpoint/2010/main">
+    <mc:Choice Requires="p14">
+      <p:transition spd="slow" p14:dur="3400">
+        <p14:reveal/>
+      </p:transition>
+    </mc:Choice>
+    <mc:Fallback xmlns="">
+      <p:transition spd="slow">
+        <p:fade/>
+      </p:transition>
+    </mc:Fallback>
+  </mc:AlternateContent>
+  <p:timing>
+    <p:tnLst>
+      <p:par>
+        <p:cTn id="1" dur="indefinite" restart="never" nodeType="tmRoot"/>
+      </p:par>
+    </p:tnLst>
+  </p:timing>
+</p:sld>
+</file>
+
+<file path=ppt/slides/slide16.xml><?xml version="1.0" encoding="utf-8"?>
+<p:sld xmlns:a="http://schemas.openxmlformats.org/drawingml/2006/main" xmlns:r="http://schemas.openxmlformats.org/officeDocument/2006/relationships" xmlns:p="http://schemas.openxmlformats.org/presentationml/2006/main">
+  <p:cSld>
+    <p:spTree>
+      <p:nvGrpSpPr>
+        <p:cNvPr id="1" name=""/>
+        <p:cNvGrpSpPr/>
+        <p:nvPr/>
+      </p:nvGrpSpPr>
+      <p:grpSpPr>
+        <a:xfrm>
+          <a:off x="0" y="0"/>
+          <a:ext cx="0" cy="0"/>
+          <a:chOff x="0" y="0"/>
+          <a:chExt cx="0" cy="0"/>
+        </a:xfrm>
+      </p:grpSpPr>
+      <p:sp>
+        <p:nvSpPr>
+          <p:cNvPr id="2" name="Cím 1"/>
+          <p:cNvSpPr>
+            <a:spLocks noGrp="1"/>
+          </p:cNvSpPr>
+          <p:nvPr>
+            <p:ph type="title"/>
+          </p:nvPr>
+        </p:nvSpPr>
+        <p:spPr>
+          <a:xfrm>
+            <a:off x="838200" y="283238"/>
+            <a:ext cx="10515600" cy="1325563"/>
+          </a:xfrm>
+        </p:spPr>
+        <p:txBody>
+          <a:bodyPr/>
+          <a:lstStyle/>
+          <a:p>
+            <a:r>
+              <a:rPr lang="hu-HU" dirty="0" smtClean="0">
+                <a:solidFill>
+                  <a:schemeClr val="bg1"/>
+                </a:solidFill>
+                <a:latin typeface="Algerian" panose="04020705040A02060702" pitchFamily="82" charset="0"/>
+              </a:rPr>
+              <a:t>Mi </a:t>
+            </a:r>
+            <a:r>
+              <a:rPr lang="hu-HU" dirty="0" smtClean="0">
+                <a:solidFill>
+                  <a:schemeClr val="bg1"/>
+                </a:solidFill>
+                <a:latin typeface="Algerian" panose="04020705040A02060702" pitchFamily="82" charset="0"/>
+              </a:rPr>
+              <a:t>az a processzor?</a:t>
+            </a:r>
+            <a:endParaRPr lang="hu-HU" dirty="0">
+              <a:solidFill>
+                <a:schemeClr val="bg1"/>
+              </a:solidFill>
+              <a:latin typeface="Algerian" panose="04020705040A02060702" pitchFamily="82" charset="0"/>
+            </a:endParaRPr>
+          </a:p>
+        </p:txBody>
+      </p:sp>
+      <p:sp>
+        <p:nvSpPr>
+          <p:cNvPr id="3" name="Tartalom helye 2"/>
+          <p:cNvSpPr>
+            <a:spLocks noGrp="1"/>
+          </p:cNvSpPr>
+          <p:nvPr>
+            <p:ph idx="1"/>
+          </p:nvPr>
+        </p:nvSpPr>
+        <p:spPr>
+          <a:xfrm>
+            <a:off x="838200" y="2710565"/>
+            <a:ext cx="10515600" cy="2307483"/>
+          </a:xfrm>
+        </p:spPr>
+        <p:txBody>
+          <a:bodyPr/>
+          <a:lstStyle/>
+          <a:p>
+            <a:pPr>
+              <a:lnSpc>
+                <a:spcPct val="100000"/>
+              </a:lnSpc>
+            </a:pPr>
+            <a:r>
+              <a:rPr lang="hu-HU" dirty="0" smtClean="0">
+                <a:solidFill>
+                  <a:schemeClr val="bg1"/>
+                </a:solidFill>
+              </a:rPr>
+              <a:t>A CPU (processzor) a számítógép „agya”</a:t>
+            </a:r>
+            <a:endParaRPr lang="hu-HU" dirty="0">
+              <a:solidFill>
+                <a:schemeClr val="bg1"/>
+              </a:solidFill>
+            </a:endParaRPr>
+          </a:p>
+          <a:p>
+            <a:pPr>
+              <a:lnSpc>
+                <a:spcPct val="100000"/>
+              </a:lnSpc>
+            </a:pPr>
+            <a:r>
+              <a:rPr lang="hu-HU" dirty="0" smtClean="0">
+                <a:solidFill>
+                  <a:schemeClr val="bg1"/>
+                </a:solidFill>
+              </a:rPr>
+              <a:t>A különböző utasítások értelmezését és végrehajtását </a:t>
+            </a:r>
+            <a:r>
+              <a:rPr lang="hu-HU" dirty="0" err="1" smtClean="0">
+                <a:solidFill>
+                  <a:schemeClr val="bg1"/>
+                </a:solidFill>
+              </a:rPr>
+              <a:t>vezérli</a:t>
+            </a:r>
+            <a:endParaRPr lang="hu-HU" dirty="0"/>
+          </a:p>
+          <a:p>
+            <a:pPr>
+              <a:lnSpc>
+                <a:spcPct val="100000"/>
+              </a:lnSpc>
+            </a:pPr>
+            <a:r>
+              <a:rPr lang="hu-HU" dirty="0">
+                <a:solidFill>
+                  <a:schemeClr val="bg1"/>
+                </a:solidFill>
+              </a:rPr>
+              <a:t>Félvezetős kivitelezésű, összetett elektronikus áramkör. Egy szilícium kristályra integrált, sok tízmillió tranzisztort tartalmazó egység</a:t>
+            </a:r>
+            <a:endParaRPr lang="hu-HU" dirty="0">
+              <a:solidFill>
+                <a:schemeClr val="bg1"/>
+              </a:solidFill>
+            </a:endParaRPr>
+          </a:p>
+        </p:txBody>
+      </p:sp>
+    </p:spTree>
+    <p:extLst>
+      <p:ext uri="{BB962C8B-B14F-4D97-AF65-F5344CB8AC3E}">
+        <p14:creationId xmlns:p14="http://schemas.microsoft.com/office/powerpoint/2010/main" val="3898353861"/>
+      </p:ext>
+    </p:extLst>
+  </p:cSld>
+  <p:clrMapOvr>
+    <a:masterClrMapping/>
+  </p:clrMapOvr>
+  <mc:AlternateContent xmlns:mc="http://schemas.openxmlformats.org/markup-compatibility/2006" xmlns:p14="http://schemas.microsoft.com/office/powerpoint/2010/main">
+    <mc:Choice Requires="p14">
+      <p:transition spd="slow" p14:dur="3400">
+        <p14:reveal/>
+      </p:transition>
+    </mc:Choice>
+    <mc:Fallback xmlns="">
+      <p:transition spd="slow">
+        <p:fade/>
+      </p:transition>
+    </mc:Fallback>
+  </mc:AlternateContent>
+  <p:timing>
+    <p:tnLst>
+      <p:par>
+        <p:cTn id="1" dur="indefinite" restart="never" nodeType="tmRoot">
+          <p:childTnLst>
+            <p:seq concurrent="1" nextAc="seek">
+              <p:cTn id="2" dur="indefinite" nodeType="mainSeq">
+                <p:childTnLst>
+                  <p:par>
+                    <p:cTn id="3" fill="hold">
+                      <p:stCondLst>
+                        <p:cond delay="indefinite"/>
+                      </p:stCondLst>
+                      <p:childTnLst>
+                        <p:par>
+                          <p:cTn id="4" fill="hold">
+                            <p:stCondLst>
+                              <p:cond delay="0"/>
+                            </p:stCondLst>
+                            <p:childTnLst>
+                              <p:par>
+                                <p:cTn id="5" presetID="42" presetClass="entr" presetSubtype="0" fill="hold" nodeType="clickEffect">
+                                  <p:stCondLst>
+                                    <p:cond delay="0"/>
+                                  </p:stCondLst>
+                                  <p:childTnLst>
+                                    <p:set>
+                                      <p:cBhvr>
+                                        <p:cTn id="6" dur="1" fill="hold">
+                                          <p:stCondLst>
+                                            <p:cond delay="0"/>
+                                          </p:stCondLst>
+                                        </p:cTn>
+                                        <p:tgtEl>
+                                          <p:spTgt spid="3">
+                                            <p:txEl>
+                                              <p:pRg st="0" end="0"/>
+                                            </p:txEl>
+                                          </p:spTgt>
+                                        </p:tgtEl>
+                                        <p:attrNameLst>
+                                          <p:attrName>style.visibility</p:attrName>
+                                        </p:attrNameLst>
+                                      </p:cBhvr>
+                                      <p:to>
+                                        <p:strVal val="visible"/>
+                                      </p:to>
+                                    </p:set>
+                                    <p:animEffect transition="in" filter="fade">
+                                      <p:cBhvr>
+                                        <p:cTn id="7" dur="1000"/>
+                                        <p:tgtEl>
+                                          <p:spTgt spid="3">
+                                            <p:txEl>
+                                              <p:pRg st="0" end="0"/>
+                                            </p:txEl>
+                                          </p:spTgt>
+                                        </p:tgtEl>
+                                      </p:cBhvr>
+                                    </p:animEffect>
+                                    <p:anim calcmode="lin" valueType="num">
+                                      <p:cBhvr>
+                                        <p:cTn id="8" dur="1000" fill="hold"/>
+                                        <p:tgtEl>
+                                          <p:spTgt spid="3">
+                                            <p:txEl>
+                                              <p:pRg st="0" end="0"/>
+                                            </p:txEl>
+                                          </p:spTgt>
+                                        </p:tgtEl>
+                                        <p:attrNameLst>
+                                          <p:attrName>ppt_x</p:attrName>
+                                        </p:attrNameLst>
+                                      </p:cBhvr>
+                                      <p:tavLst>
+                                        <p:tav tm="0">
+                                          <p:val>
+                                            <p:strVal val="#ppt_x"/>
+                                          </p:val>
+                                        </p:tav>
+                                        <p:tav tm="100000">
+                                          <p:val>
+                                            <p:strVal val="#ppt_x"/>
+                                          </p:val>
+                                        </p:tav>
+                                      </p:tavLst>
+                                    </p:anim>
+                                    <p:anim calcmode="lin" valueType="num">
+                                      <p:cBhvr>
+                                        <p:cTn id="9" dur="1000" fill="hold"/>
+                                        <p:tgtEl>
+                                          <p:spTgt spid="3">
+                                            <p:txEl>
+                                              <p:pRg st="0" end="0"/>
+                                            </p:txEl>
+                                          </p:spTgt>
+                                        </p:tgtEl>
+                                        <p:attrNameLst>
+                                          <p:attrName>ppt_y</p:attrName>
+                                        </p:attrNameLst>
+                                      </p:cBhvr>
+                                      <p:tavLst>
+                                        <p:tav tm="0">
+                                          <p:val>
+                                            <p:strVal val="#ppt_y+.1"/>
+                                          </p:val>
+                                        </p:tav>
+                                        <p:tav tm="100000">
+                                          <p:val>
+                                            <p:strVal val="#ppt_y"/>
+                                          </p:val>
+                                        </p:tav>
+                                      </p:tavLst>
+                                    </p:anim>
+                                  </p:childTnLst>
+                                </p:cTn>
+                              </p:par>
+                            </p:childTnLst>
+                          </p:cTn>
+                        </p:par>
+                        <p:par>
+                          <p:cTn id="10" fill="hold">
+                            <p:stCondLst>
+                              <p:cond delay="1000"/>
+                            </p:stCondLst>
+                            <p:childTnLst>
+                              <p:par>
+                                <p:cTn id="11" presetID="42" presetClass="entr" presetSubtype="0" fill="hold" nodeType="afterEffect">
+                                  <p:stCondLst>
+                                    <p:cond delay="0"/>
+                                  </p:stCondLst>
+                                  <p:childTnLst>
+                                    <p:set>
+                                      <p:cBhvr>
+                                        <p:cTn id="12" dur="1" fill="hold">
+                                          <p:stCondLst>
+                                            <p:cond delay="0"/>
+                                          </p:stCondLst>
+                                        </p:cTn>
+                                        <p:tgtEl>
+                                          <p:spTgt spid="3">
+                                            <p:txEl>
+                                              <p:pRg st="1" end="1"/>
+                                            </p:txEl>
+                                          </p:spTgt>
+                                        </p:tgtEl>
+                                        <p:attrNameLst>
+                                          <p:attrName>style.visibility</p:attrName>
+                                        </p:attrNameLst>
+                                      </p:cBhvr>
+                                      <p:to>
+                                        <p:strVal val="visible"/>
+                                      </p:to>
+                                    </p:set>
+                                    <p:animEffect transition="in" filter="fade">
+                                      <p:cBhvr>
+                                        <p:cTn id="13" dur="1000"/>
+                                        <p:tgtEl>
+                                          <p:spTgt spid="3">
+                                            <p:txEl>
+                                              <p:pRg st="1" end="1"/>
+                                            </p:txEl>
+                                          </p:spTgt>
+                                        </p:tgtEl>
+                                      </p:cBhvr>
+                                    </p:animEffect>
+                                    <p:anim calcmode="lin" valueType="num">
+                                      <p:cBhvr>
+                                        <p:cTn id="14" dur="1000" fill="hold"/>
+                                        <p:tgtEl>
+                                          <p:spTgt spid="3">
+                                            <p:txEl>
+                                              <p:pRg st="1" end="1"/>
+                                            </p:txEl>
+                                          </p:spTgt>
+                                        </p:tgtEl>
+                                        <p:attrNameLst>
+                                          <p:attrName>ppt_x</p:attrName>
+                                        </p:attrNameLst>
+                                      </p:cBhvr>
+                                      <p:tavLst>
+                                        <p:tav tm="0">
+                                          <p:val>
+                                            <p:strVal val="#ppt_x"/>
+                                          </p:val>
+                                        </p:tav>
+                                        <p:tav tm="100000">
+                                          <p:val>
+                                            <p:strVal val="#ppt_x"/>
+                                          </p:val>
+                                        </p:tav>
+                                      </p:tavLst>
+                                    </p:anim>
+                                    <p:anim calcmode="lin" valueType="num">
+                                      <p:cBhvr>
+                                        <p:cTn id="15" dur="1000" fill="hold"/>
+                                        <p:tgtEl>
+                                          <p:spTgt spid="3">
+                                            <p:txEl>
+                                              <p:pRg st="1" end="1"/>
+                                            </p:txEl>
+                                          </p:spTgt>
+                                        </p:tgtEl>
+                                        <p:attrNameLst>
+                                          <p:attrName>ppt_y</p:attrName>
+                                        </p:attrNameLst>
+                                      </p:cBhvr>
+                                      <p:tavLst>
+                                        <p:tav tm="0">
+                                          <p:val>
+                                            <p:strVal val="#ppt_y+.1"/>
+                                          </p:val>
+                                        </p:tav>
+                                        <p:tav tm="100000">
+                                          <p:val>
+                                            <p:strVal val="#ppt_y"/>
+                                          </p:val>
+                                        </p:tav>
+                                      </p:tavLst>
+                                    </p:anim>
+                                  </p:childTnLst>
+                                </p:cTn>
+                              </p:par>
+                            </p:childTnLst>
+                          </p:cTn>
+                        </p:par>
+                        <p:par>
+                          <p:cTn id="16" fill="hold">
+                            <p:stCondLst>
+                              <p:cond delay="2000"/>
+                            </p:stCondLst>
+                            <p:childTnLst>
+                              <p:par>
+                                <p:cTn id="17" presetID="42" presetClass="entr" presetSubtype="0" fill="hold" nodeType="afterEffect">
+                                  <p:stCondLst>
+                                    <p:cond delay="0"/>
+                                  </p:stCondLst>
+                                  <p:childTnLst>
+                                    <p:set>
+                                      <p:cBhvr>
+                                        <p:cTn id="18" dur="1" fill="hold">
+                                          <p:stCondLst>
+                                            <p:cond delay="0"/>
+                                          </p:stCondLst>
+                                        </p:cTn>
+                                        <p:tgtEl>
+                                          <p:spTgt spid="3">
+                                            <p:txEl>
+                                              <p:pRg st="2" end="2"/>
+                                            </p:txEl>
+                                          </p:spTgt>
+                                        </p:tgtEl>
+                                        <p:attrNameLst>
+                                          <p:attrName>style.visibility</p:attrName>
+                                        </p:attrNameLst>
+                                      </p:cBhvr>
+                                      <p:to>
+                                        <p:strVal val="visible"/>
+                                      </p:to>
+                                    </p:set>
+                                    <p:animEffect transition="in" filter="fade">
+                                      <p:cBhvr>
+                                        <p:cTn id="19" dur="1000"/>
+                                        <p:tgtEl>
+                                          <p:spTgt spid="3">
+                                            <p:txEl>
+                                              <p:pRg st="2" end="2"/>
+                                            </p:txEl>
+                                          </p:spTgt>
+                                        </p:tgtEl>
+                                      </p:cBhvr>
+                                    </p:animEffect>
+                                    <p:anim calcmode="lin" valueType="num">
+                                      <p:cBhvr>
+                                        <p:cTn id="20" dur="1000" fill="hold"/>
+                                        <p:tgtEl>
+                                          <p:spTgt spid="3">
+                                            <p:txEl>
+                                              <p:pRg st="2" end="2"/>
+                                            </p:txEl>
+                                          </p:spTgt>
+                                        </p:tgtEl>
+                                        <p:attrNameLst>
+                                          <p:attrName>ppt_x</p:attrName>
+                                        </p:attrNameLst>
+                                      </p:cBhvr>
+                                      <p:tavLst>
+                                        <p:tav tm="0">
+                                          <p:val>
+                                            <p:strVal val="#ppt_x"/>
+                                          </p:val>
+                                        </p:tav>
+                                        <p:tav tm="100000">
+                                          <p:val>
+                                            <p:strVal val="#ppt_x"/>
+                                          </p:val>
+                                        </p:tav>
+                                      </p:tavLst>
+                                    </p:anim>
+                                    <p:anim calcmode="lin" valueType="num">
+                                      <p:cBhvr>
+                                        <p:cTn id="21" dur="1000" fill="hold"/>
+                                        <p:tgtEl>
+                                          <p:spTgt spid="3">
+                                            <p:txEl>
+                                              <p:pRg st="2" end="2"/>
+                                            </p:txEl>
+                                          </p:spTgt>
+                                        </p:tgtEl>
+                                        <p:attrNameLst>
+                                          <p:attrName>ppt_y</p:attrName>
+                                        </p:attrNameLst>
+                                      </p:cBhvr>
+                                      <p:tavLst>
+                                        <p:tav tm="0">
+                                          <p:val>
+                                            <p:strVal val="#ppt_y+.1"/>
+                                          </p:val>
+                                        </p:tav>
+                                        <p:tav tm="100000">
+                                          <p:val>
+                                            <p:strVal val="#ppt_y"/>
+                                          </p:val>
+                                        </p:tav>
+                                      </p:tavLst>
+                                    </p:anim>
+                                  </p:childTnLst>
+                                </p:cTn>
+                              </p:par>
+                            </p:childTnLst>
+                          </p:cTn>
+                        </p:par>
+                      </p:childTnLst>
+                    </p:cTn>
+                  </p:par>
+                </p:childTnLst>
+              </p:cTn>
+              <p:prevCondLst>
+                <p:cond evt="onPrev" delay="0">
+                  <p:tgtEl>
+                    <p:sldTgt/>
+                  </p:tgtEl>
+                </p:cond>
+              </p:prevCondLst>
+              <p:nextCondLst>
+                <p:cond evt="onNext" delay="0">
+                  <p:tgtEl>
+                    <p:sldTgt/>
+                  </p:tgtEl>
+                </p:cond>
+              </p:nextCondLst>
+            </p:seq>
+          </p:childTnLst>
+        </p:cTn>
+      </p:par>
+    </p:tnLst>
+  </p:timing>
+</p:sld>
+</file>
+
+<file path=ppt/slides/slide17.xml><?xml version="1.0" encoding="utf-8"?>
+<p:sld xmlns:a="http://schemas.openxmlformats.org/drawingml/2006/main" xmlns:r="http://schemas.openxmlformats.org/officeDocument/2006/relationships" xmlns:p="http://schemas.openxmlformats.org/presentationml/2006/main">
+  <p:cSld>
+    <p:spTree>
+      <p:nvGrpSpPr>
+        <p:cNvPr id="1" name=""/>
+        <p:cNvGrpSpPr/>
+        <p:nvPr/>
+      </p:nvGrpSpPr>
+      <p:grpSpPr>
+        <a:xfrm>
+          <a:off x="0" y="0"/>
+          <a:ext cx="0" cy="0"/>
+          <a:chOff x="0" y="0"/>
+          <a:chExt cx="0" cy="0"/>
+        </a:xfrm>
+      </p:grpSpPr>
+      <p:sp>
+        <p:nvSpPr>
+          <p:cNvPr id="2" name="Cím 1"/>
+          <p:cNvSpPr>
+            <a:spLocks noGrp="1"/>
+          </p:cNvSpPr>
+          <p:nvPr>
+            <p:ph type="title"/>
+          </p:nvPr>
+        </p:nvSpPr>
+        <p:spPr>
+          <a:xfrm>
+            <a:off x="838200" y="283238"/>
+            <a:ext cx="10515600" cy="1325563"/>
+          </a:xfrm>
+        </p:spPr>
+        <p:txBody>
+          <a:bodyPr/>
+          <a:lstStyle/>
+          <a:p>
+            <a:r>
+              <a:rPr lang="hu-HU" dirty="0" smtClean="0">
+                <a:solidFill>
+                  <a:schemeClr val="bg1"/>
+                </a:solidFill>
+                <a:latin typeface="Algerian" panose="04020705040A02060702" pitchFamily="82" charset="0"/>
+              </a:rPr>
+              <a:t>CPU története</a:t>
+            </a:r>
+            <a:endParaRPr lang="hu-HU" dirty="0">
+              <a:solidFill>
+                <a:schemeClr val="bg1"/>
+              </a:solidFill>
+              <a:latin typeface="Algerian" panose="04020705040A02060702" pitchFamily="82" charset="0"/>
+            </a:endParaRPr>
+          </a:p>
+        </p:txBody>
+      </p:sp>
+      <p:sp>
+        <p:nvSpPr>
+          <p:cNvPr id="3" name="Tartalom helye 2"/>
+          <p:cNvSpPr>
+            <a:spLocks noGrp="1"/>
+          </p:cNvSpPr>
+          <p:nvPr>
+            <p:ph idx="1"/>
+          </p:nvPr>
+        </p:nvSpPr>
+        <p:spPr>
+          <a:xfrm>
+            <a:off x="838200" y="2030340"/>
+            <a:ext cx="10515600" cy="4136283"/>
+          </a:xfrm>
+        </p:spPr>
+        <p:txBody>
+          <a:bodyPr>
+            <a:normAutofit/>
+          </a:bodyPr>
+          <a:lstStyle/>
+          <a:p>
+            <a:pPr>
+              <a:lnSpc>
+                <a:spcPct val="100000"/>
+              </a:lnSpc>
+            </a:pPr>
+            <a:r>
+              <a:rPr lang="hu-HU" dirty="0" smtClean="0">
+                <a:solidFill>
+                  <a:schemeClr val="bg1"/>
+                </a:solidFill>
+              </a:rPr>
+              <a:t>Intel </a:t>
+            </a:r>
+            <a:r>
+              <a:rPr lang="hu-HU" i="1" dirty="0" smtClean="0">
+                <a:solidFill>
+                  <a:schemeClr val="bg1"/>
+                </a:solidFill>
+              </a:rPr>
+              <a:t>1971</a:t>
+            </a:r>
+            <a:r>
+              <a:rPr lang="hu-HU" dirty="0" smtClean="0">
+                <a:solidFill>
+                  <a:schemeClr val="bg1"/>
+                </a:solidFill>
+              </a:rPr>
+              <a:t>: első mikroprocesszor (4 bites Intel 4004 - </a:t>
+            </a:r>
+            <a:r>
+              <a:rPr lang="hu-HU" dirty="0">
+                <a:solidFill>
+                  <a:schemeClr val="bg1"/>
+                </a:solidFill>
+              </a:rPr>
+              <a:t>740-kHz</a:t>
+            </a:r>
+            <a:r>
+              <a:rPr lang="hu-HU" dirty="0" smtClean="0">
+                <a:solidFill>
+                  <a:schemeClr val="bg1"/>
+                </a:solidFill>
+              </a:rPr>
+              <a:t>)</a:t>
+            </a:r>
+          </a:p>
+          <a:p>
+            <a:pPr>
+              <a:lnSpc>
+                <a:spcPct val="100000"/>
+              </a:lnSpc>
+            </a:pPr>
+            <a:r>
+              <a:rPr lang="hu-HU" dirty="0" smtClean="0">
+                <a:solidFill>
+                  <a:schemeClr val="bg1"/>
+                </a:solidFill>
+              </a:rPr>
+              <a:t>Később több sikeres 8 bites sorozat más gyártóktól</a:t>
+            </a:r>
+          </a:p>
+          <a:p>
+            <a:pPr lvl="1">
+              <a:lnSpc>
+                <a:spcPct val="100000"/>
+              </a:lnSpc>
+            </a:pPr>
+            <a:r>
+              <a:rPr lang="hu-HU" dirty="0" smtClean="0">
+                <a:solidFill>
+                  <a:schemeClr val="bg1"/>
+                </a:solidFill>
+              </a:rPr>
+              <a:t>Intel 8008</a:t>
+            </a:r>
+          </a:p>
+          <a:p>
+            <a:pPr lvl="1">
+              <a:lnSpc>
+                <a:spcPct val="100000"/>
+              </a:lnSpc>
+            </a:pPr>
+            <a:r>
+              <a:rPr lang="hu-HU" dirty="0" err="1" smtClean="0">
+                <a:solidFill>
+                  <a:schemeClr val="bg1"/>
+                </a:solidFill>
+              </a:rPr>
+              <a:t>Zilog</a:t>
+            </a:r>
+            <a:r>
+              <a:rPr lang="hu-HU" dirty="0" smtClean="0">
+                <a:solidFill>
+                  <a:schemeClr val="bg1"/>
+                </a:solidFill>
+              </a:rPr>
+              <a:t> Z80</a:t>
+            </a:r>
+          </a:p>
+          <a:p>
+            <a:pPr lvl="1">
+              <a:lnSpc>
+                <a:spcPct val="100000"/>
+              </a:lnSpc>
+            </a:pPr>
+            <a:r>
+              <a:rPr lang="hu-HU" dirty="0" smtClean="0">
+                <a:solidFill>
+                  <a:schemeClr val="bg1"/>
+                </a:solidFill>
+              </a:rPr>
+              <a:t>Motorola 6800</a:t>
+            </a:r>
+            <a:endParaRPr lang="hu-HU" dirty="0"/>
+          </a:p>
+          <a:p>
+            <a:pPr>
+              <a:lnSpc>
+                <a:spcPct val="100000"/>
+              </a:lnSpc>
+            </a:pPr>
+            <a:endParaRPr lang="hu-HU" dirty="0" smtClean="0">
+              <a:solidFill>
+                <a:schemeClr val="bg1"/>
+              </a:solidFill>
+            </a:endParaRPr>
+          </a:p>
+        </p:txBody>
+      </p:sp>
+    </p:spTree>
+    <p:extLst>
+      <p:ext uri="{BB962C8B-B14F-4D97-AF65-F5344CB8AC3E}">
+        <p14:creationId xmlns:p14="http://schemas.microsoft.com/office/powerpoint/2010/main" val="3536397502"/>
+      </p:ext>
+    </p:extLst>
+  </p:cSld>
+  <p:clrMapOvr>
+    <a:masterClrMapping/>
+  </p:clrMapOvr>
+  <mc:AlternateContent xmlns:mc="http://schemas.openxmlformats.org/markup-compatibility/2006" xmlns:p14="http://schemas.microsoft.com/office/powerpoint/2010/main">
+    <mc:Choice Requires="p14">
+      <p:transition spd="slow" p14:dur="3400">
+        <p14:reveal/>
+      </p:transition>
+    </mc:Choice>
+    <mc:Fallback xmlns="">
+      <p:transition spd="slow">
+        <p:fade/>
+      </p:transition>
+    </mc:Fallback>
+  </mc:AlternateContent>
+  <p:timing>
+    <p:tnLst>
+      <p:par>
+        <p:cTn id="1" dur="indefinite" restart="never" nodeType="tmRoot">
+          <p:childTnLst>
+            <p:seq concurrent="1" nextAc="seek">
+              <p:cTn id="2" dur="indefinite" nodeType="mainSeq">
+                <p:childTnLst>
+                  <p:par>
+                    <p:cTn id="3" fill="hold">
+                      <p:stCondLst>
+                        <p:cond delay="indefinite"/>
+                      </p:stCondLst>
+                      <p:childTnLst>
+                        <p:par>
+                          <p:cTn id="4" fill="hold">
+                            <p:stCondLst>
+                              <p:cond delay="0"/>
+                            </p:stCondLst>
+                            <p:childTnLst>
+                              <p:par>
+                                <p:cTn id="5" presetID="2" presetClass="entr" presetSubtype="8" fill="hold" nodeType="clickEffect">
+                                  <p:stCondLst>
+                                    <p:cond delay="0"/>
+                                  </p:stCondLst>
+                                  <p:childTnLst>
+                                    <p:set>
+                                      <p:cBhvr>
+                                        <p:cTn id="6" dur="1" fill="hold">
+                                          <p:stCondLst>
+                                            <p:cond delay="0"/>
+                                          </p:stCondLst>
+                                        </p:cTn>
+                                        <p:tgtEl>
+                                          <p:spTgt spid="3">
+                                            <p:txEl>
+                                              <p:pRg st="0" end="0"/>
+                                            </p:txEl>
+                                          </p:spTgt>
+                                        </p:tgtEl>
+                                        <p:attrNameLst>
+                                          <p:attrName>style.visibility</p:attrName>
+                                        </p:attrNameLst>
+                                      </p:cBhvr>
+                                      <p:to>
+                                        <p:strVal val="visible"/>
+                                      </p:to>
+                                    </p:set>
+                                    <p:anim calcmode="lin" valueType="num">
+                                      <p:cBhvr additive="base">
+                                        <p:cTn id="7" dur="500" fill="hold"/>
+                                        <p:tgtEl>
+                                          <p:spTgt spid="3">
+                                            <p:txEl>
+                                              <p:pRg st="0" end="0"/>
+                                            </p:txEl>
+                                          </p:spTgt>
+                                        </p:tgtEl>
+                                        <p:attrNameLst>
+                                          <p:attrName>ppt_x</p:attrName>
+                                        </p:attrNameLst>
+                                      </p:cBhvr>
+                                      <p:tavLst>
+                                        <p:tav tm="0">
+                                          <p:val>
+                                            <p:strVal val="0-#ppt_w/2"/>
+                                          </p:val>
+                                        </p:tav>
+                                        <p:tav tm="100000">
+                                          <p:val>
+                                            <p:strVal val="#ppt_x"/>
+                                          </p:val>
+                                        </p:tav>
+                                      </p:tavLst>
+                                    </p:anim>
+                                    <p:anim calcmode="lin" valueType="num">
+                                      <p:cBhvr additive="base">
+                                        <p:cTn id="8" dur="500" fill="hold"/>
+                                        <p:tgtEl>
+                                          <p:spTgt spid="3">
+                                            <p:txEl>
+                                              <p:pRg st="0" end="0"/>
+                                            </p:txEl>
+                                          </p:spTgt>
+                                        </p:tgtEl>
+                                        <p:attrNameLst>
+                                          <p:attrName>ppt_y</p:attrName>
+                                        </p:attrNameLst>
+                                      </p:cBhvr>
+                                      <p:tavLst>
+                                        <p:tav tm="0">
+                                          <p:val>
+                                            <p:strVal val="#ppt_y"/>
+                                          </p:val>
+                                        </p:tav>
+                                        <p:tav tm="100000">
+                                          <p:val>
+                                            <p:strVal val="#ppt_y"/>
+                                          </p:val>
+                                        </p:tav>
+                                      </p:tavLst>
+                                    </p:anim>
+                                  </p:childTnLst>
+                                </p:cTn>
+                              </p:par>
+                            </p:childTnLst>
+                          </p:cTn>
+                        </p:par>
+                      </p:childTnLst>
+                    </p:cTn>
+                  </p:par>
+                  <p:par>
+                    <p:cTn id="9" fill="hold">
+                      <p:stCondLst>
+                        <p:cond delay="indefinite"/>
+                      </p:stCondLst>
+                      <p:childTnLst>
+                        <p:par>
+                          <p:cTn id="10" fill="hold">
+                            <p:stCondLst>
+                              <p:cond delay="0"/>
+                            </p:stCondLst>
+                            <p:childTnLst>
+                              <p:par>
+                                <p:cTn id="11" presetID="2" presetClass="entr" presetSubtype="8" fill="hold" nodeType="clickEffect">
+                                  <p:stCondLst>
+                                    <p:cond delay="0"/>
+                                  </p:stCondLst>
+                                  <p:childTnLst>
+                                    <p:set>
+                                      <p:cBhvr>
+                                        <p:cTn id="12" dur="1" fill="hold">
+                                          <p:stCondLst>
+                                            <p:cond delay="0"/>
+                                          </p:stCondLst>
+                                        </p:cTn>
+                                        <p:tgtEl>
+                                          <p:spTgt spid="3">
+                                            <p:txEl>
+                                              <p:pRg st="1" end="1"/>
+                                            </p:txEl>
+                                          </p:spTgt>
+                                        </p:tgtEl>
+                                        <p:attrNameLst>
+                                          <p:attrName>style.visibility</p:attrName>
+                                        </p:attrNameLst>
+                                      </p:cBhvr>
+                                      <p:to>
+                                        <p:strVal val="visible"/>
+                                      </p:to>
+                                    </p:set>
+                                    <p:anim calcmode="lin" valueType="num">
+                                      <p:cBhvr additive="base">
+                                        <p:cTn id="13" dur="500" fill="hold"/>
+                                        <p:tgtEl>
+                                          <p:spTgt spid="3">
+                                            <p:txEl>
+                                              <p:pRg st="1" end="1"/>
+                                            </p:txEl>
+                                          </p:spTgt>
+                                        </p:tgtEl>
+                                        <p:attrNameLst>
+                                          <p:attrName>ppt_x</p:attrName>
+                                        </p:attrNameLst>
+                                      </p:cBhvr>
+                                      <p:tavLst>
+                                        <p:tav tm="0">
+                                          <p:val>
+                                            <p:strVal val="0-#ppt_w/2"/>
+                                          </p:val>
+                                        </p:tav>
+                                        <p:tav tm="100000">
+                                          <p:val>
+                                            <p:strVal val="#ppt_x"/>
+                                          </p:val>
+                                        </p:tav>
+                                      </p:tavLst>
+                                    </p:anim>
+                                    <p:anim calcmode="lin" valueType="num">
+                                      <p:cBhvr additive="base">
+                                        <p:cTn id="14" dur="500" fill="hold"/>
+                                        <p:tgtEl>
+                                          <p:spTgt spid="3">
+                                            <p:txEl>
+                                              <p:pRg st="1" end="1"/>
+                                            </p:txEl>
+                                          </p:spTgt>
+                                        </p:tgtEl>
+                                        <p:attrNameLst>
+                                          <p:attrName>ppt_y</p:attrName>
+                                        </p:attrNameLst>
+                                      </p:cBhvr>
+                                      <p:tavLst>
+                                        <p:tav tm="0">
+                                          <p:val>
+                                            <p:strVal val="#ppt_y"/>
+                                          </p:val>
+                                        </p:tav>
+                                        <p:tav tm="100000">
+                                          <p:val>
+                                            <p:strVal val="#ppt_y"/>
+                                          </p:val>
+                                        </p:tav>
+                                      </p:tavLst>
+                                    </p:anim>
+                                  </p:childTnLst>
+                                </p:cTn>
+                              </p:par>
+                            </p:childTnLst>
+                          </p:cTn>
+                        </p:par>
+                      </p:childTnLst>
+                    </p:cTn>
+                  </p:par>
+                  <p:par>
+                    <p:cTn id="15" fill="hold">
+                      <p:stCondLst>
+                        <p:cond delay="indefinite"/>
+                      </p:stCondLst>
+                      <p:childTnLst>
+                        <p:par>
+                          <p:cTn id="16" fill="hold">
+                            <p:stCondLst>
+                              <p:cond delay="0"/>
+                            </p:stCondLst>
+                            <p:childTnLst>
+                              <p:par>
+                                <p:cTn id="17" presetID="2" presetClass="entr" presetSubtype="8" fill="hold" nodeType="clickEffect">
+                                  <p:stCondLst>
+                                    <p:cond delay="0"/>
+                                  </p:stCondLst>
+                                  <p:childTnLst>
+                                    <p:set>
+                                      <p:cBhvr>
+                                        <p:cTn id="18" dur="1" fill="hold">
+                                          <p:stCondLst>
+                                            <p:cond delay="0"/>
+                                          </p:stCondLst>
+                                        </p:cTn>
+                                        <p:tgtEl>
+                                          <p:spTgt spid="3">
+                                            <p:txEl>
+                                              <p:pRg st="2" end="2"/>
+                                            </p:txEl>
+                                          </p:spTgt>
+                                        </p:tgtEl>
+                                        <p:attrNameLst>
+                                          <p:attrName>style.visibility</p:attrName>
+                                        </p:attrNameLst>
+                                      </p:cBhvr>
+                                      <p:to>
+                                        <p:strVal val="visible"/>
+                                      </p:to>
+                                    </p:set>
+                                    <p:anim calcmode="lin" valueType="num">
+                                      <p:cBhvr additive="base">
+                                        <p:cTn id="19" dur="500" fill="hold"/>
+                                        <p:tgtEl>
+                                          <p:spTgt spid="3">
+                                            <p:txEl>
+                                              <p:pRg st="2" end="2"/>
+                                            </p:txEl>
+                                          </p:spTgt>
+                                        </p:tgtEl>
+                                        <p:attrNameLst>
+                                          <p:attrName>ppt_x</p:attrName>
+                                        </p:attrNameLst>
+                                      </p:cBhvr>
+                                      <p:tavLst>
+                                        <p:tav tm="0">
+                                          <p:val>
+                                            <p:strVal val="0-#ppt_w/2"/>
+                                          </p:val>
+                                        </p:tav>
+                                        <p:tav tm="100000">
+                                          <p:val>
+                                            <p:strVal val="#ppt_x"/>
+                                          </p:val>
+                                        </p:tav>
+                                      </p:tavLst>
+                                    </p:anim>
+                                    <p:anim calcmode="lin" valueType="num">
+                                      <p:cBhvr additive="base">
+                                        <p:cTn id="20" dur="500" fill="hold"/>
+                                        <p:tgtEl>
+                                          <p:spTgt spid="3">
+                                            <p:txEl>
+                                              <p:pRg st="2" end="2"/>
+                                            </p:txEl>
+                                          </p:spTgt>
+                                        </p:tgtEl>
+                                        <p:attrNameLst>
+                                          <p:attrName>ppt_y</p:attrName>
+                                        </p:attrNameLst>
+                                      </p:cBhvr>
+                                      <p:tavLst>
+                                        <p:tav tm="0">
+                                          <p:val>
+                                            <p:strVal val="#ppt_y"/>
+                                          </p:val>
+                                        </p:tav>
+                                        <p:tav tm="100000">
+                                          <p:val>
+                                            <p:strVal val="#ppt_y"/>
+                                          </p:val>
+                                        </p:tav>
+                                      </p:tavLst>
+                                    </p:anim>
+                                  </p:childTnLst>
+                                </p:cTn>
+                              </p:par>
+                            </p:childTnLst>
+                          </p:cTn>
+                        </p:par>
+                      </p:childTnLst>
+                    </p:cTn>
+                  </p:par>
+                  <p:par>
+                    <p:cTn id="21" fill="hold">
+                      <p:stCondLst>
+                        <p:cond delay="indefinite"/>
+                      </p:stCondLst>
+                      <p:childTnLst>
+                        <p:par>
+                          <p:cTn id="22" fill="hold">
+                            <p:stCondLst>
+                              <p:cond delay="0"/>
+                            </p:stCondLst>
+                            <p:childTnLst>
+                              <p:par>
+                                <p:cTn id="23" presetID="2" presetClass="entr" presetSubtype="8" fill="hold" nodeType="clickEffect">
+                                  <p:stCondLst>
+                                    <p:cond delay="0"/>
+                                  </p:stCondLst>
+                                  <p:childTnLst>
+                                    <p:set>
+                                      <p:cBhvr>
+                                        <p:cTn id="24" dur="1" fill="hold">
+                                          <p:stCondLst>
+                                            <p:cond delay="0"/>
+                                          </p:stCondLst>
+                                        </p:cTn>
+                                        <p:tgtEl>
+                                          <p:spTgt spid="3">
+                                            <p:txEl>
+                                              <p:pRg st="3" end="3"/>
+                                            </p:txEl>
+                                          </p:spTgt>
+                                        </p:tgtEl>
+                                        <p:attrNameLst>
+                                          <p:attrName>style.visibility</p:attrName>
+                                        </p:attrNameLst>
+                                      </p:cBhvr>
+                                      <p:to>
+                                        <p:strVal val="visible"/>
+                                      </p:to>
+                                    </p:set>
+                                    <p:anim calcmode="lin" valueType="num">
+                                      <p:cBhvr additive="base">
+                                        <p:cTn id="25" dur="500" fill="hold"/>
+                                        <p:tgtEl>
+                                          <p:spTgt spid="3">
+                                            <p:txEl>
+                                              <p:pRg st="3" end="3"/>
+                                            </p:txEl>
+                                          </p:spTgt>
+                                        </p:tgtEl>
+                                        <p:attrNameLst>
+                                          <p:attrName>ppt_x</p:attrName>
+                                        </p:attrNameLst>
+                                      </p:cBhvr>
+                                      <p:tavLst>
+                                        <p:tav tm="0">
+                                          <p:val>
+                                            <p:strVal val="0-#ppt_w/2"/>
+                                          </p:val>
+                                        </p:tav>
+                                        <p:tav tm="100000">
+                                          <p:val>
+                                            <p:strVal val="#ppt_x"/>
+                                          </p:val>
+                                        </p:tav>
+                                      </p:tavLst>
+                                    </p:anim>
+                                    <p:anim calcmode="lin" valueType="num">
+                                      <p:cBhvr additive="base">
+                                        <p:cTn id="26" dur="500" fill="hold"/>
+                                        <p:tgtEl>
+                                          <p:spTgt spid="3">
+                                            <p:txEl>
+                                              <p:pRg st="3" end="3"/>
+                                            </p:txEl>
+                                          </p:spTgt>
+                                        </p:tgtEl>
+                                        <p:attrNameLst>
+                                          <p:attrName>ppt_y</p:attrName>
+                                        </p:attrNameLst>
+                                      </p:cBhvr>
+                                      <p:tavLst>
+                                        <p:tav tm="0">
+                                          <p:val>
+                                            <p:strVal val="#ppt_y"/>
+                                          </p:val>
+                                        </p:tav>
+                                        <p:tav tm="100000">
+                                          <p:val>
+                                            <p:strVal val="#ppt_y"/>
+                                          </p:val>
+                                        </p:tav>
+                                      </p:tavLst>
+                                    </p:anim>
+                                  </p:childTnLst>
+                                </p:cTn>
+                              </p:par>
+                            </p:childTnLst>
+                          </p:cTn>
+                        </p:par>
+                      </p:childTnLst>
+                    </p:cTn>
+                  </p:par>
+                  <p:par>
+                    <p:cTn id="27" fill="hold">
+                      <p:stCondLst>
+                        <p:cond delay="indefinite"/>
+                      </p:stCondLst>
+                      <p:childTnLst>
+                        <p:par>
+                          <p:cTn id="28" fill="hold">
+                            <p:stCondLst>
+                              <p:cond delay="0"/>
+                            </p:stCondLst>
+                            <p:childTnLst>
+                              <p:par>
+                                <p:cTn id="29" presetID="2" presetClass="entr" presetSubtype="8" fill="hold" nodeType="clickEffect">
+                                  <p:stCondLst>
+                                    <p:cond delay="0"/>
+                                  </p:stCondLst>
+                                  <p:childTnLst>
+                                    <p:set>
+                                      <p:cBhvr>
+                                        <p:cTn id="30" dur="1" fill="hold">
+                                          <p:stCondLst>
+                                            <p:cond delay="0"/>
+                                          </p:stCondLst>
+                                        </p:cTn>
+                                        <p:tgtEl>
+                                          <p:spTgt spid="3">
+                                            <p:txEl>
+                                              <p:pRg st="4" end="4"/>
+                                            </p:txEl>
+                                          </p:spTgt>
+                                        </p:tgtEl>
+                                        <p:attrNameLst>
+                                          <p:attrName>style.visibility</p:attrName>
+                                        </p:attrNameLst>
+                                      </p:cBhvr>
+                                      <p:to>
+                                        <p:strVal val="visible"/>
+                                      </p:to>
+                                    </p:set>
+                                    <p:anim calcmode="lin" valueType="num">
+                                      <p:cBhvr additive="base">
+                                        <p:cTn id="31" dur="500" fill="hold"/>
+                                        <p:tgtEl>
+                                          <p:spTgt spid="3">
+                                            <p:txEl>
+                                              <p:pRg st="4" end="4"/>
+                                            </p:txEl>
+                                          </p:spTgt>
+                                        </p:tgtEl>
+                                        <p:attrNameLst>
+                                          <p:attrName>ppt_x</p:attrName>
+                                        </p:attrNameLst>
+                                      </p:cBhvr>
+                                      <p:tavLst>
+                                        <p:tav tm="0">
+                                          <p:val>
+                                            <p:strVal val="0-#ppt_w/2"/>
+                                          </p:val>
+                                        </p:tav>
+                                        <p:tav tm="100000">
+                                          <p:val>
+                                            <p:strVal val="#ppt_x"/>
+                                          </p:val>
+                                        </p:tav>
+                                      </p:tavLst>
+                                    </p:anim>
+                                    <p:anim calcmode="lin" valueType="num">
+                                      <p:cBhvr additive="base">
+                                        <p:cTn id="32" dur="500" fill="hold"/>
+                                        <p:tgtEl>
+                                          <p:spTgt spid="3">
+                                            <p:txEl>
+                                              <p:pRg st="4" end="4"/>
+                                            </p:txEl>
+                                          </p:spTgt>
+                                        </p:tgtEl>
+                                        <p:attrNameLst>
+                                          <p:attrName>ppt_y</p:attrName>
+                                        </p:attrNameLst>
+                                      </p:cBhvr>
+                                      <p:tavLst>
+                                        <p:tav tm="0">
+                                          <p:val>
+                                            <p:strVal val="#ppt_y"/>
+                                          </p:val>
+                                        </p:tav>
+                                        <p:tav tm="100000">
+                                          <p:val>
+                                            <p:strVal val="#ppt_y"/>
+                                          </p:val>
+                                        </p:tav>
+                                      </p:tavLst>
+                                    </p:anim>
+                                  </p:childTnLst>
+                                </p:cTn>
+                              </p:par>
+                            </p:childTnLst>
+                          </p:cTn>
+                        </p:par>
+                      </p:childTnLst>
+                    </p:cTn>
+                  </p:par>
+                </p:childTnLst>
+              </p:cTn>
+              <p:prevCondLst>
+                <p:cond evt="onPrev" delay="0">
+                  <p:tgtEl>
+                    <p:sldTgt/>
+                  </p:tgtEl>
+                </p:cond>
+              </p:prevCondLst>
+              <p:nextCondLst>
+                <p:cond evt="onNext" delay="0">
+                  <p:tgtEl>
+                    <p:sldTgt/>
+                  </p:tgtEl>
+                </p:cond>
+              </p:nextCondLst>
+            </p:seq>
+          </p:childTnLst>
+        </p:cTn>
+      </p:par>
+    </p:tnLst>
+  </p:timing>
+</p:sld>
+</file>
+
+<file path=ppt/slides/slide2.xml><?xml version="1.0" encoding="utf-8"?>
+<p:sld xmlns:a="http://schemas.openxmlformats.org/drawingml/2006/main" xmlns:r="http://schemas.openxmlformats.org/officeDocument/2006/relationships" xmlns:p="http://schemas.openxmlformats.org/presentationml/2006/main">
+  <p:cSld>
+    <p:spTree>
+      <p:nvGrpSpPr>
+        <p:cNvPr id="1" name=""/>
+        <p:cNvGrpSpPr/>
+        <p:nvPr/>
+      </p:nvGrpSpPr>
+      <p:grpSpPr>
+        <a:xfrm>
+          <a:off x="0" y="0"/>
+          <a:ext cx="0" cy="0"/>
+          <a:chOff x="0" y="0"/>
+          <a:chExt cx="0" cy="0"/>
+        </a:xfrm>
+      </p:grpSpPr>
+      <p:sp>
+        <p:nvSpPr>
+          <p:cNvPr id="2" name="Cím 1"/>
+          <p:cNvSpPr>
+            <a:spLocks noGrp="1"/>
+          </p:cNvSpPr>
+          <p:nvPr>
+            <p:ph type="title"/>
+          </p:nvPr>
+        </p:nvSpPr>
+        <p:spPr>
+          <a:xfrm>
+            <a:off x="0" y="0"/>
+            <a:ext cx="12191999" cy="6857999"/>
+          </a:xfrm>
+        </p:spPr>
+        <p:txBody>
+          <a:bodyPr/>
+          <a:lstStyle/>
+          <a:p>
+            <a:pPr algn="ctr"/>
+            <a:r>
+              <a:rPr lang="hu-HU" dirty="0" smtClean="0">
+                <a:solidFill>
+                  <a:schemeClr val="bg1"/>
+                </a:solidFill>
+                <a:latin typeface="Algerian" panose="04020705040A02060702" pitchFamily="82" charset="0"/>
+              </a:rPr>
+              <a:t>RAM MEMÓRIA</a:t>
+            </a:r>
+            <a:endParaRPr lang="hu-HU" dirty="0">
+              <a:solidFill>
+                <a:schemeClr val="bg1"/>
+              </a:solidFill>
+              <a:latin typeface="Algerian" panose="04020705040A02060702" pitchFamily="82" charset="0"/>
+            </a:endParaRPr>
+          </a:p>
+        </p:txBody>
+      </p:sp>
+    </p:spTree>
+    <p:extLst>
+      <p:ext uri="{BB962C8B-B14F-4D97-AF65-F5344CB8AC3E}">
+        <p14:creationId xmlns:p14="http://schemas.microsoft.com/office/powerpoint/2010/main" val="1619045811"/>
+      </p:ext>
+    </p:extLst>
+  </p:cSld>
+  <p:clrMapOvr>
+    <a:masterClrMapping/>
+  </p:clrMapOvr>
+  <mc:AlternateContent xmlns:mc="http://schemas.openxmlformats.org/markup-compatibility/2006" xmlns:p14="http://schemas.microsoft.com/office/powerpoint/2010/main">
+    <mc:Choice Requires="p14">
+      <p:transition spd="slow" p14:dur="3400">
+        <p14:reveal/>
+      </p:transition>
+    </mc:Choice>
+    <mc:Fallback xmlns="">
+      <p:transition spd="slow">
+        <p:fade/>
+      </p:transition>
+    </mc:Fallback>
+  </mc:AlternateContent>
+  <p:timing>
+    <p:tnLst>
+      <p:par>
+        <p:cTn id="1" dur="indefinite" restart="never" nodeType="tmRoot"/>
+      </p:par>
+    </p:tnLst>
+  </p:timing>
+</p:sld>
+</file>
+
 <file path=ppt/slides/slide3.xml><?xml version="1.0" encoding="utf-8"?>
 <p:sld xmlns:a="http://schemas.openxmlformats.org/drawingml/2006/main" xmlns:r="http://schemas.openxmlformats.org/officeDocument/2006/relationships" xmlns:p="http://schemas.openxmlformats.org/presentationml/2006/main">
   <p:cSld>
@@ -4363,8 +9170,8 @@
         </p:nvSpPr>
         <p:spPr>
           <a:xfrm>
-            <a:off x="291721" y="474306"/>
-            <a:ext cx="11608558" cy="1325563"/>
+            <a:off x="838200" y="283238"/>
+            <a:ext cx="10515600" cy="1325563"/>
           </a:xfrm>
         </p:spPr>
         <p:txBody>
@@ -4372,22 +9179,13 @@
           <a:lstStyle/>
           <a:p>
             <a:r>
-              <a:rPr lang="hu-HU" dirty="0">
+              <a:rPr lang="hu-HU" dirty="0" smtClean="0">
                 <a:solidFill>
                   <a:schemeClr val="bg1"/>
                 </a:solidFill>
                 <a:latin typeface="Algerian" panose="04020705040A02060702" pitchFamily="82" charset="0"/>
               </a:rPr>
-              <a:t>Fontosabb félvezető </a:t>
-            </a:r>
-            <a:r>
-              <a:rPr lang="hu-HU" dirty="0" smtClean="0">
-                <a:solidFill>
-                  <a:schemeClr val="bg1"/>
-                </a:solidFill>
-                <a:latin typeface="Algerian" panose="04020705040A02060702" pitchFamily="82" charset="0"/>
-              </a:rPr>
-              <a:t>memóriatípusok</a:t>
+              <a:t>Mi a RAM?</a:t>
             </a:r>
             <a:endParaRPr lang="hu-HU" dirty="0">
               <a:solidFill>
@@ -4410,14 +9208,12 @@
         </p:nvSpPr>
         <p:spPr>
           <a:xfrm>
-            <a:off x="838200" y="2084933"/>
-            <a:ext cx="10515600" cy="3524298"/>
+            <a:off x="838200" y="2030341"/>
+            <a:ext cx="10515600" cy="3851844"/>
           </a:xfrm>
         </p:spPr>
         <p:txBody>
-          <a:bodyPr>
-            <a:normAutofit/>
-          </a:bodyPr>
+          <a:bodyPr/>
           <a:lstStyle/>
           <a:p>
             <a:pPr>
@@ -4426,20 +9222,28 @@
               </a:lnSpc>
             </a:pPr>
             <a:r>
-              <a:rPr lang="hu-HU" b="1" dirty="0">
-                <a:solidFill>
-                  <a:schemeClr val="bg1"/>
-                </a:solidFill>
-              </a:rPr>
-              <a:t>ROM </a:t>
-            </a:r>
-            <a:r>
               <a:rPr lang="hu-HU" dirty="0">
                 <a:solidFill>
                   <a:schemeClr val="bg1"/>
                 </a:solidFill>
               </a:rPr>
-              <a:t>(csak olvasható memória): Gyártó által beégetett adatot tartalmaz, amely nem módosítható.</a:t>
+              <a:t>A RAM (Random Access </a:t>
+            </a:r>
+            <a:r>
+              <a:rPr lang="hu-HU" dirty="0" err="1">
+                <a:solidFill>
+                  <a:schemeClr val="bg1"/>
+                </a:solidFill>
+              </a:rPr>
+              <a:t>Memory</a:t>
+            </a:r>
+            <a:r>
+              <a:rPr lang="hu-HU" dirty="0">
+                <a:solidFill>
+                  <a:schemeClr val="bg1"/>
+                </a:solidFill>
+              </a:rPr>
+              <a:t>) egy olyan típusú számítógépes memória, amely gyors és véletlenszerű hozzáférést biztosít az adatokhoz.</a:t>
             </a:r>
           </a:p>
           <a:p>
@@ -4449,20 +9253,28 @@
               </a:lnSpc>
             </a:pPr>
             <a:r>
-              <a:rPr lang="hu-HU" b="1" dirty="0">
-                <a:solidFill>
-                  <a:schemeClr val="bg1"/>
-                </a:solidFill>
-              </a:rPr>
-              <a:t>PROM</a:t>
-            </a:r>
-            <a:r>
               <a:rPr lang="hu-HU" dirty="0">
                 <a:solidFill>
                   <a:schemeClr val="bg1"/>
                 </a:solidFill>
               </a:rPr>
-              <a:t> (programozható ROM): Olyan memória, amely egyszer írható, de később nem módosítható.</a:t>
+              <a:t>Ez a memória típus ideiglenes </a:t>
+            </a:r>
+            <a:r>
+              <a:rPr lang="hu-HU" dirty="0" err="1">
+                <a:solidFill>
+                  <a:schemeClr val="bg1"/>
+                </a:solidFill>
+              </a:rPr>
+              <a:t>tárolóhelyet</a:t>
+            </a:r>
+            <a:r>
+              <a:rPr lang="hu-HU" dirty="0">
+                <a:solidFill>
+                  <a:schemeClr val="bg1"/>
+                </a:solidFill>
+              </a:rPr>
+              <a:t> biztosít a futó alkalmazások számára.</a:t>
             </a:r>
           </a:p>
           <a:p>
@@ -4472,117 +9284,39 @@
               </a:lnSpc>
             </a:pPr>
             <a:r>
-              <a:rPr lang="hu-HU" b="1" dirty="0">
-                <a:solidFill>
-                  <a:schemeClr val="bg1"/>
-                </a:solidFill>
-              </a:rPr>
-              <a:t>EPROM</a:t>
-            </a:r>
-            <a:r>
               <a:rPr lang="hu-HU" dirty="0">
                 <a:solidFill>
                   <a:schemeClr val="bg1"/>
                 </a:solidFill>
               </a:rPr>
-              <a:t> (törölhető PROM): Törölhető és többször újraírható</a:t>
-            </a:r>
-            <a:r>
-              <a:rPr lang="hu-HU" dirty="0" smtClean="0">
-                <a:solidFill>
-                  <a:schemeClr val="bg1"/>
-                </a:solidFill>
-              </a:rPr>
-              <a:t>;</a:t>
-            </a:r>
-          </a:p>
-          <a:p>
-            <a:pPr>
-              <a:lnSpc>
-                <a:spcPct val="100000"/>
-              </a:lnSpc>
+              <a:t>A RAM kapacitása nagyban befolyásolja a számítógép teljesítményét, mivel a nagyobb RAM kapacitás lehetővé teszi több program futtatását és azok gyorsabb működését.</a:t>
+            </a:r>
+          </a:p>
+          <a:p>
+            <a:pPr marL="0" indent="0">
+              <a:buNone/>
             </a:pPr>
-            <a:r>
-              <a:rPr lang="hu-HU" dirty="0" smtClean="0">
-                <a:solidFill>
-                  <a:schemeClr val="bg1"/>
-                </a:solidFill>
-              </a:rPr>
-              <a:t> </a:t>
-            </a:r>
-            <a:r>
-              <a:rPr lang="hu-HU" b="1" dirty="0" smtClean="0">
-                <a:solidFill>
-                  <a:schemeClr val="bg1"/>
-                </a:solidFill>
-              </a:rPr>
-              <a:t>EEPROM</a:t>
-            </a:r>
-            <a:r>
-              <a:rPr lang="hu-HU" dirty="0" smtClean="0">
-                <a:solidFill>
-                  <a:schemeClr val="bg1"/>
-                </a:solidFill>
-              </a:rPr>
-              <a:t> </a:t>
-            </a:r>
-            <a:r>
-              <a:rPr lang="hu-HU" dirty="0">
-                <a:solidFill>
-                  <a:schemeClr val="bg1"/>
-                </a:solidFill>
-              </a:rPr>
-              <a:t>(elektronikusan törölhető PROM): Elektromos feszültséggel törölhető és újraírható. Ilyenek például a </a:t>
-            </a:r>
-            <a:r>
-              <a:rPr lang="hu-HU" dirty="0" err="1">
-                <a:solidFill>
-                  <a:schemeClr val="bg1"/>
-                </a:solidFill>
-              </a:rPr>
-              <a:t>Flash</a:t>
-            </a:r>
-            <a:r>
-              <a:rPr lang="hu-HU" dirty="0">
-                <a:solidFill>
-                  <a:schemeClr val="bg1"/>
-                </a:solidFill>
-              </a:rPr>
-              <a:t> memóriák is</a:t>
-            </a:r>
-            <a:r>
-              <a:rPr lang="hu-HU" dirty="0" smtClean="0">
-                <a:solidFill>
-                  <a:schemeClr val="bg1"/>
-                </a:solidFill>
-              </a:rPr>
-              <a:t>.</a:t>
-            </a:r>
-            <a:endParaRPr lang="hu-HU" dirty="0">
-              <a:solidFill>
-                <a:schemeClr val="bg1"/>
-              </a:solidFill>
-            </a:endParaRPr>
+            <a:endParaRPr lang="hu-HU" dirty="0"/>
           </a:p>
         </p:txBody>
       </p:sp>
     </p:spTree>
     <p:extLst>
       <p:ext uri="{BB962C8B-B14F-4D97-AF65-F5344CB8AC3E}">
-        <p14:creationId xmlns:p14="http://schemas.microsoft.com/office/powerpoint/2010/main" val="1084063932"/>
+        <p14:creationId xmlns:p14="http://schemas.microsoft.com/office/powerpoint/2010/main" val="699268622"/>
       </p:ext>
     </p:extLst>
   </p:cSld>
   <p:clrMapOvr>
     <a:masterClrMapping/>
   </p:clrMapOvr>
-  <mc:AlternateContent xmlns:mc="http://schemas.openxmlformats.org/markup-compatibility/2006">
-    <mc:Choice xmlns:p14="http://schemas.microsoft.com/office/powerpoint/2010/main" Requires="p14">
+  <mc:AlternateContent xmlns:mc="http://schemas.openxmlformats.org/markup-compatibility/2006" xmlns:p14="http://schemas.microsoft.com/office/powerpoint/2010/main">
+    <mc:Choice Requires="p14">
       <p:transition spd="slow" p14:dur="3400">
         <p14:reveal/>
       </p:transition>
     </mc:Choice>
-    <mc:Fallback>
+    <mc:Fallback xmlns="">
       <p:transition spd="slow">
         <p:fade/>
       </p:transition>
@@ -4600,9 +9334,6 @@
                     <p:cTn id="3" fill="hold">
                       <p:stCondLst>
                         <p:cond delay="indefinite"/>
-                        <p:cond evt="onBegin" delay="0">
-                          <p:tn val="2"/>
-                        </p:cond>
                       </p:stCondLst>
                       <p:childTnLst>
                         <p:par>
@@ -4612,7 +9343,7 @@
                             </p:stCondLst>
                             <p:childTnLst>
                               <p:par>
-                                <p:cTn id="5" presetID="2" presetClass="entr" presetSubtype="4" fill="hold" nodeType="afterEffect">
+                                <p:cTn id="5" presetID="42" presetClass="entr" presetSubtype="0" fill="hold" nodeType="clickEffect">
                                   <p:stCondLst>
                                     <p:cond delay="0"/>
                                   </p:stCondLst>
@@ -4639,9 +9370,21 @@
                                         <p:strVal val="visible"/>
                                       </p:to>
                                     </p:set>
+                                    <p:animEffect transition="in" filter="fade">
+                                      <p:cBhvr>
+                                        <p:cTn id="7" dur="1000"/>
+                                        <p:tgtEl>
+                                          <p:spTgt spid="3">
+                                            <p:txEl>
+                                              <p:pRg st="0" end="0"/>
+                                            </p:txEl>
+                                          </p:spTgt>
+                                        </p:tgtEl>
+                                      </p:cBhvr>
+                                    </p:animEffect>
                                     <p:anim calcmode="lin" valueType="num">
-                                      <p:cBhvr additive="base">
-                                        <p:cTn id="7" dur="500" fill="hold"/>
+                                      <p:cBhvr>
+                                        <p:cTn id="8" dur="1000" fill="hold"/>
                                         <p:tgtEl>
                                           <p:spTgt spid="3">
                                             <p:txEl>
@@ -4667,8 +9410,8 @@
                                       </p:tavLst>
                                     </p:anim>
                                     <p:anim calcmode="lin" valueType="num">
-                                      <p:cBhvr additive="base">
-                                        <p:cTn id="8" dur="500" fill="hold"/>
+                                      <p:cBhvr>
+                                        <p:cTn id="9" dur="1000" fill="hold"/>
                                         <p:tgtEl>
                                           <p:spTgt spid="3">
                                             <p:txEl>
@@ -4683,7 +9426,7 @@
                                       <p:tavLst>
                                         <p:tav tm="0">
                                           <p:val>
-                                            <p:strVal val="1+#ppt_h/2"/>
+                                            <p:strVal val="#ppt_y+.1"/>
                                           </p:val>
                                         </p:tav>
                                         <p:tav tm="100000">
@@ -4700,20 +9443,20 @@
                           </p:cTn>
                         </p:par>
                         <p:par>
-                          <p:cTn id="9" fill="hold">
+                          <p:cTn id="10" fill="hold">
                             <p:stCondLst>
-                              <p:cond delay="500"/>
+                              <p:cond delay="1000"/>
                             </p:stCondLst>
                             <p:childTnLst>
                               <p:par>
-                                <p:cTn id="10" presetID="2" presetClass="entr" presetSubtype="4" fill="hold" nodeType="afterEffect">
+                                <p:cTn id="11" presetID="42" presetClass="entr" presetSubtype="0" fill="hold" nodeType="afterEffect">
                                   <p:stCondLst>
                                     <p:cond delay="0"/>
                                   </p:stCondLst>
                                   <p:childTnLst>
                                     <p:set>
                                       <p:cBhvr>
-                                        <p:cTn id="11" dur="1" fill="hold">
+                                        <p:cTn id="12" dur="1" fill="hold">
                                           <p:stCondLst>
                                             <p:cond delay="0"/>
                                           </p:stCondLst>
@@ -4733,9 +9476,21 @@
                                         <p:strVal val="visible"/>
                                       </p:to>
                                     </p:set>
+                                    <p:animEffect transition="in" filter="fade">
+                                      <p:cBhvr>
+                                        <p:cTn id="13" dur="1000"/>
+                                        <p:tgtEl>
+                                          <p:spTgt spid="3">
+                                            <p:txEl>
+                                              <p:pRg st="1" end="1"/>
+                                            </p:txEl>
+                                          </p:spTgt>
+                                        </p:tgtEl>
+                                      </p:cBhvr>
+                                    </p:animEffect>
                                     <p:anim calcmode="lin" valueType="num">
-                                      <p:cBhvr additive="base">
-                                        <p:cTn id="12" dur="500" fill="hold"/>
+                                      <p:cBhvr>
+                                        <p:cTn id="14" dur="1000" fill="hold"/>
                                         <p:tgtEl>
                                           <p:spTgt spid="3">
                                             <p:txEl>
@@ -4761,8 +9516,8 @@
                                       </p:tavLst>
                                     </p:anim>
                                     <p:anim calcmode="lin" valueType="num">
-                                      <p:cBhvr additive="base">
-                                        <p:cTn id="13" dur="500" fill="hold"/>
+                                      <p:cBhvr>
+                                        <p:cTn id="15" dur="1000" fill="hold"/>
                                         <p:tgtEl>
                                           <p:spTgt spid="3">
                                             <p:txEl>
@@ -4777,7 +9532,7 @@
                                       <p:tavLst>
                                         <p:tav tm="0">
                                           <p:val>
-                                            <p:strVal val="1+#ppt_h/2"/>
+                                            <p:strVal val="#ppt_y+.1"/>
                                           </p:val>
                                         </p:tav>
                                         <p:tav tm="100000">
@@ -4794,20 +9549,20 @@
                           </p:cTn>
                         </p:par>
                         <p:par>
-                          <p:cTn id="14" fill="hold">
+                          <p:cTn id="16" fill="hold">
                             <p:stCondLst>
-                              <p:cond delay="1000"/>
+                              <p:cond delay="2000"/>
                             </p:stCondLst>
                             <p:childTnLst>
                               <p:par>
-                                <p:cTn id="15" presetID="2" presetClass="entr" presetSubtype="4" fill="hold" nodeType="afterEffect">
+                                <p:cTn id="17" presetID="42" presetClass="entr" presetSubtype="0" fill="hold" nodeType="afterEffect">
                                   <p:stCondLst>
                                     <p:cond delay="0"/>
                                   </p:stCondLst>
                                   <p:childTnLst>
                                     <p:set>
                                       <p:cBhvr>
-                                        <p:cTn id="16" dur="1" fill="hold">
+                                        <p:cTn id="18" dur="1" fill="hold">
                                           <p:stCondLst>
                                             <p:cond delay="0"/>
                                           </p:stCondLst>
@@ -4827,9 +9582,21 @@
                                         <p:strVal val="visible"/>
                                       </p:to>
                                     </p:set>
+                                    <p:animEffect transition="in" filter="fade">
+                                      <p:cBhvr>
+                                        <p:cTn id="19" dur="1000"/>
+                                        <p:tgtEl>
+                                          <p:spTgt spid="3">
+                                            <p:txEl>
+                                              <p:pRg st="2" end="2"/>
+                                            </p:txEl>
+                                          </p:spTgt>
+                                        </p:tgtEl>
+                                      </p:cBhvr>
+                                    </p:animEffect>
                                     <p:anim calcmode="lin" valueType="num">
-                                      <p:cBhvr additive="base">
-                                        <p:cTn id="17" dur="500" fill="hold"/>
+                                      <p:cBhvr>
+                                        <p:cTn id="20" dur="1000" fill="hold"/>
                                         <p:tgtEl>
                                           <p:spTgt spid="3">
                                             <p:txEl>
@@ -4855,8 +9622,8 @@
                                       </p:tavLst>
                                     </p:anim>
                                     <p:anim calcmode="lin" valueType="num">
-                                      <p:cBhvr additive="base">
-                                        <p:cTn id="18" dur="500" fill="hold"/>
+                                      <p:cBhvr>
+                                        <p:cTn id="21" dur="1000" fill="hold"/>
                                         <p:tgtEl>
                                           <p:spTgt spid="3">
                                             <p:txEl>
@@ -4871,101 +9638,7 @@
                                       <p:tavLst>
                                         <p:tav tm="0">
                                           <p:val>
-                                            <p:strVal val="1+#ppt_h/2"/>
-                                          </p:val>
-                                        </p:tav>
-                                        <p:tav tm="100000">
-                                          <p:val>
-                                            <p:strVal val="#ppt_y"/>
-                                          </p:val>
-                                        </p:tav>
-                                      </p:tavLst>
-                                    </p:anim>
-                                  </p:childTnLst>
-                                </p:cTn>
-                              </p:par>
-                            </p:childTnLst>
-                          </p:cTn>
-                        </p:par>
-                        <p:par>
-                          <p:cTn id="19" fill="hold">
-                            <p:stCondLst>
-                              <p:cond delay="1500"/>
-                            </p:stCondLst>
-                            <p:childTnLst>
-                              <p:par>
-                                <p:cTn id="20" presetID="2" presetClass="entr" presetSubtype="4" fill="hold" nodeType="afterEffect">
-                                  <p:stCondLst>
-                                    <p:cond delay="0"/>
-                                  </p:stCondLst>
-                                  <p:childTnLst>
-                                    <p:set>
-                                      <p:cBhvr>
-                                        <p:cTn id="21" dur="1" fill="hold">
-                                          <p:stCondLst>
-                                            <p:cond delay="0"/>
-                                          </p:stCondLst>
-                                        </p:cTn>
-                                        <p:tgtEl>
-                                          <p:spTgt spid="3">
-                                            <p:txEl>
-                                              <p:pRg st="3" end="3"/>
-                                            </p:txEl>
-                                          </p:spTgt>
-                                        </p:tgtEl>
-                                        <p:attrNameLst>
-                                          <p:attrName>style.visibility</p:attrName>
-                                        </p:attrNameLst>
-                                      </p:cBhvr>
-                                      <p:to>
-                                        <p:strVal val="visible"/>
-                                      </p:to>
-                                    </p:set>
-                                    <p:anim calcmode="lin" valueType="num">
-                                      <p:cBhvr additive="base">
-                                        <p:cTn id="22" dur="500" fill="hold"/>
-                                        <p:tgtEl>
-                                          <p:spTgt spid="3">
-                                            <p:txEl>
-                                              <p:pRg st="3" end="3"/>
-                                            </p:txEl>
-                                          </p:spTgt>
-                                        </p:tgtEl>
-                                        <p:attrNameLst>
-                                          <p:attrName>ppt_x</p:attrName>
-                                        </p:attrNameLst>
-                                      </p:cBhvr>
-                                      <p:tavLst>
-                                        <p:tav tm="0">
-                                          <p:val>
-                                            <p:strVal val="#ppt_x"/>
-                                          </p:val>
-                                        </p:tav>
-                                        <p:tav tm="100000">
-                                          <p:val>
-                                            <p:strVal val="#ppt_x"/>
-                                          </p:val>
-                                        </p:tav>
-                                      </p:tavLst>
-                                    </p:anim>
-                                    <p:anim calcmode="lin" valueType="num">
-                                      <p:cBhvr additive="base">
-                                        <p:cTn id="23" dur="500" fill="hold"/>
-                                        <p:tgtEl>
-                                          <p:spTgt spid="3">
-                                            <p:txEl>
-                                              <p:pRg st="3" end="3"/>
-                                            </p:txEl>
-                                          </p:spTgt>
-                                        </p:tgtEl>
-                                        <p:attrNameLst>
-                                          <p:attrName>ppt_y</p:attrName>
-                                        </p:attrNameLst>
-                                      </p:cBhvr>
-                                      <p:tavLst>
-                                        <p:tav tm="0">
-                                          <p:val>
-                                            <p:strVal val="1+#ppt_h/2"/>
+                                            <p:strVal val="#ppt_y+.1"/>
                                           </p:val>
                                         </p:tav>
                                         <p:tav tm="100000">
@@ -5036,7 +9709,12 @@
             <p:ph type="title"/>
           </p:nvPr>
         </p:nvSpPr>
-        <p:spPr/>
+        <p:spPr>
+          <a:xfrm>
+            <a:off x="838200" y="283238"/>
+            <a:ext cx="10515600" cy="1325563"/>
+          </a:xfrm>
+        </p:spPr>
         <p:txBody>
           <a:bodyPr/>
           <a:lstStyle/>
@@ -5048,7 +9726,7 @@
                 </a:solidFill>
                 <a:latin typeface="Algerian" panose="04020705040A02060702" pitchFamily="82" charset="0"/>
               </a:rPr>
-              <a:t>Memória típusok</a:t>
+              <a:t>RAM története</a:t>
             </a:r>
             <a:endParaRPr lang="hu-HU" dirty="0">
               <a:solidFill>
@@ -5071,190 +9749,152 @@
         </p:nvSpPr>
         <p:spPr>
           <a:xfrm>
-            <a:off x="838200" y="3494934"/>
-            <a:ext cx="10515600" cy="1910034"/>
+            <a:off x="838200" y="2030340"/>
+            <a:ext cx="10515600" cy="4136283"/>
           </a:xfrm>
         </p:spPr>
         <p:txBody>
-          <a:bodyPr/>
-          <a:lstStyle/>
-          <a:p>
-            <a:r>
-              <a:rPr lang="hu-HU" dirty="0">
-                <a:solidFill>
-                  <a:schemeClr val="bg1"/>
-                </a:solidFill>
-              </a:rPr>
-              <a:t>Ez egy további régebbi RAM típus, amelyet a </a:t>
-            </a:r>
-            <a:r>
-              <a:rPr lang="hu-HU" dirty="0" err="1">
-                <a:solidFill>
-                  <a:schemeClr val="bg1"/>
-                </a:solidFill>
-              </a:rPr>
-              <a:t>Rambus</a:t>
-            </a:r>
-            <a:r>
-              <a:rPr lang="hu-HU" dirty="0">
-                <a:solidFill>
-                  <a:schemeClr val="bg1"/>
-                </a:solidFill>
-              </a:rPr>
-              <a:t> Inc. fejlesztett ki. </a:t>
-            </a:r>
-          </a:p>
-          <a:p>
-            <a:r>
-              <a:rPr lang="hu-HU" dirty="0">
-                <a:solidFill>
-                  <a:schemeClr val="bg1"/>
-                </a:solidFill>
-              </a:rPr>
-              <a:t>M</a:t>
-            </a:r>
-            <a:r>
-              <a:rPr lang="hu-HU" dirty="0" smtClean="0">
-                <a:solidFill>
-                  <a:schemeClr val="bg1"/>
-                </a:solidFill>
-              </a:rPr>
-              <a:t>agasabb </a:t>
-            </a:r>
-            <a:r>
-              <a:rPr lang="hu-HU" dirty="0">
-                <a:solidFill>
-                  <a:schemeClr val="bg1"/>
-                </a:solidFill>
-              </a:rPr>
-              <a:t>adatátviteli sebességet kínál, de kevésbé elterjedt és korlátozottan kompatibilis más rendszerekkel</a:t>
-            </a:r>
-          </a:p>
-          <a:p>
-            <a:endParaRPr lang="hu-HU" dirty="0"/>
-          </a:p>
-        </p:txBody>
-      </p:sp>
-      <p:sp>
-        <p:nvSpPr>
-          <p:cNvPr id="4" name="Szövegdoboz 3"/>
-          <p:cNvSpPr txBox="1"/>
-          <p:nvPr/>
-        </p:nvSpPr>
-        <p:spPr>
-          <a:xfrm>
-            <a:off x="1915222" y="2608877"/>
-            <a:ext cx="8361556" cy="800219"/>
-          </a:xfrm>
-          <a:prstGeom prst="rect">
-            <a:avLst/>
-          </a:prstGeom>
-          <a:noFill/>
-        </p:spPr>
-        <p:txBody>
-          <a:bodyPr wrap="square" rtlCol="0">
-            <a:spAutoFit/>
+          <a:bodyPr>
+            <a:normAutofit fontScale="92500" lnSpcReduction="10000"/>
           </a:bodyPr>
           <a:lstStyle/>
           <a:p>
-            <a:pPr algn="ctr"/>
-            <a:r>
-              <a:rPr lang="hu-HU" sz="2800" b="1" u="sng" dirty="0">
-                <a:solidFill>
-                  <a:schemeClr val="bg1"/>
-                </a:solidFill>
-              </a:rPr>
-              <a:t>RDRAM (</a:t>
-            </a:r>
-            <a:r>
-              <a:rPr lang="hu-HU" sz="2800" b="1" u="sng" dirty="0" err="1">
-                <a:solidFill>
-                  <a:schemeClr val="bg1"/>
-                </a:solidFill>
-              </a:rPr>
-              <a:t>Rambus</a:t>
-            </a:r>
-            <a:r>
-              <a:rPr lang="hu-HU" sz="2800" b="1" u="sng" dirty="0">
-                <a:solidFill>
-                  <a:schemeClr val="bg1"/>
-                </a:solidFill>
-              </a:rPr>
-              <a:t> </a:t>
-            </a:r>
-            <a:r>
-              <a:rPr lang="hu-HU" sz="2800" b="1" u="sng" dirty="0" err="1">
-                <a:solidFill>
-                  <a:schemeClr val="bg1"/>
-                </a:solidFill>
-              </a:rPr>
-              <a:t>Dynamic</a:t>
-            </a:r>
-            <a:r>
-              <a:rPr lang="hu-HU" sz="2800" b="1" u="sng" dirty="0">
-                <a:solidFill>
-                  <a:schemeClr val="bg1"/>
-                </a:solidFill>
-              </a:rPr>
-              <a:t> Random Access </a:t>
-            </a:r>
-            <a:r>
-              <a:rPr lang="hu-HU" sz="2800" b="1" u="sng" dirty="0" err="1">
-                <a:solidFill>
-                  <a:schemeClr val="bg1"/>
-                </a:solidFill>
-              </a:rPr>
-              <a:t>Memory</a:t>
-            </a:r>
-            <a:r>
-              <a:rPr lang="hu-HU" sz="2800" b="1" u="sng" dirty="0" smtClean="0">
-                <a:solidFill>
-                  <a:schemeClr val="bg1"/>
-                </a:solidFill>
-              </a:rPr>
-              <a:t>)</a:t>
-            </a:r>
-            <a:r>
-              <a:rPr lang="hu-HU" sz="2800" u="sng" dirty="0" smtClean="0">
-                <a:solidFill>
-                  <a:schemeClr val="bg1"/>
-                </a:solidFill>
-              </a:rPr>
-              <a:t> </a:t>
-            </a:r>
-            <a:endParaRPr lang="hu-HU" sz="2800" u="sng" dirty="0">
+            <a:pPr>
+              <a:lnSpc>
+                <a:spcPct val="100000"/>
+              </a:lnSpc>
+            </a:pPr>
+            <a:r>
+              <a:rPr lang="hu-HU" dirty="0">
+                <a:solidFill>
+                  <a:schemeClr val="bg1"/>
+                </a:solidFill>
+              </a:rPr>
+              <a:t>Régen mágnesszalagon tárolták az </a:t>
+            </a:r>
+            <a:r>
+              <a:rPr lang="hu-HU" dirty="0" smtClean="0">
+                <a:solidFill>
+                  <a:schemeClr val="bg1"/>
+                </a:solidFill>
+              </a:rPr>
+              <a:t>adatokat</a:t>
+            </a:r>
+          </a:p>
+          <a:p>
+            <a:pPr marL="0" indent="0">
+              <a:lnSpc>
+                <a:spcPct val="100000"/>
+              </a:lnSpc>
+              <a:buNone/>
+            </a:pPr>
+            <a:endParaRPr lang="hu-HU" dirty="0" smtClean="0">
               <a:solidFill>
                 <a:schemeClr val="bg1"/>
               </a:solidFill>
             </a:endParaRPr>
           </a:p>
           <a:p>
-            <a:pPr algn="ctr"/>
+            <a:r>
+              <a:rPr lang="hu-HU" dirty="0">
+                <a:solidFill>
+                  <a:schemeClr val="bg1"/>
+                </a:solidFill>
+              </a:rPr>
+              <a:t>Az 1990-es években került bevezetésre az SDRAM. Az SDRAM már képes volt gyorsan, egyetlen adatsebességgel átvinni az adatokat. </a:t>
+            </a:r>
+            <a:endParaRPr lang="hu-HU" dirty="0" smtClean="0">
+              <a:solidFill>
+                <a:schemeClr val="bg1"/>
+              </a:solidFill>
+            </a:endParaRPr>
+          </a:p>
+          <a:p>
+            <a:pPr marL="0" indent="0">
+              <a:buNone/>
+            </a:pPr>
             <a:endParaRPr lang="hu-HU" dirty="0">
               <a:solidFill>
                 <a:schemeClr val="bg1"/>
               </a:solidFill>
             </a:endParaRPr>
           </a:p>
+          <a:p>
+            <a:r>
+              <a:rPr lang="hu-HU" dirty="0">
+                <a:solidFill>
+                  <a:schemeClr val="bg1"/>
+                </a:solidFill>
+              </a:rPr>
+              <a:t>2000 körül lett kifejlesztve a dupla adatsebesség véletlen </a:t>
+            </a:r>
+            <a:r>
+              <a:rPr lang="hu-HU" dirty="0" err="1">
+                <a:solidFill>
+                  <a:schemeClr val="bg1"/>
+                </a:solidFill>
+              </a:rPr>
+              <a:t>hozzáférésű</a:t>
+            </a:r>
+            <a:r>
+              <a:rPr lang="hu-HU" dirty="0">
+                <a:solidFill>
+                  <a:schemeClr val="bg1"/>
+                </a:solidFill>
+              </a:rPr>
+              <a:t> memória (DDR RAM). </a:t>
+            </a:r>
+            <a:endParaRPr lang="hu-HU" dirty="0" smtClean="0">
+              <a:solidFill>
+                <a:schemeClr val="bg1"/>
+              </a:solidFill>
+            </a:endParaRPr>
+          </a:p>
+          <a:p>
+            <a:pPr marL="0" indent="0">
+              <a:buNone/>
+            </a:pPr>
+            <a:endParaRPr lang="hu-HU" dirty="0">
+              <a:solidFill>
+                <a:schemeClr val="bg1"/>
+              </a:solidFill>
+            </a:endParaRPr>
+          </a:p>
+          <a:p>
+            <a:r>
+              <a:rPr lang="hu-HU" dirty="0">
+                <a:solidFill>
+                  <a:schemeClr val="bg1"/>
+                </a:solidFill>
+              </a:rPr>
+              <a:t>A DDR RAM bevezetése megváltoztatta és meghatározta a memória piacát, ami a mai napig meghatározó.</a:t>
+            </a:r>
+          </a:p>
+          <a:p>
+            <a:pPr marL="0" indent="0">
+              <a:buNone/>
+            </a:pPr>
+            <a:endParaRPr lang="hu-HU" dirty="0"/>
+          </a:p>
         </p:txBody>
       </p:sp>
     </p:spTree>
     <p:extLst>
       <p:ext uri="{BB962C8B-B14F-4D97-AF65-F5344CB8AC3E}">
-        <p14:creationId xmlns:p14="http://schemas.microsoft.com/office/powerpoint/2010/main" val="2562855163"/>
+        <p14:creationId xmlns:p14="http://schemas.microsoft.com/office/powerpoint/2010/main" val="2113569218"/>
       </p:ext>
     </p:extLst>
   </p:cSld>
   <p:clrMapOvr>
     <a:masterClrMapping/>
   </p:clrMapOvr>
-  <mc:AlternateContent xmlns:mc="http://schemas.openxmlformats.org/markup-compatibility/2006">
-    <mc:Choice xmlns:p14="http://schemas.microsoft.com/office/powerpoint/2010/main" Requires="p14">
+  <mc:AlternateContent xmlns:mc="http://schemas.openxmlformats.org/markup-compatibility/2006" xmlns:p14="http://schemas.microsoft.com/office/powerpoint/2010/main">
+    <mc:Choice Requires="p14">
       <p:transition spd="slow" p14:dur="3400">
         <p14:reveal/>
       </p:transition>
     </mc:Choice>
-    <mc:Fallback>
+    <mc:Fallback xmlns="">
       <p:transition spd="slow">
         <p:fade/>
       </p:transition>
@@ -5272,9 +9912,6 @@
                     <p:cTn id="3" fill="hold">
                       <p:stCondLst>
                         <p:cond delay="indefinite"/>
-                        <p:cond evt="onBegin" delay="0">
-                          <p:tn val="2"/>
-                        </p:cond>
                       </p:stCondLst>
                       <p:childTnLst>
                         <p:par>
@@ -5284,7 +9921,7 @@
                             </p:stCondLst>
                             <p:childTnLst>
                               <p:par>
-                                <p:cTn id="5" presetID="2" presetClass="entr" presetSubtype="8" fill="hold" nodeType="afterEffect">
+                                <p:cTn id="5" presetID="2" presetClass="entr" presetSubtype="8" fill="hold" nodeType="clickEffect">
                                   <p:stCondLst>
                                     <p:cond delay="0"/>
                                   </p:stCondLst>
@@ -5297,7 +9934,7 @@
                                           </p:stCondLst>
                                         </p:cTn>
                                         <p:tgtEl>
-                                          <p:spTgt spid="4">
+                                          <p:spTgt spid="3">
                                             <p:txEl>
                                               <p:pRg st="0" end="0"/>
                                             </p:txEl>
@@ -5315,7 +9952,7 @@
                                       <p:cBhvr additive="base">
                                         <p:cTn id="7" dur="500" fill="hold"/>
                                         <p:tgtEl>
-                                          <p:spTgt spid="4">
+                                          <p:spTgt spid="3">
                                             <p:txEl>
                                               <p:pRg st="0" end="0"/>
                                             </p:txEl>
@@ -5342,7 +9979,7 @@
                                       <p:cBhvr additive="base">
                                         <p:cTn id="8" dur="500" fill="hold"/>
                                         <p:tgtEl>
-                                          <p:spTgt spid="4">
+                                          <p:spTgt spid="3">
                                             <p:txEl>
                                               <p:pRg st="0" end="0"/>
                                             </p:txEl>
@@ -5371,21 +10008,30 @@
                             </p:childTnLst>
                           </p:cTn>
                         </p:par>
+                      </p:childTnLst>
+                    </p:cTn>
+                  </p:par>
+                  <p:par>
+                    <p:cTn id="9" fill="hold">
+                      <p:stCondLst>
+                        <p:cond delay="indefinite"/>
+                      </p:stCondLst>
+                      <p:childTnLst>
                         <p:par>
-                          <p:cTn id="9" fill="hold">
+                          <p:cTn id="10" fill="hold">
                             <p:stCondLst>
-                              <p:cond delay="500"/>
+                              <p:cond delay="0"/>
                             </p:stCondLst>
                             <p:childTnLst>
                               <p:par>
-                                <p:cTn id="10" presetID="2" presetClass="entr" presetSubtype="8" fill="hold" nodeType="afterEffect">
+                                <p:cTn id="11" presetID="2" presetClass="entr" presetSubtype="8" fill="hold" nodeType="clickEffect">
                                   <p:stCondLst>
                                     <p:cond delay="0"/>
                                   </p:stCondLst>
                                   <p:childTnLst>
                                     <p:set>
                                       <p:cBhvr>
-                                        <p:cTn id="11" dur="1" fill="hold">
+                                        <p:cTn id="12" dur="1" fill="hold">
                                           <p:stCondLst>
                                             <p:cond delay="0"/>
                                           </p:stCondLst>
@@ -5393,7 +10039,7 @@
                                         <p:tgtEl>
                                           <p:spTgt spid="3">
                                             <p:txEl>
-                                              <p:pRg st="0" end="0"/>
+                                              <p:pRg st="2" end="2"/>
                                             </p:txEl>
                                           </p:spTgt>
                                         </p:tgtEl>
@@ -5407,11 +10053,11 @@
                                     </p:set>
                                     <p:anim calcmode="lin" valueType="num">
                                       <p:cBhvr additive="base">
-                                        <p:cTn id="12" dur="500" fill="hold"/>
-                                        <p:tgtEl>
-                                          <p:spTgt spid="3">
-                                            <p:txEl>
-                                              <p:pRg st="0" end="0"/>
+                                        <p:cTn id="13" dur="500" fill="hold"/>
+                                        <p:tgtEl>
+                                          <p:spTgt spid="3">
+                                            <p:txEl>
+                                              <p:pRg st="2" end="2"/>
                                             </p:txEl>
                                           </p:spTgt>
                                         </p:tgtEl>
@@ -5434,11 +10080,11 @@
                                     </p:anim>
                                     <p:anim calcmode="lin" valueType="num">
                                       <p:cBhvr additive="base">
-                                        <p:cTn id="13" dur="500" fill="hold"/>
-                                        <p:tgtEl>
-                                          <p:spTgt spid="3">
-                                            <p:txEl>
-                                              <p:pRg st="0" end="0"/>
+                                        <p:cTn id="14" dur="500" fill="hold"/>
+                                        <p:tgtEl>
+                                          <p:spTgt spid="3">
+                                            <p:txEl>
+                                              <p:pRg st="2" end="2"/>
                                             </p:txEl>
                                           </p:spTgt>
                                         </p:tgtEl>
@@ -5465,21 +10111,30 @@
                             </p:childTnLst>
                           </p:cTn>
                         </p:par>
+                      </p:childTnLst>
+                    </p:cTn>
+                  </p:par>
+                  <p:par>
+                    <p:cTn id="15" fill="hold">
+                      <p:stCondLst>
+                        <p:cond delay="indefinite"/>
+                      </p:stCondLst>
+                      <p:childTnLst>
                         <p:par>
-                          <p:cTn id="14" fill="hold">
+                          <p:cTn id="16" fill="hold">
                             <p:stCondLst>
-                              <p:cond delay="1000"/>
+                              <p:cond delay="0"/>
                             </p:stCondLst>
                             <p:childTnLst>
                               <p:par>
-                                <p:cTn id="15" presetID="2" presetClass="entr" presetSubtype="8" fill="hold" nodeType="afterEffect">
+                                <p:cTn id="17" presetID="2" presetClass="entr" presetSubtype="8" fill="hold" nodeType="clickEffect">
                                   <p:stCondLst>
                                     <p:cond delay="0"/>
                                   </p:stCondLst>
                                   <p:childTnLst>
                                     <p:set>
                                       <p:cBhvr>
-                                        <p:cTn id="16" dur="1" fill="hold">
+                                        <p:cTn id="18" dur="1" fill="hold">
                                           <p:stCondLst>
                                             <p:cond delay="0"/>
                                           </p:stCondLst>
@@ -5487,7 +10142,7 @@
                                         <p:tgtEl>
                                           <p:spTgt spid="3">
                                             <p:txEl>
-                                              <p:pRg st="1" end="1"/>
+                                              <p:pRg st="4" end="4"/>
                                             </p:txEl>
                                           </p:spTgt>
                                         </p:tgtEl>
@@ -5501,11 +10156,11 @@
                                     </p:set>
                                     <p:anim calcmode="lin" valueType="num">
                                       <p:cBhvr additive="base">
-                                        <p:cTn id="17" dur="500" fill="hold"/>
-                                        <p:tgtEl>
-                                          <p:spTgt spid="3">
-                                            <p:txEl>
-                                              <p:pRg st="1" end="1"/>
+                                        <p:cTn id="19" dur="500" fill="hold"/>
+                                        <p:tgtEl>
+                                          <p:spTgt spid="3">
+                                            <p:txEl>
+                                              <p:pRg st="4" end="4"/>
                                             </p:txEl>
                                           </p:spTgt>
                                         </p:tgtEl>
@@ -5528,11 +10183,114 @@
                                     </p:anim>
                                     <p:anim calcmode="lin" valueType="num">
                                       <p:cBhvr additive="base">
-                                        <p:cTn id="18" dur="500" fill="hold"/>
-                                        <p:tgtEl>
-                                          <p:spTgt spid="3">
-                                            <p:txEl>
-                                              <p:pRg st="1" end="1"/>
+                                        <p:cTn id="20" dur="500" fill="hold"/>
+                                        <p:tgtEl>
+                                          <p:spTgt spid="3">
+                                            <p:txEl>
+                                              <p:pRg st="4" end="4"/>
+                                            </p:txEl>
+                                          </p:spTgt>
+                                        </p:tgtEl>
+                                        <p:attrNameLst>
+                                          <p:attrName>ppt_y</p:attrName>
+                                        </p:attrNameLst>
+                                      </p:cBhvr>
+                                      <p:tavLst>
+                                        <p:tav tm="0">
+                                          <p:val>
+                                            <p:strVal val="#ppt_y"/>
+                                          </p:val>
+                                        </p:tav>
+                                        <p:tav tm="100000">
+                                          <p:val>
+                                            <p:strVal val="#ppt_y"/>
+                                          </p:val>
+                                        </p:tav>
+                                      </p:tavLst>
+                                    </p:anim>
+                                  </p:childTnLst>
+                                </p:cTn>
+                              </p:par>
+                            </p:childTnLst>
+                          </p:cTn>
+                        </p:par>
+                      </p:childTnLst>
+                    </p:cTn>
+                  </p:par>
+                  <p:par>
+                    <p:cTn id="21" fill="hold">
+                      <p:stCondLst>
+                        <p:cond delay="indefinite"/>
+                      </p:stCondLst>
+                      <p:childTnLst>
+                        <p:par>
+                          <p:cTn id="22" fill="hold">
+                            <p:stCondLst>
+                              <p:cond delay="0"/>
+                            </p:stCondLst>
+                            <p:childTnLst>
+                              <p:par>
+                                <p:cTn id="23" presetID="2" presetClass="entr" presetSubtype="8" fill="hold" nodeType="clickEffect">
+                                  <p:stCondLst>
+                                    <p:cond delay="0"/>
+                                  </p:stCondLst>
+                                  <p:childTnLst>
+                                    <p:set>
+                                      <p:cBhvr>
+                                        <p:cTn id="24" dur="1" fill="hold">
+                                          <p:stCondLst>
+                                            <p:cond delay="0"/>
+                                          </p:stCondLst>
+                                        </p:cTn>
+                                        <p:tgtEl>
+                                          <p:spTgt spid="3">
+                                            <p:txEl>
+                                              <p:pRg st="6" end="6"/>
+                                            </p:txEl>
+                                          </p:spTgt>
+                                        </p:tgtEl>
+                                        <p:attrNameLst>
+                                          <p:attrName>style.visibility</p:attrName>
+                                        </p:attrNameLst>
+                                      </p:cBhvr>
+                                      <p:to>
+                                        <p:strVal val="visible"/>
+                                      </p:to>
+                                    </p:set>
+                                    <p:anim calcmode="lin" valueType="num">
+                                      <p:cBhvr additive="base">
+                                        <p:cTn id="25" dur="500" fill="hold"/>
+                                        <p:tgtEl>
+                                          <p:spTgt spid="3">
+                                            <p:txEl>
+                                              <p:pRg st="6" end="6"/>
+                                            </p:txEl>
+                                          </p:spTgt>
+                                        </p:tgtEl>
+                                        <p:attrNameLst>
+                                          <p:attrName>ppt_x</p:attrName>
+                                        </p:attrNameLst>
+                                      </p:cBhvr>
+                                      <p:tavLst>
+                                        <p:tav tm="0">
+                                          <p:val>
+                                            <p:strVal val="0-#ppt_w/2"/>
+                                          </p:val>
+                                        </p:tav>
+                                        <p:tav tm="100000">
+                                          <p:val>
+                                            <p:strVal val="#ppt_x"/>
+                                          </p:val>
+                                        </p:tav>
+                                      </p:tavLst>
+                                    </p:anim>
+                                    <p:anim calcmode="lin" valueType="num">
+                                      <p:cBhvr additive="base">
+                                        <p:cTn id="26" dur="500" fill="hold"/>
+                                        <p:tgtEl>
+                                          <p:spTgt spid="3">
+                                            <p:txEl>
+                                              <p:pRg st="6" end="6"/>
                                             </p:txEl>
                                           </p:spTgt>
                                         </p:tgtEl>
@@ -5614,19 +10372,33 @@
             <p:ph type="title"/>
           </p:nvPr>
         </p:nvSpPr>
-        <p:spPr/>
+        <p:spPr>
+          <a:xfrm>
+            <a:off x="291721" y="474306"/>
+            <a:ext cx="11608558" cy="1325563"/>
+          </a:xfrm>
+        </p:spPr>
         <p:txBody>
           <a:bodyPr/>
           <a:lstStyle/>
           <a:p>
             <a:r>
+              <a:rPr lang="hu-HU" dirty="0">
+                <a:solidFill>
+                  <a:schemeClr val="bg1"/>
+                </a:solidFill>
+                <a:latin typeface="Algerian" panose="04020705040A02060702" pitchFamily="82" charset="0"/>
+              </a:rPr>
+              <a:t>Fontosabb félvezető </a:t>
+            </a:r>
+            <a:r>
               <a:rPr lang="hu-HU" dirty="0" smtClean="0">
                 <a:solidFill>
                   <a:schemeClr val="bg1"/>
                 </a:solidFill>
                 <a:latin typeface="Algerian" panose="04020705040A02060702" pitchFamily="82" charset="0"/>
               </a:rPr>
-              <a:t>Memória típusok</a:t>
+              <a:t>memóriatípusok</a:t>
             </a:r>
             <a:endParaRPr lang="hu-HU" dirty="0">
               <a:solidFill>
@@ -5649,121 +10421,100 @@
         </p:nvSpPr>
         <p:spPr>
           <a:xfrm>
-            <a:off x="838200" y="3494934"/>
-            <a:ext cx="10515600" cy="1640737"/>
+            <a:off x="838200" y="2084933"/>
+            <a:ext cx="10515600" cy="3524298"/>
           </a:xfrm>
         </p:spPr>
         <p:txBody>
-          <a:bodyPr/>
-          <a:lstStyle/>
-          <a:p>
-            <a:r>
-              <a:rPr lang="hu-HU" dirty="0">
-                <a:solidFill>
-                  <a:schemeClr val="bg1"/>
-                </a:solidFill>
-              </a:rPr>
-              <a:t>R</a:t>
-            </a:r>
-            <a:r>
-              <a:rPr lang="hu-HU" dirty="0" smtClean="0">
-                <a:solidFill>
-                  <a:schemeClr val="bg1"/>
-                </a:solidFill>
-              </a:rPr>
-              <a:t>égebbi </a:t>
-            </a:r>
-            <a:r>
-              <a:rPr lang="hu-HU" dirty="0">
-                <a:solidFill>
-                  <a:schemeClr val="bg1"/>
-                </a:solidFill>
-              </a:rPr>
-              <a:t>típusú RAM, amelyet a DDR generációk váltottak fel</a:t>
-            </a:r>
-          </a:p>
-          <a:p>
-            <a:r>
-              <a:rPr lang="hu-HU" dirty="0">
-                <a:solidFill>
-                  <a:schemeClr val="bg1"/>
-                </a:solidFill>
-              </a:rPr>
-              <a:t>Kisebb sebesség és adatátvitel</a:t>
-            </a:r>
-          </a:p>
-          <a:p>
-            <a:r>
-              <a:rPr lang="hu-HU" dirty="0">
-                <a:solidFill>
-                  <a:schemeClr val="bg1"/>
-                </a:solidFill>
-              </a:rPr>
-              <a:t>Á</a:t>
-            </a:r>
-            <a:r>
-              <a:rPr lang="hu-HU" dirty="0" smtClean="0">
-                <a:solidFill>
-                  <a:schemeClr val="bg1"/>
-                </a:solidFill>
-              </a:rPr>
-              <a:t>ltalában régebbi (nagyon régi) </a:t>
-            </a:r>
-            <a:r>
-              <a:rPr lang="hu-HU" dirty="0">
-                <a:solidFill>
-                  <a:schemeClr val="bg1"/>
-                </a:solidFill>
-              </a:rPr>
-              <a:t>számítógépekben </a:t>
-            </a:r>
-          </a:p>
-          <a:p>
-            <a:endParaRPr lang="hu-HU" dirty="0"/>
-          </a:p>
-        </p:txBody>
-      </p:sp>
-      <p:sp>
-        <p:nvSpPr>
-          <p:cNvPr id="5" name="Szövegdoboz 4"/>
-          <p:cNvSpPr txBox="1"/>
-          <p:nvPr/>
-        </p:nvSpPr>
-        <p:spPr>
-          <a:xfrm>
-            <a:off x="1698734" y="2694715"/>
-            <a:ext cx="8794531" cy="800219"/>
-          </a:xfrm>
-          <a:prstGeom prst="rect">
-            <a:avLst/>
-          </a:prstGeom>
-          <a:noFill/>
-        </p:spPr>
-        <p:txBody>
-          <a:bodyPr wrap="square" rtlCol="0">
-            <a:spAutoFit/>
+          <a:bodyPr>
+            <a:normAutofit/>
           </a:bodyPr>
           <a:lstStyle/>
           <a:p>
-            <a:pPr algn="ctr"/>
-            <a:r>
-              <a:rPr lang="hu-HU" sz="2800" b="1" u="sng" dirty="0" smtClean="0">
-                <a:solidFill>
-                  <a:schemeClr val="bg1"/>
-                </a:solidFill>
-              </a:rPr>
-              <a:t>SDRAM (</a:t>
-            </a:r>
-            <a:r>
-              <a:rPr lang="hu-HU" sz="2800" b="1" u="sng" dirty="0" err="1">
-                <a:solidFill>
-                  <a:schemeClr val="bg1"/>
-                </a:solidFill>
-              </a:rPr>
-              <a:t>Synchronous</a:t>
-            </a:r>
-            <a:r>
-              <a:rPr lang="hu-HU" sz="2800" b="1" u="sng" dirty="0">
+            <a:pPr>
+              <a:lnSpc>
+                <a:spcPct val="100000"/>
+              </a:lnSpc>
+            </a:pPr>
+            <a:r>
+              <a:rPr lang="hu-HU" b="1" dirty="0">
+                <a:solidFill>
+                  <a:schemeClr val="bg1"/>
+                </a:solidFill>
+              </a:rPr>
+              <a:t>ROM </a:t>
+            </a:r>
+            <a:r>
+              <a:rPr lang="hu-HU" dirty="0">
+                <a:solidFill>
+                  <a:schemeClr val="bg1"/>
+                </a:solidFill>
+              </a:rPr>
+              <a:t>(csak olvasható memória): Gyártó által beégetett adatot tartalmaz, amely nem módosítható.</a:t>
+            </a:r>
+          </a:p>
+          <a:p>
+            <a:pPr>
+              <a:lnSpc>
+                <a:spcPct val="100000"/>
+              </a:lnSpc>
+            </a:pPr>
+            <a:r>
+              <a:rPr lang="hu-HU" b="1" dirty="0">
+                <a:solidFill>
+                  <a:schemeClr val="bg1"/>
+                </a:solidFill>
+              </a:rPr>
+              <a:t>PROM</a:t>
+            </a:r>
+            <a:r>
+              <a:rPr lang="hu-HU" dirty="0">
+                <a:solidFill>
+                  <a:schemeClr val="bg1"/>
+                </a:solidFill>
+              </a:rPr>
+              <a:t> (programozható ROM): Olyan memória, amely egyszer írható, de később nem módosítható.</a:t>
+            </a:r>
+          </a:p>
+          <a:p>
+            <a:pPr>
+              <a:lnSpc>
+                <a:spcPct val="100000"/>
+              </a:lnSpc>
+            </a:pPr>
+            <a:r>
+              <a:rPr lang="hu-HU" b="1" dirty="0">
+                <a:solidFill>
+                  <a:schemeClr val="bg1"/>
+                </a:solidFill>
+              </a:rPr>
+              <a:t>EPROM</a:t>
+            </a:r>
+            <a:r>
+              <a:rPr lang="hu-HU" dirty="0">
+                <a:solidFill>
+                  <a:schemeClr val="bg1"/>
+                </a:solidFill>
+              </a:rPr>
+              <a:t> (törölhető PROM): Törölhető és többször újraírható</a:t>
+            </a:r>
+            <a:r>
+              <a:rPr lang="hu-HU" dirty="0" smtClean="0">
+                <a:solidFill>
+                  <a:schemeClr val="bg1"/>
+                </a:solidFill>
+              </a:rPr>
+              <a:t>;</a:t>
+            </a:r>
+          </a:p>
+          <a:p>
+            <a:pPr>
+              <a:lnSpc>
+                <a:spcPct val="100000"/>
+              </a:lnSpc>
+            </a:pPr>
+            <a:r>
+              <a:rPr lang="hu-HU" dirty="0" smtClean="0">
                 <a:solidFill>
                   <a:schemeClr val="bg1"/>
                 </a:solidFill>
@@ -5771,53 +10522,53 @@
               <a:t> </a:t>
             </a:r>
             <a:r>
-              <a:rPr lang="hu-HU" sz="2800" b="1" u="sng" dirty="0" err="1">
-                <a:solidFill>
-                  <a:schemeClr val="bg1"/>
-                </a:solidFill>
-              </a:rPr>
-              <a:t>Dynamic</a:t>
-            </a:r>
-            <a:r>
-              <a:rPr lang="hu-HU" sz="2800" b="1" u="sng" dirty="0">
-                <a:solidFill>
-                  <a:schemeClr val="bg1"/>
-                </a:solidFill>
-              </a:rPr>
-              <a:t> Random Access </a:t>
-            </a:r>
-            <a:r>
-              <a:rPr lang="hu-HU" sz="2800" b="1" u="sng" dirty="0" err="1">
-                <a:solidFill>
-                  <a:schemeClr val="bg1"/>
-                </a:solidFill>
-              </a:rPr>
-              <a:t>Memory</a:t>
-            </a:r>
-            <a:r>
-              <a:rPr lang="hu-HU" sz="2800" b="1" u="sng" dirty="0" smtClean="0">
-                <a:solidFill>
-                  <a:schemeClr val="bg1"/>
-                </a:solidFill>
-              </a:rPr>
-              <a:t>)</a:t>
-            </a:r>
-            <a:r>
-              <a:rPr lang="hu-HU" sz="2800" u="sng" dirty="0" smtClean="0">
+              <a:rPr lang="hu-HU" b="1" dirty="0" smtClean="0">
+                <a:solidFill>
+                  <a:schemeClr val="bg1"/>
+                </a:solidFill>
+              </a:rPr>
+              <a:t>EEPROM</a:t>
+            </a:r>
+            <a:r>
+              <a:rPr lang="hu-HU" dirty="0" smtClean="0">
                 <a:solidFill>
                   <a:schemeClr val="bg1"/>
                 </a:solidFill>
               </a:rPr>
               <a:t> </a:t>
             </a:r>
-            <a:endParaRPr lang="hu-HU" sz="2800" u="sng" dirty="0">
-              <a:solidFill>
-                <a:schemeClr val="bg1"/>
-              </a:solidFill>
-            </a:endParaRPr>
-          </a:p>
-          <a:p>
-            <a:pPr algn="ctr"/>
+            <a:r>
+              <a:rPr lang="hu-HU" dirty="0">
+                <a:solidFill>
+                  <a:schemeClr val="bg1"/>
+                </a:solidFill>
+              </a:rPr>
+              <a:t>(elektronikusan törölhető PROM): Elektromos feszültséggel törölhető és újraírható. Ilyenek például a </a:t>
+            </a:r>
+            <a:r>
+              <a:rPr lang="hu-HU" dirty="0" err="1">
+                <a:solidFill>
+                  <a:schemeClr val="bg1"/>
+                </a:solidFill>
+              </a:rPr>
+              <a:t>Flash</a:t>
+            </a:r>
+            <a:r>
+              <a:rPr lang="hu-HU" dirty="0">
+                <a:solidFill>
+                  <a:schemeClr val="bg1"/>
+                </a:solidFill>
+              </a:rPr>
+              <a:t> memóriák is</a:t>
+            </a:r>
+            <a:r>
+              <a:rPr lang="hu-HU" dirty="0" smtClean="0">
+                <a:solidFill>
+                  <a:schemeClr val="bg1"/>
+                </a:solidFill>
+              </a:rPr>
+              <a:t>.</a:t>
+            </a:r>
             <a:endParaRPr lang="hu-HU" dirty="0">
               <a:solidFill>
                 <a:schemeClr val="bg1"/>
@@ -5829,21 +10580,21 @@
     </p:spTree>
     <p:extLst>
       <p:ext uri="{BB962C8B-B14F-4D97-AF65-F5344CB8AC3E}">
-        <p14:creationId xmlns:p14="http://schemas.microsoft.com/office/powerpoint/2010/main" val="474864359"/>
+        <p14:creationId xmlns:p14="http://schemas.microsoft.com/office/powerpoint/2010/main" val="1084063932"/>
       </p:ext>
     </p:extLst>
   </p:cSld>
   <p:clrMapOvr>
     <a:masterClrMapping/>
   </p:clrMapOvr>
-  <mc:AlternateContent xmlns:mc="http://schemas.openxmlformats.org/markup-compatibility/2006">
-    <mc:Choice xmlns:p14="http://schemas.microsoft.com/office/powerpoint/2010/main" Requires="p14">
-      <p:transition spd="med" p14:dur="700">
-        <p:fade/>
+  <mc:AlternateContent xmlns:mc="http://schemas.openxmlformats.org/markup-compatibility/2006" xmlns:p14="http://schemas.microsoft.com/office/powerpoint/2010/main">
+    <mc:Choice Requires="p14">
+      <p:transition spd="slow" p14:dur="3400">
+        <p14:reveal/>
       </p:transition>
     </mc:Choice>
-    <mc:Fallback>
-      <p:transition spd="med">
+    <mc:Fallback xmlns="">
+      <p:transition spd="slow">
         <p:fade/>
       </p:transition>
     </mc:Fallback>
@@ -5872,7 +10623,7 @@
                             </p:stCondLst>
                             <p:childTnLst>
                               <p:par>
-                                <p:cTn id="5" presetID="2" presetClass="entr" presetSubtype="8" fill="hold" nodeType="afterEffect">
+                                <p:cTn id="5" presetID="2" presetClass="entr" presetSubtype="4" fill="hold" nodeType="afterEffect">
                                   <p:stCondLst>
                                     <p:cond delay="0"/>
                                   </p:stCondLst>
@@ -5885,7 +10636,7 @@
                                           </p:stCondLst>
                                         </p:cTn>
                                         <p:tgtEl>
-                                          <p:spTgt spid="5">
+                                          <p:spTgt spid="3">
                                             <p:txEl>
                                               <p:pRg st="0" end="0"/>
                                             </p:txEl>
@@ -5903,7 +10654,7 @@
                                       <p:cBhvr additive="base">
                                         <p:cTn id="7" dur="500" fill="hold"/>
                                         <p:tgtEl>
-                                          <p:spTgt spid="5">
+                                          <p:spTgt spid="3">
                                             <p:txEl>
                                               <p:pRg st="0" end="0"/>
                                             </p:txEl>
@@ -5916,7 +10667,7 @@
                                       <p:tavLst>
                                         <p:tav tm="0">
                                           <p:val>
-                                            <p:strVal val="0-#ppt_w/2"/>
+                                            <p:strVal val="#ppt_x"/>
                                           </p:val>
                                         </p:tav>
                                         <p:tav tm="100000">
@@ -5930,7 +10681,7 @@
                                       <p:cBhvr additive="base">
                                         <p:cTn id="8" dur="500" fill="hold"/>
                                         <p:tgtEl>
-                                          <p:spTgt spid="5">
+                                          <p:spTgt spid="3">
                                             <p:txEl>
                                               <p:pRg st="0" end="0"/>
                                             </p:txEl>
@@ -5943,7 +10694,7 @@
                                       <p:tavLst>
                                         <p:tav tm="0">
                                           <p:val>
-                                            <p:strVal val="#ppt_y"/>
+                                            <p:strVal val="1+#ppt_h/2"/>
                                           </p:val>
                                         </p:tav>
                                         <p:tav tm="100000">
@@ -5966,7 +10717,7 @@
                             </p:stCondLst>
                             <p:childTnLst>
                               <p:par>
-                                <p:cTn id="10" presetID="2" presetClass="entr" presetSubtype="6" fill="hold" nodeType="afterEffect">
+                                <p:cTn id="10" presetID="2" presetClass="entr" presetSubtype="4" fill="hold" nodeType="afterEffect">
                                   <p:stCondLst>
                                     <p:cond delay="0"/>
                                   </p:stCondLst>
@@ -5981,7 +10732,7 @@
                                         <p:tgtEl>
                                           <p:spTgt spid="3">
                                             <p:txEl>
-                                              <p:pRg st="0" end="0"/>
+                                              <p:pRg st="1" end="1"/>
                                             </p:txEl>
                                           </p:spTgt>
                                         </p:tgtEl>
@@ -5999,7 +10750,7 @@
                                         <p:tgtEl>
                                           <p:spTgt spid="3">
                                             <p:txEl>
-                                              <p:pRg st="0" end="0"/>
+                                              <p:pRg st="1" end="1"/>
                                             </p:txEl>
                                           </p:spTgt>
                                         </p:tgtEl>
@@ -6010,7 +10761,7 @@
                                       <p:tavLst>
                                         <p:tav tm="0">
                                           <p:val>
-                                            <p:strVal val="1+#ppt_w/2"/>
+                                            <p:strVal val="#ppt_x"/>
                                           </p:val>
                                         </p:tav>
                                         <p:tav tm="100000">
@@ -6026,7 +10777,7 @@
                                         <p:tgtEl>
                                           <p:spTgt spid="3">
                                             <p:txEl>
-                                              <p:pRg st="0" end="0"/>
+                                              <p:pRg st="1" end="1"/>
                                             </p:txEl>
                                           </p:spTgt>
                                         </p:tgtEl>
@@ -6060,7 +10811,7 @@
                             </p:stCondLst>
                             <p:childTnLst>
                               <p:par>
-                                <p:cTn id="15" presetID="2" presetClass="entr" presetSubtype="6" fill="hold" nodeType="afterEffect">
+                                <p:cTn id="15" presetID="2" presetClass="entr" presetSubtype="4" fill="hold" nodeType="afterEffect">
                                   <p:stCondLst>
                                     <p:cond delay="0"/>
                                   </p:stCondLst>
@@ -6075,7 +10826,7 @@
                                         <p:tgtEl>
                                           <p:spTgt spid="3">
                                             <p:txEl>
-                                              <p:pRg st="1" end="1"/>
+                                              <p:pRg st="2" end="2"/>
                                             </p:txEl>
                                           </p:spTgt>
                                         </p:tgtEl>
@@ -6093,7 +10844,7 @@
                                         <p:tgtEl>
                                           <p:spTgt spid="3">
                                             <p:txEl>
-                                              <p:pRg st="1" end="1"/>
+                                              <p:pRg st="2" end="2"/>
                                             </p:txEl>
                                           </p:spTgt>
                                         </p:tgtEl>
@@ -6104,7 +10855,7 @@
                                       <p:tavLst>
                                         <p:tav tm="0">
                                           <p:val>
-                                            <p:strVal val="1+#ppt_w/2"/>
+                                            <p:strVal val="#ppt_x"/>
                                           </p:val>
                                         </p:tav>
                                         <p:tav tm="100000">
@@ -6120,7 +10871,7 @@
                                         <p:tgtEl>
                                           <p:spTgt spid="3">
                                             <p:txEl>
-                                              <p:pRg st="1" end="1"/>
+                                              <p:pRg st="2" end="2"/>
                                             </p:txEl>
                                           </p:spTgt>
                                         </p:tgtEl>
@@ -6154,7 +10905,7 @@
                             </p:stCondLst>
                             <p:childTnLst>
                               <p:par>
-                                <p:cTn id="20" presetID="2" presetClass="entr" presetSubtype="6" fill="hold" nodeType="afterEffect">
+                                <p:cTn id="20" presetID="2" presetClass="entr" presetSubtype="4" fill="hold" nodeType="afterEffect">
                                   <p:stCondLst>
                                     <p:cond delay="0"/>
                                   </p:stCondLst>
@@ -6169,7 +10920,7 @@
                                         <p:tgtEl>
                                           <p:spTgt spid="3">
                                             <p:txEl>
-                                              <p:pRg st="2" end="2"/>
+                                              <p:pRg st="3" end="3"/>
                                             </p:txEl>
                                           </p:spTgt>
                                         </p:tgtEl>
@@ -6187,7 +10938,7 @@
                                         <p:tgtEl>
                                           <p:spTgt spid="3">
                                             <p:txEl>
-                                              <p:pRg st="2" end="2"/>
+                                              <p:pRg st="3" end="3"/>
                                             </p:txEl>
                                           </p:spTgt>
                                         </p:tgtEl>
@@ -6198,7 +10949,7 @@
                                       <p:tavLst>
                                         <p:tav tm="0">
                                           <p:val>
-                                            <p:strVal val="1+#ppt_w/2"/>
+                                            <p:strVal val="#ppt_x"/>
                                           </p:val>
                                         </p:tav>
                                         <p:tav tm="100000">
@@ -6214,7 +10965,7 @@
                                         <p:tgtEl>
                                           <p:spTgt spid="3">
                                             <p:txEl>
-                                              <p:pRg st="2" end="2"/>
+                                              <p:pRg st="3" end="3"/>
                                             </p:txEl>
                                           </p:spTgt>
                                         </p:tgtEl>
@@ -6332,7 +11083,7 @@
         <p:spPr>
           <a:xfrm>
             <a:off x="838200" y="3494934"/>
-            <a:ext cx="10515600" cy="1640737"/>
+            <a:ext cx="10515600" cy="1910034"/>
           </a:xfrm>
         </p:spPr>
         <p:txBody>
@@ -6345,17 +11096,33 @@
                   <a:schemeClr val="bg1"/>
                 </a:solidFill>
               </a:rPr>
-              <a:t>Az eredeti DDR memória típus, amelyet a DDR2 követett </a:t>
-            </a:r>
-          </a:p>
-          <a:p>
+              <a:t>Ez egy további régebbi RAM típus, amelyet a </a:t>
+            </a:r>
+            <a:r>
+              <a:rPr lang="hu-HU" dirty="0" err="1">
+                <a:solidFill>
+                  <a:schemeClr val="bg1"/>
+                </a:solidFill>
+              </a:rPr>
+              <a:t>Rambus</a:t>
+            </a:r>
             <a:r>
               <a:rPr lang="hu-HU" dirty="0">
                 <a:solidFill>
                   <a:schemeClr val="bg1"/>
                 </a:solidFill>
               </a:rPr>
-              <a:t>elsők között alkalmazta a kettős adatátviteli sebességet --&gt; nagyobb adatátvitel </a:t>
+              <a:t> Inc. fejlesztett ki. </a:t>
+            </a:r>
+          </a:p>
+          <a:p>
+            <a:r>
+              <a:rPr lang="hu-HU" dirty="0">
+                <a:solidFill>
+                  <a:schemeClr val="bg1"/>
+                </a:solidFill>
+              </a:rPr>
+              <a:t>M</a:t>
             </a:r>
             <a:r>
               <a:rPr lang="hu-HU" dirty="0" smtClean="0">
@@ -6363,45 +11130,16 @@
                   <a:schemeClr val="bg1"/>
                 </a:solidFill>
               </a:rPr>
-              <a:t>(</a:t>
-            </a:r>
-            <a:r>
-              <a:rPr lang="hu-HU" dirty="0" err="1" smtClean="0">
-                <a:solidFill>
-                  <a:schemeClr val="bg1"/>
-                </a:solidFill>
-              </a:rPr>
-              <a:t>max</a:t>
-            </a:r>
-            <a:r>
-              <a:rPr lang="hu-HU" dirty="0" smtClean="0">
-                <a:solidFill>
-                  <a:schemeClr val="bg1"/>
-                </a:solidFill>
-              </a:rPr>
-              <a:t> </a:t>
-            </a:r>
-            <a:r>
-              <a:rPr lang="hu-HU" b="1" dirty="0">
-                <a:solidFill>
-                  <a:schemeClr val="bg1"/>
-                </a:solidFill>
-              </a:rPr>
-              <a:t>400 MHz</a:t>
-            </a:r>
-            <a:r>
-              <a:rPr lang="hu-HU" dirty="0" smtClean="0">
-                <a:solidFill>
-                  <a:schemeClr val="bg1"/>
-                </a:solidFill>
-              </a:rPr>
-              <a:t>)</a:t>
-            </a:r>
-            <a:endParaRPr lang="hu-HU" dirty="0">
-              <a:solidFill>
-                <a:schemeClr val="bg1"/>
-              </a:solidFill>
-            </a:endParaRPr>
+              <a:t>agasabb </a:t>
+            </a:r>
+            <a:r>
+              <a:rPr lang="hu-HU" dirty="0">
+                <a:solidFill>
+                  <a:schemeClr val="bg1"/>
+                </a:solidFill>
+              </a:rPr>
+              <a:t>adatátviteli sebességet kínál, de kevésbé elterjedt és korlátozottan kompatibilis más rendszerekkel</a:t>
+            </a:r>
           </a:p>
           <a:p>
             <a:endParaRPr lang="hu-HU" dirty="0"/>
@@ -6410,14 +11148,14 @@
       </p:sp>
       <p:sp>
         <p:nvSpPr>
-          <p:cNvPr id="5" name="Szövegdoboz 4"/>
+          <p:cNvPr id="4" name="Szövegdoboz 3"/>
           <p:cNvSpPr txBox="1"/>
           <p:nvPr/>
         </p:nvSpPr>
         <p:spPr>
           <a:xfrm>
-            <a:off x="1698734" y="2694715"/>
-            <a:ext cx="8794531" cy="800219"/>
+            <a:off x="1915222" y="2608877"/>
+            <a:ext cx="8361556" cy="800219"/>
           </a:xfrm>
           <a:prstGeom prst="rect">
             <a:avLst/>
@@ -6432,12 +11170,68 @@
           <a:p>
             <a:pPr algn="ctr"/>
             <a:r>
+              <a:rPr lang="hu-HU" sz="2800" b="1" u="sng" dirty="0">
+                <a:solidFill>
+                  <a:schemeClr val="bg1"/>
+                </a:solidFill>
+              </a:rPr>
+              <a:t>RDRAM (</a:t>
+            </a:r>
+            <a:r>
+              <a:rPr lang="hu-HU" sz="2800" b="1" u="sng" dirty="0" err="1">
+                <a:solidFill>
+                  <a:schemeClr val="bg1"/>
+                </a:solidFill>
+              </a:rPr>
+              <a:t>Rambus</a:t>
+            </a:r>
+            <a:r>
+              <a:rPr lang="hu-HU" sz="2800" b="1" u="sng" dirty="0">
+                <a:solidFill>
+                  <a:schemeClr val="bg1"/>
+                </a:solidFill>
+              </a:rPr>
+              <a:t> </a:t>
+            </a:r>
+            <a:r>
+              <a:rPr lang="hu-HU" sz="2800" b="1" u="sng" dirty="0" err="1">
+                <a:solidFill>
+                  <a:schemeClr val="bg1"/>
+                </a:solidFill>
+              </a:rPr>
+              <a:t>Dynamic</a:t>
+            </a:r>
+            <a:r>
+              <a:rPr lang="hu-HU" sz="2800" b="1" u="sng" dirty="0">
+                <a:solidFill>
+                  <a:schemeClr val="bg1"/>
+                </a:solidFill>
+              </a:rPr>
+              <a:t> Random Access </a:t>
+            </a:r>
+            <a:r>
+              <a:rPr lang="hu-HU" sz="2800" b="1" u="sng" dirty="0" err="1">
+                <a:solidFill>
+                  <a:schemeClr val="bg1"/>
+                </a:solidFill>
+              </a:rPr>
+              <a:t>Memory</a:t>
+            </a:r>
+            <a:r>
               <a:rPr lang="hu-HU" sz="2800" b="1" u="sng" dirty="0" smtClean="0">
                 <a:solidFill>
                   <a:schemeClr val="bg1"/>
                 </a:solidFill>
               </a:rPr>
-              <a:t>DDR (DOUBLE DATA RATE)</a:t>
+              <a:t>)</a:t>
+            </a:r>
+            <a:r>
+              <a:rPr lang="hu-HU" sz="2800" u="sng" dirty="0" smtClean="0">
+                <a:solidFill>
+                  <a:schemeClr val="bg1"/>
+                </a:solidFill>
+              </a:rPr>
+              <a:t> </a:t>
             </a:r>
             <a:endParaRPr lang="hu-HU" sz="2800" u="sng" dirty="0">
               <a:solidFill>
@@ -6458,21 +11252,21 @@
     </p:spTree>
     <p:extLst>
       <p:ext uri="{BB962C8B-B14F-4D97-AF65-F5344CB8AC3E}">
-        <p14:creationId xmlns:p14="http://schemas.microsoft.com/office/powerpoint/2010/main" val="253826506"/>
+        <p14:creationId xmlns:p14="http://schemas.microsoft.com/office/powerpoint/2010/main" val="2562855163"/>
       </p:ext>
     </p:extLst>
   </p:cSld>
   <p:clrMapOvr>
     <a:masterClrMapping/>
   </p:clrMapOvr>
-  <mc:AlternateContent xmlns:mc="http://schemas.openxmlformats.org/markup-compatibility/2006">
-    <mc:Choice xmlns:p14="http://schemas.microsoft.com/office/powerpoint/2010/main" Requires="p14">
-      <p:transition spd="med" p14:dur="700">
-        <p:fade/>
+  <mc:AlternateContent xmlns:mc="http://schemas.openxmlformats.org/markup-compatibility/2006" xmlns:p14="http://schemas.microsoft.com/office/powerpoint/2010/main">
+    <mc:Choice Requires="p14">
+      <p:transition spd="slow" p14:dur="3400">
+        <p14:reveal/>
       </p:transition>
     </mc:Choice>
-    <mc:Fallback>
-      <p:transition spd="med">
+    <mc:Fallback xmlns="">
+      <p:transition spd="slow">
         <p:fade/>
       </p:transition>
     </mc:Fallback>
@@ -6514,7 +11308,7 @@
                                           </p:stCondLst>
                                         </p:cTn>
                                         <p:tgtEl>
-                                          <p:spTgt spid="5">
+                                          <p:spTgt spid="4">
                                             <p:txEl>
                                               <p:pRg st="0" end="0"/>
                                             </p:txEl>
@@ -6532,7 +11326,7 @@
                                       <p:cBhvr additive="base">
                                         <p:cTn id="7" dur="500" fill="hold"/>
                                         <p:tgtEl>
-                                          <p:spTgt spid="5">
+                                          <p:spTgt spid="4">
                                             <p:txEl>
                                               <p:pRg st="0" end="0"/>
                                             </p:txEl>
@@ -6559,7 +11353,7 @@
                                       <p:cBhvr additive="base">
                                         <p:cTn id="8" dur="500" fill="hold"/>
                                         <p:tgtEl>
-                                          <p:spTgt spid="5">
+                                          <p:spTgt spid="4">
                                             <p:txEl>
                                               <p:pRg st="0" end="0"/>
                                             </p:txEl>
@@ -6595,7 +11389,7 @@
                             </p:stCondLst>
                             <p:childTnLst>
                               <p:par>
-                                <p:cTn id="10" presetID="2" presetClass="entr" presetSubtype="6" fill="hold" nodeType="afterEffect">
+                                <p:cTn id="10" presetID="2" presetClass="entr" presetSubtype="8" fill="hold" nodeType="afterEffect">
                                   <p:stCondLst>
                                     <p:cond delay="0"/>
                                   </p:stCondLst>
@@ -6639,7 +11433,7 @@
                                       <p:tavLst>
                                         <p:tav tm="0">
                                           <p:val>
-                                            <p:strVal val="1+#ppt_w/2"/>
+                                            <p:strVal val="0-#ppt_w/2"/>
                                           </p:val>
                                         </p:tav>
                                         <p:tav tm="100000">
@@ -6666,7 +11460,7 @@
                                       <p:tavLst>
                                         <p:tav tm="0">
                                           <p:val>
-                                            <p:strVal val="1+#ppt_h/2"/>
+                                            <p:strVal val="#ppt_y"/>
                                           </p:val>
                                         </p:tav>
                                         <p:tav tm="100000">
@@ -6689,7 +11483,7 @@
                             </p:stCondLst>
                             <p:childTnLst>
                               <p:par>
-                                <p:cTn id="15" presetID="2" presetClass="entr" presetSubtype="6" fill="hold" nodeType="afterEffect">
+                                <p:cTn id="15" presetID="2" presetClass="entr" presetSubtype="8" fill="hold" nodeType="afterEffect">
                                   <p:stCondLst>
                                     <p:cond delay="0"/>
                                   </p:stCondLst>
@@ -6733,7 +11527,7 @@
                                       <p:tavLst>
                                         <p:tav tm="0">
                                           <p:val>
-                                            <p:strVal val="1+#ppt_w/2"/>
+                                            <p:strVal val="0-#ppt_w/2"/>
                                           </p:val>
                                         </p:tav>
                                         <p:tav tm="100000">
@@ -6760,7 +11554,7 @@
                                       <p:tavLst>
                                         <p:tav tm="0">
                                           <p:val>
-                                            <p:strVal val="1+#ppt_h/2"/>
+                                            <p:strVal val="#ppt_y"/>
                                           </p:val>
                                         </p:tav>
                                         <p:tav tm="100000">
@@ -6871,9 +11665,7 @@
           </a:xfrm>
         </p:spPr>
         <p:txBody>
-          <a:bodyPr>
-            <a:normAutofit fontScale="92500" lnSpcReduction="10000"/>
-          </a:bodyPr>
+          <a:bodyPr/>
           <a:lstStyle/>
           <a:p>
             <a:r>
@@ -6882,7 +11674,7 @@
                   <a:schemeClr val="bg1"/>
                 </a:solidFill>
               </a:rPr>
-              <a:t>K</a:t>
+              <a:t>R</a:t>
             </a:r>
             <a:r>
               <a:rPr lang="hu-HU" dirty="0" smtClean="0">
@@ -6890,7 +11682,7 @@
                   <a:schemeClr val="bg1"/>
                 </a:solidFill>
               </a:rPr>
-              <a:t>evésbé </a:t>
+              <a:t>égebbi </a:t>
             </a:r>
             <a:r>
               <a:rPr lang="hu-HU" dirty="0">
@@ -6898,7 +11690,7 @@
                   <a:schemeClr val="bg1"/>
                 </a:solidFill>
               </a:rPr>
-              <a:t>elterjedt és kevésbé használatos</a:t>
+              <a:t>típusú RAM, amelyet a DDR generációk váltottak fel</a:t>
             </a:r>
           </a:p>
           <a:p>
@@ -6908,7 +11700,17 @@
                   <a:schemeClr val="bg1"/>
                 </a:solidFill>
               </a:rPr>
-              <a:t>Alacsonyabb sebesség és adatátviteli sebesség mint a DDR3 és a DDR4 </a:t>
+              <a:t>Kisebb sebesség és adatátvitel</a:t>
+            </a:r>
+          </a:p>
+          <a:p>
+            <a:r>
+              <a:rPr lang="hu-HU" dirty="0">
+                <a:solidFill>
+                  <a:schemeClr val="bg1"/>
+                </a:solidFill>
+              </a:rPr>
+              <a:t>Á</a:t>
             </a:r>
             <a:r>
               <a:rPr lang="hu-HU" dirty="0" smtClean="0">
@@ -6916,38 +11718,15 @@
                   <a:schemeClr val="bg1"/>
                 </a:solidFill>
               </a:rPr>
-              <a:t>esetében (133~200MHz)</a:t>
-            </a:r>
-            <a:endParaRPr lang="hu-HU" dirty="0">
-              <a:solidFill>
-                <a:schemeClr val="bg1"/>
-              </a:solidFill>
-            </a:endParaRPr>
-          </a:p>
-          <a:p>
+              <a:t>ltalában régebbi (nagyon régi) </a:t>
+            </a:r>
             <a:r>
               <a:rPr lang="hu-HU" dirty="0">
                 <a:solidFill>
                   <a:schemeClr val="bg1"/>
                 </a:solidFill>
               </a:rPr>
-              <a:t>K</a:t>
-            </a:r>
-            <a:r>
-              <a:rPr lang="hu-HU" dirty="0" smtClean="0">
-                <a:solidFill>
-                  <a:schemeClr val="bg1"/>
-                </a:solidFill>
-              </a:rPr>
-              <a:t>evésbé </a:t>
-            </a:r>
-            <a:r>
-              <a:rPr lang="hu-HU" dirty="0">
-                <a:solidFill>
-                  <a:schemeClr val="bg1"/>
-                </a:solidFill>
-              </a:rPr>
-              <a:t>kompatibilis az újabb alaplapokkal</a:t>
+              <a:t>számítógépekben </a:t>
             </a:r>
           </a:p>
           <a:p>
@@ -6984,7 +11763,63 @@
                   <a:schemeClr val="bg1"/>
                 </a:solidFill>
               </a:rPr>
-              <a:t>DDR 2 (DOUBLE DATA RATE 2)</a:t>
+              <a:t>SDRAM (</a:t>
+            </a:r>
+            <a:r>
+              <a:rPr lang="hu-HU" sz="2800" b="1" u="sng" dirty="0" err="1">
+                <a:solidFill>
+                  <a:schemeClr val="bg1"/>
+                </a:solidFill>
+              </a:rPr>
+              <a:t>Synchronous</a:t>
+            </a:r>
+            <a:r>
+              <a:rPr lang="hu-HU" sz="2800" b="1" u="sng" dirty="0">
+                <a:solidFill>
+                  <a:schemeClr val="bg1"/>
+                </a:solidFill>
+              </a:rPr>
+              <a:t> </a:t>
+            </a:r>
+            <a:r>
+              <a:rPr lang="hu-HU" sz="2800" b="1" u="sng" dirty="0" err="1">
+                <a:solidFill>
+                  <a:schemeClr val="bg1"/>
+                </a:solidFill>
+              </a:rPr>
+              <a:t>Dynamic</a:t>
+            </a:r>
+            <a:r>
+              <a:rPr lang="hu-HU" sz="2800" b="1" u="sng" dirty="0">
+                <a:solidFill>
+                  <a:schemeClr val="bg1"/>
+                </a:solidFill>
+              </a:rPr>
+              <a:t> Random Access </a:t>
+            </a:r>
+            <a:r>
+              <a:rPr lang="hu-HU" sz="2800" b="1" u="sng" dirty="0" err="1">
+                <a:solidFill>
+                  <a:schemeClr val="bg1"/>
+                </a:solidFill>
+              </a:rPr>
+              <a:t>Memory</a:t>
+            </a:r>
+            <a:r>
+              <a:rPr lang="hu-HU" sz="2800" b="1" u="sng" dirty="0" smtClean="0">
+                <a:solidFill>
+                  <a:schemeClr val="bg1"/>
+                </a:solidFill>
+              </a:rPr>
+              <a:t>)</a:t>
+            </a:r>
+            <a:r>
+              <a:rPr lang="hu-HU" sz="2800" u="sng" dirty="0" smtClean="0">
+                <a:solidFill>
+                  <a:schemeClr val="bg1"/>
+                </a:solidFill>
+              </a:rPr>
+              <a:t> </a:t>
             </a:r>
             <a:endParaRPr lang="hu-HU" sz="2800" u="sng" dirty="0">
               <a:solidFill>
@@ -7005,20 +11840,20 @@
     </p:spTree>
     <p:extLst>
       <p:ext uri="{BB962C8B-B14F-4D97-AF65-F5344CB8AC3E}">
-        <p14:creationId xmlns:p14="http://schemas.microsoft.com/office/powerpoint/2010/main" val="1730912628"/>
+        <p14:creationId xmlns:p14="http://schemas.microsoft.com/office/powerpoint/2010/main" val="474864359"/>
       </p:ext>
     </p:extLst>
   </p:cSld>
   <p:clrMapOvr>
     <a:masterClrMapping/>
   </p:clrMapOvr>
-  <mc:AlternateContent xmlns:mc="http://schemas.openxmlformats.org/markup-compatibility/2006">
-    <mc:Choice xmlns:p14="http://schemas.microsoft.com/office/powerpoint/2010/main" Requires="p14">
+  <mc:AlternateContent xmlns:mc="http://schemas.openxmlformats.org/markup-compatibility/2006" xmlns:p14="http://schemas.microsoft.com/office/powerpoint/2010/main">
+    <mc:Choice Requires="p14">
       <p:transition spd="med" p14:dur="700">
         <p:fade/>
       </p:transition>
     </mc:Choice>
-    <mc:Fallback>
+    <mc:Fallback xmlns="">
       <p:transition spd="med">
         <p:fade/>
       </p:transition>
@@ -7512,18 +12347,34 @@
           </a:xfrm>
         </p:spPr>
         <p:txBody>
-          <a:bodyPr>
-            <a:normAutofit/>
-          </a:bodyPr>
+          <a:bodyPr/>
           <a:lstStyle/>
           <a:p>
             <a:r>
+              <a:rPr lang="hu-HU" dirty="0">
+                <a:solidFill>
+                  <a:schemeClr val="bg1"/>
+                </a:solidFill>
+              </a:rPr>
+              <a:t>Az eredeti DDR memória típus, amelyet a DDR2 követett </a:t>
+            </a:r>
+          </a:p>
+          <a:p>
+            <a:r>
+              <a:rPr lang="hu-HU" dirty="0">
+                <a:solidFill>
+                  <a:schemeClr val="bg1"/>
+                </a:solidFill>
+              </a:rPr>
+              <a:t>elsők között alkalmazta a kettős adatátviteli sebességet --&gt; nagyobb adatátvitel </a:t>
+            </a:r>
+            <a:r>
               <a:rPr lang="hu-HU" dirty="0" smtClean="0">
                 <a:solidFill>
                   <a:schemeClr val="bg1"/>
                 </a:solidFill>
               </a:rPr>
-              <a:t>Sok régebbi számítógépben jelenleg is DDR3-as </a:t>
+              <a:t>(</a:t>
             </a:r>
             <a:r>
               <a:rPr lang="hu-HU" dirty="0" err="1" smtClean="0">
@@ -7531,7 +12382,7 @@
                   <a:schemeClr val="bg1"/>
                 </a:solidFill>
               </a:rPr>
-              <a:t>ramok</a:t>
+              <a:t>max</a:t>
             </a:r>
             <a:r>
               <a:rPr lang="hu-HU" dirty="0" smtClean="0">
@@ -7539,31 +12390,29 @@
                   <a:schemeClr val="bg1"/>
                 </a:solidFill>
               </a:rPr>
-              <a:t> vannak</a:t>
+              <a:t> </a:t>
+            </a:r>
+            <a:r>
+              <a:rPr lang="hu-HU" b="1" dirty="0">
+                <a:solidFill>
+                  <a:schemeClr val="bg1"/>
+                </a:solidFill>
+              </a:rPr>
+              <a:t>400 MHz</a:t>
+            </a:r>
+            <a:r>
+              <a:rPr lang="hu-HU" dirty="0" smtClean="0">
+                <a:solidFill>
+                  <a:schemeClr val="bg1"/>
+                </a:solidFill>
+              </a:rPr>
+              <a:t>)</a:t>
             </a:r>
             <a:endParaRPr lang="hu-HU" dirty="0">
               <a:solidFill>
                 <a:schemeClr val="bg1"/>
               </a:solidFill>
             </a:endParaRPr>
-          </a:p>
-          <a:p>
-            <a:r>
-              <a:rPr lang="hu-HU" dirty="0" smtClean="0">
-                <a:solidFill>
-                  <a:schemeClr val="bg1"/>
-                </a:solidFill>
-              </a:rPr>
-              <a:t>Sebessége: </a:t>
-            </a:r>
-            <a:r>
-              <a:rPr lang="hu-HU" dirty="0">
-                <a:solidFill>
-                  <a:schemeClr val="bg1"/>
-                </a:solidFill>
-              </a:rPr>
-              <a:t>400–1066 MHz</a:t>
-            </a:r>
           </a:p>
           <a:p>
             <a:endParaRPr lang="hu-HU" dirty="0"/>
@@ -7599,7 +12448,7 @@
                   <a:schemeClr val="bg1"/>
                 </a:solidFill>
               </a:rPr>
-              <a:t>DDR 3 (DOUBLE DATA RATE 3)</a:t>
+              <a:t>DDR (DOUBLE DATA RATE)</a:t>
             </a:r>
             <a:endParaRPr lang="hu-HU" sz="2800" u="sng" dirty="0">
               <a:solidFill>
@@ -7620,20 +12469,20 @@
     </p:spTree>
     <p:extLst>
       <p:ext uri="{BB962C8B-B14F-4D97-AF65-F5344CB8AC3E}">
-        <p14:creationId xmlns:p14="http://schemas.microsoft.com/office/powerpoint/2010/main" val="1507068301"/>
+        <p14:creationId xmlns:p14="http://schemas.microsoft.com/office/powerpoint/2010/main" val="253826506"/>
       </p:ext>
     </p:extLst>
   </p:cSld>
   <p:clrMapOvr>
     <a:masterClrMapping/>
   </p:clrMapOvr>
-  <mc:AlternateContent xmlns:mc="http://schemas.openxmlformats.org/markup-compatibility/2006">
-    <mc:Choice xmlns:p14="http://schemas.microsoft.com/office/powerpoint/2010/main" Requires="p14">
+  <mc:AlternateContent xmlns:mc="http://schemas.openxmlformats.org/markup-compatibility/2006" xmlns:p14="http://schemas.microsoft.com/office/powerpoint/2010/main">
+    <mc:Choice Requires="p14">
       <p:transition spd="med" p14:dur="700">
         <p:fade/>
       </p:transition>
     </mc:Choice>
-    <mc:Fallback>
+    <mc:Fallback xmlns="">
       <p:transition spd="med">
         <p:fade/>
       </p:transition>
@@ -8034,17 +12883,51 @@
         </p:spPr>
         <p:txBody>
           <a:bodyPr>
-            <a:normAutofit/>
+            <a:normAutofit fontScale="92500" lnSpcReduction="10000"/>
           </a:bodyPr>
           <a:lstStyle/>
           <a:p>
             <a:r>
+              <a:rPr lang="hu-HU" dirty="0">
+                <a:solidFill>
+                  <a:schemeClr val="bg1"/>
+                </a:solidFill>
+              </a:rPr>
+              <a:t>K</a:t>
+            </a:r>
+            <a:r>
               <a:rPr lang="hu-HU" dirty="0" smtClean="0">
                 <a:solidFill>
                   <a:schemeClr val="bg1"/>
                 </a:solidFill>
               </a:rPr>
-              <a:t>Jelenleg a legelterjedtebb RAM típus</a:t>
+              <a:t>evésbé </a:t>
+            </a:r>
+            <a:r>
+              <a:rPr lang="hu-HU" dirty="0">
+                <a:solidFill>
+                  <a:schemeClr val="bg1"/>
+                </a:solidFill>
+              </a:rPr>
+              <a:t>elterjedt és kevésbé használatos</a:t>
+            </a:r>
+          </a:p>
+          <a:p>
+            <a:r>
+              <a:rPr lang="hu-HU" dirty="0">
+                <a:solidFill>
+                  <a:schemeClr val="bg1"/>
+                </a:solidFill>
+              </a:rPr>
+              <a:t>Alacsonyabb sebesség és adatátviteli sebesség mint a DDR3 és a DDR4 </a:t>
+            </a:r>
+            <a:r>
+              <a:rPr lang="hu-HU" dirty="0" smtClean="0">
+                <a:solidFill>
+                  <a:schemeClr val="bg1"/>
+                </a:solidFill>
+              </a:rPr>
+              <a:t>esetében (133~200MHz)</a:t>
             </a:r>
             <a:endParaRPr lang="hu-HU" dirty="0">
               <a:solidFill>
@@ -8054,44 +12937,32 @@
           </a:p>
           <a:p>
             <a:r>
+              <a:rPr lang="hu-HU" dirty="0">
+                <a:solidFill>
+                  <a:schemeClr val="bg1"/>
+                </a:solidFill>
+              </a:rPr>
+              <a:t>K</a:t>
+            </a:r>
+            <a:r>
               <a:rPr lang="hu-HU" dirty="0" smtClean="0">
                 <a:solidFill>
                   <a:schemeClr val="bg1"/>
                 </a:solidFill>
               </a:rPr>
-              <a:t>Sebessége: 2133MHz – 3000+Mhz (</a:t>
-            </a:r>
-            <a:r>
-              <a:rPr lang="hu-HU" dirty="0" err="1" smtClean="0">
-                <a:solidFill>
-                  <a:schemeClr val="bg1"/>
-                </a:solidFill>
-              </a:rPr>
-              <a:t>pl</a:t>
-            </a:r>
-            <a:r>
-              <a:rPr lang="hu-HU" dirty="0" smtClean="0">
-                <a:solidFill>
-                  <a:schemeClr val="bg1"/>
-                </a:solidFill>
-              </a:rPr>
-              <a:t>: 3200, 3400)</a:t>
-            </a:r>
-          </a:p>
-          <a:p>
-            <a:r>
-              <a:rPr lang="hu-HU" dirty="0" smtClean="0">
-                <a:solidFill>
-                  <a:schemeClr val="bg1"/>
-                </a:solidFill>
-              </a:rPr>
-              <a:t>Nem olyan drágák</a:t>
-            </a:r>
-            <a:endParaRPr lang="hu-HU" dirty="0">
-              <a:solidFill>
-                <a:schemeClr val="bg1"/>
-              </a:solidFill>
-            </a:endParaRPr>
+              <a:t>evésbé </a:t>
+            </a:r>
+            <a:r>
+              <a:rPr lang="hu-HU" dirty="0">
+                <a:solidFill>
+                  <a:schemeClr val="bg1"/>
+                </a:solidFill>
+              </a:rPr>
+              <a:t>kompatibilis az újabb alaplapokkal</a:t>
+            </a:r>
+          </a:p>
+          <a:p>
+            <a:endParaRPr lang="hu-HU" dirty="0"/>
           </a:p>
         </p:txBody>
       </p:sp>
@@ -8124,7 +12995,7 @@
                   <a:schemeClr val="bg1"/>
                 </a:solidFill>
               </a:rPr>
-              <a:t>DDR 4 (DOUBLE DATA RATE 4)</a:t>
+              <a:t>DDR 2 (DOUBLE DATA RATE 2)</a:t>
             </a:r>
             <a:endParaRPr lang="hu-HU" sz="2800" u="sng" dirty="0">
               <a:solidFill>
@@ -8145,20 +13016,20 @@
     </p:spTree>
     <p:extLst>
       <p:ext uri="{BB962C8B-B14F-4D97-AF65-F5344CB8AC3E}">
-        <p14:creationId xmlns:p14="http://schemas.microsoft.com/office/powerpoint/2010/main" val="666382491"/>
+        <p14:creationId xmlns:p14="http://schemas.microsoft.com/office/powerpoint/2010/main" val="1730912628"/>
       </p:ext>
     </p:extLst>
   </p:cSld>
   <p:clrMapOvr>
     <a:masterClrMapping/>
   </p:clrMapOvr>
-  <mc:AlternateContent xmlns:mc="http://schemas.openxmlformats.org/markup-compatibility/2006">
-    <mc:Choice xmlns:p14="http://schemas.microsoft.com/office/powerpoint/2010/main" Requires="p14">
+  <mc:AlternateContent xmlns:mc="http://schemas.openxmlformats.org/markup-compatibility/2006" xmlns:p14="http://schemas.microsoft.com/office/powerpoint/2010/main">
+    <mc:Choice Requires="p14">
       <p:transition spd="med" p14:dur="700">
         <p:fade/>
       </p:transition>
     </mc:Choice>
-    <mc:Fallback>
+    <mc:Fallback xmlns="">
       <p:transition spd="med">
         <p:fade/>
       </p:transition>
@@ -8844,4 +13715,265 @@
     </a:ext>
   </a:extLst>
 </a:theme>
+</file>
+
+<file path=ppt/theme/theme2.xml><?xml version="1.0" encoding="utf-8"?>
+<a:theme xmlns:a="http://schemas.openxmlformats.org/drawingml/2006/main" name="Office-téma">
+  <a:themeElements>
+    <a:clrScheme name="Office">
+      <a:dk1>
+        <a:sysClr val="windowText" lastClr="000000"/>
+      </a:dk1>
+      <a:lt1>
+        <a:sysClr val="window" lastClr="FFFFFF"/>
+      </a:lt1>
+      <a:dk2>
+        <a:srgbClr val="44546A"/>
+      </a:dk2>
+      <a:lt2>
+        <a:srgbClr val="E7E6E6"/>
+      </a:lt2>
+      <a:accent1>
+        <a:srgbClr val="5B9BD5"/>
+      </a:accent1>
+      <a:accent2>
+        <a:srgbClr val="ED7D31"/>
+      </a:accent2>
+      <a:accent3>
+        <a:srgbClr val="A5A5A5"/>
+      </a:accent3>
+      <a:accent4>
+        <a:srgbClr val="FFC000"/>
+      </a:accent4>
+      <a:accent5>
+        <a:srgbClr val="4472C4"/>
+      </a:accent5>
+      <a:accent6>
+        <a:srgbClr val="70AD47"/>
+      </a:accent6>
+      <a:hlink>
+        <a:srgbClr val="0563C1"/>
+      </a:hlink>
+      <a:folHlink>
+        <a:srgbClr val="954F72"/>
+      </a:folHlink>
+    </a:clrScheme>
+    <a:fontScheme name="Office">
+      <a:majorFont>
+        <a:latin typeface="Calibri Light" panose="020F0302020204030204"/>
+        <a:ea typeface=""/>
+        <a:cs typeface=""/>
+        <a:font script="Jpan" typeface="游ゴシック Light"/>
+        <a:font script="Hang" typeface="맑은 고딕"/>
+        <a:font script="Hans" typeface="等线 Light"/>
+        <a:font script="Hant" typeface="新細明體"/>
+        <a:font script="Arab" typeface="Times New Roman"/>
+        <a:font script="Hebr" typeface="Times New Roman"/>
+        <a:font script="Thai" typeface="Angsana New"/>
+        <a:font script="Ethi" typeface="Nyala"/>
+        <a:font script="Beng" typeface="Vrinda"/>
+        <a:font script="Gujr" typeface="Shruti"/>
+        <a:font script="Khmr" typeface="MoolBoran"/>
+        <a:font script="Knda" typeface="Tunga"/>
+        <a:font script="Guru" typeface="Raavi"/>
+        <a:font script="Cans" typeface="Euphemia"/>
+        <a:font script="Cher" typeface="Plantagenet Cherokee"/>
+        <a:font script="Yiii" typeface="Microsoft Yi Baiti"/>
+        <a:font script="Tibt" typeface="Microsoft Himalaya"/>
+        <a:font script="Thaa" typeface="MV Boli"/>
+        <a:font script="Deva" typeface="Mangal"/>
+        <a:font script="Telu" typeface="Gautami"/>
+        <a:font script="Taml" typeface="Latha"/>
+        <a:font script="Syrc" typeface="Estrangelo Edessa"/>
+        <a:font script="Orya" typeface="Kalinga"/>
+        <a:font script="Mlym" typeface="Kartika"/>
+        <a:font script="Laoo" typeface="DokChampa"/>
+        <a:font script="Sinh" typeface="Iskoola Pota"/>
+        <a:font script="Mong" typeface="Mongolian Baiti"/>
+        <a:font script="Viet" typeface="Times New Roman"/>
+        <a:font script="Uigh" typeface="Microsoft Uighur"/>
+        <a:font script="Geor" typeface="Sylfaen"/>
+      </a:majorFont>
+      <a:minorFont>
+        <a:latin typeface="Calibri" panose="020F0502020204030204"/>
+        <a:ea typeface=""/>
+        <a:cs typeface=""/>
+        <a:font script="Jpan" typeface="游ゴシック"/>
+        <a:font script="Hang" typeface="맑은 고딕"/>
+        <a:font script="Hans" typeface="等线"/>
+        <a:font script="Hant" typeface="新細明體"/>
+        <a:font script="Arab" typeface="Arial"/>
+        <a:font script="Hebr" typeface="Arial"/>
+        <a:font script="Thai" typeface="Cordia New"/>
+        <a:font script="Ethi" typeface="Nyala"/>
+        <a:font script="Beng" typeface="Vrinda"/>
+        <a:font script="Gujr" typeface="Shruti"/>
+        <a:font script="Khmr" typeface="DaunPenh"/>
+        <a:font script="Knda" typeface="Tunga"/>
+        <a:font script="Guru" typeface="Raavi"/>
+        <a:font script="Cans" typeface="Euphemia"/>
+        <a:font script="Cher" typeface="Plantagenet Cherokee"/>
+        <a:font script="Yiii" typeface="Microsoft Yi Baiti"/>
+        <a:font script="Tibt" typeface="Microsoft Himalaya"/>
+        <a:font script="Thaa" typeface="MV Boli"/>
+        <a:font script="Deva" typeface="Mangal"/>
+        <a:font script="Telu" typeface="Gautami"/>
+        <a:font script="Taml" typeface="Latha"/>
+        <a:font script="Syrc" typeface="Estrangelo Edessa"/>
+        <a:font script="Orya" typeface="Kalinga"/>
+        <a:font script="Mlym" typeface="Kartika"/>
+        <a:font script="Laoo" typeface="DokChampa"/>
+        <a:font script="Sinh" typeface="Iskoola Pota"/>
+        <a:font script="Mong" typeface="Mongolian Baiti"/>
+        <a:font script="Viet" typeface="Arial"/>
+        <a:font script="Uigh" typeface="Microsoft Uighur"/>
+        <a:font script="Geor" typeface="Sylfaen"/>
+      </a:minorFont>
+    </a:fontScheme>
+    <a:fmtScheme name="Office">
+      <a:fillStyleLst>
+        <a:solidFill>
+          <a:schemeClr val="phClr"/>
+        </a:solidFill>
+        <a:gradFill rotWithShape="1">
+          <a:gsLst>
+            <a:gs pos="0">
+              <a:schemeClr val="phClr">
+                <a:lumMod val="110000"/>
+                <a:satMod val="105000"/>
+                <a:tint val="67000"/>
+              </a:schemeClr>
+            </a:gs>
+            <a:gs pos="50000">
+              <a:schemeClr val="phClr">
+                <a:lumMod val="105000"/>
+                <a:satMod val="103000"/>
+                <a:tint val="73000"/>
+              </a:schemeClr>
+            </a:gs>
+            <a:gs pos="100000">
+              <a:schemeClr val="phClr">
+                <a:lumMod val="105000"/>
+                <a:satMod val="109000"/>
+                <a:tint val="81000"/>
+              </a:schemeClr>
+            </a:gs>
+          </a:gsLst>
+          <a:lin ang="5400000" scaled="0"/>
+        </a:gradFill>
+        <a:gradFill rotWithShape="1">
+          <a:gsLst>
+            <a:gs pos="0">
+              <a:schemeClr val="phClr">
+                <a:satMod val="103000"/>
+                <a:lumMod val="102000"/>
+                <a:tint val="94000"/>
+              </a:schemeClr>
+            </a:gs>
+            <a:gs pos="50000">
+              <a:schemeClr val="phClr">
+                <a:satMod val="110000"/>
+                <a:lumMod val="100000"/>
+                <a:shade val="100000"/>
+              </a:schemeClr>
+            </a:gs>
+            <a:gs pos="100000">
+              <a:schemeClr val="phClr">
+                <a:lumMod val="99000"/>
+                <a:satMod val="120000"/>
+                <a:shade val="78000"/>
+              </a:schemeClr>
+            </a:gs>
+          </a:gsLst>
+          <a:lin ang="5400000" scaled="0"/>
+        </a:gradFill>
+      </a:fillStyleLst>
+      <a:lnStyleLst>
+        <a:ln w="6350" cap="flat" cmpd="sng" algn="ctr">
+          <a:solidFill>
+            <a:schemeClr val="phClr"/>
+          </a:solidFill>
+          <a:prstDash val="solid"/>
+          <a:miter lim="800000"/>
+        </a:ln>
+        <a:ln w="12700" cap="flat" cmpd="sng" algn="ctr">
+          <a:solidFill>
+            <a:schemeClr val="phClr"/>
+          </a:solidFill>
+          <a:prstDash val="solid"/>
+          <a:miter lim="800000"/>
+        </a:ln>
+        <a:ln w="19050" cap="flat" cmpd="sng" algn="ctr">
+          <a:solidFill>
+            <a:schemeClr val="phClr"/>
+          </a:solidFill>
+          <a:prstDash val="solid"/>
+          <a:miter lim="800000"/>
+        </a:ln>
+      </a:lnStyleLst>
+      <a:effectStyleLst>
+        <a:effectStyle>
+          <a:effectLst/>
+        </a:effectStyle>
+        <a:effectStyle>
+          <a:effectLst/>
+        </a:effectStyle>
+        <a:effectStyle>
+          <a:effectLst>
+            <a:outerShdw blurRad="57150" dist="19050" dir="5400000" algn="ctr" rotWithShape="0">
+              <a:srgbClr val="000000">
+                <a:alpha val="63000"/>
+              </a:srgbClr>
+            </a:outerShdw>
+          </a:effectLst>
+        </a:effectStyle>
+      </a:effectStyleLst>
+      <a:bgFillStyleLst>
+        <a:solidFill>
+          <a:schemeClr val="phClr"/>
+        </a:solidFill>
+        <a:solidFill>
+          <a:schemeClr val="phClr">
+            <a:tint val="95000"/>
+            <a:satMod val="170000"/>
+          </a:schemeClr>
+        </a:solidFill>
+        <a:gradFill rotWithShape="1">
+          <a:gsLst>
+            <a:gs pos="0">
+              <a:schemeClr val="phClr">
+                <a:tint val="93000"/>
+                <a:satMod val="150000"/>
+                <a:shade val="98000"/>
+                <a:lumMod val="102000"/>
+              </a:schemeClr>
+            </a:gs>
+            <a:gs pos="50000">
+              <a:schemeClr val="phClr">
+                <a:tint val="98000"/>
+                <a:satMod val="130000"/>
+                <a:shade val="90000"/>
+                <a:lumMod val="103000"/>
+              </a:schemeClr>
+            </a:gs>
+            <a:gs pos="100000">
+              <a:schemeClr val="phClr">
+                <a:shade val="63000"/>
+                <a:satMod val="120000"/>
+              </a:schemeClr>
+            </a:gs>
+          </a:gsLst>
+          <a:lin ang="5400000" scaled="0"/>
+        </a:gradFill>
+      </a:bgFillStyleLst>
+    </a:fmtScheme>
+  </a:themeElements>
+  <a:objectDefaults/>
+  <a:extraClrSchemeLst/>
+  <a:extLst>
+    <a:ext uri="{05A4C25C-085E-4340-85A3-A5531E510DB2}">
+      <thm15:themeFamily xmlns:thm15="http://schemas.microsoft.com/office/thememl/2012/main" name="Office Theme" id="{62F939B6-93AF-4DB8-9C6B-D6C7DFDC589F}" vid="{4A3C46E8-61CC-4603-A589-7422A47A8E4A}"/>
+    </a:ext>
+  </a:extLst>
+</a:theme>
 </file>
--- a/processzor + memoria.pptx
+++ b/processzor + memoria.pptx
@@ -5,7 +5,7 @@
     <p:sldMasterId id="2147483648" r:id="rId1"/>
   </p:sldMasterIdLst>
   <p:notesMasterIdLst>
-    <p:notesMasterId r:id="rId19"/>
+    <p:notesMasterId r:id="rId22"/>
   </p:notesMasterIdLst>
   <p:sldIdLst>
     <p:sldId id="256" r:id="rId2"/>
@@ -25,6 +25,9 @@
     <p:sldId id="273" r:id="rId16"/>
     <p:sldId id="274" r:id="rId17"/>
     <p:sldId id="275" r:id="rId18"/>
+    <p:sldId id="276" r:id="rId19"/>
+    <p:sldId id="277" r:id="rId20"/>
+    <p:sldId id="278" r:id="rId21"/>
   </p:sldIdLst>
   <p:sldSz cx="12192000" cy="6858000"/>
   <p:notesSz cx="6858000" cy="9144000"/>
@@ -213,7 +216,7 @@
           <a:p>
             <a:fld id="{DD3D37D4-9C9F-4041-B555-73D2DBC35CFF}" type="datetimeFigureOut">
               <a:rPr lang="hu-HU" smtClean="0"/>
-              <a:t>2023.10.11.</a:t>
+              <a:t>2023.10.16.</a:t>
             </a:fld>
             <a:endParaRPr lang="hu-HU"/>
           </a:p>
@@ -780,7 +783,7 @@
           <a:p>
             <a:fld id="{397604E0-0D2C-4780-BF54-3C57F83D7B51}" type="datetimeFigureOut">
               <a:rPr lang="hu-HU" smtClean="0"/>
-              <a:t>2023.10.11.</a:t>
+              <a:t>2023.10.16.</a:t>
             </a:fld>
             <a:endParaRPr lang="hu-HU"/>
           </a:p>
@@ -950,7 +953,7 @@
           <a:p>
             <a:fld id="{397604E0-0D2C-4780-BF54-3C57F83D7B51}" type="datetimeFigureOut">
               <a:rPr lang="hu-HU" smtClean="0"/>
-              <a:t>2023.10.11.</a:t>
+              <a:t>2023.10.16.</a:t>
             </a:fld>
             <a:endParaRPr lang="hu-HU"/>
           </a:p>
@@ -1130,7 +1133,7 @@
           <a:p>
             <a:fld id="{397604E0-0D2C-4780-BF54-3C57F83D7B51}" type="datetimeFigureOut">
               <a:rPr lang="hu-HU" smtClean="0"/>
-              <a:t>2023.10.11.</a:t>
+              <a:t>2023.10.16.</a:t>
             </a:fld>
             <a:endParaRPr lang="hu-HU"/>
           </a:p>
@@ -1300,7 +1303,7 @@
           <a:p>
             <a:fld id="{397604E0-0D2C-4780-BF54-3C57F83D7B51}" type="datetimeFigureOut">
               <a:rPr lang="hu-HU" smtClean="0"/>
-              <a:t>2023.10.11.</a:t>
+              <a:t>2023.10.16.</a:t>
             </a:fld>
             <a:endParaRPr lang="hu-HU"/>
           </a:p>
@@ -1546,7 +1549,7 @@
           <a:p>
             <a:fld id="{397604E0-0D2C-4780-BF54-3C57F83D7B51}" type="datetimeFigureOut">
               <a:rPr lang="hu-HU" smtClean="0"/>
-              <a:t>2023.10.11.</a:t>
+              <a:t>2023.10.16.</a:t>
             </a:fld>
             <a:endParaRPr lang="hu-HU"/>
           </a:p>
@@ -1778,7 +1781,7 @@
           <a:p>
             <a:fld id="{397604E0-0D2C-4780-BF54-3C57F83D7B51}" type="datetimeFigureOut">
               <a:rPr lang="hu-HU" smtClean="0"/>
-              <a:t>2023.10.11.</a:t>
+              <a:t>2023.10.16.</a:t>
             </a:fld>
             <a:endParaRPr lang="hu-HU"/>
           </a:p>
@@ -2145,7 +2148,7 @@
           <a:p>
             <a:fld id="{397604E0-0D2C-4780-BF54-3C57F83D7B51}" type="datetimeFigureOut">
               <a:rPr lang="hu-HU" smtClean="0"/>
-              <a:t>2023.10.11.</a:t>
+              <a:t>2023.10.16.</a:t>
             </a:fld>
             <a:endParaRPr lang="hu-HU"/>
           </a:p>
@@ -2263,7 +2266,7 @@
           <a:p>
             <a:fld id="{397604E0-0D2C-4780-BF54-3C57F83D7B51}" type="datetimeFigureOut">
               <a:rPr lang="hu-HU" smtClean="0"/>
-              <a:t>2023.10.11.</a:t>
+              <a:t>2023.10.16.</a:t>
             </a:fld>
             <a:endParaRPr lang="hu-HU"/>
           </a:p>
@@ -2358,7 +2361,7 @@
           <a:p>
             <a:fld id="{397604E0-0D2C-4780-BF54-3C57F83D7B51}" type="datetimeFigureOut">
               <a:rPr lang="hu-HU" smtClean="0"/>
-              <a:t>2023.10.11.</a:t>
+              <a:t>2023.10.16.</a:t>
             </a:fld>
             <a:endParaRPr lang="hu-HU"/>
           </a:p>
@@ -2635,7 +2638,7 @@
           <a:p>
             <a:fld id="{397604E0-0D2C-4780-BF54-3C57F83D7B51}" type="datetimeFigureOut">
               <a:rPr lang="hu-HU" smtClean="0"/>
-              <a:t>2023.10.11.</a:t>
+              <a:t>2023.10.16.</a:t>
             </a:fld>
             <a:endParaRPr lang="hu-HU"/>
           </a:p>
@@ -2888,7 +2891,7 @@
           <a:p>
             <a:fld id="{397604E0-0D2C-4780-BF54-3C57F83D7B51}" type="datetimeFigureOut">
               <a:rPr lang="hu-HU" smtClean="0"/>
-              <a:t>2023.10.11.</a:t>
+              <a:t>2023.10.16.</a:t>
             </a:fld>
             <a:endParaRPr lang="hu-HU"/>
           </a:p>
@@ -3110,7 +3113,7 @@
           <a:p>
             <a:fld id="{397604E0-0D2C-4780-BF54-3C57F83D7B51}" type="datetimeFigureOut">
               <a:rPr lang="hu-HU" smtClean="0"/>
-              <a:t>2023.10.11.</a:t>
+              <a:t>2023.10.16.</a:t>
             </a:fld>
             <a:endParaRPr lang="hu-HU"/>
           </a:p>
@@ -5555,21 +5558,18 @@
                   <a:schemeClr val="bg1"/>
                 </a:solidFill>
               </a:rPr>
-              <a:t>Sebessége</a:t>
-            </a:r>
+              <a:t>Sebessége: 3200 - 6400 MHz (átlagosan: 4800 MHz)</a:t>
+            </a:r>
+          </a:p>
+          <a:p>
             <a:r>
               <a:rPr lang="hu-HU" dirty="0" smtClean="0">
                 <a:solidFill>
                   <a:schemeClr val="bg1"/>
                 </a:solidFill>
               </a:rPr>
-              <a:t>: 3200 - 6400 MHz (átlagosan: 4800 MHz)</a:t>
-            </a:r>
-            <a:endParaRPr lang="hu-HU" dirty="0" smtClean="0">
-              <a:solidFill>
-                <a:schemeClr val="bg1"/>
-              </a:solidFill>
-            </a:endParaRPr>
+              <a:t>Alacsonyabb feszültségen működnek  (energiahatékonyabb)</a:t>
+            </a:r>
           </a:p>
           <a:p>
             <a:r>
@@ -5578,25 +5578,7 @@
                   <a:schemeClr val="bg1"/>
                 </a:solidFill>
               </a:rPr>
-              <a:t>Alacsonyabb feszültségen működnek  (energiahatékonyabb)</a:t>
-            </a:r>
-          </a:p>
-          <a:p>
-            <a:r>
-              <a:rPr lang="hu-HU" dirty="0" smtClean="0">
-                <a:solidFill>
-                  <a:schemeClr val="bg1"/>
-                </a:solidFill>
-              </a:rPr>
-              <a:t>Nem annyir</a:t>
-            </a:r>
-            <a:r>
-              <a:rPr lang="hu-HU" dirty="0" smtClean="0">
-                <a:solidFill>
-                  <a:schemeClr val="bg1"/>
-                </a:solidFill>
-              </a:rPr>
-              <a:t>a elterjedt </a:t>
+              <a:t>Nem annyira elterjedt </a:t>
             </a:r>
             <a:r>
               <a:rPr lang="hu-HU" i="1" dirty="0" smtClean="0">
@@ -5643,31 +5625,7 @@
                   <a:schemeClr val="bg1"/>
                 </a:solidFill>
               </a:rPr>
-              <a:t>DDR </a:t>
-            </a:r>
-            <a:r>
-              <a:rPr lang="hu-HU" sz="2800" b="1" u="sng" dirty="0" smtClean="0">
-                <a:solidFill>
-                  <a:schemeClr val="bg1"/>
-                </a:solidFill>
-              </a:rPr>
-              <a:t>5 </a:t>
-            </a:r>
-            <a:r>
-              <a:rPr lang="hu-HU" sz="2800" b="1" u="sng" dirty="0" smtClean="0">
-                <a:solidFill>
-                  <a:schemeClr val="bg1"/>
-                </a:solidFill>
-              </a:rPr>
-              <a:t>(DOUBLE DATA RATE </a:t>
-            </a:r>
-            <a:r>
-              <a:rPr lang="hu-HU" sz="2800" b="1" u="sng" dirty="0" smtClean="0">
-                <a:solidFill>
-                  <a:schemeClr val="bg1"/>
-                </a:solidFill>
-              </a:rPr>
-              <a:t>5)</a:t>
+              <a:t>DDR 5 (DOUBLE DATA RATE 5)</a:t>
             </a:r>
             <a:endParaRPr lang="hu-HU" sz="2800" u="sng" dirty="0">
               <a:solidFill>
@@ -6333,11 +6291,6 @@
               </a:rPr>
               <a:t>Alacsony feszültségen működnek</a:t>
             </a:r>
-            <a:endParaRPr lang="hu-HU" dirty="0" smtClean="0">
-              <a:solidFill>
-                <a:schemeClr val="bg1"/>
-              </a:solidFill>
-            </a:endParaRPr>
           </a:p>
           <a:p>
             <a:r>
@@ -7790,16 +7743,7 @@
                 </a:solidFill>
                 <a:latin typeface="Algerian" panose="04020705040A02060702" pitchFamily="82" charset="0"/>
               </a:rPr>
-              <a:t>Mi </a:t>
-            </a:r>
-            <a:r>
-              <a:rPr lang="hu-HU" dirty="0" smtClean="0">
-                <a:solidFill>
-                  <a:schemeClr val="bg1"/>
-                </a:solidFill>
-                <a:latin typeface="Algerian" panose="04020705040A02060702" pitchFamily="82" charset="0"/>
-              </a:rPr>
-              <a:t>az a processzor?</a:t>
+              <a:t>Mi az a processzor?</a:t>
             </a:r>
             <a:endParaRPr lang="hu-HU" dirty="0">
               <a:solidFill>
@@ -7887,11 +7831,6 @@
               </a:rPr>
               <a:t>Félvezetős kivitelezésű, összetett elektronikus áramkör. Egy szilícium kristályra integrált, sok tízmillió tranzisztort tartalmazó egység</a:t>
             </a:r>
-            <a:endParaRPr lang="hu-HU" dirty="0">
-              <a:solidFill>
-                <a:schemeClr val="bg1"/>
-              </a:solidFill>
-            </a:endParaRPr>
           </a:p>
         </p:txBody>
       </p:sp>
@@ -9053,6 +8992,1618 @@
 </p:sld>
 </file>
 
+<file path=ppt/slides/slide18.xml><?xml version="1.0" encoding="utf-8"?>
+<p:sld xmlns:a="http://schemas.openxmlformats.org/drawingml/2006/main" xmlns:r="http://schemas.openxmlformats.org/officeDocument/2006/relationships" xmlns:p="http://schemas.openxmlformats.org/presentationml/2006/main">
+  <p:cSld>
+    <p:spTree>
+      <p:nvGrpSpPr>
+        <p:cNvPr id="1" name=""/>
+        <p:cNvGrpSpPr/>
+        <p:nvPr/>
+      </p:nvGrpSpPr>
+      <p:grpSpPr>
+        <a:xfrm>
+          <a:off x="0" y="0"/>
+          <a:ext cx="0" cy="0"/>
+          <a:chOff x="0" y="0"/>
+          <a:chExt cx="0" cy="0"/>
+        </a:xfrm>
+      </p:grpSpPr>
+      <p:sp>
+        <p:nvSpPr>
+          <p:cNvPr id="2" name="Cím 1"/>
+          <p:cNvSpPr>
+            <a:spLocks noGrp="1"/>
+          </p:cNvSpPr>
+          <p:nvPr>
+            <p:ph type="title"/>
+          </p:nvPr>
+        </p:nvSpPr>
+        <p:spPr>
+          <a:xfrm>
+            <a:off x="838200" y="283238"/>
+            <a:ext cx="10515600" cy="1325563"/>
+          </a:xfrm>
+        </p:spPr>
+        <p:txBody>
+          <a:bodyPr/>
+          <a:lstStyle/>
+          <a:p>
+            <a:r>
+              <a:rPr lang="hu-HU" dirty="0" smtClean="0">
+                <a:solidFill>
+                  <a:schemeClr val="bg1"/>
+                </a:solidFill>
+                <a:latin typeface="Algerian" panose="04020705040A02060702" pitchFamily="82" charset="0"/>
+              </a:rPr>
+              <a:t>PROCESSZOR RÉSZEI</a:t>
+            </a:r>
+            <a:endParaRPr lang="hu-HU" dirty="0">
+              <a:solidFill>
+                <a:schemeClr val="bg1"/>
+              </a:solidFill>
+              <a:latin typeface="Algerian" panose="04020705040A02060702" pitchFamily="82" charset="0"/>
+            </a:endParaRPr>
+          </a:p>
+        </p:txBody>
+      </p:sp>
+      <p:sp>
+        <p:nvSpPr>
+          <p:cNvPr id="3" name="Tartalom helye 2"/>
+          <p:cNvSpPr>
+            <a:spLocks noGrp="1"/>
+          </p:cNvSpPr>
+          <p:nvPr>
+            <p:ph idx="1"/>
+          </p:nvPr>
+        </p:nvSpPr>
+        <p:spPr>
+          <a:xfrm>
+            <a:off x="838200" y="2297327"/>
+            <a:ext cx="10515600" cy="3707820"/>
+          </a:xfrm>
+        </p:spPr>
+        <p:txBody>
+          <a:bodyPr/>
+          <a:lstStyle/>
+          <a:p>
+            <a:pPr>
+              <a:lnSpc>
+                <a:spcPct val="100000"/>
+              </a:lnSpc>
+            </a:pPr>
+            <a:r>
+              <a:rPr lang="hu-HU" b="1" dirty="0" smtClean="0">
+                <a:solidFill>
+                  <a:schemeClr val="bg1"/>
+                </a:solidFill>
+              </a:rPr>
+              <a:t>ALU: </a:t>
+            </a:r>
+            <a:r>
+              <a:rPr lang="hu-HU" dirty="0" smtClean="0">
+                <a:solidFill>
+                  <a:schemeClr val="bg1"/>
+                </a:solidFill>
+              </a:rPr>
+              <a:t>matematikai és logikai műveletek</a:t>
+            </a:r>
+            <a:endParaRPr lang="hu-HU" dirty="0">
+              <a:solidFill>
+                <a:schemeClr val="bg1"/>
+              </a:solidFill>
+            </a:endParaRPr>
+          </a:p>
+          <a:p>
+            <a:pPr>
+              <a:lnSpc>
+                <a:spcPct val="100000"/>
+              </a:lnSpc>
+            </a:pPr>
+            <a:r>
+              <a:rPr lang="hu-HU" b="1" dirty="0" smtClean="0">
+                <a:solidFill>
+                  <a:schemeClr val="bg1"/>
+                </a:solidFill>
+              </a:rPr>
+              <a:t>AGU: </a:t>
+            </a:r>
+            <a:r>
+              <a:rPr lang="hu-HU" dirty="0" smtClean="0">
+                <a:solidFill>
+                  <a:schemeClr val="bg1"/>
+                </a:solidFill>
+              </a:rPr>
+              <a:t>címszámító egység</a:t>
+            </a:r>
+            <a:endParaRPr lang="hu-HU" dirty="0"/>
+          </a:p>
+          <a:p>
+            <a:pPr>
+              <a:lnSpc>
+                <a:spcPct val="100000"/>
+              </a:lnSpc>
+            </a:pPr>
+            <a:r>
+              <a:rPr lang="hu-HU" b="1" dirty="0" smtClean="0">
+                <a:solidFill>
+                  <a:schemeClr val="bg1"/>
+                </a:solidFill>
+              </a:rPr>
+              <a:t>CU: </a:t>
+            </a:r>
+            <a:r>
+              <a:rPr lang="hu-HU" dirty="0">
+                <a:solidFill>
+                  <a:schemeClr val="bg1"/>
+                </a:solidFill>
+              </a:rPr>
+              <a:t>Ez szervezi, ütemezi a processzor egész </a:t>
+            </a:r>
+            <a:r>
+              <a:rPr lang="hu-HU" dirty="0" smtClean="0">
+                <a:solidFill>
+                  <a:schemeClr val="bg1"/>
+                </a:solidFill>
+              </a:rPr>
+              <a:t>munkáját</a:t>
+            </a:r>
+          </a:p>
+          <a:p>
+            <a:pPr>
+              <a:lnSpc>
+                <a:spcPct val="100000"/>
+              </a:lnSpc>
+            </a:pPr>
+            <a:r>
+              <a:rPr lang="hu-HU" b="1" dirty="0" err="1" smtClean="0">
+                <a:solidFill>
+                  <a:schemeClr val="bg1"/>
+                </a:solidFill>
+              </a:rPr>
+              <a:t>Register</a:t>
+            </a:r>
+            <a:r>
+              <a:rPr lang="hu-HU" b="1" dirty="0" smtClean="0">
+                <a:solidFill>
+                  <a:schemeClr val="bg1"/>
+                </a:solidFill>
+              </a:rPr>
+              <a:t>:</a:t>
+            </a:r>
+            <a:r>
+              <a:rPr lang="hu-HU" dirty="0" smtClean="0">
+                <a:solidFill>
+                  <a:schemeClr val="bg1"/>
+                </a:solidFill>
+              </a:rPr>
+              <a:t> gyors, kisméretű memória (ideiglenes információknak)</a:t>
+            </a:r>
+          </a:p>
+          <a:p>
+            <a:pPr>
+              <a:lnSpc>
+                <a:spcPct val="100000"/>
+              </a:lnSpc>
+            </a:pPr>
+            <a:r>
+              <a:rPr lang="hu-HU" b="1" dirty="0" smtClean="0">
+                <a:solidFill>
+                  <a:schemeClr val="bg1"/>
+                </a:solidFill>
+              </a:rPr>
+              <a:t>Buszvezérlő</a:t>
+            </a:r>
+            <a:r>
+              <a:rPr lang="hu-HU" dirty="0" smtClean="0">
+                <a:solidFill>
+                  <a:schemeClr val="bg1"/>
+                </a:solidFill>
+              </a:rPr>
+              <a:t>: továbbítja az adatokat</a:t>
+            </a:r>
+          </a:p>
+          <a:p>
+            <a:pPr>
+              <a:lnSpc>
+                <a:spcPct val="100000"/>
+              </a:lnSpc>
+            </a:pPr>
+            <a:r>
+              <a:rPr lang="hu-HU" b="1" dirty="0" smtClean="0">
+                <a:solidFill>
+                  <a:schemeClr val="bg1"/>
+                </a:solidFill>
+              </a:rPr>
+              <a:t>Cache: </a:t>
+            </a:r>
+            <a:r>
+              <a:rPr lang="hu-HU" dirty="0" smtClean="0">
+                <a:solidFill>
+                  <a:schemeClr val="bg1"/>
+                </a:solidFill>
+              </a:rPr>
+              <a:t>gyorsítótár</a:t>
+            </a:r>
+            <a:endParaRPr lang="hu-HU" dirty="0" smtClean="0">
+              <a:solidFill>
+                <a:schemeClr val="bg1"/>
+              </a:solidFill>
+            </a:endParaRPr>
+          </a:p>
+          <a:p>
+            <a:pPr>
+              <a:lnSpc>
+                <a:spcPct val="100000"/>
+              </a:lnSpc>
+            </a:pPr>
+            <a:endParaRPr lang="hu-HU" dirty="0">
+              <a:solidFill>
+                <a:schemeClr val="bg1"/>
+              </a:solidFill>
+            </a:endParaRPr>
+          </a:p>
+        </p:txBody>
+      </p:sp>
+    </p:spTree>
+    <p:extLst>
+      <p:ext uri="{BB962C8B-B14F-4D97-AF65-F5344CB8AC3E}">
+        <p14:creationId xmlns:p14="http://schemas.microsoft.com/office/powerpoint/2010/main" val="1999680024"/>
+      </p:ext>
+    </p:extLst>
+  </p:cSld>
+  <p:clrMapOvr>
+    <a:masterClrMapping/>
+  </p:clrMapOvr>
+  <mc:AlternateContent xmlns:mc="http://schemas.openxmlformats.org/markup-compatibility/2006" xmlns:p14="http://schemas.microsoft.com/office/powerpoint/2010/main">
+    <mc:Choice Requires="p14">
+      <p:transition spd="slow" p14:dur="3400">
+        <p14:reveal/>
+      </p:transition>
+    </mc:Choice>
+    <mc:Fallback xmlns="">
+      <p:transition spd="slow">
+        <p:fade/>
+      </p:transition>
+    </mc:Fallback>
+  </mc:AlternateContent>
+  <p:timing>
+    <p:tnLst>
+      <p:par>
+        <p:cTn id="1" dur="indefinite" restart="never" nodeType="tmRoot">
+          <p:childTnLst>
+            <p:seq concurrent="1" nextAc="seek">
+              <p:cTn id="2" dur="indefinite" nodeType="mainSeq">
+                <p:childTnLst>
+                  <p:par>
+                    <p:cTn id="3" fill="hold">
+                      <p:stCondLst>
+                        <p:cond delay="indefinite"/>
+                      </p:stCondLst>
+                      <p:childTnLst>
+                        <p:par>
+                          <p:cTn id="4" fill="hold">
+                            <p:stCondLst>
+                              <p:cond delay="0"/>
+                            </p:stCondLst>
+                            <p:childTnLst>
+                              <p:par>
+                                <p:cTn id="5" presetID="42" presetClass="entr" presetSubtype="0" fill="hold" nodeType="clickEffect">
+                                  <p:stCondLst>
+                                    <p:cond delay="0"/>
+                                  </p:stCondLst>
+                                  <p:childTnLst>
+                                    <p:set>
+                                      <p:cBhvr>
+                                        <p:cTn id="6" dur="1" fill="hold">
+                                          <p:stCondLst>
+                                            <p:cond delay="0"/>
+                                          </p:stCondLst>
+                                        </p:cTn>
+                                        <p:tgtEl>
+                                          <p:spTgt spid="3">
+                                            <p:txEl>
+                                              <p:pRg st="0" end="0"/>
+                                            </p:txEl>
+                                          </p:spTgt>
+                                        </p:tgtEl>
+                                        <p:attrNameLst>
+                                          <p:attrName>style.visibility</p:attrName>
+                                        </p:attrNameLst>
+                                      </p:cBhvr>
+                                      <p:to>
+                                        <p:strVal val="visible"/>
+                                      </p:to>
+                                    </p:set>
+                                    <p:animEffect transition="in" filter="fade">
+                                      <p:cBhvr>
+                                        <p:cTn id="7" dur="1000"/>
+                                        <p:tgtEl>
+                                          <p:spTgt spid="3">
+                                            <p:txEl>
+                                              <p:pRg st="0" end="0"/>
+                                            </p:txEl>
+                                          </p:spTgt>
+                                        </p:tgtEl>
+                                      </p:cBhvr>
+                                    </p:animEffect>
+                                    <p:anim calcmode="lin" valueType="num">
+                                      <p:cBhvr>
+                                        <p:cTn id="8" dur="1000" fill="hold"/>
+                                        <p:tgtEl>
+                                          <p:spTgt spid="3">
+                                            <p:txEl>
+                                              <p:pRg st="0" end="0"/>
+                                            </p:txEl>
+                                          </p:spTgt>
+                                        </p:tgtEl>
+                                        <p:attrNameLst>
+                                          <p:attrName>ppt_x</p:attrName>
+                                        </p:attrNameLst>
+                                      </p:cBhvr>
+                                      <p:tavLst>
+                                        <p:tav tm="0">
+                                          <p:val>
+                                            <p:strVal val="#ppt_x"/>
+                                          </p:val>
+                                        </p:tav>
+                                        <p:tav tm="100000">
+                                          <p:val>
+                                            <p:strVal val="#ppt_x"/>
+                                          </p:val>
+                                        </p:tav>
+                                      </p:tavLst>
+                                    </p:anim>
+                                    <p:anim calcmode="lin" valueType="num">
+                                      <p:cBhvr>
+                                        <p:cTn id="9" dur="1000" fill="hold"/>
+                                        <p:tgtEl>
+                                          <p:spTgt spid="3">
+                                            <p:txEl>
+                                              <p:pRg st="0" end="0"/>
+                                            </p:txEl>
+                                          </p:spTgt>
+                                        </p:tgtEl>
+                                        <p:attrNameLst>
+                                          <p:attrName>ppt_y</p:attrName>
+                                        </p:attrNameLst>
+                                      </p:cBhvr>
+                                      <p:tavLst>
+                                        <p:tav tm="0">
+                                          <p:val>
+                                            <p:strVal val="#ppt_y+.1"/>
+                                          </p:val>
+                                        </p:tav>
+                                        <p:tav tm="100000">
+                                          <p:val>
+                                            <p:strVal val="#ppt_y"/>
+                                          </p:val>
+                                        </p:tav>
+                                      </p:tavLst>
+                                    </p:anim>
+                                  </p:childTnLst>
+                                </p:cTn>
+                              </p:par>
+                            </p:childTnLst>
+                          </p:cTn>
+                        </p:par>
+                        <p:par>
+                          <p:cTn id="10" fill="hold">
+                            <p:stCondLst>
+                              <p:cond delay="1000"/>
+                            </p:stCondLst>
+                            <p:childTnLst>
+                              <p:par>
+                                <p:cTn id="11" presetID="42" presetClass="entr" presetSubtype="0" fill="hold" nodeType="afterEffect">
+                                  <p:stCondLst>
+                                    <p:cond delay="0"/>
+                                  </p:stCondLst>
+                                  <p:childTnLst>
+                                    <p:set>
+                                      <p:cBhvr>
+                                        <p:cTn id="12" dur="1" fill="hold">
+                                          <p:stCondLst>
+                                            <p:cond delay="0"/>
+                                          </p:stCondLst>
+                                        </p:cTn>
+                                        <p:tgtEl>
+                                          <p:spTgt spid="3">
+                                            <p:txEl>
+                                              <p:pRg st="1" end="1"/>
+                                            </p:txEl>
+                                          </p:spTgt>
+                                        </p:tgtEl>
+                                        <p:attrNameLst>
+                                          <p:attrName>style.visibility</p:attrName>
+                                        </p:attrNameLst>
+                                      </p:cBhvr>
+                                      <p:to>
+                                        <p:strVal val="visible"/>
+                                      </p:to>
+                                    </p:set>
+                                    <p:animEffect transition="in" filter="fade">
+                                      <p:cBhvr>
+                                        <p:cTn id="13" dur="1000"/>
+                                        <p:tgtEl>
+                                          <p:spTgt spid="3">
+                                            <p:txEl>
+                                              <p:pRg st="1" end="1"/>
+                                            </p:txEl>
+                                          </p:spTgt>
+                                        </p:tgtEl>
+                                      </p:cBhvr>
+                                    </p:animEffect>
+                                    <p:anim calcmode="lin" valueType="num">
+                                      <p:cBhvr>
+                                        <p:cTn id="14" dur="1000" fill="hold"/>
+                                        <p:tgtEl>
+                                          <p:spTgt spid="3">
+                                            <p:txEl>
+                                              <p:pRg st="1" end="1"/>
+                                            </p:txEl>
+                                          </p:spTgt>
+                                        </p:tgtEl>
+                                        <p:attrNameLst>
+                                          <p:attrName>ppt_x</p:attrName>
+                                        </p:attrNameLst>
+                                      </p:cBhvr>
+                                      <p:tavLst>
+                                        <p:tav tm="0">
+                                          <p:val>
+                                            <p:strVal val="#ppt_x"/>
+                                          </p:val>
+                                        </p:tav>
+                                        <p:tav tm="100000">
+                                          <p:val>
+                                            <p:strVal val="#ppt_x"/>
+                                          </p:val>
+                                        </p:tav>
+                                      </p:tavLst>
+                                    </p:anim>
+                                    <p:anim calcmode="lin" valueType="num">
+                                      <p:cBhvr>
+                                        <p:cTn id="15" dur="1000" fill="hold"/>
+                                        <p:tgtEl>
+                                          <p:spTgt spid="3">
+                                            <p:txEl>
+                                              <p:pRg st="1" end="1"/>
+                                            </p:txEl>
+                                          </p:spTgt>
+                                        </p:tgtEl>
+                                        <p:attrNameLst>
+                                          <p:attrName>ppt_y</p:attrName>
+                                        </p:attrNameLst>
+                                      </p:cBhvr>
+                                      <p:tavLst>
+                                        <p:tav tm="0">
+                                          <p:val>
+                                            <p:strVal val="#ppt_y+.1"/>
+                                          </p:val>
+                                        </p:tav>
+                                        <p:tav tm="100000">
+                                          <p:val>
+                                            <p:strVal val="#ppt_y"/>
+                                          </p:val>
+                                        </p:tav>
+                                      </p:tavLst>
+                                    </p:anim>
+                                  </p:childTnLst>
+                                </p:cTn>
+                              </p:par>
+                            </p:childTnLst>
+                          </p:cTn>
+                        </p:par>
+                        <p:par>
+                          <p:cTn id="16" fill="hold">
+                            <p:stCondLst>
+                              <p:cond delay="2000"/>
+                            </p:stCondLst>
+                            <p:childTnLst>
+                              <p:par>
+                                <p:cTn id="17" presetID="42" presetClass="entr" presetSubtype="0" fill="hold" nodeType="afterEffect">
+                                  <p:stCondLst>
+                                    <p:cond delay="0"/>
+                                  </p:stCondLst>
+                                  <p:childTnLst>
+                                    <p:set>
+                                      <p:cBhvr>
+                                        <p:cTn id="18" dur="1" fill="hold">
+                                          <p:stCondLst>
+                                            <p:cond delay="0"/>
+                                          </p:stCondLst>
+                                        </p:cTn>
+                                        <p:tgtEl>
+                                          <p:spTgt spid="3">
+                                            <p:txEl>
+                                              <p:pRg st="2" end="2"/>
+                                            </p:txEl>
+                                          </p:spTgt>
+                                        </p:tgtEl>
+                                        <p:attrNameLst>
+                                          <p:attrName>style.visibility</p:attrName>
+                                        </p:attrNameLst>
+                                      </p:cBhvr>
+                                      <p:to>
+                                        <p:strVal val="visible"/>
+                                      </p:to>
+                                    </p:set>
+                                    <p:animEffect transition="in" filter="fade">
+                                      <p:cBhvr>
+                                        <p:cTn id="19" dur="1000"/>
+                                        <p:tgtEl>
+                                          <p:spTgt spid="3">
+                                            <p:txEl>
+                                              <p:pRg st="2" end="2"/>
+                                            </p:txEl>
+                                          </p:spTgt>
+                                        </p:tgtEl>
+                                      </p:cBhvr>
+                                    </p:animEffect>
+                                    <p:anim calcmode="lin" valueType="num">
+                                      <p:cBhvr>
+                                        <p:cTn id="20" dur="1000" fill="hold"/>
+                                        <p:tgtEl>
+                                          <p:spTgt spid="3">
+                                            <p:txEl>
+                                              <p:pRg st="2" end="2"/>
+                                            </p:txEl>
+                                          </p:spTgt>
+                                        </p:tgtEl>
+                                        <p:attrNameLst>
+                                          <p:attrName>ppt_x</p:attrName>
+                                        </p:attrNameLst>
+                                      </p:cBhvr>
+                                      <p:tavLst>
+                                        <p:tav tm="0">
+                                          <p:val>
+                                            <p:strVal val="#ppt_x"/>
+                                          </p:val>
+                                        </p:tav>
+                                        <p:tav tm="100000">
+                                          <p:val>
+                                            <p:strVal val="#ppt_x"/>
+                                          </p:val>
+                                        </p:tav>
+                                      </p:tavLst>
+                                    </p:anim>
+                                    <p:anim calcmode="lin" valueType="num">
+                                      <p:cBhvr>
+                                        <p:cTn id="21" dur="1000" fill="hold"/>
+                                        <p:tgtEl>
+                                          <p:spTgt spid="3">
+                                            <p:txEl>
+                                              <p:pRg st="2" end="2"/>
+                                            </p:txEl>
+                                          </p:spTgt>
+                                        </p:tgtEl>
+                                        <p:attrNameLst>
+                                          <p:attrName>ppt_y</p:attrName>
+                                        </p:attrNameLst>
+                                      </p:cBhvr>
+                                      <p:tavLst>
+                                        <p:tav tm="0">
+                                          <p:val>
+                                            <p:strVal val="#ppt_y+.1"/>
+                                          </p:val>
+                                        </p:tav>
+                                        <p:tav tm="100000">
+                                          <p:val>
+                                            <p:strVal val="#ppt_y"/>
+                                          </p:val>
+                                        </p:tav>
+                                      </p:tavLst>
+                                    </p:anim>
+                                  </p:childTnLst>
+                                </p:cTn>
+                              </p:par>
+                            </p:childTnLst>
+                          </p:cTn>
+                        </p:par>
+                        <p:par>
+                          <p:cTn id="22" fill="hold">
+                            <p:stCondLst>
+                              <p:cond delay="3000"/>
+                            </p:stCondLst>
+                            <p:childTnLst>
+                              <p:par>
+                                <p:cTn id="23" presetID="42" presetClass="entr" presetSubtype="0" fill="hold" nodeType="afterEffect">
+                                  <p:stCondLst>
+                                    <p:cond delay="0"/>
+                                  </p:stCondLst>
+                                  <p:childTnLst>
+                                    <p:set>
+                                      <p:cBhvr>
+                                        <p:cTn id="24" dur="1" fill="hold">
+                                          <p:stCondLst>
+                                            <p:cond delay="0"/>
+                                          </p:stCondLst>
+                                        </p:cTn>
+                                        <p:tgtEl>
+                                          <p:spTgt spid="3">
+                                            <p:txEl>
+                                              <p:pRg st="3" end="3"/>
+                                            </p:txEl>
+                                          </p:spTgt>
+                                        </p:tgtEl>
+                                        <p:attrNameLst>
+                                          <p:attrName>style.visibility</p:attrName>
+                                        </p:attrNameLst>
+                                      </p:cBhvr>
+                                      <p:to>
+                                        <p:strVal val="visible"/>
+                                      </p:to>
+                                    </p:set>
+                                    <p:animEffect transition="in" filter="fade">
+                                      <p:cBhvr>
+                                        <p:cTn id="25" dur="1000"/>
+                                        <p:tgtEl>
+                                          <p:spTgt spid="3">
+                                            <p:txEl>
+                                              <p:pRg st="3" end="3"/>
+                                            </p:txEl>
+                                          </p:spTgt>
+                                        </p:tgtEl>
+                                      </p:cBhvr>
+                                    </p:animEffect>
+                                    <p:anim calcmode="lin" valueType="num">
+                                      <p:cBhvr>
+                                        <p:cTn id="26" dur="1000" fill="hold"/>
+                                        <p:tgtEl>
+                                          <p:spTgt spid="3">
+                                            <p:txEl>
+                                              <p:pRg st="3" end="3"/>
+                                            </p:txEl>
+                                          </p:spTgt>
+                                        </p:tgtEl>
+                                        <p:attrNameLst>
+                                          <p:attrName>ppt_x</p:attrName>
+                                        </p:attrNameLst>
+                                      </p:cBhvr>
+                                      <p:tavLst>
+                                        <p:tav tm="0">
+                                          <p:val>
+                                            <p:strVal val="#ppt_x"/>
+                                          </p:val>
+                                        </p:tav>
+                                        <p:tav tm="100000">
+                                          <p:val>
+                                            <p:strVal val="#ppt_x"/>
+                                          </p:val>
+                                        </p:tav>
+                                      </p:tavLst>
+                                    </p:anim>
+                                    <p:anim calcmode="lin" valueType="num">
+                                      <p:cBhvr>
+                                        <p:cTn id="27" dur="1000" fill="hold"/>
+                                        <p:tgtEl>
+                                          <p:spTgt spid="3">
+                                            <p:txEl>
+                                              <p:pRg st="3" end="3"/>
+                                            </p:txEl>
+                                          </p:spTgt>
+                                        </p:tgtEl>
+                                        <p:attrNameLst>
+                                          <p:attrName>ppt_y</p:attrName>
+                                        </p:attrNameLst>
+                                      </p:cBhvr>
+                                      <p:tavLst>
+                                        <p:tav tm="0">
+                                          <p:val>
+                                            <p:strVal val="#ppt_y+.1"/>
+                                          </p:val>
+                                        </p:tav>
+                                        <p:tav tm="100000">
+                                          <p:val>
+                                            <p:strVal val="#ppt_y"/>
+                                          </p:val>
+                                        </p:tav>
+                                      </p:tavLst>
+                                    </p:anim>
+                                  </p:childTnLst>
+                                </p:cTn>
+                              </p:par>
+                            </p:childTnLst>
+                          </p:cTn>
+                        </p:par>
+                        <p:par>
+                          <p:cTn id="28" fill="hold">
+                            <p:stCondLst>
+                              <p:cond delay="4000"/>
+                            </p:stCondLst>
+                            <p:childTnLst>
+                              <p:par>
+                                <p:cTn id="29" presetID="42" presetClass="entr" presetSubtype="0" fill="hold" nodeType="afterEffect">
+                                  <p:stCondLst>
+                                    <p:cond delay="0"/>
+                                  </p:stCondLst>
+                                  <p:childTnLst>
+                                    <p:set>
+                                      <p:cBhvr>
+                                        <p:cTn id="30" dur="1" fill="hold">
+                                          <p:stCondLst>
+                                            <p:cond delay="0"/>
+                                          </p:stCondLst>
+                                        </p:cTn>
+                                        <p:tgtEl>
+                                          <p:spTgt spid="3">
+                                            <p:txEl>
+                                              <p:pRg st="4" end="4"/>
+                                            </p:txEl>
+                                          </p:spTgt>
+                                        </p:tgtEl>
+                                        <p:attrNameLst>
+                                          <p:attrName>style.visibility</p:attrName>
+                                        </p:attrNameLst>
+                                      </p:cBhvr>
+                                      <p:to>
+                                        <p:strVal val="visible"/>
+                                      </p:to>
+                                    </p:set>
+                                    <p:animEffect transition="in" filter="fade">
+                                      <p:cBhvr>
+                                        <p:cTn id="31" dur="1000"/>
+                                        <p:tgtEl>
+                                          <p:spTgt spid="3">
+                                            <p:txEl>
+                                              <p:pRg st="4" end="4"/>
+                                            </p:txEl>
+                                          </p:spTgt>
+                                        </p:tgtEl>
+                                      </p:cBhvr>
+                                    </p:animEffect>
+                                    <p:anim calcmode="lin" valueType="num">
+                                      <p:cBhvr>
+                                        <p:cTn id="32" dur="1000" fill="hold"/>
+                                        <p:tgtEl>
+                                          <p:spTgt spid="3">
+                                            <p:txEl>
+                                              <p:pRg st="4" end="4"/>
+                                            </p:txEl>
+                                          </p:spTgt>
+                                        </p:tgtEl>
+                                        <p:attrNameLst>
+                                          <p:attrName>ppt_x</p:attrName>
+                                        </p:attrNameLst>
+                                      </p:cBhvr>
+                                      <p:tavLst>
+                                        <p:tav tm="0">
+                                          <p:val>
+                                            <p:strVal val="#ppt_x"/>
+                                          </p:val>
+                                        </p:tav>
+                                        <p:tav tm="100000">
+                                          <p:val>
+                                            <p:strVal val="#ppt_x"/>
+                                          </p:val>
+                                        </p:tav>
+                                      </p:tavLst>
+                                    </p:anim>
+                                    <p:anim calcmode="lin" valueType="num">
+                                      <p:cBhvr>
+                                        <p:cTn id="33" dur="1000" fill="hold"/>
+                                        <p:tgtEl>
+                                          <p:spTgt spid="3">
+                                            <p:txEl>
+                                              <p:pRg st="4" end="4"/>
+                                            </p:txEl>
+                                          </p:spTgt>
+                                        </p:tgtEl>
+                                        <p:attrNameLst>
+                                          <p:attrName>ppt_y</p:attrName>
+                                        </p:attrNameLst>
+                                      </p:cBhvr>
+                                      <p:tavLst>
+                                        <p:tav tm="0">
+                                          <p:val>
+                                            <p:strVal val="#ppt_y+.1"/>
+                                          </p:val>
+                                        </p:tav>
+                                        <p:tav tm="100000">
+                                          <p:val>
+                                            <p:strVal val="#ppt_y"/>
+                                          </p:val>
+                                        </p:tav>
+                                      </p:tavLst>
+                                    </p:anim>
+                                  </p:childTnLst>
+                                </p:cTn>
+                              </p:par>
+                            </p:childTnLst>
+                          </p:cTn>
+                        </p:par>
+                        <p:par>
+                          <p:cTn id="34" fill="hold">
+                            <p:stCondLst>
+                              <p:cond delay="5000"/>
+                            </p:stCondLst>
+                            <p:childTnLst>
+                              <p:par>
+                                <p:cTn id="35" presetID="42" presetClass="entr" presetSubtype="0" fill="hold" nodeType="afterEffect">
+                                  <p:stCondLst>
+                                    <p:cond delay="0"/>
+                                  </p:stCondLst>
+                                  <p:childTnLst>
+                                    <p:set>
+                                      <p:cBhvr>
+                                        <p:cTn id="36" dur="1" fill="hold">
+                                          <p:stCondLst>
+                                            <p:cond delay="0"/>
+                                          </p:stCondLst>
+                                        </p:cTn>
+                                        <p:tgtEl>
+                                          <p:spTgt spid="3">
+                                            <p:txEl>
+                                              <p:pRg st="5" end="5"/>
+                                            </p:txEl>
+                                          </p:spTgt>
+                                        </p:tgtEl>
+                                        <p:attrNameLst>
+                                          <p:attrName>style.visibility</p:attrName>
+                                        </p:attrNameLst>
+                                      </p:cBhvr>
+                                      <p:to>
+                                        <p:strVal val="visible"/>
+                                      </p:to>
+                                    </p:set>
+                                    <p:animEffect transition="in" filter="fade">
+                                      <p:cBhvr>
+                                        <p:cTn id="37" dur="1000"/>
+                                        <p:tgtEl>
+                                          <p:spTgt spid="3">
+                                            <p:txEl>
+                                              <p:pRg st="5" end="5"/>
+                                            </p:txEl>
+                                          </p:spTgt>
+                                        </p:tgtEl>
+                                      </p:cBhvr>
+                                    </p:animEffect>
+                                    <p:anim calcmode="lin" valueType="num">
+                                      <p:cBhvr>
+                                        <p:cTn id="38" dur="1000" fill="hold"/>
+                                        <p:tgtEl>
+                                          <p:spTgt spid="3">
+                                            <p:txEl>
+                                              <p:pRg st="5" end="5"/>
+                                            </p:txEl>
+                                          </p:spTgt>
+                                        </p:tgtEl>
+                                        <p:attrNameLst>
+                                          <p:attrName>ppt_x</p:attrName>
+                                        </p:attrNameLst>
+                                      </p:cBhvr>
+                                      <p:tavLst>
+                                        <p:tav tm="0">
+                                          <p:val>
+                                            <p:strVal val="#ppt_x"/>
+                                          </p:val>
+                                        </p:tav>
+                                        <p:tav tm="100000">
+                                          <p:val>
+                                            <p:strVal val="#ppt_x"/>
+                                          </p:val>
+                                        </p:tav>
+                                      </p:tavLst>
+                                    </p:anim>
+                                    <p:anim calcmode="lin" valueType="num">
+                                      <p:cBhvr>
+                                        <p:cTn id="39" dur="1000" fill="hold"/>
+                                        <p:tgtEl>
+                                          <p:spTgt spid="3">
+                                            <p:txEl>
+                                              <p:pRg st="5" end="5"/>
+                                            </p:txEl>
+                                          </p:spTgt>
+                                        </p:tgtEl>
+                                        <p:attrNameLst>
+                                          <p:attrName>ppt_y</p:attrName>
+                                        </p:attrNameLst>
+                                      </p:cBhvr>
+                                      <p:tavLst>
+                                        <p:tav tm="0">
+                                          <p:val>
+                                            <p:strVal val="#ppt_y+.1"/>
+                                          </p:val>
+                                        </p:tav>
+                                        <p:tav tm="100000">
+                                          <p:val>
+                                            <p:strVal val="#ppt_y"/>
+                                          </p:val>
+                                        </p:tav>
+                                      </p:tavLst>
+                                    </p:anim>
+                                  </p:childTnLst>
+                                </p:cTn>
+                              </p:par>
+                            </p:childTnLst>
+                          </p:cTn>
+                        </p:par>
+                      </p:childTnLst>
+                    </p:cTn>
+                  </p:par>
+                </p:childTnLst>
+              </p:cTn>
+              <p:prevCondLst>
+                <p:cond evt="onPrev" delay="0">
+                  <p:tgtEl>
+                    <p:sldTgt/>
+                  </p:tgtEl>
+                </p:cond>
+              </p:prevCondLst>
+              <p:nextCondLst>
+                <p:cond evt="onNext" delay="0">
+                  <p:tgtEl>
+                    <p:sldTgt/>
+                  </p:tgtEl>
+                </p:cond>
+              </p:nextCondLst>
+            </p:seq>
+          </p:childTnLst>
+        </p:cTn>
+      </p:par>
+    </p:tnLst>
+  </p:timing>
+</p:sld>
+</file>
+
+<file path=ppt/slides/slide19.xml><?xml version="1.0" encoding="utf-8"?>
+<p:sld xmlns:a="http://schemas.openxmlformats.org/drawingml/2006/main" xmlns:r="http://schemas.openxmlformats.org/officeDocument/2006/relationships" xmlns:p="http://schemas.openxmlformats.org/presentationml/2006/main">
+  <p:cSld>
+    <p:spTree>
+      <p:nvGrpSpPr>
+        <p:cNvPr id="1" name=""/>
+        <p:cNvGrpSpPr/>
+        <p:nvPr/>
+      </p:nvGrpSpPr>
+      <p:grpSpPr>
+        <a:xfrm>
+          <a:off x="0" y="0"/>
+          <a:ext cx="0" cy="0"/>
+          <a:chOff x="0" y="0"/>
+          <a:chExt cx="0" cy="0"/>
+        </a:xfrm>
+      </p:grpSpPr>
+      <p:sp>
+        <p:nvSpPr>
+          <p:cNvPr id="2" name="Cím 1"/>
+          <p:cNvSpPr>
+            <a:spLocks noGrp="1"/>
+          </p:cNvSpPr>
+          <p:nvPr>
+            <p:ph type="title"/>
+          </p:nvPr>
+        </p:nvSpPr>
+        <p:spPr>
+          <a:xfrm>
+            <a:off x="838200" y="283238"/>
+            <a:ext cx="10515600" cy="1325563"/>
+          </a:xfrm>
+        </p:spPr>
+        <p:txBody>
+          <a:bodyPr/>
+          <a:lstStyle/>
+          <a:p>
+            <a:r>
+              <a:rPr lang="hu-HU" dirty="0" smtClean="0">
+                <a:solidFill>
+                  <a:schemeClr val="bg1"/>
+                </a:solidFill>
+                <a:latin typeface="Algerian" panose="04020705040A02060702" pitchFamily="82" charset="0"/>
+              </a:rPr>
+              <a:t>PROCESSZOR feladatai</a:t>
+            </a:r>
+            <a:endParaRPr lang="hu-HU" dirty="0">
+              <a:solidFill>
+                <a:schemeClr val="bg1"/>
+              </a:solidFill>
+              <a:latin typeface="Algerian" panose="04020705040A02060702" pitchFamily="82" charset="0"/>
+            </a:endParaRPr>
+          </a:p>
+        </p:txBody>
+      </p:sp>
+      <p:sp>
+        <p:nvSpPr>
+          <p:cNvPr id="3" name="Tartalom helye 2"/>
+          <p:cNvSpPr>
+            <a:spLocks noGrp="1"/>
+          </p:cNvSpPr>
+          <p:nvPr>
+            <p:ph idx="1"/>
+          </p:nvPr>
+        </p:nvSpPr>
+        <p:spPr>
+          <a:xfrm>
+            <a:off x="838200" y="2983127"/>
+            <a:ext cx="10515600" cy="1817473"/>
+          </a:xfrm>
+        </p:spPr>
+        <p:txBody>
+          <a:bodyPr>
+            <a:normAutofit fontScale="92500" lnSpcReduction="20000"/>
+          </a:bodyPr>
+          <a:lstStyle/>
+          <a:p>
+            <a:pPr>
+              <a:lnSpc>
+                <a:spcPct val="100000"/>
+              </a:lnSpc>
+            </a:pPr>
+            <a:r>
+              <a:rPr lang="hu-HU" b="1" dirty="0" smtClean="0">
+                <a:solidFill>
+                  <a:schemeClr val="bg1"/>
+                </a:solidFill>
+              </a:rPr>
+              <a:t>Számítás és vezérlés</a:t>
+            </a:r>
+            <a:endParaRPr lang="hu-HU" dirty="0"/>
+          </a:p>
+          <a:p>
+            <a:pPr>
+              <a:lnSpc>
+                <a:spcPct val="100000"/>
+              </a:lnSpc>
+            </a:pPr>
+            <a:r>
+              <a:rPr lang="hu-HU" dirty="0" smtClean="0">
+                <a:solidFill>
+                  <a:schemeClr val="bg1"/>
+                </a:solidFill>
+              </a:rPr>
+              <a:t>Feldolgozza és </a:t>
+            </a:r>
+            <a:r>
+              <a:rPr lang="hu-HU" dirty="0" err="1" smtClean="0">
+                <a:solidFill>
+                  <a:schemeClr val="bg1"/>
+                </a:solidFill>
+              </a:rPr>
+              <a:t>vezérli</a:t>
+            </a:r>
+            <a:r>
+              <a:rPr lang="hu-HU" dirty="0" smtClean="0">
+                <a:solidFill>
+                  <a:schemeClr val="bg1"/>
+                </a:solidFill>
+              </a:rPr>
+              <a:t> az eszköz funkcióit</a:t>
+            </a:r>
+          </a:p>
+          <a:p>
+            <a:pPr>
+              <a:lnSpc>
+                <a:spcPct val="100000"/>
+              </a:lnSpc>
+            </a:pPr>
+            <a:r>
+              <a:rPr lang="hu-HU" dirty="0" err="1" smtClean="0">
+                <a:solidFill>
+                  <a:schemeClr val="bg1"/>
+                </a:solidFill>
+              </a:rPr>
+              <a:t>Pl</a:t>
+            </a:r>
+            <a:r>
+              <a:rPr lang="hu-HU" dirty="0" smtClean="0">
+                <a:solidFill>
+                  <a:schemeClr val="bg1"/>
+                </a:solidFill>
+              </a:rPr>
+              <a:t>: gomblenyomás a billentyűzeten</a:t>
+            </a:r>
+          </a:p>
+          <a:p>
+            <a:pPr>
+              <a:lnSpc>
+                <a:spcPct val="100000"/>
+              </a:lnSpc>
+            </a:pPr>
+            <a:r>
+              <a:rPr lang="hu-HU" dirty="0" smtClean="0">
+                <a:solidFill>
+                  <a:schemeClr val="bg1"/>
+                </a:solidFill>
+              </a:rPr>
+              <a:t>Binárisan kódolt adatok (0, 1)</a:t>
+            </a:r>
+            <a:endParaRPr lang="hu-HU" dirty="0">
+              <a:solidFill>
+                <a:schemeClr val="bg1"/>
+              </a:solidFill>
+            </a:endParaRPr>
+          </a:p>
+        </p:txBody>
+      </p:sp>
+    </p:spTree>
+    <p:extLst>
+      <p:ext uri="{BB962C8B-B14F-4D97-AF65-F5344CB8AC3E}">
+        <p14:creationId xmlns:p14="http://schemas.microsoft.com/office/powerpoint/2010/main" val="3774249625"/>
+      </p:ext>
+    </p:extLst>
+  </p:cSld>
+  <p:clrMapOvr>
+    <a:masterClrMapping/>
+  </p:clrMapOvr>
+  <mc:AlternateContent xmlns:mc="http://schemas.openxmlformats.org/markup-compatibility/2006" xmlns:p14="http://schemas.microsoft.com/office/powerpoint/2010/main">
+    <mc:Choice Requires="p14">
+      <p:transition spd="slow" p14:dur="3400">
+        <p14:reveal/>
+      </p:transition>
+    </mc:Choice>
+    <mc:Fallback xmlns="">
+      <p:transition spd="slow">
+        <p:fade/>
+      </p:transition>
+    </mc:Fallback>
+  </mc:AlternateContent>
+  <p:timing>
+    <p:tnLst>
+      <p:par>
+        <p:cTn id="1" dur="indefinite" restart="never" nodeType="tmRoot">
+          <p:childTnLst>
+            <p:seq concurrent="1" nextAc="seek">
+              <p:cTn id="2" dur="indefinite" nodeType="mainSeq">
+                <p:childTnLst>
+                  <p:par>
+                    <p:cTn id="3" fill="hold">
+                      <p:stCondLst>
+                        <p:cond delay="indefinite"/>
+                        <p:cond evt="onBegin" delay="0">
+                          <p:tn val="2"/>
+                        </p:cond>
+                      </p:stCondLst>
+                      <p:childTnLst>
+                        <p:par>
+                          <p:cTn id="4" fill="hold">
+                            <p:stCondLst>
+                              <p:cond delay="0"/>
+                            </p:stCondLst>
+                            <p:childTnLst>
+                              <p:par>
+                                <p:cTn id="5" presetID="42" presetClass="entr" presetSubtype="0" fill="hold" nodeType="afterEffect">
+                                  <p:stCondLst>
+                                    <p:cond delay="0"/>
+                                  </p:stCondLst>
+                                  <p:childTnLst>
+                                    <p:set>
+                                      <p:cBhvr>
+                                        <p:cTn id="6" dur="1" fill="hold">
+                                          <p:stCondLst>
+                                            <p:cond delay="0"/>
+                                          </p:stCondLst>
+                                        </p:cTn>
+                                        <p:tgtEl>
+                                          <p:spTgt spid="3">
+                                            <p:txEl>
+                                              <p:pRg st="0" end="0"/>
+                                            </p:txEl>
+                                          </p:spTgt>
+                                        </p:tgtEl>
+                                        <p:attrNameLst>
+                                          <p:attrName>style.visibility</p:attrName>
+                                        </p:attrNameLst>
+                                      </p:cBhvr>
+                                      <p:to>
+                                        <p:strVal val="visible"/>
+                                      </p:to>
+                                    </p:set>
+                                    <p:animEffect transition="in" filter="fade">
+                                      <p:cBhvr>
+                                        <p:cTn id="7" dur="1000"/>
+                                        <p:tgtEl>
+                                          <p:spTgt spid="3">
+                                            <p:txEl>
+                                              <p:pRg st="0" end="0"/>
+                                            </p:txEl>
+                                          </p:spTgt>
+                                        </p:tgtEl>
+                                      </p:cBhvr>
+                                    </p:animEffect>
+                                    <p:anim calcmode="lin" valueType="num">
+                                      <p:cBhvr>
+                                        <p:cTn id="8" dur="1000" fill="hold"/>
+                                        <p:tgtEl>
+                                          <p:spTgt spid="3">
+                                            <p:txEl>
+                                              <p:pRg st="0" end="0"/>
+                                            </p:txEl>
+                                          </p:spTgt>
+                                        </p:tgtEl>
+                                        <p:attrNameLst>
+                                          <p:attrName>ppt_x</p:attrName>
+                                        </p:attrNameLst>
+                                      </p:cBhvr>
+                                      <p:tavLst>
+                                        <p:tav tm="0">
+                                          <p:val>
+                                            <p:strVal val="#ppt_x"/>
+                                          </p:val>
+                                        </p:tav>
+                                        <p:tav tm="100000">
+                                          <p:val>
+                                            <p:strVal val="#ppt_x"/>
+                                          </p:val>
+                                        </p:tav>
+                                      </p:tavLst>
+                                    </p:anim>
+                                    <p:anim calcmode="lin" valueType="num">
+                                      <p:cBhvr>
+                                        <p:cTn id="9" dur="1000" fill="hold"/>
+                                        <p:tgtEl>
+                                          <p:spTgt spid="3">
+                                            <p:txEl>
+                                              <p:pRg st="0" end="0"/>
+                                            </p:txEl>
+                                          </p:spTgt>
+                                        </p:tgtEl>
+                                        <p:attrNameLst>
+                                          <p:attrName>ppt_y</p:attrName>
+                                        </p:attrNameLst>
+                                      </p:cBhvr>
+                                      <p:tavLst>
+                                        <p:tav tm="0">
+                                          <p:val>
+                                            <p:strVal val="#ppt_y+.1"/>
+                                          </p:val>
+                                        </p:tav>
+                                        <p:tav tm="100000">
+                                          <p:val>
+                                            <p:strVal val="#ppt_y"/>
+                                          </p:val>
+                                        </p:tav>
+                                      </p:tavLst>
+                                    </p:anim>
+                                  </p:childTnLst>
+                                </p:cTn>
+                              </p:par>
+                            </p:childTnLst>
+                          </p:cTn>
+                        </p:par>
+                        <p:par>
+                          <p:cTn id="10" fill="hold">
+                            <p:stCondLst>
+                              <p:cond delay="1000"/>
+                            </p:stCondLst>
+                            <p:childTnLst>
+                              <p:par>
+                                <p:cTn id="11" presetID="42" presetClass="entr" presetSubtype="0" fill="hold" nodeType="afterEffect">
+                                  <p:stCondLst>
+                                    <p:cond delay="0"/>
+                                  </p:stCondLst>
+                                  <p:childTnLst>
+                                    <p:set>
+                                      <p:cBhvr>
+                                        <p:cTn id="12" dur="1" fill="hold">
+                                          <p:stCondLst>
+                                            <p:cond delay="0"/>
+                                          </p:stCondLst>
+                                        </p:cTn>
+                                        <p:tgtEl>
+                                          <p:spTgt spid="3">
+                                            <p:txEl>
+                                              <p:pRg st="1" end="1"/>
+                                            </p:txEl>
+                                          </p:spTgt>
+                                        </p:tgtEl>
+                                        <p:attrNameLst>
+                                          <p:attrName>style.visibility</p:attrName>
+                                        </p:attrNameLst>
+                                      </p:cBhvr>
+                                      <p:to>
+                                        <p:strVal val="visible"/>
+                                      </p:to>
+                                    </p:set>
+                                    <p:animEffect transition="in" filter="fade">
+                                      <p:cBhvr>
+                                        <p:cTn id="13" dur="1000"/>
+                                        <p:tgtEl>
+                                          <p:spTgt spid="3">
+                                            <p:txEl>
+                                              <p:pRg st="1" end="1"/>
+                                            </p:txEl>
+                                          </p:spTgt>
+                                        </p:tgtEl>
+                                      </p:cBhvr>
+                                    </p:animEffect>
+                                    <p:anim calcmode="lin" valueType="num">
+                                      <p:cBhvr>
+                                        <p:cTn id="14" dur="1000" fill="hold"/>
+                                        <p:tgtEl>
+                                          <p:spTgt spid="3">
+                                            <p:txEl>
+                                              <p:pRg st="1" end="1"/>
+                                            </p:txEl>
+                                          </p:spTgt>
+                                        </p:tgtEl>
+                                        <p:attrNameLst>
+                                          <p:attrName>ppt_x</p:attrName>
+                                        </p:attrNameLst>
+                                      </p:cBhvr>
+                                      <p:tavLst>
+                                        <p:tav tm="0">
+                                          <p:val>
+                                            <p:strVal val="#ppt_x"/>
+                                          </p:val>
+                                        </p:tav>
+                                        <p:tav tm="100000">
+                                          <p:val>
+                                            <p:strVal val="#ppt_x"/>
+                                          </p:val>
+                                        </p:tav>
+                                      </p:tavLst>
+                                    </p:anim>
+                                    <p:anim calcmode="lin" valueType="num">
+                                      <p:cBhvr>
+                                        <p:cTn id="15" dur="1000" fill="hold"/>
+                                        <p:tgtEl>
+                                          <p:spTgt spid="3">
+                                            <p:txEl>
+                                              <p:pRg st="1" end="1"/>
+                                            </p:txEl>
+                                          </p:spTgt>
+                                        </p:tgtEl>
+                                        <p:attrNameLst>
+                                          <p:attrName>ppt_y</p:attrName>
+                                        </p:attrNameLst>
+                                      </p:cBhvr>
+                                      <p:tavLst>
+                                        <p:tav tm="0">
+                                          <p:val>
+                                            <p:strVal val="#ppt_y+.1"/>
+                                          </p:val>
+                                        </p:tav>
+                                        <p:tav tm="100000">
+                                          <p:val>
+                                            <p:strVal val="#ppt_y"/>
+                                          </p:val>
+                                        </p:tav>
+                                      </p:tavLst>
+                                    </p:anim>
+                                  </p:childTnLst>
+                                </p:cTn>
+                              </p:par>
+                            </p:childTnLst>
+                          </p:cTn>
+                        </p:par>
+                        <p:par>
+                          <p:cTn id="16" fill="hold">
+                            <p:stCondLst>
+                              <p:cond delay="2000"/>
+                            </p:stCondLst>
+                            <p:childTnLst>
+                              <p:par>
+                                <p:cTn id="17" presetID="42" presetClass="entr" presetSubtype="0" fill="hold" nodeType="afterEffect">
+                                  <p:stCondLst>
+                                    <p:cond delay="0"/>
+                                  </p:stCondLst>
+                                  <p:childTnLst>
+                                    <p:set>
+                                      <p:cBhvr>
+                                        <p:cTn id="18" dur="1" fill="hold">
+                                          <p:stCondLst>
+                                            <p:cond delay="0"/>
+                                          </p:stCondLst>
+                                        </p:cTn>
+                                        <p:tgtEl>
+                                          <p:spTgt spid="3">
+                                            <p:txEl>
+                                              <p:pRg st="2" end="2"/>
+                                            </p:txEl>
+                                          </p:spTgt>
+                                        </p:tgtEl>
+                                        <p:attrNameLst>
+                                          <p:attrName>style.visibility</p:attrName>
+                                        </p:attrNameLst>
+                                      </p:cBhvr>
+                                      <p:to>
+                                        <p:strVal val="visible"/>
+                                      </p:to>
+                                    </p:set>
+                                    <p:animEffect transition="in" filter="fade">
+                                      <p:cBhvr>
+                                        <p:cTn id="19" dur="1000"/>
+                                        <p:tgtEl>
+                                          <p:spTgt spid="3">
+                                            <p:txEl>
+                                              <p:pRg st="2" end="2"/>
+                                            </p:txEl>
+                                          </p:spTgt>
+                                        </p:tgtEl>
+                                      </p:cBhvr>
+                                    </p:animEffect>
+                                    <p:anim calcmode="lin" valueType="num">
+                                      <p:cBhvr>
+                                        <p:cTn id="20" dur="1000" fill="hold"/>
+                                        <p:tgtEl>
+                                          <p:spTgt spid="3">
+                                            <p:txEl>
+                                              <p:pRg st="2" end="2"/>
+                                            </p:txEl>
+                                          </p:spTgt>
+                                        </p:tgtEl>
+                                        <p:attrNameLst>
+                                          <p:attrName>ppt_x</p:attrName>
+                                        </p:attrNameLst>
+                                      </p:cBhvr>
+                                      <p:tavLst>
+                                        <p:tav tm="0">
+                                          <p:val>
+                                            <p:strVal val="#ppt_x"/>
+                                          </p:val>
+                                        </p:tav>
+                                        <p:tav tm="100000">
+                                          <p:val>
+                                            <p:strVal val="#ppt_x"/>
+                                          </p:val>
+                                        </p:tav>
+                                      </p:tavLst>
+                                    </p:anim>
+                                    <p:anim calcmode="lin" valueType="num">
+                                      <p:cBhvr>
+                                        <p:cTn id="21" dur="1000" fill="hold"/>
+                                        <p:tgtEl>
+                                          <p:spTgt spid="3">
+                                            <p:txEl>
+                                              <p:pRg st="2" end="2"/>
+                                            </p:txEl>
+                                          </p:spTgt>
+                                        </p:tgtEl>
+                                        <p:attrNameLst>
+                                          <p:attrName>ppt_y</p:attrName>
+                                        </p:attrNameLst>
+                                      </p:cBhvr>
+                                      <p:tavLst>
+                                        <p:tav tm="0">
+                                          <p:val>
+                                            <p:strVal val="#ppt_y+.1"/>
+                                          </p:val>
+                                        </p:tav>
+                                        <p:tav tm="100000">
+                                          <p:val>
+                                            <p:strVal val="#ppt_y"/>
+                                          </p:val>
+                                        </p:tav>
+                                      </p:tavLst>
+                                    </p:anim>
+                                  </p:childTnLst>
+                                </p:cTn>
+                              </p:par>
+                            </p:childTnLst>
+                          </p:cTn>
+                        </p:par>
+                        <p:par>
+                          <p:cTn id="22" fill="hold">
+                            <p:stCondLst>
+                              <p:cond delay="3000"/>
+                            </p:stCondLst>
+                            <p:childTnLst>
+                              <p:par>
+                                <p:cTn id="23" presetID="42" presetClass="entr" presetSubtype="0" fill="hold" nodeType="afterEffect">
+                                  <p:stCondLst>
+                                    <p:cond delay="0"/>
+                                  </p:stCondLst>
+                                  <p:childTnLst>
+                                    <p:set>
+                                      <p:cBhvr>
+                                        <p:cTn id="24" dur="1" fill="hold">
+                                          <p:stCondLst>
+                                            <p:cond delay="0"/>
+                                          </p:stCondLst>
+                                        </p:cTn>
+                                        <p:tgtEl>
+                                          <p:spTgt spid="3">
+                                            <p:txEl>
+                                              <p:pRg st="3" end="3"/>
+                                            </p:txEl>
+                                          </p:spTgt>
+                                        </p:tgtEl>
+                                        <p:attrNameLst>
+                                          <p:attrName>style.visibility</p:attrName>
+                                        </p:attrNameLst>
+                                      </p:cBhvr>
+                                      <p:to>
+                                        <p:strVal val="visible"/>
+                                      </p:to>
+                                    </p:set>
+                                    <p:animEffect transition="in" filter="fade">
+                                      <p:cBhvr>
+                                        <p:cTn id="25" dur="1000"/>
+                                        <p:tgtEl>
+                                          <p:spTgt spid="3">
+                                            <p:txEl>
+                                              <p:pRg st="3" end="3"/>
+                                            </p:txEl>
+                                          </p:spTgt>
+                                        </p:tgtEl>
+                                      </p:cBhvr>
+                                    </p:animEffect>
+                                    <p:anim calcmode="lin" valueType="num">
+                                      <p:cBhvr>
+                                        <p:cTn id="26" dur="1000" fill="hold"/>
+                                        <p:tgtEl>
+                                          <p:spTgt spid="3">
+                                            <p:txEl>
+                                              <p:pRg st="3" end="3"/>
+                                            </p:txEl>
+                                          </p:spTgt>
+                                        </p:tgtEl>
+                                        <p:attrNameLst>
+                                          <p:attrName>ppt_x</p:attrName>
+                                        </p:attrNameLst>
+                                      </p:cBhvr>
+                                      <p:tavLst>
+                                        <p:tav tm="0">
+                                          <p:val>
+                                            <p:strVal val="#ppt_x"/>
+                                          </p:val>
+                                        </p:tav>
+                                        <p:tav tm="100000">
+                                          <p:val>
+                                            <p:strVal val="#ppt_x"/>
+                                          </p:val>
+                                        </p:tav>
+                                      </p:tavLst>
+                                    </p:anim>
+                                    <p:anim calcmode="lin" valueType="num">
+                                      <p:cBhvr>
+                                        <p:cTn id="27" dur="1000" fill="hold"/>
+                                        <p:tgtEl>
+                                          <p:spTgt spid="3">
+                                            <p:txEl>
+                                              <p:pRg st="3" end="3"/>
+                                            </p:txEl>
+                                          </p:spTgt>
+                                        </p:tgtEl>
+                                        <p:attrNameLst>
+                                          <p:attrName>ppt_y</p:attrName>
+                                        </p:attrNameLst>
+                                      </p:cBhvr>
+                                      <p:tavLst>
+                                        <p:tav tm="0">
+                                          <p:val>
+                                            <p:strVal val="#ppt_y+.1"/>
+                                          </p:val>
+                                        </p:tav>
+                                        <p:tav tm="100000">
+                                          <p:val>
+                                            <p:strVal val="#ppt_y"/>
+                                          </p:val>
+                                        </p:tav>
+                                      </p:tavLst>
+                                    </p:anim>
+                                  </p:childTnLst>
+                                </p:cTn>
+                              </p:par>
+                            </p:childTnLst>
+                          </p:cTn>
+                        </p:par>
+                      </p:childTnLst>
+                    </p:cTn>
+                  </p:par>
+                </p:childTnLst>
+              </p:cTn>
+              <p:prevCondLst>
+                <p:cond evt="onPrev" delay="0">
+                  <p:tgtEl>
+                    <p:sldTgt/>
+                  </p:tgtEl>
+                </p:cond>
+              </p:prevCondLst>
+              <p:nextCondLst>
+                <p:cond evt="onNext" delay="0">
+                  <p:tgtEl>
+                    <p:sldTgt/>
+                  </p:tgtEl>
+                </p:cond>
+              </p:nextCondLst>
+            </p:seq>
+          </p:childTnLst>
+        </p:cTn>
+      </p:par>
+    </p:tnLst>
+  </p:timing>
+</p:sld>
+</file>
+
 <file path=ppt/slides/slide2.xml><?xml version="1.0" encoding="utf-8"?>
 <p:sld xmlns:a="http://schemas.openxmlformats.org/drawingml/2006/main" xmlns:r="http://schemas.openxmlformats.org/officeDocument/2006/relationships" xmlns:p="http://schemas.openxmlformats.org/presentationml/2006/main">
   <p:cSld>
@@ -9135,6 +10686,801 @@
     <p:tnLst>
       <p:par>
         <p:cTn id="1" dur="indefinite" restart="never" nodeType="tmRoot"/>
+      </p:par>
+    </p:tnLst>
+  </p:timing>
+</p:sld>
+</file>
+
+<file path=ppt/slides/slide20.xml><?xml version="1.0" encoding="utf-8"?>
+<p:sld xmlns:a="http://schemas.openxmlformats.org/drawingml/2006/main" xmlns:r="http://schemas.openxmlformats.org/officeDocument/2006/relationships" xmlns:p="http://schemas.openxmlformats.org/presentationml/2006/main">
+  <p:cSld>
+    <p:spTree>
+      <p:nvGrpSpPr>
+        <p:cNvPr id="1" name=""/>
+        <p:cNvGrpSpPr/>
+        <p:nvPr/>
+      </p:nvGrpSpPr>
+      <p:grpSpPr>
+        <a:xfrm>
+          <a:off x="0" y="0"/>
+          <a:ext cx="0" cy="0"/>
+          <a:chOff x="0" y="0"/>
+          <a:chExt cx="0" cy="0"/>
+        </a:xfrm>
+      </p:grpSpPr>
+      <p:sp>
+        <p:nvSpPr>
+          <p:cNvPr id="2" name="Cím 1"/>
+          <p:cNvSpPr>
+            <a:spLocks noGrp="1"/>
+          </p:cNvSpPr>
+          <p:nvPr>
+            <p:ph type="title"/>
+          </p:nvPr>
+        </p:nvSpPr>
+        <p:spPr>
+          <a:xfrm>
+            <a:off x="838200" y="283238"/>
+            <a:ext cx="10515600" cy="1325563"/>
+          </a:xfrm>
+        </p:spPr>
+        <p:txBody>
+          <a:bodyPr/>
+          <a:lstStyle/>
+          <a:p>
+            <a:r>
+              <a:rPr lang="hu-HU" dirty="0" smtClean="0">
+                <a:solidFill>
+                  <a:schemeClr val="bg1"/>
+                </a:solidFill>
+                <a:latin typeface="Algerian" panose="04020705040A02060702" pitchFamily="82" charset="0"/>
+              </a:rPr>
+              <a:t>PROCESSZOR frekvencia</a:t>
+            </a:r>
+            <a:endParaRPr lang="hu-HU" dirty="0">
+              <a:solidFill>
+                <a:schemeClr val="bg1"/>
+              </a:solidFill>
+              <a:latin typeface="Algerian" panose="04020705040A02060702" pitchFamily="82" charset="0"/>
+            </a:endParaRPr>
+          </a:p>
+        </p:txBody>
+      </p:sp>
+      <p:sp>
+        <p:nvSpPr>
+          <p:cNvPr id="3" name="Tartalom helye 2"/>
+          <p:cNvSpPr>
+            <a:spLocks noGrp="1"/>
+          </p:cNvSpPr>
+          <p:nvPr>
+            <p:ph idx="1"/>
+          </p:nvPr>
+        </p:nvSpPr>
+        <p:spPr>
+          <a:xfrm>
+            <a:off x="838200" y="2297327"/>
+            <a:ext cx="10515600" cy="3707820"/>
+          </a:xfrm>
+        </p:spPr>
+        <p:txBody>
+          <a:bodyPr/>
+          <a:lstStyle/>
+          <a:p>
+            <a:pPr>
+              <a:lnSpc>
+                <a:spcPct val="100000"/>
+              </a:lnSpc>
+            </a:pPr>
+            <a:r>
+              <a:rPr lang="hu-HU" b="1" dirty="0" smtClean="0">
+                <a:solidFill>
+                  <a:schemeClr val="bg1"/>
+                </a:solidFill>
+              </a:rPr>
+              <a:t>Állapotváltozás 0-ról 1-re,  vagy 1-ről 0-ra</a:t>
+            </a:r>
+            <a:endParaRPr lang="hu-HU" dirty="0">
+              <a:solidFill>
+                <a:schemeClr val="bg1"/>
+              </a:solidFill>
+            </a:endParaRPr>
+          </a:p>
+          <a:p>
+            <a:pPr>
+              <a:lnSpc>
+                <a:spcPct val="100000"/>
+              </a:lnSpc>
+            </a:pPr>
+            <a:r>
+              <a:rPr lang="hu-HU" dirty="0">
+                <a:solidFill>
+                  <a:schemeClr val="bg1"/>
+                </a:solidFill>
+              </a:rPr>
+              <a:t>A két impulzus közötti intervallumot frekvenciaciklusnak </a:t>
+            </a:r>
+            <a:r>
+              <a:rPr lang="hu-HU" dirty="0" smtClean="0">
+                <a:solidFill>
+                  <a:schemeClr val="bg1"/>
+                </a:solidFill>
+              </a:rPr>
+              <a:t>nevezzük</a:t>
+            </a:r>
+          </a:p>
+          <a:p>
+            <a:pPr>
+              <a:lnSpc>
+                <a:spcPct val="100000"/>
+              </a:lnSpc>
+            </a:pPr>
+            <a:r>
+              <a:rPr lang="hu-HU" dirty="0">
+                <a:solidFill>
+                  <a:schemeClr val="bg1"/>
+                </a:solidFill>
+              </a:rPr>
+              <a:t>Ezen ciklusok mennyisége egy másodperc alatt adja a processzor </a:t>
+            </a:r>
+            <a:r>
+              <a:rPr lang="hu-HU" dirty="0" smtClean="0">
+                <a:solidFill>
+                  <a:schemeClr val="bg1"/>
+                </a:solidFill>
+              </a:rPr>
+              <a:t>frekvenciáját (Hertz - Hz)</a:t>
+            </a:r>
+          </a:p>
+          <a:p>
+            <a:pPr>
+              <a:lnSpc>
+                <a:spcPct val="100000"/>
+              </a:lnSpc>
+            </a:pPr>
+            <a:r>
+              <a:rPr lang="hu-HU" dirty="0" smtClean="0">
+                <a:solidFill>
+                  <a:schemeClr val="bg1"/>
+                </a:solidFill>
+              </a:rPr>
+              <a:t>Manapság </a:t>
+            </a:r>
+            <a:r>
+              <a:rPr lang="hu-HU" dirty="0" err="1" smtClean="0">
+                <a:solidFill>
+                  <a:schemeClr val="bg1"/>
+                </a:solidFill>
+              </a:rPr>
+              <a:t>GHz</a:t>
+            </a:r>
+            <a:endParaRPr lang="hu-HU" dirty="0" smtClean="0">
+              <a:solidFill>
+                <a:schemeClr val="bg1"/>
+              </a:solidFill>
+            </a:endParaRPr>
+          </a:p>
+          <a:p>
+            <a:pPr>
+              <a:lnSpc>
+                <a:spcPct val="100000"/>
+              </a:lnSpc>
+            </a:pPr>
+            <a:r>
+              <a:rPr lang="hu-HU" dirty="0" err="1" smtClean="0">
+                <a:solidFill>
+                  <a:schemeClr val="bg1"/>
+                </a:solidFill>
+              </a:rPr>
+              <a:t>Miné</a:t>
+            </a:r>
+            <a:r>
+              <a:rPr lang="hu-HU" dirty="0" smtClean="0">
+                <a:solidFill>
+                  <a:schemeClr val="bg1"/>
+                </a:solidFill>
+              </a:rPr>
+              <a:t> nagyobb, anná jobb!</a:t>
+            </a:r>
+            <a:endParaRPr lang="hu-HU" dirty="0">
+              <a:solidFill>
+                <a:schemeClr val="bg1"/>
+              </a:solidFill>
+            </a:endParaRPr>
+          </a:p>
+        </p:txBody>
+      </p:sp>
+    </p:spTree>
+    <p:extLst>
+      <p:ext uri="{BB962C8B-B14F-4D97-AF65-F5344CB8AC3E}">
+        <p14:creationId xmlns:p14="http://schemas.microsoft.com/office/powerpoint/2010/main" val="1900633613"/>
+      </p:ext>
+    </p:extLst>
+  </p:cSld>
+  <p:clrMapOvr>
+    <a:masterClrMapping/>
+  </p:clrMapOvr>
+  <mc:AlternateContent xmlns:mc="http://schemas.openxmlformats.org/markup-compatibility/2006" xmlns:p14="http://schemas.microsoft.com/office/powerpoint/2010/main">
+    <mc:Choice Requires="p14">
+      <p:transition spd="slow" p14:dur="3400">
+        <p14:reveal/>
+      </p:transition>
+    </mc:Choice>
+    <mc:Fallback xmlns="">
+      <p:transition spd="slow">
+        <p:fade/>
+      </p:transition>
+    </mc:Fallback>
+  </mc:AlternateContent>
+  <p:timing>
+    <p:tnLst>
+      <p:par>
+        <p:cTn id="1" dur="indefinite" restart="never" nodeType="tmRoot">
+          <p:childTnLst>
+            <p:seq concurrent="1" nextAc="seek">
+              <p:cTn id="2" dur="indefinite" nodeType="mainSeq">
+                <p:childTnLst>
+                  <p:par>
+                    <p:cTn id="3" fill="hold">
+                      <p:stCondLst>
+                        <p:cond delay="indefinite"/>
+                        <p:cond evt="onBegin" delay="0">
+                          <p:tn val="2"/>
+                        </p:cond>
+                      </p:stCondLst>
+                      <p:childTnLst>
+                        <p:par>
+                          <p:cTn id="4" fill="hold">
+                            <p:stCondLst>
+                              <p:cond delay="0"/>
+                            </p:stCondLst>
+                            <p:childTnLst>
+                              <p:par>
+                                <p:cTn id="5" presetID="42" presetClass="entr" presetSubtype="0" fill="hold" nodeType="afterEffect">
+                                  <p:stCondLst>
+                                    <p:cond delay="0"/>
+                                  </p:stCondLst>
+                                  <p:childTnLst>
+                                    <p:set>
+                                      <p:cBhvr>
+                                        <p:cTn id="6" dur="1" fill="hold">
+                                          <p:stCondLst>
+                                            <p:cond delay="0"/>
+                                          </p:stCondLst>
+                                        </p:cTn>
+                                        <p:tgtEl>
+                                          <p:spTgt spid="3">
+                                            <p:txEl>
+                                              <p:pRg st="0" end="0"/>
+                                            </p:txEl>
+                                          </p:spTgt>
+                                        </p:tgtEl>
+                                        <p:attrNameLst>
+                                          <p:attrName>style.visibility</p:attrName>
+                                        </p:attrNameLst>
+                                      </p:cBhvr>
+                                      <p:to>
+                                        <p:strVal val="visible"/>
+                                      </p:to>
+                                    </p:set>
+                                    <p:animEffect transition="in" filter="fade">
+                                      <p:cBhvr>
+                                        <p:cTn id="7" dur="1000"/>
+                                        <p:tgtEl>
+                                          <p:spTgt spid="3">
+                                            <p:txEl>
+                                              <p:pRg st="0" end="0"/>
+                                            </p:txEl>
+                                          </p:spTgt>
+                                        </p:tgtEl>
+                                      </p:cBhvr>
+                                    </p:animEffect>
+                                    <p:anim calcmode="lin" valueType="num">
+                                      <p:cBhvr>
+                                        <p:cTn id="8" dur="1000" fill="hold"/>
+                                        <p:tgtEl>
+                                          <p:spTgt spid="3">
+                                            <p:txEl>
+                                              <p:pRg st="0" end="0"/>
+                                            </p:txEl>
+                                          </p:spTgt>
+                                        </p:tgtEl>
+                                        <p:attrNameLst>
+                                          <p:attrName>ppt_x</p:attrName>
+                                        </p:attrNameLst>
+                                      </p:cBhvr>
+                                      <p:tavLst>
+                                        <p:tav tm="0">
+                                          <p:val>
+                                            <p:strVal val="#ppt_x"/>
+                                          </p:val>
+                                        </p:tav>
+                                        <p:tav tm="100000">
+                                          <p:val>
+                                            <p:strVal val="#ppt_x"/>
+                                          </p:val>
+                                        </p:tav>
+                                      </p:tavLst>
+                                    </p:anim>
+                                    <p:anim calcmode="lin" valueType="num">
+                                      <p:cBhvr>
+                                        <p:cTn id="9" dur="1000" fill="hold"/>
+                                        <p:tgtEl>
+                                          <p:spTgt spid="3">
+                                            <p:txEl>
+                                              <p:pRg st="0" end="0"/>
+                                            </p:txEl>
+                                          </p:spTgt>
+                                        </p:tgtEl>
+                                        <p:attrNameLst>
+                                          <p:attrName>ppt_y</p:attrName>
+                                        </p:attrNameLst>
+                                      </p:cBhvr>
+                                      <p:tavLst>
+                                        <p:tav tm="0">
+                                          <p:val>
+                                            <p:strVal val="#ppt_y+.1"/>
+                                          </p:val>
+                                        </p:tav>
+                                        <p:tav tm="100000">
+                                          <p:val>
+                                            <p:strVal val="#ppt_y"/>
+                                          </p:val>
+                                        </p:tav>
+                                      </p:tavLst>
+                                    </p:anim>
+                                  </p:childTnLst>
+                                </p:cTn>
+                              </p:par>
+                            </p:childTnLst>
+                          </p:cTn>
+                        </p:par>
+                        <p:par>
+                          <p:cTn id="10" fill="hold">
+                            <p:stCondLst>
+                              <p:cond delay="1000"/>
+                            </p:stCondLst>
+                            <p:childTnLst>
+                              <p:par>
+                                <p:cTn id="11" presetID="42" presetClass="entr" presetSubtype="0" fill="hold" nodeType="afterEffect">
+                                  <p:stCondLst>
+                                    <p:cond delay="0"/>
+                                  </p:stCondLst>
+                                  <p:childTnLst>
+                                    <p:set>
+                                      <p:cBhvr>
+                                        <p:cTn id="12" dur="1" fill="hold">
+                                          <p:stCondLst>
+                                            <p:cond delay="0"/>
+                                          </p:stCondLst>
+                                        </p:cTn>
+                                        <p:tgtEl>
+                                          <p:spTgt spid="3">
+                                            <p:txEl>
+                                              <p:pRg st="1" end="1"/>
+                                            </p:txEl>
+                                          </p:spTgt>
+                                        </p:tgtEl>
+                                        <p:attrNameLst>
+                                          <p:attrName>style.visibility</p:attrName>
+                                        </p:attrNameLst>
+                                      </p:cBhvr>
+                                      <p:to>
+                                        <p:strVal val="visible"/>
+                                      </p:to>
+                                    </p:set>
+                                    <p:animEffect transition="in" filter="fade">
+                                      <p:cBhvr>
+                                        <p:cTn id="13" dur="1000"/>
+                                        <p:tgtEl>
+                                          <p:spTgt spid="3">
+                                            <p:txEl>
+                                              <p:pRg st="1" end="1"/>
+                                            </p:txEl>
+                                          </p:spTgt>
+                                        </p:tgtEl>
+                                      </p:cBhvr>
+                                    </p:animEffect>
+                                    <p:anim calcmode="lin" valueType="num">
+                                      <p:cBhvr>
+                                        <p:cTn id="14" dur="1000" fill="hold"/>
+                                        <p:tgtEl>
+                                          <p:spTgt spid="3">
+                                            <p:txEl>
+                                              <p:pRg st="1" end="1"/>
+                                            </p:txEl>
+                                          </p:spTgt>
+                                        </p:tgtEl>
+                                        <p:attrNameLst>
+                                          <p:attrName>ppt_x</p:attrName>
+                                        </p:attrNameLst>
+                                      </p:cBhvr>
+                                      <p:tavLst>
+                                        <p:tav tm="0">
+                                          <p:val>
+                                            <p:strVal val="#ppt_x"/>
+                                          </p:val>
+                                        </p:tav>
+                                        <p:tav tm="100000">
+                                          <p:val>
+                                            <p:strVal val="#ppt_x"/>
+                                          </p:val>
+                                        </p:tav>
+                                      </p:tavLst>
+                                    </p:anim>
+                                    <p:anim calcmode="lin" valueType="num">
+                                      <p:cBhvr>
+                                        <p:cTn id="15" dur="1000" fill="hold"/>
+                                        <p:tgtEl>
+                                          <p:spTgt spid="3">
+                                            <p:txEl>
+                                              <p:pRg st="1" end="1"/>
+                                            </p:txEl>
+                                          </p:spTgt>
+                                        </p:tgtEl>
+                                        <p:attrNameLst>
+                                          <p:attrName>ppt_y</p:attrName>
+                                        </p:attrNameLst>
+                                      </p:cBhvr>
+                                      <p:tavLst>
+                                        <p:tav tm="0">
+                                          <p:val>
+                                            <p:strVal val="#ppt_y+.1"/>
+                                          </p:val>
+                                        </p:tav>
+                                        <p:tav tm="100000">
+                                          <p:val>
+                                            <p:strVal val="#ppt_y"/>
+                                          </p:val>
+                                        </p:tav>
+                                      </p:tavLst>
+                                    </p:anim>
+                                  </p:childTnLst>
+                                </p:cTn>
+                              </p:par>
+                            </p:childTnLst>
+                          </p:cTn>
+                        </p:par>
+                        <p:par>
+                          <p:cTn id="16" fill="hold">
+                            <p:stCondLst>
+                              <p:cond delay="2000"/>
+                            </p:stCondLst>
+                            <p:childTnLst>
+                              <p:par>
+                                <p:cTn id="17" presetID="42" presetClass="entr" presetSubtype="0" fill="hold" nodeType="afterEffect">
+                                  <p:stCondLst>
+                                    <p:cond delay="0"/>
+                                  </p:stCondLst>
+                                  <p:childTnLst>
+                                    <p:set>
+                                      <p:cBhvr>
+                                        <p:cTn id="18" dur="1" fill="hold">
+                                          <p:stCondLst>
+                                            <p:cond delay="0"/>
+                                          </p:stCondLst>
+                                        </p:cTn>
+                                        <p:tgtEl>
+                                          <p:spTgt spid="3">
+                                            <p:txEl>
+                                              <p:pRg st="2" end="2"/>
+                                            </p:txEl>
+                                          </p:spTgt>
+                                        </p:tgtEl>
+                                        <p:attrNameLst>
+                                          <p:attrName>style.visibility</p:attrName>
+                                        </p:attrNameLst>
+                                      </p:cBhvr>
+                                      <p:to>
+                                        <p:strVal val="visible"/>
+                                      </p:to>
+                                    </p:set>
+                                    <p:animEffect transition="in" filter="fade">
+                                      <p:cBhvr>
+                                        <p:cTn id="19" dur="1000"/>
+                                        <p:tgtEl>
+                                          <p:spTgt spid="3">
+                                            <p:txEl>
+                                              <p:pRg st="2" end="2"/>
+                                            </p:txEl>
+                                          </p:spTgt>
+                                        </p:tgtEl>
+                                      </p:cBhvr>
+                                    </p:animEffect>
+                                    <p:anim calcmode="lin" valueType="num">
+                                      <p:cBhvr>
+                                        <p:cTn id="20" dur="1000" fill="hold"/>
+                                        <p:tgtEl>
+                                          <p:spTgt spid="3">
+                                            <p:txEl>
+                                              <p:pRg st="2" end="2"/>
+                                            </p:txEl>
+                                          </p:spTgt>
+                                        </p:tgtEl>
+                                        <p:attrNameLst>
+                                          <p:attrName>ppt_x</p:attrName>
+                                        </p:attrNameLst>
+                                      </p:cBhvr>
+                                      <p:tavLst>
+                                        <p:tav tm="0">
+                                          <p:val>
+                                            <p:strVal val="#ppt_x"/>
+                                          </p:val>
+                                        </p:tav>
+                                        <p:tav tm="100000">
+                                          <p:val>
+                                            <p:strVal val="#ppt_x"/>
+                                          </p:val>
+                                        </p:tav>
+                                      </p:tavLst>
+                                    </p:anim>
+                                    <p:anim calcmode="lin" valueType="num">
+                                      <p:cBhvr>
+                                        <p:cTn id="21" dur="1000" fill="hold"/>
+                                        <p:tgtEl>
+                                          <p:spTgt spid="3">
+                                            <p:txEl>
+                                              <p:pRg st="2" end="2"/>
+                                            </p:txEl>
+                                          </p:spTgt>
+                                        </p:tgtEl>
+                                        <p:attrNameLst>
+                                          <p:attrName>ppt_y</p:attrName>
+                                        </p:attrNameLst>
+                                      </p:cBhvr>
+                                      <p:tavLst>
+                                        <p:tav tm="0">
+                                          <p:val>
+                                            <p:strVal val="#ppt_y+.1"/>
+                                          </p:val>
+                                        </p:tav>
+                                        <p:tav tm="100000">
+                                          <p:val>
+                                            <p:strVal val="#ppt_y"/>
+                                          </p:val>
+                                        </p:tav>
+                                      </p:tavLst>
+                                    </p:anim>
+                                  </p:childTnLst>
+                                </p:cTn>
+                              </p:par>
+                            </p:childTnLst>
+                          </p:cTn>
+                        </p:par>
+                        <p:par>
+                          <p:cTn id="22" fill="hold">
+                            <p:stCondLst>
+                              <p:cond delay="3000"/>
+                            </p:stCondLst>
+                            <p:childTnLst>
+                              <p:par>
+                                <p:cTn id="23" presetID="42" presetClass="entr" presetSubtype="0" fill="hold" nodeType="afterEffect">
+                                  <p:stCondLst>
+                                    <p:cond delay="0"/>
+                                  </p:stCondLst>
+                                  <p:childTnLst>
+                                    <p:set>
+                                      <p:cBhvr>
+                                        <p:cTn id="24" dur="1" fill="hold">
+                                          <p:stCondLst>
+                                            <p:cond delay="0"/>
+                                          </p:stCondLst>
+                                        </p:cTn>
+                                        <p:tgtEl>
+                                          <p:spTgt spid="3">
+                                            <p:txEl>
+                                              <p:pRg st="3" end="3"/>
+                                            </p:txEl>
+                                          </p:spTgt>
+                                        </p:tgtEl>
+                                        <p:attrNameLst>
+                                          <p:attrName>style.visibility</p:attrName>
+                                        </p:attrNameLst>
+                                      </p:cBhvr>
+                                      <p:to>
+                                        <p:strVal val="visible"/>
+                                      </p:to>
+                                    </p:set>
+                                    <p:animEffect transition="in" filter="fade">
+                                      <p:cBhvr>
+                                        <p:cTn id="25" dur="1000"/>
+                                        <p:tgtEl>
+                                          <p:spTgt spid="3">
+                                            <p:txEl>
+                                              <p:pRg st="3" end="3"/>
+                                            </p:txEl>
+                                          </p:spTgt>
+                                        </p:tgtEl>
+                                      </p:cBhvr>
+                                    </p:animEffect>
+                                    <p:anim calcmode="lin" valueType="num">
+                                      <p:cBhvr>
+                                        <p:cTn id="26" dur="1000" fill="hold"/>
+                                        <p:tgtEl>
+                                          <p:spTgt spid="3">
+                                            <p:txEl>
+                                              <p:pRg st="3" end="3"/>
+                                            </p:txEl>
+                                          </p:spTgt>
+                                        </p:tgtEl>
+                                        <p:attrNameLst>
+                                          <p:attrName>ppt_x</p:attrName>
+                                        </p:attrNameLst>
+                                      </p:cBhvr>
+                                      <p:tavLst>
+                                        <p:tav tm="0">
+                                          <p:val>
+                                            <p:strVal val="#ppt_x"/>
+                                          </p:val>
+                                        </p:tav>
+                                        <p:tav tm="100000">
+                                          <p:val>
+                                            <p:strVal val="#ppt_x"/>
+                                          </p:val>
+                                        </p:tav>
+                                      </p:tavLst>
+                                    </p:anim>
+                                    <p:anim calcmode="lin" valueType="num">
+                                      <p:cBhvr>
+                                        <p:cTn id="27" dur="1000" fill="hold"/>
+                                        <p:tgtEl>
+                                          <p:spTgt spid="3">
+                                            <p:txEl>
+                                              <p:pRg st="3" end="3"/>
+                                            </p:txEl>
+                                          </p:spTgt>
+                                        </p:tgtEl>
+                                        <p:attrNameLst>
+                                          <p:attrName>ppt_y</p:attrName>
+                                        </p:attrNameLst>
+                                      </p:cBhvr>
+                                      <p:tavLst>
+                                        <p:tav tm="0">
+                                          <p:val>
+                                            <p:strVal val="#ppt_y+.1"/>
+                                          </p:val>
+                                        </p:tav>
+                                        <p:tav tm="100000">
+                                          <p:val>
+                                            <p:strVal val="#ppt_y"/>
+                                          </p:val>
+                                        </p:tav>
+                                      </p:tavLst>
+                                    </p:anim>
+                                  </p:childTnLst>
+                                </p:cTn>
+                              </p:par>
+                            </p:childTnLst>
+                          </p:cTn>
+                        </p:par>
+                        <p:par>
+                          <p:cTn id="28" fill="hold">
+                            <p:stCondLst>
+                              <p:cond delay="4000"/>
+                            </p:stCondLst>
+                            <p:childTnLst>
+                              <p:par>
+                                <p:cTn id="29" presetID="42" presetClass="entr" presetSubtype="0" fill="hold" nodeType="afterEffect">
+                                  <p:stCondLst>
+                                    <p:cond delay="0"/>
+                                  </p:stCondLst>
+                                  <p:childTnLst>
+                                    <p:set>
+                                      <p:cBhvr>
+                                        <p:cTn id="30" dur="1" fill="hold">
+                                          <p:stCondLst>
+                                            <p:cond delay="0"/>
+                                          </p:stCondLst>
+                                        </p:cTn>
+                                        <p:tgtEl>
+                                          <p:spTgt spid="3">
+                                            <p:txEl>
+                                              <p:pRg st="4" end="4"/>
+                                            </p:txEl>
+                                          </p:spTgt>
+                                        </p:tgtEl>
+                                        <p:attrNameLst>
+                                          <p:attrName>style.visibility</p:attrName>
+                                        </p:attrNameLst>
+                                      </p:cBhvr>
+                                      <p:to>
+                                        <p:strVal val="visible"/>
+                                      </p:to>
+                                    </p:set>
+                                    <p:animEffect transition="in" filter="fade">
+                                      <p:cBhvr>
+                                        <p:cTn id="31" dur="1000"/>
+                                        <p:tgtEl>
+                                          <p:spTgt spid="3">
+                                            <p:txEl>
+                                              <p:pRg st="4" end="4"/>
+                                            </p:txEl>
+                                          </p:spTgt>
+                                        </p:tgtEl>
+                                      </p:cBhvr>
+                                    </p:animEffect>
+                                    <p:anim calcmode="lin" valueType="num">
+                                      <p:cBhvr>
+                                        <p:cTn id="32" dur="1000" fill="hold"/>
+                                        <p:tgtEl>
+                                          <p:spTgt spid="3">
+                                            <p:txEl>
+                                              <p:pRg st="4" end="4"/>
+                                            </p:txEl>
+                                          </p:spTgt>
+                                        </p:tgtEl>
+                                        <p:attrNameLst>
+                                          <p:attrName>ppt_x</p:attrName>
+                                        </p:attrNameLst>
+                                      </p:cBhvr>
+                                      <p:tavLst>
+                                        <p:tav tm="0">
+                                          <p:val>
+                                            <p:strVal val="#ppt_x"/>
+                                          </p:val>
+                                        </p:tav>
+                                        <p:tav tm="100000">
+                                          <p:val>
+                                            <p:strVal val="#ppt_x"/>
+                                          </p:val>
+                                        </p:tav>
+                                      </p:tavLst>
+                                    </p:anim>
+                                    <p:anim calcmode="lin" valueType="num">
+                                      <p:cBhvr>
+                                        <p:cTn id="33" dur="1000" fill="hold"/>
+                                        <p:tgtEl>
+                                          <p:spTgt spid="3">
+                                            <p:txEl>
+                                              <p:pRg st="4" end="4"/>
+                                            </p:txEl>
+                                          </p:spTgt>
+                                        </p:tgtEl>
+                                        <p:attrNameLst>
+                                          <p:attrName>ppt_y</p:attrName>
+                                        </p:attrNameLst>
+                                      </p:cBhvr>
+                                      <p:tavLst>
+                                        <p:tav tm="0">
+                                          <p:val>
+                                            <p:strVal val="#ppt_y+.1"/>
+                                          </p:val>
+                                        </p:tav>
+                                        <p:tav tm="100000">
+                                          <p:val>
+                                            <p:strVal val="#ppt_y"/>
+                                          </p:val>
+                                        </p:tav>
+                                      </p:tavLst>
+                                    </p:anim>
+                                  </p:childTnLst>
+                                </p:cTn>
+                              </p:par>
+                            </p:childTnLst>
+                          </p:cTn>
+                        </p:par>
+                      </p:childTnLst>
+                    </p:cTn>
+                  </p:par>
+                </p:childTnLst>
+              </p:cTn>
+              <p:prevCondLst>
+                <p:cond evt="onPrev" delay="0">
+                  <p:tgtEl>
+                    <p:sldTgt/>
+                  </p:tgtEl>
+                </p:cond>
+              </p:prevCondLst>
+              <p:nextCondLst>
+                <p:cond evt="onNext" delay="0">
+                  <p:tgtEl>
+                    <p:sldTgt/>
+                  </p:tgtEl>
+                </p:cond>
+              </p:nextCondLst>
+            </p:seq>
+          </p:childTnLst>
+        </p:cTn>
       </p:par>
     </p:tnLst>
   </p:timing>

--- a/processzor + memoria.pptx
+++ b/processzor + memoria.pptx
@@ -5,7 +5,7 @@
     <p:sldMasterId id="2147483648" r:id="rId1"/>
   </p:sldMasterIdLst>
   <p:notesMasterIdLst>
-    <p:notesMasterId r:id="rId22"/>
+    <p:notesMasterId r:id="rId25"/>
   </p:notesMasterIdLst>
   <p:sldIdLst>
     <p:sldId id="256" r:id="rId2"/>
@@ -28,6 +28,9 @@
     <p:sldId id="276" r:id="rId19"/>
     <p:sldId id="277" r:id="rId20"/>
     <p:sldId id="278" r:id="rId21"/>
+    <p:sldId id="279" r:id="rId22"/>
+    <p:sldId id="280" r:id="rId23"/>
+    <p:sldId id="281" r:id="rId24"/>
   </p:sldIdLst>
   <p:sldSz cx="12192000" cy="6858000"/>
   <p:notesSz cx="6858000" cy="9144000"/>
@@ -216,7 +219,7 @@
           <a:p>
             <a:fld id="{DD3D37D4-9C9F-4041-B555-73D2DBC35CFF}" type="datetimeFigureOut">
               <a:rPr lang="hu-HU" smtClean="0"/>
-              <a:t>2023.10.16.</a:t>
+              <a:t>2023.10.25.</a:t>
             </a:fld>
             <a:endParaRPr lang="hu-HU"/>
           </a:p>
@@ -783,7 +786,7 @@
           <a:p>
             <a:fld id="{397604E0-0D2C-4780-BF54-3C57F83D7B51}" type="datetimeFigureOut">
               <a:rPr lang="hu-HU" smtClean="0"/>
-              <a:t>2023.10.16.</a:t>
+              <a:t>2023.10.25.</a:t>
             </a:fld>
             <a:endParaRPr lang="hu-HU"/>
           </a:p>
@@ -953,7 +956,7 @@
           <a:p>
             <a:fld id="{397604E0-0D2C-4780-BF54-3C57F83D7B51}" type="datetimeFigureOut">
               <a:rPr lang="hu-HU" smtClean="0"/>
-              <a:t>2023.10.16.</a:t>
+              <a:t>2023.10.25.</a:t>
             </a:fld>
             <a:endParaRPr lang="hu-HU"/>
           </a:p>
@@ -1133,7 +1136,7 @@
           <a:p>
             <a:fld id="{397604E0-0D2C-4780-BF54-3C57F83D7B51}" type="datetimeFigureOut">
               <a:rPr lang="hu-HU" smtClean="0"/>
-              <a:t>2023.10.16.</a:t>
+              <a:t>2023.10.25.</a:t>
             </a:fld>
             <a:endParaRPr lang="hu-HU"/>
           </a:p>
@@ -1303,7 +1306,7 @@
           <a:p>
             <a:fld id="{397604E0-0D2C-4780-BF54-3C57F83D7B51}" type="datetimeFigureOut">
               <a:rPr lang="hu-HU" smtClean="0"/>
-              <a:t>2023.10.16.</a:t>
+              <a:t>2023.10.25.</a:t>
             </a:fld>
             <a:endParaRPr lang="hu-HU"/>
           </a:p>
@@ -1549,7 +1552,7 @@
           <a:p>
             <a:fld id="{397604E0-0D2C-4780-BF54-3C57F83D7B51}" type="datetimeFigureOut">
               <a:rPr lang="hu-HU" smtClean="0"/>
-              <a:t>2023.10.16.</a:t>
+              <a:t>2023.10.25.</a:t>
             </a:fld>
             <a:endParaRPr lang="hu-HU"/>
           </a:p>
@@ -1781,7 +1784,7 @@
           <a:p>
             <a:fld id="{397604E0-0D2C-4780-BF54-3C57F83D7B51}" type="datetimeFigureOut">
               <a:rPr lang="hu-HU" smtClean="0"/>
-              <a:t>2023.10.16.</a:t>
+              <a:t>2023.10.25.</a:t>
             </a:fld>
             <a:endParaRPr lang="hu-HU"/>
           </a:p>
@@ -2148,7 +2151,7 @@
           <a:p>
             <a:fld id="{397604E0-0D2C-4780-BF54-3C57F83D7B51}" type="datetimeFigureOut">
               <a:rPr lang="hu-HU" smtClean="0"/>
-              <a:t>2023.10.16.</a:t>
+              <a:t>2023.10.25.</a:t>
             </a:fld>
             <a:endParaRPr lang="hu-HU"/>
           </a:p>
@@ -2266,7 +2269,7 @@
           <a:p>
             <a:fld id="{397604E0-0D2C-4780-BF54-3C57F83D7B51}" type="datetimeFigureOut">
               <a:rPr lang="hu-HU" smtClean="0"/>
-              <a:t>2023.10.16.</a:t>
+              <a:t>2023.10.25.</a:t>
             </a:fld>
             <a:endParaRPr lang="hu-HU"/>
           </a:p>
@@ -2361,7 +2364,7 @@
           <a:p>
             <a:fld id="{397604E0-0D2C-4780-BF54-3C57F83D7B51}" type="datetimeFigureOut">
               <a:rPr lang="hu-HU" smtClean="0"/>
-              <a:t>2023.10.16.</a:t>
+              <a:t>2023.10.25.</a:t>
             </a:fld>
             <a:endParaRPr lang="hu-HU"/>
           </a:p>
@@ -2638,7 +2641,7 @@
           <a:p>
             <a:fld id="{397604E0-0D2C-4780-BF54-3C57F83D7B51}" type="datetimeFigureOut">
               <a:rPr lang="hu-HU" smtClean="0"/>
-              <a:t>2023.10.16.</a:t>
+              <a:t>2023.10.25.</a:t>
             </a:fld>
             <a:endParaRPr lang="hu-HU"/>
           </a:p>
@@ -2891,7 +2894,7 @@
           <a:p>
             <a:fld id="{397604E0-0D2C-4780-BF54-3C57F83D7B51}" type="datetimeFigureOut">
               <a:rPr lang="hu-HU" smtClean="0"/>
-              <a:t>2023.10.16.</a:t>
+              <a:t>2023.10.25.</a:t>
             </a:fld>
             <a:endParaRPr lang="hu-HU"/>
           </a:p>
@@ -3113,7 +3116,7 @@
           <a:p>
             <a:fld id="{397604E0-0D2C-4780-BF54-3C57F83D7B51}" type="datetimeFigureOut">
               <a:rPr lang="hu-HU" smtClean="0"/>
-              <a:t>2023.10.16.</a:t>
+              <a:t>2023.10.25.</a:t>
             </a:fld>
             <a:endParaRPr lang="hu-HU"/>
           </a:p>
@@ -9225,11 +9228,6 @@
               </a:rPr>
               <a:t>gyorsítótár</a:t>
             </a:r>
-            <a:endParaRPr lang="hu-HU" dirty="0" smtClean="0">
-              <a:solidFill>
-                <a:schemeClr val="bg1"/>
-              </a:solidFill>
-            </a:endParaRPr>
           </a:p>
           <a:p>
             <a:pPr>
@@ -11433,6 +11431,3066 @@
                                           <p:spTgt spid="3">
                                             <p:txEl>
                                               <p:pRg st="4" end="4"/>
+                                            </p:txEl>
+                                          </p:spTgt>
+                                        </p:tgtEl>
+                                        <p:attrNameLst>
+                                          <p:attrName>ppt_y</p:attrName>
+                                        </p:attrNameLst>
+                                      </p:cBhvr>
+                                      <p:tavLst>
+                                        <p:tav tm="0">
+                                          <p:val>
+                                            <p:strVal val="#ppt_y+.1"/>
+                                          </p:val>
+                                        </p:tav>
+                                        <p:tav tm="100000">
+                                          <p:val>
+                                            <p:strVal val="#ppt_y"/>
+                                          </p:val>
+                                        </p:tav>
+                                      </p:tavLst>
+                                    </p:anim>
+                                  </p:childTnLst>
+                                </p:cTn>
+                              </p:par>
+                            </p:childTnLst>
+                          </p:cTn>
+                        </p:par>
+                      </p:childTnLst>
+                    </p:cTn>
+                  </p:par>
+                </p:childTnLst>
+              </p:cTn>
+              <p:prevCondLst>
+                <p:cond evt="onPrev" delay="0">
+                  <p:tgtEl>
+                    <p:sldTgt/>
+                  </p:tgtEl>
+                </p:cond>
+              </p:prevCondLst>
+              <p:nextCondLst>
+                <p:cond evt="onNext" delay="0">
+                  <p:tgtEl>
+                    <p:sldTgt/>
+                  </p:tgtEl>
+                </p:cond>
+              </p:nextCondLst>
+            </p:seq>
+          </p:childTnLst>
+        </p:cTn>
+      </p:par>
+    </p:tnLst>
+  </p:timing>
+</p:sld>
+</file>
+
+<file path=ppt/slides/slide21.xml><?xml version="1.0" encoding="utf-8"?>
+<p:sld xmlns:a="http://schemas.openxmlformats.org/drawingml/2006/main" xmlns:r="http://schemas.openxmlformats.org/officeDocument/2006/relationships" xmlns:p="http://schemas.openxmlformats.org/presentationml/2006/main">
+  <p:cSld>
+    <p:spTree>
+      <p:nvGrpSpPr>
+        <p:cNvPr id="1" name=""/>
+        <p:cNvGrpSpPr/>
+        <p:nvPr/>
+      </p:nvGrpSpPr>
+      <p:grpSpPr>
+        <a:xfrm>
+          <a:off x="0" y="0"/>
+          <a:ext cx="0" cy="0"/>
+          <a:chOff x="0" y="0"/>
+          <a:chExt cx="0" cy="0"/>
+        </a:xfrm>
+      </p:grpSpPr>
+      <p:sp>
+        <p:nvSpPr>
+          <p:cNvPr id="2" name="Cím 1"/>
+          <p:cNvSpPr>
+            <a:spLocks noGrp="1"/>
+          </p:cNvSpPr>
+          <p:nvPr>
+            <p:ph type="title"/>
+          </p:nvPr>
+        </p:nvSpPr>
+        <p:spPr>
+          <a:xfrm>
+            <a:off x="838200" y="283238"/>
+            <a:ext cx="10515600" cy="1325563"/>
+          </a:xfrm>
+        </p:spPr>
+        <p:txBody>
+          <a:bodyPr/>
+          <a:lstStyle/>
+          <a:p>
+            <a:r>
+              <a:rPr lang="hu-HU" dirty="0" smtClean="0">
+                <a:solidFill>
+                  <a:schemeClr val="bg1"/>
+                </a:solidFill>
+                <a:latin typeface="Algerian" panose="04020705040A02060702" pitchFamily="82" charset="0"/>
+              </a:rPr>
+              <a:t>PROCESSZOR </a:t>
+            </a:r>
+            <a:r>
+              <a:rPr lang="hu-HU" dirty="0" smtClean="0">
+                <a:solidFill>
+                  <a:schemeClr val="bg1"/>
+                </a:solidFill>
+                <a:latin typeface="Algerian" panose="04020705040A02060702" pitchFamily="82" charset="0"/>
+              </a:rPr>
+              <a:t>mag</a:t>
+            </a:r>
+            <a:endParaRPr lang="hu-HU" dirty="0">
+              <a:solidFill>
+                <a:schemeClr val="bg1"/>
+              </a:solidFill>
+              <a:latin typeface="Algerian" panose="04020705040A02060702" pitchFamily="82" charset="0"/>
+            </a:endParaRPr>
+          </a:p>
+        </p:txBody>
+      </p:sp>
+      <p:sp>
+        <p:nvSpPr>
+          <p:cNvPr id="3" name="Tartalom helye 2"/>
+          <p:cNvSpPr>
+            <a:spLocks noGrp="1"/>
+          </p:cNvSpPr>
+          <p:nvPr>
+            <p:ph idx="1"/>
+          </p:nvPr>
+        </p:nvSpPr>
+        <p:spPr>
+          <a:xfrm>
+            <a:off x="838200" y="2743376"/>
+            <a:ext cx="10515600" cy="1884380"/>
+          </a:xfrm>
+        </p:spPr>
+        <p:txBody>
+          <a:bodyPr/>
+          <a:lstStyle/>
+          <a:p>
+            <a:pPr>
+              <a:lnSpc>
+                <a:spcPct val="100000"/>
+              </a:lnSpc>
+            </a:pPr>
+            <a:r>
+              <a:rPr lang="hu-HU" b="1" dirty="0" smtClean="0">
+                <a:solidFill>
+                  <a:schemeClr val="bg1"/>
+                </a:solidFill>
+              </a:rPr>
+              <a:t>Különálló számítási egységek</a:t>
+            </a:r>
+            <a:endParaRPr lang="hu-HU" dirty="0">
+              <a:solidFill>
+                <a:schemeClr val="bg1"/>
+              </a:solidFill>
+            </a:endParaRPr>
+          </a:p>
+          <a:p>
+            <a:pPr>
+              <a:lnSpc>
+                <a:spcPct val="100000"/>
+              </a:lnSpc>
+            </a:pPr>
+            <a:r>
+              <a:rPr lang="hu-HU" dirty="0" smtClean="0">
+                <a:solidFill>
+                  <a:schemeClr val="bg1"/>
+                </a:solidFill>
+              </a:rPr>
+              <a:t>Több programot tud kezelni egyszerre</a:t>
+            </a:r>
+            <a:endParaRPr lang="hu-HU" dirty="0" smtClean="0">
+              <a:solidFill>
+                <a:schemeClr val="bg1"/>
+              </a:solidFill>
+            </a:endParaRPr>
+          </a:p>
+          <a:p>
+            <a:pPr>
+              <a:lnSpc>
+                <a:spcPct val="100000"/>
+              </a:lnSpc>
+            </a:pPr>
+            <a:r>
+              <a:rPr lang="hu-HU" dirty="0" err="1" smtClean="0">
+                <a:solidFill>
+                  <a:schemeClr val="bg1"/>
+                </a:solidFill>
+              </a:rPr>
+              <a:t>Multitasking</a:t>
+            </a:r>
+            <a:endParaRPr lang="hu-HU" dirty="0" smtClean="0">
+              <a:solidFill>
+                <a:schemeClr val="bg1"/>
+              </a:solidFill>
+            </a:endParaRPr>
+          </a:p>
+        </p:txBody>
+      </p:sp>
+    </p:spTree>
+    <p:extLst>
+      <p:ext uri="{BB962C8B-B14F-4D97-AF65-F5344CB8AC3E}">
+        <p14:creationId xmlns:p14="http://schemas.microsoft.com/office/powerpoint/2010/main" val="2687578653"/>
+      </p:ext>
+    </p:extLst>
+  </p:cSld>
+  <p:clrMapOvr>
+    <a:masterClrMapping/>
+  </p:clrMapOvr>
+  <mc:AlternateContent xmlns:mc="http://schemas.openxmlformats.org/markup-compatibility/2006" xmlns:p14="http://schemas.microsoft.com/office/powerpoint/2010/main">
+    <mc:Choice Requires="p14">
+      <p:transition spd="slow" p14:dur="3400">
+        <p14:reveal/>
+      </p:transition>
+    </mc:Choice>
+    <mc:Fallback xmlns="">
+      <p:transition spd="slow">
+        <p:fade/>
+      </p:transition>
+    </mc:Fallback>
+  </mc:AlternateContent>
+  <p:timing>
+    <p:tnLst>
+      <p:par>
+        <p:cTn id="1" dur="indefinite" restart="never" nodeType="tmRoot">
+          <p:childTnLst>
+            <p:seq concurrent="1" nextAc="seek">
+              <p:cTn id="2" dur="indefinite" nodeType="mainSeq">
+                <p:childTnLst>
+                  <p:par>
+                    <p:cTn id="3" fill="hold">
+                      <p:stCondLst>
+                        <p:cond delay="indefinite"/>
+                        <p:cond evt="onBegin" delay="0">
+                          <p:tn val="2"/>
+                        </p:cond>
+                      </p:stCondLst>
+                      <p:childTnLst>
+                        <p:par>
+                          <p:cTn id="4" fill="hold">
+                            <p:stCondLst>
+                              <p:cond delay="0"/>
+                            </p:stCondLst>
+                            <p:childTnLst>
+                              <p:par>
+                                <p:cTn id="5" presetID="42" presetClass="entr" presetSubtype="0" fill="hold" nodeType="afterEffect">
+                                  <p:stCondLst>
+                                    <p:cond delay="0"/>
+                                  </p:stCondLst>
+                                  <p:childTnLst>
+                                    <p:set>
+                                      <p:cBhvr>
+                                        <p:cTn id="6" dur="1" fill="hold">
+                                          <p:stCondLst>
+                                            <p:cond delay="0"/>
+                                          </p:stCondLst>
+                                        </p:cTn>
+                                        <p:tgtEl>
+                                          <p:spTgt spid="3">
+                                            <p:txEl>
+                                              <p:pRg st="0" end="0"/>
+                                            </p:txEl>
+                                          </p:spTgt>
+                                        </p:tgtEl>
+                                        <p:attrNameLst>
+                                          <p:attrName>style.visibility</p:attrName>
+                                        </p:attrNameLst>
+                                      </p:cBhvr>
+                                      <p:to>
+                                        <p:strVal val="visible"/>
+                                      </p:to>
+                                    </p:set>
+                                    <p:animEffect transition="in" filter="fade">
+                                      <p:cBhvr>
+                                        <p:cTn id="7" dur="1000"/>
+                                        <p:tgtEl>
+                                          <p:spTgt spid="3">
+                                            <p:txEl>
+                                              <p:pRg st="0" end="0"/>
+                                            </p:txEl>
+                                          </p:spTgt>
+                                        </p:tgtEl>
+                                      </p:cBhvr>
+                                    </p:animEffect>
+                                    <p:anim calcmode="lin" valueType="num">
+                                      <p:cBhvr>
+                                        <p:cTn id="8" dur="1000" fill="hold"/>
+                                        <p:tgtEl>
+                                          <p:spTgt spid="3">
+                                            <p:txEl>
+                                              <p:pRg st="0" end="0"/>
+                                            </p:txEl>
+                                          </p:spTgt>
+                                        </p:tgtEl>
+                                        <p:attrNameLst>
+                                          <p:attrName>ppt_x</p:attrName>
+                                        </p:attrNameLst>
+                                      </p:cBhvr>
+                                      <p:tavLst>
+                                        <p:tav tm="0">
+                                          <p:val>
+                                            <p:strVal val="#ppt_x"/>
+                                          </p:val>
+                                        </p:tav>
+                                        <p:tav tm="100000">
+                                          <p:val>
+                                            <p:strVal val="#ppt_x"/>
+                                          </p:val>
+                                        </p:tav>
+                                      </p:tavLst>
+                                    </p:anim>
+                                    <p:anim calcmode="lin" valueType="num">
+                                      <p:cBhvr>
+                                        <p:cTn id="9" dur="1000" fill="hold"/>
+                                        <p:tgtEl>
+                                          <p:spTgt spid="3">
+                                            <p:txEl>
+                                              <p:pRg st="0" end="0"/>
+                                            </p:txEl>
+                                          </p:spTgt>
+                                        </p:tgtEl>
+                                        <p:attrNameLst>
+                                          <p:attrName>ppt_y</p:attrName>
+                                        </p:attrNameLst>
+                                      </p:cBhvr>
+                                      <p:tavLst>
+                                        <p:tav tm="0">
+                                          <p:val>
+                                            <p:strVal val="#ppt_y+.1"/>
+                                          </p:val>
+                                        </p:tav>
+                                        <p:tav tm="100000">
+                                          <p:val>
+                                            <p:strVal val="#ppt_y"/>
+                                          </p:val>
+                                        </p:tav>
+                                      </p:tavLst>
+                                    </p:anim>
+                                  </p:childTnLst>
+                                </p:cTn>
+                              </p:par>
+                            </p:childTnLst>
+                          </p:cTn>
+                        </p:par>
+                        <p:par>
+                          <p:cTn id="10" fill="hold">
+                            <p:stCondLst>
+                              <p:cond delay="1000"/>
+                            </p:stCondLst>
+                            <p:childTnLst>
+                              <p:par>
+                                <p:cTn id="11" presetID="42" presetClass="entr" presetSubtype="0" fill="hold" nodeType="afterEffect">
+                                  <p:stCondLst>
+                                    <p:cond delay="0"/>
+                                  </p:stCondLst>
+                                  <p:childTnLst>
+                                    <p:set>
+                                      <p:cBhvr>
+                                        <p:cTn id="12" dur="1" fill="hold">
+                                          <p:stCondLst>
+                                            <p:cond delay="0"/>
+                                          </p:stCondLst>
+                                        </p:cTn>
+                                        <p:tgtEl>
+                                          <p:spTgt spid="3">
+                                            <p:txEl>
+                                              <p:pRg st="1" end="1"/>
+                                            </p:txEl>
+                                          </p:spTgt>
+                                        </p:tgtEl>
+                                        <p:attrNameLst>
+                                          <p:attrName>style.visibility</p:attrName>
+                                        </p:attrNameLst>
+                                      </p:cBhvr>
+                                      <p:to>
+                                        <p:strVal val="visible"/>
+                                      </p:to>
+                                    </p:set>
+                                    <p:animEffect transition="in" filter="fade">
+                                      <p:cBhvr>
+                                        <p:cTn id="13" dur="1000"/>
+                                        <p:tgtEl>
+                                          <p:spTgt spid="3">
+                                            <p:txEl>
+                                              <p:pRg st="1" end="1"/>
+                                            </p:txEl>
+                                          </p:spTgt>
+                                        </p:tgtEl>
+                                      </p:cBhvr>
+                                    </p:animEffect>
+                                    <p:anim calcmode="lin" valueType="num">
+                                      <p:cBhvr>
+                                        <p:cTn id="14" dur="1000" fill="hold"/>
+                                        <p:tgtEl>
+                                          <p:spTgt spid="3">
+                                            <p:txEl>
+                                              <p:pRg st="1" end="1"/>
+                                            </p:txEl>
+                                          </p:spTgt>
+                                        </p:tgtEl>
+                                        <p:attrNameLst>
+                                          <p:attrName>ppt_x</p:attrName>
+                                        </p:attrNameLst>
+                                      </p:cBhvr>
+                                      <p:tavLst>
+                                        <p:tav tm="0">
+                                          <p:val>
+                                            <p:strVal val="#ppt_x"/>
+                                          </p:val>
+                                        </p:tav>
+                                        <p:tav tm="100000">
+                                          <p:val>
+                                            <p:strVal val="#ppt_x"/>
+                                          </p:val>
+                                        </p:tav>
+                                      </p:tavLst>
+                                    </p:anim>
+                                    <p:anim calcmode="lin" valueType="num">
+                                      <p:cBhvr>
+                                        <p:cTn id="15" dur="1000" fill="hold"/>
+                                        <p:tgtEl>
+                                          <p:spTgt spid="3">
+                                            <p:txEl>
+                                              <p:pRg st="1" end="1"/>
+                                            </p:txEl>
+                                          </p:spTgt>
+                                        </p:tgtEl>
+                                        <p:attrNameLst>
+                                          <p:attrName>ppt_y</p:attrName>
+                                        </p:attrNameLst>
+                                      </p:cBhvr>
+                                      <p:tavLst>
+                                        <p:tav tm="0">
+                                          <p:val>
+                                            <p:strVal val="#ppt_y+.1"/>
+                                          </p:val>
+                                        </p:tav>
+                                        <p:tav tm="100000">
+                                          <p:val>
+                                            <p:strVal val="#ppt_y"/>
+                                          </p:val>
+                                        </p:tav>
+                                      </p:tavLst>
+                                    </p:anim>
+                                  </p:childTnLst>
+                                </p:cTn>
+                              </p:par>
+                            </p:childTnLst>
+                          </p:cTn>
+                        </p:par>
+                        <p:par>
+                          <p:cTn id="16" fill="hold">
+                            <p:stCondLst>
+                              <p:cond delay="2000"/>
+                            </p:stCondLst>
+                            <p:childTnLst>
+                              <p:par>
+                                <p:cTn id="17" presetID="42" presetClass="entr" presetSubtype="0" fill="hold" nodeType="afterEffect">
+                                  <p:stCondLst>
+                                    <p:cond delay="0"/>
+                                  </p:stCondLst>
+                                  <p:childTnLst>
+                                    <p:set>
+                                      <p:cBhvr>
+                                        <p:cTn id="18" dur="1" fill="hold">
+                                          <p:stCondLst>
+                                            <p:cond delay="0"/>
+                                          </p:stCondLst>
+                                        </p:cTn>
+                                        <p:tgtEl>
+                                          <p:spTgt spid="3">
+                                            <p:txEl>
+                                              <p:pRg st="2" end="2"/>
+                                            </p:txEl>
+                                          </p:spTgt>
+                                        </p:tgtEl>
+                                        <p:attrNameLst>
+                                          <p:attrName>style.visibility</p:attrName>
+                                        </p:attrNameLst>
+                                      </p:cBhvr>
+                                      <p:to>
+                                        <p:strVal val="visible"/>
+                                      </p:to>
+                                    </p:set>
+                                    <p:animEffect transition="in" filter="fade">
+                                      <p:cBhvr>
+                                        <p:cTn id="19" dur="1000"/>
+                                        <p:tgtEl>
+                                          <p:spTgt spid="3">
+                                            <p:txEl>
+                                              <p:pRg st="2" end="2"/>
+                                            </p:txEl>
+                                          </p:spTgt>
+                                        </p:tgtEl>
+                                      </p:cBhvr>
+                                    </p:animEffect>
+                                    <p:anim calcmode="lin" valueType="num">
+                                      <p:cBhvr>
+                                        <p:cTn id="20" dur="1000" fill="hold"/>
+                                        <p:tgtEl>
+                                          <p:spTgt spid="3">
+                                            <p:txEl>
+                                              <p:pRg st="2" end="2"/>
+                                            </p:txEl>
+                                          </p:spTgt>
+                                        </p:tgtEl>
+                                        <p:attrNameLst>
+                                          <p:attrName>ppt_x</p:attrName>
+                                        </p:attrNameLst>
+                                      </p:cBhvr>
+                                      <p:tavLst>
+                                        <p:tav tm="0">
+                                          <p:val>
+                                            <p:strVal val="#ppt_x"/>
+                                          </p:val>
+                                        </p:tav>
+                                        <p:tav tm="100000">
+                                          <p:val>
+                                            <p:strVal val="#ppt_x"/>
+                                          </p:val>
+                                        </p:tav>
+                                      </p:tavLst>
+                                    </p:anim>
+                                    <p:anim calcmode="lin" valueType="num">
+                                      <p:cBhvr>
+                                        <p:cTn id="21" dur="1000" fill="hold"/>
+                                        <p:tgtEl>
+                                          <p:spTgt spid="3">
+                                            <p:txEl>
+                                              <p:pRg st="2" end="2"/>
+                                            </p:txEl>
+                                          </p:spTgt>
+                                        </p:tgtEl>
+                                        <p:attrNameLst>
+                                          <p:attrName>ppt_y</p:attrName>
+                                        </p:attrNameLst>
+                                      </p:cBhvr>
+                                      <p:tavLst>
+                                        <p:tav tm="0">
+                                          <p:val>
+                                            <p:strVal val="#ppt_y+.1"/>
+                                          </p:val>
+                                        </p:tav>
+                                        <p:tav tm="100000">
+                                          <p:val>
+                                            <p:strVal val="#ppt_y"/>
+                                          </p:val>
+                                        </p:tav>
+                                      </p:tavLst>
+                                    </p:anim>
+                                  </p:childTnLst>
+                                </p:cTn>
+                              </p:par>
+                            </p:childTnLst>
+                          </p:cTn>
+                        </p:par>
+                      </p:childTnLst>
+                    </p:cTn>
+                  </p:par>
+                </p:childTnLst>
+              </p:cTn>
+              <p:prevCondLst>
+                <p:cond evt="onPrev" delay="0">
+                  <p:tgtEl>
+                    <p:sldTgt/>
+                  </p:tgtEl>
+                </p:cond>
+              </p:prevCondLst>
+              <p:nextCondLst>
+                <p:cond evt="onNext" delay="0">
+                  <p:tgtEl>
+                    <p:sldTgt/>
+                  </p:tgtEl>
+                </p:cond>
+              </p:nextCondLst>
+            </p:seq>
+          </p:childTnLst>
+        </p:cTn>
+      </p:par>
+    </p:tnLst>
+  </p:timing>
+</p:sld>
+</file>
+
+<file path=ppt/slides/slide22.xml><?xml version="1.0" encoding="utf-8"?>
+<p:sld xmlns:a="http://schemas.openxmlformats.org/drawingml/2006/main" xmlns:r="http://schemas.openxmlformats.org/officeDocument/2006/relationships" xmlns:p="http://schemas.openxmlformats.org/presentationml/2006/main">
+  <p:cSld>
+    <p:spTree>
+      <p:nvGrpSpPr>
+        <p:cNvPr id="1" name=""/>
+        <p:cNvGrpSpPr/>
+        <p:nvPr/>
+      </p:nvGrpSpPr>
+      <p:grpSpPr>
+        <a:xfrm>
+          <a:off x="0" y="0"/>
+          <a:ext cx="0" cy="0"/>
+          <a:chOff x="0" y="0"/>
+          <a:chExt cx="0" cy="0"/>
+        </a:xfrm>
+      </p:grpSpPr>
+      <p:sp>
+        <p:nvSpPr>
+          <p:cNvPr id="2" name="Cím 1"/>
+          <p:cNvSpPr>
+            <a:spLocks noGrp="1"/>
+          </p:cNvSpPr>
+          <p:nvPr>
+            <p:ph type="title"/>
+          </p:nvPr>
+        </p:nvSpPr>
+        <p:spPr>
+          <a:xfrm>
+            <a:off x="838200" y="283238"/>
+            <a:ext cx="10515600" cy="1325563"/>
+          </a:xfrm>
+        </p:spPr>
+        <p:txBody>
+          <a:bodyPr/>
+          <a:lstStyle/>
+          <a:p>
+            <a:r>
+              <a:rPr lang="hu-HU" dirty="0" smtClean="0">
+                <a:solidFill>
+                  <a:schemeClr val="bg1"/>
+                </a:solidFill>
+                <a:latin typeface="Algerian" panose="04020705040A02060702" pitchFamily="82" charset="0"/>
+              </a:rPr>
+              <a:t>Főbb processzor gyártók</a:t>
+            </a:r>
+            <a:endParaRPr lang="hu-HU" dirty="0">
+              <a:solidFill>
+                <a:schemeClr val="bg1"/>
+              </a:solidFill>
+              <a:latin typeface="Algerian" panose="04020705040A02060702" pitchFamily="82" charset="0"/>
+            </a:endParaRPr>
+          </a:p>
+        </p:txBody>
+      </p:sp>
+      <p:sp>
+        <p:nvSpPr>
+          <p:cNvPr id="3" name="Tartalom helye 2"/>
+          <p:cNvSpPr>
+            <a:spLocks noGrp="1"/>
+          </p:cNvSpPr>
+          <p:nvPr>
+            <p:ph idx="1"/>
+          </p:nvPr>
+        </p:nvSpPr>
+        <p:spPr>
+          <a:xfrm>
+            <a:off x="838200" y="1637131"/>
+            <a:ext cx="10515600" cy="1326819"/>
+          </a:xfrm>
+        </p:spPr>
+        <p:txBody>
+          <a:bodyPr>
+            <a:normAutofit lnSpcReduction="10000"/>
+          </a:bodyPr>
+          <a:lstStyle/>
+          <a:p>
+            <a:pPr>
+              <a:lnSpc>
+                <a:spcPct val="100000"/>
+              </a:lnSpc>
+            </a:pPr>
+            <a:r>
+              <a:rPr lang="hu-HU" b="1" dirty="0" smtClean="0">
+                <a:solidFill>
+                  <a:schemeClr val="bg1"/>
+                </a:solidFill>
+              </a:rPr>
+              <a:t>PC/Laptop:</a:t>
+            </a:r>
+          </a:p>
+          <a:p>
+            <a:pPr lvl="1">
+              <a:lnSpc>
+                <a:spcPct val="100000"/>
+              </a:lnSpc>
+            </a:pPr>
+            <a:r>
+              <a:rPr lang="hu-HU" b="1" dirty="0" smtClean="0">
+                <a:solidFill>
+                  <a:schemeClr val="bg1"/>
+                </a:solidFill>
+              </a:rPr>
+              <a:t>Intel (FŐ: Intel </a:t>
+            </a:r>
+            <a:r>
+              <a:rPr lang="hu-HU" b="1" dirty="0" err="1" smtClean="0">
+                <a:solidFill>
+                  <a:schemeClr val="bg1"/>
+                </a:solidFill>
+              </a:rPr>
+              <a:t>Core</a:t>
+            </a:r>
+            <a:r>
+              <a:rPr lang="hu-HU" b="1" dirty="0" smtClean="0">
+                <a:solidFill>
+                  <a:schemeClr val="bg1"/>
+                </a:solidFill>
+              </a:rPr>
+              <a:t> (i3, i5, i7, i9)</a:t>
+            </a:r>
+          </a:p>
+          <a:p>
+            <a:pPr lvl="1">
+              <a:lnSpc>
+                <a:spcPct val="100000"/>
+              </a:lnSpc>
+            </a:pPr>
+            <a:r>
+              <a:rPr lang="hu-HU" b="1" dirty="0" smtClean="0">
+                <a:solidFill>
+                  <a:schemeClr val="bg1"/>
+                </a:solidFill>
+              </a:rPr>
+              <a:t>AMD (FŐ: </a:t>
+            </a:r>
+            <a:r>
+              <a:rPr lang="hu-HU" b="1" dirty="0" err="1" smtClean="0">
+                <a:solidFill>
+                  <a:schemeClr val="bg1"/>
+                </a:solidFill>
+              </a:rPr>
+              <a:t>Ryzen</a:t>
+            </a:r>
+            <a:r>
+              <a:rPr lang="hu-HU" b="1" dirty="0" smtClean="0">
+                <a:solidFill>
+                  <a:schemeClr val="bg1"/>
+                </a:solidFill>
+              </a:rPr>
+              <a:t> (3, 5, 7, </a:t>
+            </a:r>
+            <a:r>
+              <a:rPr lang="hu-HU" b="1" dirty="0">
+                <a:solidFill>
+                  <a:schemeClr val="bg1"/>
+                </a:solidFill>
+              </a:rPr>
+              <a:t>9</a:t>
+            </a:r>
+            <a:r>
+              <a:rPr lang="hu-HU" b="1" dirty="0" smtClean="0">
+                <a:solidFill>
+                  <a:schemeClr val="bg1"/>
+                </a:solidFill>
+              </a:rPr>
+              <a:t>))</a:t>
+            </a:r>
+            <a:endParaRPr lang="hu-HU" b="1" dirty="0" smtClean="0">
+              <a:solidFill>
+                <a:schemeClr val="bg1"/>
+              </a:solidFill>
+            </a:endParaRPr>
+          </a:p>
+        </p:txBody>
+      </p:sp>
+      <p:sp>
+        <p:nvSpPr>
+          <p:cNvPr id="4" name="Tartalom helye 2"/>
+          <p:cNvSpPr txBox="1">
+            <a:spLocks/>
+          </p:cNvSpPr>
+          <p:nvPr/>
+        </p:nvSpPr>
+        <p:spPr>
+          <a:xfrm>
+            <a:off x="838200" y="4921208"/>
+            <a:ext cx="10515600" cy="1326819"/>
+          </a:xfrm>
+          <a:prstGeom prst="rect">
+            <a:avLst/>
+          </a:prstGeom>
+        </p:spPr>
+        <p:txBody>
+          <a:bodyPr vert="horz" lIns="91440" tIns="45720" rIns="91440" bIns="45720" rtlCol="0">
+            <a:normAutofit lnSpcReduction="10000"/>
+          </a:bodyPr>
+          <a:lstStyle>
+            <a:lvl1pPr marL="228600" indent="-228600" algn="l" defTabSz="914400" rtl="0" eaLnBrk="1" latinLnBrk="0" hangingPunct="1">
+              <a:lnSpc>
+                <a:spcPct val="90000"/>
+              </a:lnSpc>
+              <a:spcBef>
+                <a:spcPts val="1000"/>
+              </a:spcBef>
+              <a:buFont typeface="Arial" panose="020B0604020202020204" pitchFamily="34" charset="0"/>
+              <a:buChar char="•"/>
+              <a:defRPr sz="2800" kern="1200">
+                <a:solidFill>
+                  <a:schemeClr val="tx1"/>
+                </a:solidFill>
+                <a:latin typeface="+mn-lt"/>
+                <a:ea typeface="+mn-ea"/>
+                <a:cs typeface="+mn-cs"/>
+              </a:defRPr>
+            </a:lvl1pPr>
+            <a:lvl2pPr marL="685800" indent="-228600" algn="l" defTabSz="914400" rtl="0" eaLnBrk="1" latinLnBrk="0" hangingPunct="1">
+              <a:lnSpc>
+                <a:spcPct val="90000"/>
+              </a:lnSpc>
+              <a:spcBef>
+                <a:spcPts val="500"/>
+              </a:spcBef>
+              <a:buFont typeface="Arial" panose="020B0604020202020204" pitchFamily="34" charset="0"/>
+              <a:buChar char="•"/>
+              <a:defRPr sz="2400" kern="1200">
+                <a:solidFill>
+                  <a:schemeClr val="tx1"/>
+                </a:solidFill>
+                <a:latin typeface="+mn-lt"/>
+                <a:ea typeface="+mn-ea"/>
+                <a:cs typeface="+mn-cs"/>
+              </a:defRPr>
+            </a:lvl2pPr>
+            <a:lvl3pPr marL="1143000" indent="-228600" algn="l" defTabSz="914400" rtl="0" eaLnBrk="1" latinLnBrk="0" hangingPunct="1">
+              <a:lnSpc>
+                <a:spcPct val="90000"/>
+              </a:lnSpc>
+              <a:spcBef>
+                <a:spcPts val="500"/>
+              </a:spcBef>
+              <a:buFont typeface="Arial" panose="020B0604020202020204" pitchFamily="34" charset="0"/>
+              <a:buChar char="•"/>
+              <a:defRPr sz="2000" kern="1200">
+                <a:solidFill>
+                  <a:schemeClr val="tx1"/>
+                </a:solidFill>
+                <a:latin typeface="+mn-lt"/>
+                <a:ea typeface="+mn-ea"/>
+                <a:cs typeface="+mn-cs"/>
+              </a:defRPr>
+            </a:lvl3pPr>
+            <a:lvl4pPr marL="1600200" indent="-228600" algn="l" defTabSz="914400" rtl="0" eaLnBrk="1" latinLnBrk="0" hangingPunct="1">
+              <a:lnSpc>
+                <a:spcPct val="90000"/>
+              </a:lnSpc>
+              <a:spcBef>
+                <a:spcPts val="500"/>
+              </a:spcBef>
+              <a:buFont typeface="Arial" panose="020B0604020202020204" pitchFamily="34" charset="0"/>
+              <a:buChar char="•"/>
+              <a:defRPr sz="1800" kern="1200">
+                <a:solidFill>
+                  <a:schemeClr val="tx1"/>
+                </a:solidFill>
+                <a:latin typeface="+mn-lt"/>
+                <a:ea typeface="+mn-ea"/>
+                <a:cs typeface="+mn-cs"/>
+              </a:defRPr>
+            </a:lvl4pPr>
+            <a:lvl5pPr marL="2057400" indent="-228600" algn="l" defTabSz="914400" rtl="0" eaLnBrk="1" latinLnBrk="0" hangingPunct="1">
+              <a:lnSpc>
+                <a:spcPct val="90000"/>
+              </a:lnSpc>
+              <a:spcBef>
+                <a:spcPts val="500"/>
+              </a:spcBef>
+              <a:buFont typeface="Arial" panose="020B0604020202020204" pitchFamily="34" charset="0"/>
+              <a:buChar char="•"/>
+              <a:defRPr sz="1800" kern="1200">
+                <a:solidFill>
+                  <a:schemeClr val="tx1"/>
+                </a:solidFill>
+                <a:latin typeface="+mn-lt"/>
+                <a:ea typeface="+mn-ea"/>
+                <a:cs typeface="+mn-cs"/>
+              </a:defRPr>
+            </a:lvl5pPr>
+            <a:lvl6pPr marL="2514600" indent="-228600" algn="l" defTabSz="914400" rtl="0" eaLnBrk="1" latinLnBrk="0" hangingPunct="1">
+              <a:lnSpc>
+                <a:spcPct val="90000"/>
+              </a:lnSpc>
+              <a:spcBef>
+                <a:spcPts val="500"/>
+              </a:spcBef>
+              <a:buFont typeface="Arial" panose="020B0604020202020204" pitchFamily="34" charset="0"/>
+              <a:buChar char="•"/>
+              <a:defRPr sz="1800" kern="1200">
+                <a:solidFill>
+                  <a:schemeClr val="tx1"/>
+                </a:solidFill>
+                <a:latin typeface="+mn-lt"/>
+                <a:ea typeface="+mn-ea"/>
+                <a:cs typeface="+mn-cs"/>
+              </a:defRPr>
+            </a:lvl6pPr>
+            <a:lvl7pPr marL="2971800" indent="-228600" algn="l" defTabSz="914400" rtl="0" eaLnBrk="1" latinLnBrk="0" hangingPunct="1">
+              <a:lnSpc>
+                <a:spcPct val="90000"/>
+              </a:lnSpc>
+              <a:spcBef>
+                <a:spcPts val="500"/>
+              </a:spcBef>
+              <a:buFont typeface="Arial" panose="020B0604020202020204" pitchFamily="34" charset="0"/>
+              <a:buChar char="•"/>
+              <a:defRPr sz="1800" kern="1200">
+                <a:solidFill>
+                  <a:schemeClr val="tx1"/>
+                </a:solidFill>
+                <a:latin typeface="+mn-lt"/>
+                <a:ea typeface="+mn-ea"/>
+                <a:cs typeface="+mn-cs"/>
+              </a:defRPr>
+            </a:lvl7pPr>
+            <a:lvl8pPr marL="3429000" indent="-228600" algn="l" defTabSz="914400" rtl="0" eaLnBrk="1" latinLnBrk="0" hangingPunct="1">
+              <a:lnSpc>
+                <a:spcPct val="90000"/>
+              </a:lnSpc>
+              <a:spcBef>
+                <a:spcPts val="500"/>
+              </a:spcBef>
+              <a:buFont typeface="Arial" panose="020B0604020202020204" pitchFamily="34" charset="0"/>
+              <a:buChar char="•"/>
+              <a:defRPr sz="1800" kern="1200">
+                <a:solidFill>
+                  <a:schemeClr val="tx1"/>
+                </a:solidFill>
+                <a:latin typeface="+mn-lt"/>
+                <a:ea typeface="+mn-ea"/>
+                <a:cs typeface="+mn-cs"/>
+              </a:defRPr>
+            </a:lvl8pPr>
+            <a:lvl9pPr marL="3886200" indent="-228600" algn="l" defTabSz="914400" rtl="0" eaLnBrk="1" latinLnBrk="0" hangingPunct="1">
+              <a:lnSpc>
+                <a:spcPct val="90000"/>
+              </a:lnSpc>
+              <a:spcBef>
+                <a:spcPts val="500"/>
+              </a:spcBef>
+              <a:buFont typeface="Arial" panose="020B0604020202020204" pitchFamily="34" charset="0"/>
+              <a:buChar char="•"/>
+              <a:defRPr sz="1800" kern="1200">
+                <a:solidFill>
+                  <a:schemeClr val="tx1"/>
+                </a:solidFill>
+                <a:latin typeface="+mn-lt"/>
+                <a:ea typeface="+mn-ea"/>
+                <a:cs typeface="+mn-cs"/>
+              </a:defRPr>
+            </a:lvl9pPr>
+          </a:lstStyle>
+          <a:p>
+            <a:pPr>
+              <a:lnSpc>
+                <a:spcPct val="100000"/>
+              </a:lnSpc>
+            </a:pPr>
+            <a:r>
+              <a:rPr lang="hu-HU" b="1" dirty="0" err="1" smtClean="0">
+                <a:solidFill>
+                  <a:schemeClr val="bg1"/>
+                </a:solidFill>
+              </a:rPr>
+              <a:t>Mobiltelenok</a:t>
+            </a:r>
+            <a:r>
+              <a:rPr lang="hu-HU" b="1" dirty="0" smtClean="0">
+                <a:solidFill>
+                  <a:schemeClr val="bg1"/>
+                </a:solidFill>
+              </a:rPr>
+              <a:t>/</a:t>
+            </a:r>
+            <a:r>
+              <a:rPr lang="hu-HU" b="1" dirty="0" err="1" smtClean="0">
+                <a:solidFill>
+                  <a:schemeClr val="bg1"/>
+                </a:solidFill>
+              </a:rPr>
+              <a:t>tabletek</a:t>
+            </a:r>
+            <a:r>
+              <a:rPr lang="hu-HU" b="1" dirty="0" smtClean="0">
+                <a:solidFill>
+                  <a:schemeClr val="bg1"/>
+                </a:solidFill>
+              </a:rPr>
+              <a:t>:</a:t>
+            </a:r>
+          </a:p>
+          <a:p>
+            <a:pPr lvl="1">
+              <a:lnSpc>
+                <a:spcPct val="100000"/>
+              </a:lnSpc>
+            </a:pPr>
+            <a:r>
+              <a:rPr lang="hu-HU" b="1" dirty="0" err="1" smtClean="0">
+                <a:solidFill>
+                  <a:schemeClr val="bg1"/>
+                </a:solidFill>
+              </a:rPr>
+              <a:t>Snapdragon</a:t>
+            </a:r>
+            <a:endParaRPr lang="hu-HU" b="1" dirty="0" smtClean="0">
+              <a:solidFill>
+                <a:schemeClr val="bg1"/>
+              </a:solidFill>
+            </a:endParaRPr>
+          </a:p>
+          <a:p>
+            <a:pPr lvl="1">
+              <a:lnSpc>
+                <a:spcPct val="100000"/>
+              </a:lnSpc>
+            </a:pPr>
+            <a:r>
+              <a:rPr lang="hu-HU" b="1" dirty="0" smtClean="0">
+                <a:solidFill>
+                  <a:schemeClr val="bg1"/>
+                </a:solidFill>
+              </a:rPr>
+              <a:t>Apple (Apple A)</a:t>
+            </a:r>
+            <a:endParaRPr lang="hu-HU" b="1" dirty="0" smtClean="0">
+              <a:solidFill>
+                <a:schemeClr val="bg1"/>
+              </a:solidFill>
+            </a:endParaRPr>
+          </a:p>
+        </p:txBody>
+      </p:sp>
+      <p:pic>
+        <p:nvPicPr>
+          <p:cNvPr id="6" name="Kép 5"/>
+          <p:cNvPicPr>
+            <a:picLocks noChangeAspect="1"/>
+          </p:cNvPicPr>
+          <p:nvPr/>
+        </p:nvPicPr>
+        <p:blipFill>
+          <a:blip r:embed="rId2">
+            <a:extLst>
+              <a:ext uri="{28A0092B-C50C-407E-A947-70E740481C1C}">
+                <a14:useLocalDpi xmlns:a14="http://schemas.microsoft.com/office/drawing/2010/main" val="0"/>
+              </a:ext>
+            </a:extLst>
+          </a:blip>
+          <a:stretch>
+            <a:fillRect/>
+          </a:stretch>
+        </p:blipFill>
+        <p:spPr>
+          <a:xfrm>
+            <a:off x="6415203" y="1496852"/>
+            <a:ext cx="3098646" cy="2057501"/>
+          </a:xfrm>
+          <a:prstGeom prst="rect">
+            <a:avLst/>
+          </a:prstGeom>
+        </p:spPr>
+      </p:pic>
+      <p:pic>
+        <p:nvPicPr>
+          <p:cNvPr id="9" name="Kép 8"/>
+          <p:cNvPicPr>
+            <a:picLocks noChangeAspect="1"/>
+          </p:cNvPicPr>
+          <p:nvPr/>
+        </p:nvPicPr>
+        <p:blipFill>
+          <a:blip r:embed="rId3">
+            <a:extLst>
+              <a:ext uri="{28A0092B-C50C-407E-A947-70E740481C1C}">
+                <a14:useLocalDpi xmlns:a14="http://schemas.microsoft.com/office/drawing/2010/main" val="0"/>
+              </a:ext>
+            </a:extLst>
+          </a:blip>
+          <a:stretch>
+            <a:fillRect/>
+          </a:stretch>
+        </p:blipFill>
+        <p:spPr>
+          <a:xfrm>
+            <a:off x="5291254" y="5053693"/>
+            <a:ext cx="1609491" cy="1749447"/>
+          </a:xfrm>
+          <a:prstGeom prst="rect">
+            <a:avLst/>
+          </a:prstGeom>
+        </p:spPr>
+      </p:pic>
+      <p:pic>
+        <p:nvPicPr>
+          <p:cNvPr id="10" name="Kép 9"/>
+          <p:cNvPicPr>
+            <a:picLocks noChangeAspect="1"/>
+          </p:cNvPicPr>
+          <p:nvPr/>
+        </p:nvPicPr>
+        <p:blipFill>
+          <a:blip r:embed="rId4" cstate="print">
+            <a:extLst>
+              <a:ext uri="{28A0092B-C50C-407E-A947-70E740481C1C}">
+                <a14:useLocalDpi xmlns:a14="http://schemas.microsoft.com/office/drawing/2010/main" val="0"/>
+              </a:ext>
+            </a:extLst>
+          </a:blip>
+          <a:stretch>
+            <a:fillRect/>
+          </a:stretch>
+        </p:blipFill>
+        <p:spPr>
+          <a:xfrm>
+            <a:off x="8347616" y="4767967"/>
+            <a:ext cx="1524464" cy="1810528"/>
+          </a:xfrm>
+          <a:prstGeom prst="rect">
+            <a:avLst/>
+          </a:prstGeom>
+        </p:spPr>
+      </p:pic>
+      <p:pic>
+        <p:nvPicPr>
+          <p:cNvPr id="11" name="Kép 10"/>
+          <p:cNvPicPr>
+            <a:picLocks noChangeAspect="1"/>
+          </p:cNvPicPr>
+          <p:nvPr/>
+        </p:nvPicPr>
+        <p:blipFill>
+          <a:blip r:embed="rId5">
+            <a:extLst>
+              <a:ext uri="{28A0092B-C50C-407E-A947-70E740481C1C}">
+                <a14:useLocalDpi xmlns:a14="http://schemas.microsoft.com/office/drawing/2010/main" val="0"/>
+              </a:ext>
+            </a:extLst>
+          </a:blip>
+          <a:stretch>
+            <a:fillRect/>
+          </a:stretch>
+        </p:blipFill>
+        <p:spPr>
+          <a:xfrm>
+            <a:off x="1729925" y="2948400"/>
+            <a:ext cx="4545145" cy="1752481"/>
+          </a:xfrm>
+          <a:prstGeom prst="rect">
+            <a:avLst/>
+          </a:prstGeom>
+        </p:spPr>
+      </p:pic>
+    </p:spTree>
+    <p:extLst>
+      <p:ext uri="{BB962C8B-B14F-4D97-AF65-F5344CB8AC3E}">
+        <p14:creationId xmlns:p14="http://schemas.microsoft.com/office/powerpoint/2010/main" val="1230725337"/>
+      </p:ext>
+    </p:extLst>
+  </p:cSld>
+  <p:clrMapOvr>
+    <a:masterClrMapping/>
+  </p:clrMapOvr>
+  <mc:AlternateContent xmlns:mc="http://schemas.openxmlformats.org/markup-compatibility/2006" xmlns:p14="http://schemas.microsoft.com/office/powerpoint/2010/main">
+    <mc:Choice Requires="p14">
+      <p:transition spd="slow" p14:dur="3400">
+        <p14:reveal/>
+      </p:transition>
+    </mc:Choice>
+    <mc:Fallback xmlns="">
+      <p:transition spd="slow">
+        <p:fade/>
+      </p:transition>
+    </mc:Fallback>
+  </mc:AlternateContent>
+  <p:timing>
+    <p:tnLst>
+      <p:par>
+        <p:cTn id="1" dur="indefinite" restart="never" nodeType="tmRoot">
+          <p:childTnLst>
+            <p:seq concurrent="1" nextAc="seek">
+              <p:cTn id="2" dur="indefinite" nodeType="mainSeq">
+                <p:childTnLst>
+                  <p:par>
+                    <p:cTn id="3" fill="hold">
+                      <p:stCondLst>
+                        <p:cond delay="indefinite"/>
+                        <p:cond evt="onBegin" delay="0">
+                          <p:tn val="2"/>
+                        </p:cond>
+                      </p:stCondLst>
+                      <p:childTnLst>
+                        <p:par>
+                          <p:cTn id="4" fill="hold">
+                            <p:stCondLst>
+                              <p:cond delay="0"/>
+                            </p:stCondLst>
+                            <p:childTnLst>
+                              <p:par>
+                                <p:cTn id="5" presetID="42" presetClass="entr" presetSubtype="0" fill="hold" nodeType="afterEffect">
+                                  <p:stCondLst>
+                                    <p:cond delay="0"/>
+                                  </p:stCondLst>
+                                  <p:childTnLst>
+                                    <p:set>
+                                      <p:cBhvr>
+                                        <p:cTn id="6" dur="1" fill="hold">
+                                          <p:stCondLst>
+                                            <p:cond delay="0"/>
+                                          </p:stCondLst>
+                                        </p:cTn>
+                                        <p:tgtEl>
+                                          <p:spTgt spid="3">
+                                            <p:txEl>
+                                              <p:pRg st="0" end="0"/>
+                                            </p:txEl>
+                                          </p:spTgt>
+                                        </p:tgtEl>
+                                        <p:attrNameLst>
+                                          <p:attrName>style.visibility</p:attrName>
+                                        </p:attrNameLst>
+                                      </p:cBhvr>
+                                      <p:to>
+                                        <p:strVal val="visible"/>
+                                      </p:to>
+                                    </p:set>
+                                    <p:animEffect transition="in" filter="fade">
+                                      <p:cBhvr>
+                                        <p:cTn id="7" dur="1000"/>
+                                        <p:tgtEl>
+                                          <p:spTgt spid="3">
+                                            <p:txEl>
+                                              <p:pRg st="0" end="0"/>
+                                            </p:txEl>
+                                          </p:spTgt>
+                                        </p:tgtEl>
+                                      </p:cBhvr>
+                                    </p:animEffect>
+                                    <p:anim calcmode="lin" valueType="num">
+                                      <p:cBhvr>
+                                        <p:cTn id="8" dur="1000" fill="hold"/>
+                                        <p:tgtEl>
+                                          <p:spTgt spid="3">
+                                            <p:txEl>
+                                              <p:pRg st="0" end="0"/>
+                                            </p:txEl>
+                                          </p:spTgt>
+                                        </p:tgtEl>
+                                        <p:attrNameLst>
+                                          <p:attrName>ppt_x</p:attrName>
+                                        </p:attrNameLst>
+                                      </p:cBhvr>
+                                      <p:tavLst>
+                                        <p:tav tm="0">
+                                          <p:val>
+                                            <p:strVal val="#ppt_x"/>
+                                          </p:val>
+                                        </p:tav>
+                                        <p:tav tm="100000">
+                                          <p:val>
+                                            <p:strVal val="#ppt_x"/>
+                                          </p:val>
+                                        </p:tav>
+                                      </p:tavLst>
+                                    </p:anim>
+                                    <p:anim calcmode="lin" valueType="num">
+                                      <p:cBhvr>
+                                        <p:cTn id="9" dur="1000" fill="hold"/>
+                                        <p:tgtEl>
+                                          <p:spTgt spid="3">
+                                            <p:txEl>
+                                              <p:pRg st="0" end="0"/>
+                                            </p:txEl>
+                                          </p:spTgt>
+                                        </p:tgtEl>
+                                        <p:attrNameLst>
+                                          <p:attrName>ppt_y</p:attrName>
+                                        </p:attrNameLst>
+                                      </p:cBhvr>
+                                      <p:tavLst>
+                                        <p:tav tm="0">
+                                          <p:val>
+                                            <p:strVal val="#ppt_y+.1"/>
+                                          </p:val>
+                                        </p:tav>
+                                        <p:tav tm="100000">
+                                          <p:val>
+                                            <p:strVal val="#ppt_y"/>
+                                          </p:val>
+                                        </p:tav>
+                                      </p:tavLst>
+                                    </p:anim>
+                                  </p:childTnLst>
+                                </p:cTn>
+                              </p:par>
+                            </p:childTnLst>
+                          </p:cTn>
+                        </p:par>
+                        <p:par>
+                          <p:cTn id="10" fill="hold">
+                            <p:stCondLst>
+                              <p:cond delay="1000"/>
+                            </p:stCondLst>
+                            <p:childTnLst>
+                              <p:par>
+                                <p:cTn id="11" presetID="42" presetClass="entr" presetSubtype="0" fill="hold" nodeType="afterEffect">
+                                  <p:stCondLst>
+                                    <p:cond delay="0"/>
+                                  </p:stCondLst>
+                                  <p:childTnLst>
+                                    <p:set>
+                                      <p:cBhvr>
+                                        <p:cTn id="12" dur="1" fill="hold">
+                                          <p:stCondLst>
+                                            <p:cond delay="0"/>
+                                          </p:stCondLst>
+                                        </p:cTn>
+                                        <p:tgtEl>
+                                          <p:spTgt spid="3">
+                                            <p:txEl>
+                                              <p:pRg st="1" end="1"/>
+                                            </p:txEl>
+                                          </p:spTgt>
+                                        </p:tgtEl>
+                                        <p:attrNameLst>
+                                          <p:attrName>style.visibility</p:attrName>
+                                        </p:attrNameLst>
+                                      </p:cBhvr>
+                                      <p:to>
+                                        <p:strVal val="visible"/>
+                                      </p:to>
+                                    </p:set>
+                                    <p:animEffect transition="in" filter="fade">
+                                      <p:cBhvr>
+                                        <p:cTn id="13" dur="1000"/>
+                                        <p:tgtEl>
+                                          <p:spTgt spid="3">
+                                            <p:txEl>
+                                              <p:pRg st="1" end="1"/>
+                                            </p:txEl>
+                                          </p:spTgt>
+                                        </p:tgtEl>
+                                      </p:cBhvr>
+                                    </p:animEffect>
+                                    <p:anim calcmode="lin" valueType="num">
+                                      <p:cBhvr>
+                                        <p:cTn id="14" dur="1000" fill="hold"/>
+                                        <p:tgtEl>
+                                          <p:spTgt spid="3">
+                                            <p:txEl>
+                                              <p:pRg st="1" end="1"/>
+                                            </p:txEl>
+                                          </p:spTgt>
+                                        </p:tgtEl>
+                                        <p:attrNameLst>
+                                          <p:attrName>ppt_x</p:attrName>
+                                        </p:attrNameLst>
+                                      </p:cBhvr>
+                                      <p:tavLst>
+                                        <p:tav tm="0">
+                                          <p:val>
+                                            <p:strVal val="#ppt_x"/>
+                                          </p:val>
+                                        </p:tav>
+                                        <p:tav tm="100000">
+                                          <p:val>
+                                            <p:strVal val="#ppt_x"/>
+                                          </p:val>
+                                        </p:tav>
+                                      </p:tavLst>
+                                    </p:anim>
+                                    <p:anim calcmode="lin" valueType="num">
+                                      <p:cBhvr>
+                                        <p:cTn id="15" dur="1000" fill="hold"/>
+                                        <p:tgtEl>
+                                          <p:spTgt spid="3">
+                                            <p:txEl>
+                                              <p:pRg st="1" end="1"/>
+                                            </p:txEl>
+                                          </p:spTgt>
+                                        </p:tgtEl>
+                                        <p:attrNameLst>
+                                          <p:attrName>ppt_y</p:attrName>
+                                        </p:attrNameLst>
+                                      </p:cBhvr>
+                                      <p:tavLst>
+                                        <p:tav tm="0">
+                                          <p:val>
+                                            <p:strVal val="#ppt_y+.1"/>
+                                          </p:val>
+                                        </p:tav>
+                                        <p:tav tm="100000">
+                                          <p:val>
+                                            <p:strVal val="#ppt_y"/>
+                                          </p:val>
+                                        </p:tav>
+                                      </p:tavLst>
+                                    </p:anim>
+                                  </p:childTnLst>
+                                </p:cTn>
+                              </p:par>
+                            </p:childTnLst>
+                          </p:cTn>
+                        </p:par>
+                        <p:par>
+                          <p:cTn id="16" fill="hold">
+                            <p:stCondLst>
+                              <p:cond delay="2000"/>
+                            </p:stCondLst>
+                            <p:childTnLst>
+                              <p:par>
+                                <p:cTn id="17" presetID="42" presetClass="entr" presetSubtype="0" fill="hold" nodeType="afterEffect">
+                                  <p:stCondLst>
+                                    <p:cond delay="0"/>
+                                  </p:stCondLst>
+                                  <p:childTnLst>
+                                    <p:set>
+                                      <p:cBhvr>
+                                        <p:cTn id="18" dur="1" fill="hold">
+                                          <p:stCondLst>
+                                            <p:cond delay="0"/>
+                                          </p:stCondLst>
+                                        </p:cTn>
+                                        <p:tgtEl>
+                                          <p:spTgt spid="3">
+                                            <p:txEl>
+                                              <p:pRg st="2" end="2"/>
+                                            </p:txEl>
+                                          </p:spTgt>
+                                        </p:tgtEl>
+                                        <p:attrNameLst>
+                                          <p:attrName>style.visibility</p:attrName>
+                                        </p:attrNameLst>
+                                      </p:cBhvr>
+                                      <p:to>
+                                        <p:strVal val="visible"/>
+                                      </p:to>
+                                    </p:set>
+                                    <p:animEffect transition="in" filter="fade">
+                                      <p:cBhvr>
+                                        <p:cTn id="19" dur="1000"/>
+                                        <p:tgtEl>
+                                          <p:spTgt spid="3">
+                                            <p:txEl>
+                                              <p:pRg st="2" end="2"/>
+                                            </p:txEl>
+                                          </p:spTgt>
+                                        </p:tgtEl>
+                                      </p:cBhvr>
+                                    </p:animEffect>
+                                    <p:anim calcmode="lin" valueType="num">
+                                      <p:cBhvr>
+                                        <p:cTn id="20" dur="1000" fill="hold"/>
+                                        <p:tgtEl>
+                                          <p:spTgt spid="3">
+                                            <p:txEl>
+                                              <p:pRg st="2" end="2"/>
+                                            </p:txEl>
+                                          </p:spTgt>
+                                        </p:tgtEl>
+                                        <p:attrNameLst>
+                                          <p:attrName>ppt_x</p:attrName>
+                                        </p:attrNameLst>
+                                      </p:cBhvr>
+                                      <p:tavLst>
+                                        <p:tav tm="0">
+                                          <p:val>
+                                            <p:strVal val="#ppt_x"/>
+                                          </p:val>
+                                        </p:tav>
+                                        <p:tav tm="100000">
+                                          <p:val>
+                                            <p:strVal val="#ppt_x"/>
+                                          </p:val>
+                                        </p:tav>
+                                      </p:tavLst>
+                                    </p:anim>
+                                    <p:anim calcmode="lin" valueType="num">
+                                      <p:cBhvr>
+                                        <p:cTn id="21" dur="1000" fill="hold"/>
+                                        <p:tgtEl>
+                                          <p:spTgt spid="3">
+                                            <p:txEl>
+                                              <p:pRg st="2" end="2"/>
+                                            </p:txEl>
+                                          </p:spTgt>
+                                        </p:tgtEl>
+                                        <p:attrNameLst>
+                                          <p:attrName>ppt_y</p:attrName>
+                                        </p:attrNameLst>
+                                      </p:cBhvr>
+                                      <p:tavLst>
+                                        <p:tav tm="0">
+                                          <p:val>
+                                            <p:strVal val="#ppt_y+.1"/>
+                                          </p:val>
+                                        </p:tav>
+                                        <p:tav tm="100000">
+                                          <p:val>
+                                            <p:strVal val="#ppt_y"/>
+                                          </p:val>
+                                        </p:tav>
+                                      </p:tavLst>
+                                    </p:anim>
+                                  </p:childTnLst>
+                                </p:cTn>
+                              </p:par>
+                            </p:childTnLst>
+                          </p:cTn>
+                        </p:par>
+                        <p:par>
+                          <p:cTn id="22" fill="hold">
+                            <p:stCondLst>
+                              <p:cond delay="3000"/>
+                            </p:stCondLst>
+                            <p:childTnLst>
+                              <p:par>
+                                <p:cTn id="23" presetID="42" presetClass="entr" presetSubtype="0" fill="hold" nodeType="afterEffect">
+                                  <p:stCondLst>
+                                    <p:cond delay="0"/>
+                                  </p:stCondLst>
+                                  <p:childTnLst>
+                                    <p:set>
+                                      <p:cBhvr>
+                                        <p:cTn id="24" dur="1" fill="hold">
+                                          <p:stCondLst>
+                                            <p:cond delay="0"/>
+                                          </p:stCondLst>
+                                        </p:cTn>
+                                        <p:tgtEl>
+                                          <p:spTgt spid="4">
+                                            <p:txEl>
+                                              <p:pRg st="0" end="0"/>
+                                            </p:txEl>
+                                          </p:spTgt>
+                                        </p:tgtEl>
+                                        <p:attrNameLst>
+                                          <p:attrName>style.visibility</p:attrName>
+                                        </p:attrNameLst>
+                                      </p:cBhvr>
+                                      <p:to>
+                                        <p:strVal val="visible"/>
+                                      </p:to>
+                                    </p:set>
+                                    <p:animEffect transition="in" filter="fade">
+                                      <p:cBhvr>
+                                        <p:cTn id="25" dur="1000"/>
+                                        <p:tgtEl>
+                                          <p:spTgt spid="4">
+                                            <p:txEl>
+                                              <p:pRg st="0" end="0"/>
+                                            </p:txEl>
+                                          </p:spTgt>
+                                        </p:tgtEl>
+                                      </p:cBhvr>
+                                    </p:animEffect>
+                                    <p:anim calcmode="lin" valueType="num">
+                                      <p:cBhvr>
+                                        <p:cTn id="26" dur="1000" fill="hold"/>
+                                        <p:tgtEl>
+                                          <p:spTgt spid="4">
+                                            <p:txEl>
+                                              <p:pRg st="0" end="0"/>
+                                            </p:txEl>
+                                          </p:spTgt>
+                                        </p:tgtEl>
+                                        <p:attrNameLst>
+                                          <p:attrName>ppt_x</p:attrName>
+                                        </p:attrNameLst>
+                                      </p:cBhvr>
+                                      <p:tavLst>
+                                        <p:tav tm="0">
+                                          <p:val>
+                                            <p:strVal val="#ppt_x"/>
+                                          </p:val>
+                                        </p:tav>
+                                        <p:tav tm="100000">
+                                          <p:val>
+                                            <p:strVal val="#ppt_x"/>
+                                          </p:val>
+                                        </p:tav>
+                                      </p:tavLst>
+                                    </p:anim>
+                                    <p:anim calcmode="lin" valueType="num">
+                                      <p:cBhvr>
+                                        <p:cTn id="27" dur="1000" fill="hold"/>
+                                        <p:tgtEl>
+                                          <p:spTgt spid="4">
+                                            <p:txEl>
+                                              <p:pRg st="0" end="0"/>
+                                            </p:txEl>
+                                          </p:spTgt>
+                                        </p:tgtEl>
+                                        <p:attrNameLst>
+                                          <p:attrName>ppt_y</p:attrName>
+                                        </p:attrNameLst>
+                                      </p:cBhvr>
+                                      <p:tavLst>
+                                        <p:tav tm="0">
+                                          <p:val>
+                                            <p:strVal val="#ppt_y+.1"/>
+                                          </p:val>
+                                        </p:tav>
+                                        <p:tav tm="100000">
+                                          <p:val>
+                                            <p:strVal val="#ppt_y"/>
+                                          </p:val>
+                                        </p:tav>
+                                      </p:tavLst>
+                                    </p:anim>
+                                  </p:childTnLst>
+                                </p:cTn>
+                              </p:par>
+                            </p:childTnLst>
+                          </p:cTn>
+                        </p:par>
+                        <p:par>
+                          <p:cTn id="28" fill="hold">
+                            <p:stCondLst>
+                              <p:cond delay="4000"/>
+                            </p:stCondLst>
+                            <p:childTnLst>
+                              <p:par>
+                                <p:cTn id="29" presetID="42" presetClass="entr" presetSubtype="0" fill="hold" nodeType="afterEffect">
+                                  <p:stCondLst>
+                                    <p:cond delay="0"/>
+                                  </p:stCondLst>
+                                  <p:childTnLst>
+                                    <p:set>
+                                      <p:cBhvr>
+                                        <p:cTn id="30" dur="1" fill="hold">
+                                          <p:stCondLst>
+                                            <p:cond delay="0"/>
+                                          </p:stCondLst>
+                                        </p:cTn>
+                                        <p:tgtEl>
+                                          <p:spTgt spid="4">
+                                            <p:txEl>
+                                              <p:pRg st="1" end="1"/>
+                                            </p:txEl>
+                                          </p:spTgt>
+                                        </p:tgtEl>
+                                        <p:attrNameLst>
+                                          <p:attrName>style.visibility</p:attrName>
+                                        </p:attrNameLst>
+                                      </p:cBhvr>
+                                      <p:to>
+                                        <p:strVal val="visible"/>
+                                      </p:to>
+                                    </p:set>
+                                    <p:animEffect transition="in" filter="fade">
+                                      <p:cBhvr>
+                                        <p:cTn id="31" dur="1000"/>
+                                        <p:tgtEl>
+                                          <p:spTgt spid="4">
+                                            <p:txEl>
+                                              <p:pRg st="1" end="1"/>
+                                            </p:txEl>
+                                          </p:spTgt>
+                                        </p:tgtEl>
+                                      </p:cBhvr>
+                                    </p:animEffect>
+                                    <p:anim calcmode="lin" valueType="num">
+                                      <p:cBhvr>
+                                        <p:cTn id="32" dur="1000" fill="hold"/>
+                                        <p:tgtEl>
+                                          <p:spTgt spid="4">
+                                            <p:txEl>
+                                              <p:pRg st="1" end="1"/>
+                                            </p:txEl>
+                                          </p:spTgt>
+                                        </p:tgtEl>
+                                        <p:attrNameLst>
+                                          <p:attrName>ppt_x</p:attrName>
+                                        </p:attrNameLst>
+                                      </p:cBhvr>
+                                      <p:tavLst>
+                                        <p:tav tm="0">
+                                          <p:val>
+                                            <p:strVal val="#ppt_x"/>
+                                          </p:val>
+                                        </p:tav>
+                                        <p:tav tm="100000">
+                                          <p:val>
+                                            <p:strVal val="#ppt_x"/>
+                                          </p:val>
+                                        </p:tav>
+                                      </p:tavLst>
+                                    </p:anim>
+                                    <p:anim calcmode="lin" valueType="num">
+                                      <p:cBhvr>
+                                        <p:cTn id="33" dur="1000" fill="hold"/>
+                                        <p:tgtEl>
+                                          <p:spTgt spid="4">
+                                            <p:txEl>
+                                              <p:pRg st="1" end="1"/>
+                                            </p:txEl>
+                                          </p:spTgt>
+                                        </p:tgtEl>
+                                        <p:attrNameLst>
+                                          <p:attrName>ppt_y</p:attrName>
+                                        </p:attrNameLst>
+                                      </p:cBhvr>
+                                      <p:tavLst>
+                                        <p:tav tm="0">
+                                          <p:val>
+                                            <p:strVal val="#ppt_y+.1"/>
+                                          </p:val>
+                                        </p:tav>
+                                        <p:tav tm="100000">
+                                          <p:val>
+                                            <p:strVal val="#ppt_y"/>
+                                          </p:val>
+                                        </p:tav>
+                                      </p:tavLst>
+                                    </p:anim>
+                                  </p:childTnLst>
+                                </p:cTn>
+                              </p:par>
+                            </p:childTnLst>
+                          </p:cTn>
+                        </p:par>
+                        <p:par>
+                          <p:cTn id="34" fill="hold">
+                            <p:stCondLst>
+                              <p:cond delay="5000"/>
+                            </p:stCondLst>
+                            <p:childTnLst>
+                              <p:par>
+                                <p:cTn id="35" presetID="42" presetClass="entr" presetSubtype="0" fill="hold" nodeType="afterEffect">
+                                  <p:stCondLst>
+                                    <p:cond delay="0"/>
+                                  </p:stCondLst>
+                                  <p:childTnLst>
+                                    <p:set>
+                                      <p:cBhvr>
+                                        <p:cTn id="36" dur="1" fill="hold">
+                                          <p:stCondLst>
+                                            <p:cond delay="0"/>
+                                          </p:stCondLst>
+                                        </p:cTn>
+                                        <p:tgtEl>
+                                          <p:spTgt spid="4">
+                                            <p:txEl>
+                                              <p:pRg st="2" end="2"/>
+                                            </p:txEl>
+                                          </p:spTgt>
+                                        </p:tgtEl>
+                                        <p:attrNameLst>
+                                          <p:attrName>style.visibility</p:attrName>
+                                        </p:attrNameLst>
+                                      </p:cBhvr>
+                                      <p:to>
+                                        <p:strVal val="visible"/>
+                                      </p:to>
+                                    </p:set>
+                                    <p:animEffect transition="in" filter="fade">
+                                      <p:cBhvr>
+                                        <p:cTn id="37" dur="1000"/>
+                                        <p:tgtEl>
+                                          <p:spTgt spid="4">
+                                            <p:txEl>
+                                              <p:pRg st="2" end="2"/>
+                                            </p:txEl>
+                                          </p:spTgt>
+                                        </p:tgtEl>
+                                      </p:cBhvr>
+                                    </p:animEffect>
+                                    <p:anim calcmode="lin" valueType="num">
+                                      <p:cBhvr>
+                                        <p:cTn id="38" dur="1000" fill="hold"/>
+                                        <p:tgtEl>
+                                          <p:spTgt spid="4">
+                                            <p:txEl>
+                                              <p:pRg st="2" end="2"/>
+                                            </p:txEl>
+                                          </p:spTgt>
+                                        </p:tgtEl>
+                                        <p:attrNameLst>
+                                          <p:attrName>ppt_x</p:attrName>
+                                        </p:attrNameLst>
+                                      </p:cBhvr>
+                                      <p:tavLst>
+                                        <p:tav tm="0">
+                                          <p:val>
+                                            <p:strVal val="#ppt_x"/>
+                                          </p:val>
+                                        </p:tav>
+                                        <p:tav tm="100000">
+                                          <p:val>
+                                            <p:strVal val="#ppt_x"/>
+                                          </p:val>
+                                        </p:tav>
+                                      </p:tavLst>
+                                    </p:anim>
+                                    <p:anim calcmode="lin" valueType="num">
+                                      <p:cBhvr>
+                                        <p:cTn id="39" dur="1000" fill="hold"/>
+                                        <p:tgtEl>
+                                          <p:spTgt spid="4">
+                                            <p:txEl>
+                                              <p:pRg st="2" end="2"/>
+                                            </p:txEl>
+                                          </p:spTgt>
+                                        </p:tgtEl>
+                                        <p:attrNameLst>
+                                          <p:attrName>ppt_y</p:attrName>
+                                        </p:attrNameLst>
+                                      </p:cBhvr>
+                                      <p:tavLst>
+                                        <p:tav tm="0">
+                                          <p:val>
+                                            <p:strVal val="#ppt_y+.1"/>
+                                          </p:val>
+                                        </p:tav>
+                                        <p:tav tm="100000">
+                                          <p:val>
+                                            <p:strVal val="#ppt_y"/>
+                                          </p:val>
+                                        </p:tav>
+                                      </p:tavLst>
+                                    </p:anim>
+                                  </p:childTnLst>
+                                </p:cTn>
+                              </p:par>
+                            </p:childTnLst>
+                          </p:cTn>
+                        </p:par>
+                      </p:childTnLst>
+                    </p:cTn>
+                  </p:par>
+                </p:childTnLst>
+              </p:cTn>
+              <p:prevCondLst>
+                <p:cond evt="onPrev" delay="0">
+                  <p:tgtEl>
+                    <p:sldTgt/>
+                  </p:tgtEl>
+                </p:cond>
+              </p:prevCondLst>
+              <p:nextCondLst>
+                <p:cond evt="onNext" delay="0">
+                  <p:tgtEl>
+                    <p:sldTgt/>
+                  </p:tgtEl>
+                </p:cond>
+              </p:nextCondLst>
+            </p:seq>
+          </p:childTnLst>
+        </p:cTn>
+      </p:par>
+    </p:tnLst>
+  </p:timing>
+</p:sld>
+</file>
+
+<file path=ppt/slides/slide23.xml><?xml version="1.0" encoding="utf-8"?>
+<p:sld xmlns:a="http://schemas.openxmlformats.org/drawingml/2006/main" xmlns:r="http://schemas.openxmlformats.org/officeDocument/2006/relationships" xmlns:p="http://schemas.openxmlformats.org/presentationml/2006/main">
+  <p:cSld>
+    <p:spTree>
+      <p:nvGrpSpPr>
+        <p:cNvPr id="1" name=""/>
+        <p:cNvGrpSpPr/>
+        <p:nvPr/>
+      </p:nvGrpSpPr>
+      <p:grpSpPr>
+        <a:xfrm>
+          <a:off x="0" y="0"/>
+          <a:ext cx="0" cy="0"/>
+          <a:chOff x="0" y="0"/>
+          <a:chExt cx="0" cy="0"/>
+        </a:xfrm>
+      </p:grpSpPr>
+      <p:sp>
+        <p:nvSpPr>
+          <p:cNvPr id="2" name="Cím 1"/>
+          <p:cNvSpPr>
+            <a:spLocks noGrp="1"/>
+          </p:cNvSpPr>
+          <p:nvPr>
+            <p:ph type="title"/>
+          </p:nvPr>
+        </p:nvSpPr>
+        <p:spPr>
+          <a:xfrm>
+            <a:off x="838200" y="283238"/>
+            <a:ext cx="10515600" cy="1325563"/>
+          </a:xfrm>
+        </p:spPr>
+        <p:txBody>
+          <a:bodyPr/>
+          <a:lstStyle/>
+          <a:p>
+            <a:r>
+              <a:rPr lang="hu-HU" dirty="0" smtClean="0">
+                <a:solidFill>
+                  <a:schemeClr val="bg1"/>
+                </a:solidFill>
+                <a:latin typeface="Algerian" panose="04020705040A02060702" pitchFamily="82" charset="0"/>
+              </a:rPr>
+              <a:t>PROCESSZOR FOGLALATOK</a:t>
+            </a:r>
+            <a:endParaRPr lang="hu-HU" dirty="0">
+              <a:solidFill>
+                <a:schemeClr val="bg1"/>
+              </a:solidFill>
+              <a:latin typeface="Algerian" panose="04020705040A02060702" pitchFamily="82" charset="0"/>
+            </a:endParaRPr>
+          </a:p>
+        </p:txBody>
+      </p:sp>
+      <p:sp>
+        <p:nvSpPr>
+          <p:cNvPr id="3" name="Tartalom helye 2"/>
+          <p:cNvSpPr>
+            <a:spLocks noGrp="1"/>
+          </p:cNvSpPr>
+          <p:nvPr>
+            <p:ph idx="1"/>
+          </p:nvPr>
+        </p:nvSpPr>
+        <p:spPr>
+          <a:xfrm>
+            <a:off x="838200" y="1637131"/>
+            <a:ext cx="10515600" cy="1326819"/>
+          </a:xfrm>
+        </p:spPr>
+        <p:txBody>
+          <a:bodyPr>
+            <a:normAutofit lnSpcReduction="10000"/>
+          </a:bodyPr>
+          <a:lstStyle/>
+          <a:p>
+            <a:pPr>
+              <a:lnSpc>
+                <a:spcPct val="100000"/>
+              </a:lnSpc>
+            </a:pPr>
+            <a:r>
+              <a:rPr lang="hu-HU" b="1" dirty="0" smtClean="0">
+                <a:solidFill>
+                  <a:schemeClr val="bg1"/>
+                </a:solidFill>
+              </a:rPr>
+              <a:t>PC/Laptop:</a:t>
+            </a:r>
+          </a:p>
+          <a:p>
+            <a:pPr lvl="1">
+              <a:lnSpc>
+                <a:spcPct val="100000"/>
+              </a:lnSpc>
+            </a:pPr>
+            <a:r>
+              <a:rPr lang="hu-HU" b="1" dirty="0" smtClean="0">
+                <a:solidFill>
+                  <a:schemeClr val="bg1"/>
+                </a:solidFill>
+              </a:rPr>
+              <a:t>Intel (FŐ: Intel </a:t>
+            </a:r>
+            <a:r>
+              <a:rPr lang="hu-HU" b="1" dirty="0" err="1" smtClean="0">
+                <a:solidFill>
+                  <a:schemeClr val="bg1"/>
+                </a:solidFill>
+              </a:rPr>
+              <a:t>Core</a:t>
+            </a:r>
+            <a:r>
+              <a:rPr lang="hu-HU" b="1" dirty="0" smtClean="0">
+                <a:solidFill>
+                  <a:schemeClr val="bg1"/>
+                </a:solidFill>
+              </a:rPr>
+              <a:t> (i3, i5, i7, i9)</a:t>
+            </a:r>
+          </a:p>
+          <a:p>
+            <a:pPr lvl="1">
+              <a:lnSpc>
+                <a:spcPct val="100000"/>
+              </a:lnSpc>
+            </a:pPr>
+            <a:r>
+              <a:rPr lang="hu-HU" b="1" dirty="0" smtClean="0">
+                <a:solidFill>
+                  <a:schemeClr val="bg1"/>
+                </a:solidFill>
+              </a:rPr>
+              <a:t>AMD (FŐ: </a:t>
+            </a:r>
+            <a:r>
+              <a:rPr lang="hu-HU" b="1" dirty="0" err="1" smtClean="0">
+                <a:solidFill>
+                  <a:schemeClr val="bg1"/>
+                </a:solidFill>
+              </a:rPr>
+              <a:t>Ryzen</a:t>
+            </a:r>
+            <a:r>
+              <a:rPr lang="hu-HU" b="1" dirty="0" smtClean="0">
+                <a:solidFill>
+                  <a:schemeClr val="bg1"/>
+                </a:solidFill>
+              </a:rPr>
+              <a:t> (3, 5, 7, </a:t>
+            </a:r>
+            <a:r>
+              <a:rPr lang="hu-HU" b="1" dirty="0">
+                <a:solidFill>
+                  <a:schemeClr val="bg1"/>
+                </a:solidFill>
+              </a:rPr>
+              <a:t>9</a:t>
+            </a:r>
+            <a:r>
+              <a:rPr lang="hu-HU" b="1" dirty="0" smtClean="0">
+                <a:solidFill>
+                  <a:schemeClr val="bg1"/>
+                </a:solidFill>
+              </a:rPr>
+              <a:t>))</a:t>
+            </a:r>
+            <a:endParaRPr lang="hu-HU" b="1" dirty="0" smtClean="0">
+              <a:solidFill>
+                <a:schemeClr val="bg1"/>
+              </a:solidFill>
+            </a:endParaRPr>
+          </a:p>
+        </p:txBody>
+      </p:sp>
+      <p:sp>
+        <p:nvSpPr>
+          <p:cNvPr id="4" name="Tartalom helye 2"/>
+          <p:cNvSpPr txBox="1">
+            <a:spLocks/>
+          </p:cNvSpPr>
+          <p:nvPr/>
+        </p:nvSpPr>
+        <p:spPr>
+          <a:xfrm>
+            <a:off x="838200" y="4921208"/>
+            <a:ext cx="10515600" cy="1326819"/>
+          </a:xfrm>
+          <a:prstGeom prst="rect">
+            <a:avLst/>
+          </a:prstGeom>
+        </p:spPr>
+        <p:txBody>
+          <a:bodyPr vert="horz" lIns="91440" tIns="45720" rIns="91440" bIns="45720" rtlCol="0">
+            <a:normAutofit lnSpcReduction="10000"/>
+          </a:bodyPr>
+          <a:lstStyle>
+            <a:lvl1pPr marL="228600" indent="-228600" algn="l" defTabSz="914400" rtl="0" eaLnBrk="1" latinLnBrk="0" hangingPunct="1">
+              <a:lnSpc>
+                <a:spcPct val="90000"/>
+              </a:lnSpc>
+              <a:spcBef>
+                <a:spcPts val="1000"/>
+              </a:spcBef>
+              <a:buFont typeface="Arial" panose="020B0604020202020204" pitchFamily="34" charset="0"/>
+              <a:buChar char="•"/>
+              <a:defRPr sz="2800" kern="1200">
+                <a:solidFill>
+                  <a:schemeClr val="tx1"/>
+                </a:solidFill>
+                <a:latin typeface="+mn-lt"/>
+                <a:ea typeface="+mn-ea"/>
+                <a:cs typeface="+mn-cs"/>
+              </a:defRPr>
+            </a:lvl1pPr>
+            <a:lvl2pPr marL="685800" indent="-228600" algn="l" defTabSz="914400" rtl="0" eaLnBrk="1" latinLnBrk="0" hangingPunct="1">
+              <a:lnSpc>
+                <a:spcPct val="90000"/>
+              </a:lnSpc>
+              <a:spcBef>
+                <a:spcPts val="500"/>
+              </a:spcBef>
+              <a:buFont typeface="Arial" panose="020B0604020202020204" pitchFamily="34" charset="0"/>
+              <a:buChar char="•"/>
+              <a:defRPr sz="2400" kern="1200">
+                <a:solidFill>
+                  <a:schemeClr val="tx1"/>
+                </a:solidFill>
+                <a:latin typeface="+mn-lt"/>
+                <a:ea typeface="+mn-ea"/>
+                <a:cs typeface="+mn-cs"/>
+              </a:defRPr>
+            </a:lvl2pPr>
+            <a:lvl3pPr marL="1143000" indent="-228600" algn="l" defTabSz="914400" rtl="0" eaLnBrk="1" latinLnBrk="0" hangingPunct="1">
+              <a:lnSpc>
+                <a:spcPct val="90000"/>
+              </a:lnSpc>
+              <a:spcBef>
+                <a:spcPts val="500"/>
+              </a:spcBef>
+              <a:buFont typeface="Arial" panose="020B0604020202020204" pitchFamily="34" charset="0"/>
+              <a:buChar char="•"/>
+              <a:defRPr sz="2000" kern="1200">
+                <a:solidFill>
+                  <a:schemeClr val="tx1"/>
+                </a:solidFill>
+                <a:latin typeface="+mn-lt"/>
+                <a:ea typeface="+mn-ea"/>
+                <a:cs typeface="+mn-cs"/>
+              </a:defRPr>
+            </a:lvl3pPr>
+            <a:lvl4pPr marL="1600200" indent="-228600" algn="l" defTabSz="914400" rtl="0" eaLnBrk="1" latinLnBrk="0" hangingPunct="1">
+              <a:lnSpc>
+                <a:spcPct val="90000"/>
+              </a:lnSpc>
+              <a:spcBef>
+                <a:spcPts val="500"/>
+              </a:spcBef>
+              <a:buFont typeface="Arial" panose="020B0604020202020204" pitchFamily="34" charset="0"/>
+              <a:buChar char="•"/>
+              <a:defRPr sz="1800" kern="1200">
+                <a:solidFill>
+                  <a:schemeClr val="tx1"/>
+                </a:solidFill>
+                <a:latin typeface="+mn-lt"/>
+                <a:ea typeface="+mn-ea"/>
+                <a:cs typeface="+mn-cs"/>
+              </a:defRPr>
+            </a:lvl4pPr>
+            <a:lvl5pPr marL="2057400" indent="-228600" algn="l" defTabSz="914400" rtl="0" eaLnBrk="1" latinLnBrk="0" hangingPunct="1">
+              <a:lnSpc>
+                <a:spcPct val="90000"/>
+              </a:lnSpc>
+              <a:spcBef>
+                <a:spcPts val="500"/>
+              </a:spcBef>
+              <a:buFont typeface="Arial" panose="020B0604020202020204" pitchFamily="34" charset="0"/>
+              <a:buChar char="•"/>
+              <a:defRPr sz="1800" kern="1200">
+                <a:solidFill>
+                  <a:schemeClr val="tx1"/>
+                </a:solidFill>
+                <a:latin typeface="+mn-lt"/>
+                <a:ea typeface="+mn-ea"/>
+                <a:cs typeface="+mn-cs"/>
+              </a:defRPr>
+            </a:lvl5pPr>
+            <a:lvl6pPr marL="2514600" indent="-228600" algn="l" defTabSz="914400" rtl="0" eaLnBrk="1" latinLnBrk="0" hangingPunct="1">
+              <a:lnSpc>
+                <a:spcPct val="90000"/>
+              </a:lnSpc>
+              <a:spcBef>
+                <a:spcPts val="500"/>
+              </a:spcBef>
+              <a:buFont typeface="Arial" panose="020B0604020202020204" pitchFamily="34" charset="0"/>
+              <a:buChar char="•"/>
+              <a:defRPr sz="1800" kern="1200">
+                <a:solidFill>
+                  <a:schemeClr val="tx1"/>
+                </a:solidFill>
+                <a:latin typeface="+mn-lt"/>
+                <a:ea typeface="+mn-ea"/>
+                <a:cs typeface="+mn-cs"/>
+              </a:defRPr>
+            </a:lvl6pPr>
+            <a:lvl7pPr marL="2971800" indent="-228600" algn="l" defTabSz="914400" rtl="0" eaLnBrk="1" latinLnBrk="0" hangingPunct="1">
+              <a:lnSpc>
+                <a:spcPct val="90000"/>
+              </a:lnSpc>
+              <a:spcBef>
+                <a:spcPts val="500"/>
+              </a:spcBef>
+              <a:buFont typeface="Arial" panose="020B0604020202020204" pitchFamily="34" charset="0"/>
+              <a:buChar char="•"/>
+              <a:defRPr sz="1800" kern="1200">
+                <a:solidFill>
+                  <a:schemeClr val="tx1"/>
+                </a:solidFill>
+                <a:latin typeface="+mn-lt"/>
+                <a:ea typeface="+mn-ea"/>
+                <a:cs typeface="+mn-cs"/>
+              </a:defRPr>
+            </a:lvl7pPr>
+            <a:lvl8pPr marL="3429000" indent="-228600" algn="l" defTabSz="914400" rtl="0" eaLnBrk="1" latinLnBrk="0" hangingPunct="1">
+              <a:lnSpc>
+                <a:spcPct val="90000"/>
+              </a:lnSpc>
+              <a:spcBef>
+                <a:spcPts val="500"/>
+              </a:spcBef>
+              <a:buFont typeface="Arial" panose="020B0604020202020204" pitchFamily="34" charset="0"/>
+              <a:buChar char="•"/>
+              <a:defRPr sz="1800" kern="1200">
+                <a:solidFill>
+                  <a:schemeClr val="tx1"/>
+                </a:solidFill>
+                <a:latin typeface="+mn-lt"/>
+                <a:ea typeface="+mn-ea"/>
+                <a:cs typeface="+mn-cs"/>
+              </a:defRPr>
+            </a:lvl8pPr>
+            <a:lvl9pPr marL="3886200" indent="-228600" algn="l" defTabSz="914400" rtl="0" eaLnBrk="1" latinLnBrk="0" hangingPunct="1">
+              <a:lnSpc>
+                <a:spcPct val="90000"/>
+              </a:lnSpc>
+              <a:spcBef>
+                <a:spcPts val="500"/>
+              </a:spcBef>
+              <a:buFont typeface="Arial" panose="020B0604020202020204" pitchFamily="34" charset="0"/>
+              <a:buChar char="•"/>
+              <a:defRPr sz="1800" kern="1200">
+                <a:solidFill>
+                  <a:schemeClr val="tx1"/>
+                </a:solidFill>
+                <a:latin typeface="+mn-lt"/>
+                <a:ea typeface="+mn-ea"/>
+                <a:cs typeface="+mn-cs"/>
+              </a:defRPr>
+            </a:lvl9pPr>
+          </a:lstStyle>
+          <a:p>
+            <a:pPr>
+              <a:lnSpc>
+                <a:spcPct val="100000"/>
+              </a:lnSpc>
+            </a:pPr>
+            <a:r>
+              <a:rPr lang="hu-HU" b="1" dirty="0" err="1" smtClean="0">
+                <a:solidFill>
+                  <a:schemeClr val="bg1"/>
+                </a:solidFill>
+              </a:rPr>
+              <a:t>Mobiltelenok</a:t>
+            </a:r>
+            <a:r>
+              <a:rPr lang="hu-HU" b="1" dirty="0" smtClean="0">
+                <a:solidFill>
+                  <a:schemeClr val="bg1"/>
+                </a:solidFill>
+              </a:rPr>
+              <a:t>/</a:t>
+            </a:r>
+            <a:r>
+              <a:rPr lang="hu-HU" b="1" dirty="0" err="1" smtClean="0">
+                <a:solidFill>
+                  <a:schemeClr val="bg1"/>
+                </a:solidFill>
+              </a:rPr>
+              <a:t>tabletek</a:t>
+            </a:r>
+            <a:r>
+              <a:rPr lang="hu-HU" b="1" dirty="0" smtClean="0">
+                <a:solidFill>
+                  <a:schemeClr val="bg1"/>
+                </a:solidFill>
+              </a:rPr>
+              <a:t>:</a:t>
+            </a:r>
+          </a:p>
+          <a:p>
+            <a:pPr lvl="1">
+              <a:lnSpc>
+                <a:spcPct val="100000"/>
+              </a:lnSpc>
+            </a:pPr>
+            <a:r>
+              <a:rPr lang="hu-HU" b="1" dirty="0" err="1" smtClean="0">
+                <a:solidFill>
+                  <a:schemeClr val="bg1"/>
+                </a:solidFill>
+              </a:rPr>
+              <a:t>Snapdragon</a:t>
+            </a:r>
+            <a:endParaRPr lang="hu-HU" b="1" dirty="0" smtClean="0">
+              <a:solidFill>
+                <a:schemeClr val="bg1"/>
+              </a:solidFill>
+            </a:endParaRPr>
+          </a:p>
+          <a:p>
+            <a:pPr lvl="1">
+              <a:lnSpc>
+                <a:spcPct val="100000"/>
+              </a:lnSpc>
+            </a:pPr>
+            <a:r>
+              <a:rPr lang="hu-HU" b="1" dirty="0" smtClean="0">
+                <a:solidFill>
+                  <a:schemeClr val="bg1"/>
+                </a:solidFill>
+              </a:rPr>
+              <a:t>Apple (Apple A)</a:t>
+            </a:r>
+            <a:endParaRPr lang="hu-HU" b="1" dirty="0" smtClean="0">
+              <a:solidFill>
+                <a:schemeClr val="bg1"/>
+              </a:solidFill>
+            </a:endParaRPr>
+          </a:p>
+        </p:txBody>
+      </p:sp>
+      <p:pic>
+        <p:nvPicPr>
+          <p:cNvPr id="6" name="Kép 5"/>
+          <p:cNvPicPr>
+            <a:picLocks noChangeAspect="1"/>
+          </p:cNvPicPr>
+          <p:nvPr/>
+        </p:nvPicPr>
+        <p:blipFill>
+          <a:blip r:embed="rId2">
+            <a:extLst>
+              <a:ext uri="{28A0092B-C50C-407E-A947-70E740481C1C}">
+                <a14:useLocalDpi xmlns:a14="http://schemas.microsoft.com/office/drawing/2010/main" val="0"/>
+              </a:ext>
+            </a:extLst>
+          </a:blip>
+          <a:stretch>
+            <a:fillRect/>
+          </a:stretch>
+        </p:blipFill>
+        <p:spPr>
+          <a:xfrm>
+            <a:off x="6415203" y="1496852"/>
+            <a:ext cx="3098646" cy="2057501"/>
+          </a:xfrm>
+          <a:prstGeom prst="rect">
+            <a:avLst/>
+          </a:prstGeom>
+        </p:spPr>
+      </p:pic>
+      <p:pic>
+        <p:nvPicPr>
+          <p:cNvPr id="9" name="Kép 8"/>
+          <p:cNvPicPr>
+            <a:picLocks noChangeAspect="1"/>
+          </p:cNvPicPr>
+          <p:nvPr/>
+        </p:nvPicPr>
+        <p:blipFill>
+          <a:blip r:embed="rId3">
+            <a:extLst>
+              <a:ext uri="{28A0092B-C50C-407E-A947-70E740481C1C}">
+                <a14:useLocalDpi xmlns:a14="http://schemas.microsoft.com/office/drawing/2010/main" val="0"/>
+              </a:ext>
+            </a:extLst>
+          </a:blip>
+          <a:stretch>
+            <a:fillRect/>
+          </a:stretch>
+        </p:blipFill>
+        <p:spPr>
+          <a:xfrm>
+            <a:off x="5291254" y="5053693"/>
+            <a:ext cx="1609491" cy="1749447"/>
+          </a:xfrm>
+          <a:prstGeom prst="rect">
+            <a:avLst/>
+          </a:prstGeom>
+        </p:spPr>
+      </p:pic>
+      <p:pic>
+        <p:nvPicPr>
+          <p:cNvPr id="10" name="Kép 9"/>
+          <p:cNvPicPr>
+            <a:picLocks noChangeAspect="1"/>
+          </p:cNvPicPr>
+          <p:nvPr/>
+        </p:nvPicPr>
+        <p:blipFill>
+          <a:blip r:embed="rId4" cstate="print">
+            <a:extLst>
+              <a:ext uri="{28A0092B-C50C-407E-A947-70E740481C1C}">
+                <a14:useLocalDpi xmlns:a14="http://schemas.microsoft.com/office/drawing/2010/main" val="0"/>
+              </a:ext>
+            </a:extLst>
+          </a:blip>
+          <a:stretch>
+            <a:fillRect/>
+          </a:stretch>
+        </p:blipFill>
+        <p:spPr>
+          <a:xfrm>
+            <a:off x="8347616" y="4767967"/>
+            <a:ext cx="1524464" cy="1810528"/>
+          </a:xfrm>
+          <a:prstGeom prst="rect">
+            <a:avLst/>
+          </a:prstGeom>
+        </p:spPr>
+      </p:pic>
+      <p:pic>
+        <p:nvPicPr>
+          <p:cNvPr id="11" name="Kép 10"/>
+          <p:cNvPicPr>
+            <a:picLocks noChangeAspect="1"/>
+          </p:cNvPicPr>
+          <p:nvPr/>
+        </p:nvPicPr>
+        <p:blipFill>
+          <a:blip r:embed="rId5">
+            <a:extLst>
+              <a:ext uri="{28A0092B-C50C-407E-A947-70E740481C1C}">
+                <a14:useLocalDpi xmlns:a14="http://schemas.microsoft.com/office/drawing/2010/main" val="0"/>
+              </a:ext>
+            </a:extLst>
+          </a:blip>
+          <a:stretch>
+            <a:fillRect/>
+          </a:stretch>
+        </p:blipFill>
+        <p:spPr>
+          <a:xfrm>
+            <a:off x="1729925" y="2948400"/>
+            <a:ext cx="4545145" cy="1752481"/>
+          </a:xfrm>
+          <a:prstGeom prst="rect">
+            <a:avLst/>
+          </a:prstGeom>
+        </p:spPr>
+      </p:pic>
+    </p:spTree>
+    <p:extLst>
+      <p:ext uri="{BB962C8B-B14F-4D97-AF65-F5344CB8AC3E}">
+        <p14:creationId xmlns:p14="http://schemas.microsoft.com/office/powerpoint/2010/main" val="1051618584"/>
+      </p:ext>
+    </p:extLst>
+  </p:cSld>
+  <p:clrMapOvr>
+    <a:masterClrMapping/>
+  </p:clrMapOvr>
+  <mc:AlternateContent xmlns:mc="http://schemas.openxmlformats.org/markup-compatibility/2006" xmlns:p14="http://schemas.microsoft.com/office/powerpoint/2010/main">
+    <mc:Choice Requires="p14">
+      <p:transition spd="slow" p14:dur="3400">
+        <p14:reveal/>
+      </p:transition>
+    </mc:Choice>
+    <mc:Fallback xmlns="">
+      <p:transition spd="slow">
+        <p:fade/>
+      </p:transition>
+    </mc:Fallback>
+  </mc:AlternateContent>
+  <p:timing>
+    <p:tnLst>
+      <p:par>
+        <p:cTn id="1" dur="indefinite" restart="never" nodeType="tmRoot">
+          <p:childTnLst>
+            <p:seq concurrent="1" nextAc="seek">
+              <p:cTn id="2" dur="indefinite" nodeType="mainSeq">
+                <p:childTnLst>
+                  <p:par>
+                    <p:cTn id="3" fill="hold">
+                      <p:stCondLst>
+                        <p:cond delay="indefinite"/>
+                        <p:cond evt="onBegin" delay="0">
+                          <p:tn val="2"/>
+                        </p:cond>
+                      </p:stCondLst>
+                      <p:childTnLst>
+                        <p:par>
+                          <p:cTn id="4" fill="hold">
+                            <p:stCondLst>
+                              <p:cond delay="0"/>
+                            </p:stCondLst>
+                            <p:childTnLst>
+                              <p:par>
+                                <p:cTn id="5" presetID="42" presetClass="entr" presetSubtype="0" fill="hold" nodeType="afterEffect">
+                                  <p:stCondLst>
+                                    <p:cond delay="0"/>
+                                  </p:stCondLst>
+                                  <p:childTnLst>
+                                    <p:set>
+                                      <p:cBhvr>
+                                        <p:cTn id="6" dur="1" fill="hold">
+                                          <p:stCondLst>
+                                            <p:cond delay="0"/>
+                                          </p:stCondLst>
+                                        </p:cTn>
+                                        <p:tgtEl>
+                                          <p:spTgt spid="3">
+                                            <p:txEl>
+                                              <p:pRg st="0" end="0"/>
+                                            </p:txEl>
+                                          </p:spTgt>
+                                        </p:tgtEl>
+                                        <p:attrNameLst>
+                                          <p:attrName>style.visibility</p:attrName>
+                                        </p:attrNameLst>
+                                      </p:cBhvr>
+                                      <p:to>
+                                        <p:strVal val="visible"/>
+                                      </p:to>
+                                    </p:set>
+                                    <p:animEffect transition="in" filter="fade">
+                                      <p:cBhvr>
+                                        <p:cTn id="7" dur="1000"/>
+                                        <p:tgtEl>
+                                          <p:spTgt spid="3">
+                                            <p:txEl>
+                                              <p:pRg st="0" end="0"/>
+                                            </p:txEl>
+                                          </p:spTgt>
+                                        </p:tgtEl>
+                                      </p:cBhvr>
+                                    </p:animEffect>
+                                    <p:anim calcmode="lin" valueType="num">
+                                      <p:cBhvr>
+                                        <p:cTn id="8" dur="1000" fill="hold"/>
+                                        <p:tgtEl>
+                                          <p:spTgt spid="3">
+                                            <p:txEl>
+                                              <p:pRg st="0" end="0"/>
+                                            </p:txEl>
+                                          </p:spTgt>
+                                        </p:tgtEl>
+                                        <p:attrNameLst>
+                                          <p:attrName>ppt_x</p:attrName>
+                                        </p:attrNameLst>
+                                      </p:cBhvr>
+                                      <p:tavLst>
+                                        <p:tav tm="0">
+                                          <p:val>
+                                            <p:strVal val="#ppt_x"/>
+                                          </p:val>
+                                        </p:tav>
+                                        <p:tav tm="100000">
+                                          <p:val>
+                                            <p:strVal val="#ppt_x"/>
+                                          </p:val>
+                                        </p:tav>
+                                      </p:tavLst>
+                                    </p:anim>
+                                    <p:anim calcmode="lin" valueType="num">
+                                      <p:cBhvr>
+                                        <p:cTn id="9" dur="1000" fill="hold"/>
+                                        <p:tgtEl>
+                                          <p:spTgt spid="3">
+                                            <p:txEl>
+                                              <p:pRg st="0" end="0"/>
+                                            </p:txEl>
+                                          </p:spTgt>
+                                        </p:tgtEl>
+                                        <p:attrNameLst>
+                                          <p:attrName>ppt_y</p:attrName>
+                                        </p:attrNameLst>
+                                      </p:cBhvr>
+                                      <p:tavLst>
+                                        <p:tav tm="0">
+                                          <p:val>
+                                            <p:strVal val="#ppt_y+.1"/>
+                                          </p:val>
+                                        </p:tav>
+                                        <p:tav tm="100000">
+                                          <p:val>
+                                            <p:strVal val="#ppt_y"/>
+                                          </p:val>
+                                        </p:tav>
+                                      </p:tavLst>
+                                    </p:anim>
+                                  </p:childTnLst>
+                                </p:cTn>
+                              </p:par>
+                            </p:childTnLst>
+                          </p:cTn>
+                        </p:par>
+                        <p:par>
+                          <p:cTn id="10" fill="hold">
+                            <p:stCondLst>
+                              <p:cond delay="1000"/>
+                            </p:stCondLst>
+                            <p:childTnLst>
+                              <p:par>
+                                <p:cTn id="11" presetID="42" presetClass="entr" presetSubtype="0" fill="hold" nodeType="afterEffect">
+                                  <p:stCondLst>
+                                    <p:cond delay="0"/>
+                                  </p:stCondLst>
+                                  <p:childTnLst>
+                                    <p:set>
+                                      <p:cBhvr>
+                                        <p:cTn id="12" dur="1" fill="hold">
+                                          <p:stCondLst>
+                                            <p:cond delay="0"/>
+                                          </p:stCondLst>
+                                        </p:cTn>
+                                        <p:tgtEl>
+                                          <p:spTgt spid="3">
+                                            <p:txEl>
+                                              <p:pRg st="1" end="1"/>
+                                            </p:txEl>
+                                          </p:spTgt>
+                                        </p:tgtEl>
+                                        <p:attrNameLst>
+                                          <p:attrName>style.visibility</p:attrName>
+                                        </p:attrNameLst>
+                                      </p:cBhvr>
+                                      <p:to>
+                                        <p:strVal val="visible"/>
+                                      </p:to>
+                                    </p:set>
+                                    <p:animEffect transition="in" filter="fade">
+                                      <p:cBhvr>
+                                        <p:cTn id="13" dur="1000"/>
+                                        <p:tgtEl>
+                                          <p:spTgt spid="3">
+                                            <p:txEl>
+                                              <p:pRg st="1" end="1"/>
+                                            </p:txEl>
+                                          </p:spTgt>
+                                        </p:tgtEl>
+                                      </p:cBhvr>
+                                    </p:animEffect>
+                                    <p:anim calcmode="lin" valueType="num">
+                                      <p:cBhvr>
+                                        <p:cTn id="14" dur="1000" fill="hold"/>
+                                        <p:tgtEl>
+                                          <p:spTgt spid="3">
+                                            <p:txEl>
+                                              <p:pRg st="1" end="1"/>
+                                            </p:txEl>
+                                          </p:spTgt>
+                                        </p:tgtEl>
+                                        <p:attrNameLst>
+                                          <p:attrName>ppt_x</p:attrName>
+                                        </p:attrNameLst>
+                                      </p:cBhvr>
+                                      <p:tavLst>
+                                        <p:tav tm="0">
+                                          <p:val>
+                                            <p:strVal val="#ppt_x"/>
+                                          </p:val>
+                                        </p:tav>
+                                        <p:tav tm="100000">
+                                          <p:val>
+                                            <p:strVal val="#ppt_x"/>
+                                          </p:val>
+                                        </p:tav>
+                                      </p:tavLst>
+                                    </p:anim>
+                                    <p:anim calcmode="lin" valueType="num">
+                                      <p:cBhvr>
+                                        <p:cTn id="15" dur="1000" fill="hold"/>
+                                        <p:tgtEl>
+                                          <p:spTgt spid="3">
+                                            <p:txEl>
+                                              <p:pRg st="1" end="1"/>
+                                            </p:txEl>
+                                          </p:spTgt>
+                                        </p:tgtEl>
+                                        <p:attrNameLst>
+                                          <p:attrName>ppt_y</p:attrName>
+                                        </p:attrNameLst>
+                                      </p:cBhvr>
+                                      <p:tavLst>
+                                        <p:tav tm="0">
+                                          <p:val>
+                                            <p:strVal val="#ppt_y+.1"/>
+                                          </p:val>
+                                        </p:tav>
+                                        <p:tav tm="100000">
+                                          <p:val>
+                                            <p:strVal val="#ppt_y"/>
+                                          </p:val>
+                                        </p:tav>
+                                      </p:tavLst>
+                                    </p:anim>
+                                  </p:childTnLst>
+                                </p:cTn>
+                              </p:par>
+                            </p:childTnLst>
+                          </p:cTn>
+                        </p:par>
+                        <p:par>
+                          <p:cTn id="16" fill="hold">
+                            <p:stCondLst>
+                              <p:cond delay="2000"/>
+                            </p:stCondLst>
+                            <p:childTnLst>
+                              <p:par>
+                                <p:cTn id="17" presetID="42" presetClass="entr" presetSubtype="0" fill="hold" nodeType="afterEffect">
+                                  <p:stCondLst>
+                                    <p:cond delay="0"/>
+                                  </p:stCondLst>
+                                  <p:childTnLst>
+                                    <p:set>
+                                      <p:cBhvr>
+                                        <p:cTn id="18" dur="1" fill="hold">
+                                          <p:stCondLst>
+                                            <p:cond delay="0"/>
+                                          </p:stCondLst>
+                                        </p:cTn>
+                                        <p:tgtEl>
+                                          <p:spTgt spid="3">
+                                            <p:txEl>
+                                              <p:pRg st="2" end="2"/>
+                                            </p:txEl>
+                                          </p:spTgt>
+                                        </p:tgtEl>
+                                        <p:attrNameLst>
+                                          <p:attrName>style.visibility</p:attrName>
+                                        </p:attrNameLst>
+                                      </p:cBhvr>
+                                      <p:to>
+                                        <p:strVal val="visible"/>
+                                      </p:to>
+                                    </p:set>
+                                    <p:animEffect transition="in" filter="fade">
+                                      <p:cBhvr>
+                                        <p:cTn id="19" dur="1000"/>
+                                        <p:tgtEl>
+                                          <p:spTgt spid="3">
+                                            <p:txEl>
+                                              <p:pRg st="2" end="2"/>
+                                            </p:txEl>
+                                          </p:spTgt>
+                                        </p:tgtEl>
+                                      </p:cBhvr>
+                                    </p:animEffect>
+                                    <p:anim calcmode="lin" valueType="num">
+                                      <p:cBhvr>
+                                        <p:cTn id="20" dur="1000" fill="hold"/>
+                                        <p:tgtEl>
+                                          <p:spTgt spid="3">
+                                            <p:txEl>
+                                              <p:pRg st="2" end="2"/>
+                                            </p:txEl>
+                                          </p:spTgt>
+                                        </p:tgtEl>
+                                        <p:attrNameLst>
+                                          <p:attrName>ppt_x</p:attrName>
+                                        </p:attrNameLst>
+                                      </p:cBhvr>
+                                      <p:tavLst>
+                                        <p:tav tm="0">
+                                          <p:val>
+                                            <p:strVal val="#ppt_x"/>
+                                          </p:val>
+                                        </p:tav>
+                                        <p:tav tm="100000">
+                                          <p:val>
+                                            <p:strVal val="#ppt_x"/>
+                                          </p:val>
+                                        </p:tav>
+                                      </p:tavLst>
+                                    </p:anim>
+                                    <p:anim calcmode="lin" valueType="num">
+                                      <p:cBhvr>
+                                        <p:cTn id="21" dur="1000" fill="hold"/>
+                                        <p:tgtEl>
+                                          <p:spTgt spid="3">
+                                            <p:txEl>
+                                              <p:pRg st="2" end="2"/>
+                                            </p:txEl>
+                                          </p:spTgt>
+                                        </p:tgtEl>
+                                        <p:attrNameLst>
+                                          <p:attrName>ppt_y</p:attrName>
+                                        </p:attrNameLst>
+                                      </p:cBhvr>
+                                      <p:tavLst>
+                                        <p:tav tm="0">
+                                          <p:val>
+                                            <p:strVal val="#ppt_y+.1"/>
+                                          </p:val>
+                                        </p:tav>
+                                        <p:tav tm="100000">
+                                          <p:val>
+                                            <p:strVal val="#ppt_y"/>
+                                          </p:val>
+                                        </p:tav>
+                                      </p:tavLst>
+                                    </p:anim>
+                                  </p:childTnLst>
+                                </p:cTn>
+                              </p:par>
+                            </p:childTnLst>
+                          </p:cTn>
+                        </p:par>
+                        <p:par>
+                          <p:cTn id="22" fill="hold">
+                            <p:stCondLst>
+                              <p:cond delay="3000"/>
+                            </p:stCondLst>
+                            <p:childTnLst>
+                              <p:par>
+                                <p:cTn id="23" presetID="42" presetClass="entr" presetSubtype="0" fill="hold" nodeType="afterEffect">
+                                  <p:stCondLst>
+                                    <p:cond delay="0"/>
+                                  </p:stCondLst>
+                                  <p:childTnLst>
+                                    <p:set>
+                                      <p:cBhvr>
+                                        <p:cTn id="24" dur="1" fill="hold">
+                                          <p:stCondLst>
+                                            <p:cond delay="0"/>
+                                          </p:stCondLst>
+                                        </p:cTn>
+                                        <p:tgtEl>
+                                          <p:spTgt spid="4">
+                                            <p:txEl>
+                                              <p:pRg st="0" end="0"/>
+                                            </p:txEl>
+                                          </p:spTgt>
+                                        </p:tgtEl>
+                                        <p:attrNameLst>
+                                          <p:attrName>style.visibility</p:attrName>
+                                        </p:attrNameLst>
+                                      </p:cBhvr>
+                                      <p:to>
+                                        <p:strVal val="visible"/>
+                                      </p:to>
+                                    </p:set>
+                                    <p:animEffect transition="in" filter="fade">
+                                      <p:cBhvr>
+                                        <p:cTn id="25" dur="1000"/>
+                                        <p:tgtEl>
+                                          <p:spTgt spid="4">
+                                            <p:txEl>
+                                              <p:pRg st="0" end="0"/>
+                                            </p:txEl>
+                                          </p:spTgt>
+                                        </p:tgtEl>
+                                      </p:cBhvr>
+                                    </p:animEffect>
+                                    <p:anim calcmode="lin" valueType="num">
+                                      <p:cBhvr>
+                                        <p:cTn id="26" dur="1000" fill="hold"/>
+                                        <p:tgtEl>
+                                          <p:spTgt spid="4">
+                                            <p:txEl>
+                                              <p:pRg st="0" end="0"/>
+                                            </p:txEl>
+                                          </p:spTgt>
+                                        </p:tgtEl>
+                                        <p:attrNameLst>
+                                          <p:attrName>ppt_x</p:attrName>
+                                        </p:attrNameLst>
+                                      </p:cBhvr>
+                                      <p:tavLst>
+                                        <p:tav tm="0">
+                                          <p:val>
+                                            <p:strVal val="#ppt_x"/>
+                                          </p:val>
+                                        </p:tav>
+                                        <p:tav tm="100000">
+                                          <p:val>
+                                            <p:strVal val="#ppt_x"/>
+                                          </p:val>
+                                        </p:tav>
+                                      </p:tavLst>
+                                    </p:anim>
+                                    <p:anim calcmode="lin" valueType="num">
+                                      <p:cBhvr>
+                                        <p:cTn id="27" dur="1000" fill="hold"/>
+                                        <p:tgtEl>
+                                          <p:spTgt spid="4">
+                                            <p:txEl>
+                                              <p:pRg st="0" end="0"/>
+                                            </p:txEl>
+                                          </p:spTgt>
+                                        </p:tgtEl>
+                                        <p:attrNameLst>
+                                          <p:attrName>ppt_y</p:attrName>
+                                        </p:attrNameLst>
+                                      </p:cBhvr>
+                                      <p:tavLst>
+                                        <p:tav tm="0">
+                                          <p:val>
+                                            <p:strVal val="#ppt_y+.1"/>
+                                          </p:val>
+                                        </p:tav>
+                                        <p:tav tm="100000">
+                                          <p:val>
+                                            <p:strVal val="#ppt_y"/>
+                                          </p:val>
+                                        </p:tav>
+                                      </p:tavLst>
+                                    </p:anim>
+                                  </p:childTnLst>
+                                </p:cTn>
+                              </p:par>
+                            </p:childTnLst>
+                          </p:cTn>
+                        </p:par>
+                        <p:par>
+                          <p:cTn id="28" fill="hold">
+                            <p:stCondLst>
+                              <p:cond delay="4000"/>
+                            </p:stCondLst>
+                            <p:childTnLst>
+                              <p:par>
+                                <p:cTn id="29" presetID="42" presetClass="entr" presetSubtype="0" fill="hold" nodeType="afterEffect">
+                                  <p:stCondLst>
+                                    <p:cond delay="0"/>
+                                  </p:stCondLst>
+                                  <p:childTnLst>
+                                    <p:set>
+                                      <p:cBhvr>
+                                        <p:cTn id="30" dur="1" fill="hold">
+                                          <p:stCondLst>
+                                            <p:cond delay="0"/>
+                                          </p:stCondLst>
+                                        </p:cTn>
+                                        <p:tgtEl>
+                                          <p:spTgt spid="4">
+                                            <p:txEl>
+                                              <p:pRg st="1" end="1"/>
+                                            </p:txEl>
+                                          </p:spTgt>
+                                        </p:tgtEl>
+                                        <p:attrNameLst>
+                                          <p:attrName>style.visibility</p:attrName>
+                                        </p:attrNameLst>
+                                      </p:cBhvr>
+                                      <p:to>
+                                        <p:strVal val="visible"/>
+                                      </p:to>
+                                    </p:set>
+                                    <p:animEffect transition="in" filter="fade">
+                                      <p:cBhvr>
+                                        <p:cTn id="31" dur="1000"/>
+                                        <p:tgtEl>
+                                          <p:spTgt spid="4">
+                                            <p:txEl>
+                                              <p:pRg st="1" end="1"/>
+                                            </p:txEl>
+                                          </p:spTgt>
+                                        </p:tgtEl>
+                                      </p:cBhvr>
+                                    </p:animEffect>
+                                    <p:anim calcmode="lin" valueType="num">
+                                      <p:cBhvr>
+                                        <p:cTn id="32" dur="1000" fill="hold"/>
+                                        <p:tgtEl>
+                                          <p:spTgt spid="4">
+                                            <p:txEl>
+                                              <p:pRg st="1" end="1"/>
+                                            </p:txEl>
+                                          </p:spTgt>
+                                        </p:tgtEl>
+                                        <p:attrNameLst>
+                                          <p:attrName>ppt_x</p:attrName>
+                                        </p:attrNameLst>
+                                      </p:cBhvr>
+                                      <p:tavLst>
+                                        <p:tav tm="0">
+                                          <p:val>
+                                            <p:strVal val="#ppt_x"/>
+                                          </p:val>
+                                        </p:tav>
+                                        <p:tav tm="100000">
+                                          <p:val>
+                                            <p:strVal val="#ppt_x"/>
+                                          </p:val>
+                                        </p:tav>
+                                      </p:tavLst>
+                                    </p:anim>
+                                    <p:anim calcmode="lin" valueType="num">
+                                      <p:cBhvr>
+                                        <p:cTn id="33" dur="1000" fill="hold"/>
+                                        <p:tgtEl>
+                                          <p:spTgt spid="4">
+                                            <p:txEl>
+                                              <p:pRg st="1" end="1"/>
+                                            </p:txEl>
+                                          </p:spTgt>
+                                        </p:tgtEl>
+                                        <p:attrNameLst>
+                                          <p:attrName>ppt_y</p:attrName>
+                                        </p:attrNameLst>
+                                      </p:cBhvr>
+                                      <p:tavLst>
+                                        <p:tav tm="0">
+                                          <p:val>
+                                            <p:strVal val="#ppt_y+.1"/>
+                                          </p:val>
+                                        </p:tav>
+                                        <p:tav tm="100000">
+                                          <p:val>
+                                            <p:strVal val="#ppt_y"/>
+                                          </p:val>
+                                        </p:tav>
+                                      </p:tavLst>
+                                    </p:anim>
+                                  </p:childTnLst>
+                                </p:cTn>
+                              </p:par>
+                            </p:childTnLst>
+                          </p:cTn>
+                        </p:par>
+                        <p:par>
+                          <p:cTn id="34" fill="hold">
+                            <p:stCondLst>
+                              <p:cond delay="5000"/>
+                            </p:stCondLst>
+                            <p:childTnLst>
+                              <p:par>
+                                <p:cTn id="35" presetID="42" presetClass="entr" presetSubtype="0" fill="hold" nodeType="afterEffect">
+                                  <p:stCondLst>
+                                    <p:cond delay="0"/>
+                                  </p:stCondLst>
+                                  <p:childTnLst>
+                                    <p:set>
+                                      <p:cBhvr>
+                                        <p:cTn id="36" dur="1" fill="hold">
+                                          <p:stCondLst>
+                                            <p:cond delay="0"/>
+                                          </p:stCondLst>
+                                        </p:cTn>
+                                        <p:tgtEl>
+                                          <p:spTgt spid="4">
+                                            <p:txEl>
+                                              <p:pRg st="2" end="2"/>
+                                            </p:txEl>
+                                          </p:spTgt>
+                                        </p:tgtEl>
+                                        <p:attrNameLst>
+                                          <p:attrName>style.visibility</p:attrName>
+                                        </p:attrNameLst>
+                                      </p:cBhvr>
+                                      <p:to>
+                                        <p:strVal val="visible"/>
+                                      </p:to>
+                                    </p:set>
+                                    <p:animEffect transition="in" filter="fade">
+                                      <p:cBhvr>
+                                        <p:cTn id="37" dur="1000"/>
+                                        <p:tgtEl>
+                                          <p:spTgt spid="4">
+                                            <p:txEl>
+                                              <p:pRg st="2" end="2"/>
+                                            </p:txEl>
+                                          </p:spTgt>
+                                        </p:tgtEl>
+                                      </p:cBhvr>
+                                    </p:animEffect>
+                                    <p:anim calcmode="lin" valueType="num">
+                                      <p:cBhvr>
+                                        <p:cTn id="38" dur="1000" fill="hold"/>
+                                        <p:tgtEl>
+                                          <p:spTgt spid="4">
+                                            <p:txEl>
+                                              <p:pRg st="2" end="2"/>
+                                            </p:txEl>
+                                          </p:spTgt>
+                                        </p:tgtEl>
+                                        <p:attrNameLst>
+                                          <p:attrName>ppt_x</p:attrName>
+                                        </p:attrNameLst>
+                                      </p:cBhvr>
+                                      <p:tavLst>
+                                        <p:tav tm="0">
+                                          <p:val>
+                                            <p:strVal val="#ppt_x"/>
+                                          </p:val>
+                                        </p:tav>
+                                        <p:tav tm="100000">
+                                          <p:val>
+                                            <p:strVal val="#ppt_x"/>
+                                          </p:val>
+                                        </p:tav>
+                                      </p:tavLst>
+                                    </p:anim>
+                                    <p:anim calcmode="lin" valueType="num">
+                                      <p:cBhvr>
+                                        <p:cTn id="39" dur="1000" fill="hold"/>
+                                        <p:tgtEl>
+                                          <p:spTgt spid="4">
+                                            <p:txEl>
+                                              <p:pRg st="2" end="2"/>
                                             </p:txEl>
                                           </p:spTgt>
                                         </p:tgtEl>
